--- a/PPT/15 基于Python自动化测试基础.pptx
+++ b/PPT/15 基于Python自动化测试基础.pptx
@@ -70,7 +70,7 @@
     <p:sldId id="346" r:id="rId61"/>
     <p:sldId id="377" r:id="rId62"/>
   </p:sldIdLst>
-  <p:sldSz cx="9144000" cy="6858000" type="screen4x3"/>
+  <p:sldSz cx="9144000" cy="5143500" type="screen16x9"/>
   <p:notesSz cx="6858000" cy="9144000"/>
   <p:defaultTextStyle>
     <a:defPPr>
@@ -1357,8 +1357,8 @@
       </dsp:nvSpPr>
       <dsp:spPr>
         <a:xfrm>
-          <a:off x="1851818" y="0"/>
-          <a:ext cx="4525963" cy="4525963"/>
+          <a:off x="2417564" y="0"/>
+          <a:ext cx="3394471" cy="3394471"/>
         </a:xfrm>
         <a:prstGeom prst="diamond">
           <a:avLst/>
@@ -1438,8 +1438,8 @@
       </dsp:nvSpPr>
       <dsp:spPr>
         <a:xfrm>
-          <a:off x="2213898" y="458014"/>
-          <a:ext cx="1900899" cy="1709029"/>
+          <a:off x="2689123" y="343510"/>
+          <a:ext cx="1425674" cy="1281772"/>
         </a:xfrm>
         <a:prstGeom prst="roundRect">
           <a:avLst/>
@@ -1482,12 +1482,12 @@
         </a:fontRef>
       </dsp:style>
       <dsp:txBody>
-        <a:bodyPr spcFirstLastPara="0" vert="horz" wrap="square" lIns="137160" tIns="137160" rIns="137160" bIns="137160" numCol="1" spcCol="1270" anchor="ctr" anchorCtr="0">
+        <a:bodyPr spcFirstLastPara="0" vert="horz" wrap="square" lIns="102870" tIns="102870" rIns="102870" bIns="102870" numCol="1" spcCol="1270" anchor="ctr" anchorCtr="0">
           <a:noAutofit/>
         </a:bodyPr>
         <a:lstStyle/>
         <a:p>
-          <a:pPr lvl="0" algn="ctr" defTabSz="1600200">
+          <a:pPr lvl="0" algn="ctr" defTabSz="1200150">
             <a:lnSpc>
               <a:spcPct val="90000"/>
             </a:lnSpc>
@@ -1499,14 +1499,14 @@
             </a:spcAft>
           </a:pPr>
           <a:r>
-            <a:rPr lang="en-US" sz="3600" b="1" i="0" kern="1200" dirty="0" smtClean="0">
+            <a:rPr lang="en-US" sz="2700" b="1" i="0" kern="1200" dirty="0" smtClean="0">
               <a:solidFill>
                 <a:schemeClr val="tx1"/>
               </a:solidFill>
             </a:rPr>
             <a:t>test case</a:t>
           </a:r>
-          <a:endParaRPr lang="zh-CN" altLang="en-US" sz="3600" kern="1200" dirty="0">
+          <a:endParaRPr lang="zh-CN" altLang="en-US" sz="2700" kern="1200" dirty="0">
             <a:solidFill>
               <a:schemeClr val="tx1"/>
             </a:solidFill>
@@ -1514,8 +1514,8 @@
         </a:p>
       </dsp:txBody>
       <dsp:txXfrm>
-        <a:off x="2297326" y="541442"/>
-        <a:ext cx="1734043" cy="1542173"/>
+        <a:off x="2751694" y="406081"/>
+        <a:ext cx="1300532" cy="1156630"/>
       </dsp:txXfrm>
     </dsp:sp>
     <dsp:sp modelId="{F1513BEA-022D-4BD6-A6CD-3E599079D875}">
@@ -1525,8 +1525,8 @@
       </dsp:nvSpPr>
       <dsp:spPr>
         <a:xfrm>
-          <a:off x="4182689" y="429966"/>
-          <a:ext cx="1765125" cy="1765125"/>
+          <a:off x="4165717" y="322474"/>
+          <a:ext cx="1323844" cy="1323844"/>
         </a:xfrm>
         <a:prstGeom prst="roundRect">
           <a:avLst/>
@@ -1569,12 +1569,12 @@
         </a:fontRef>
       </dsp:style>
       <dsp:txBody>
-        <a:bodyPr spcFirstLastPara="0" vert="horz" wrap="square" lIns="137160" tIns="137160" rIns="137160" bIns="137160" numCol="1" spcCol="1270" anchor="ctr" anchorCtr="0">
+        <a:bodyPr spcFirstLastPara="0" vert="horz" wrap="square" lIns="102870" tIns="102870" rIns="102870" bIns="102870" numCol="1" spcCol="1270" anchor="ctr" anchorCtr="0">
           <a:noAutofit/>
         </a:bodyPr>
         <a:lstStyle/>
         <a:p>
-          <a:pPr lvl="0" algn="ctr" defTabSz="1600200">
+          <a:pPr lvl="0" algn="ctr" defTabSz="1200150">
             <a:lnSpc>
               <a:spcPct val="90000"/>
             </a:lnSpc>
@@ -1586,14 +1586,14 @@
             </a:spcAft>
           </a:pPr>
           <a:r>
-            <a:rPr lang="en-US" sz="3600" b="1" i="0" kern="1200" dirty="0" smtClean="0">
+            <a:rPr lang="en-US" sz="2700" b="1" i="0" kern="1200" dirty="0" smtClean="0">
               <a:solidFill>
                 <a:schemeClr val="tx1"/>
               </a:solidFill>
             </a:rPr>
             <a:t>test suite </a:t>
           </a:r>
-          <a:endParaRPr lang="zh-CN" altLang="en-US" sz="3600" kern="1200" dirty="0">
+          <a:endParaRPr lang="zh-CN" altLang="en-US" sz="2700" kern="1200" dirty="0">
             <a:solidFill>
               <a:schemeClr val="tx1"/>
             </a:solidFill>
@@ -1601,8 +1601,8 @@
         </a:p>
       </dsp:txBody>
       <dsp:txXfrm>
-        <a:off x="4268855" y="516132"/>
-        <a:ext cx="1592793" cy="1592793"/>
+        <a:off x="4230342" y="387099"/>
+        <a:ext cx="1194594" cy="1194594"/>
       </dsp:txXfrm>
     </dsp:sp>
     <dsp:sp modelId="{F1C2A103-4418-4A99-A62D-0CF2DDF487EC}">
@@ -1612,8 +1612,8 @@
       </dsp:nvSpPr>
       <dsp:spPr>
         <a:xfrm>
-          <a:off x="2281784" y="2330870"/>
-          <a:ext cx="1765125" cy="1765125"/>
+          <a:off x="2740038" y="1748153"/>
+          <a:ext cx="1323844" cy="1323844"/>
         </a:xfrm>
         <a:prstGeom prst="roundRect">
           <a:avLst/>
@@ -1656,12 +1656,12 @@
         </a:fontRef>
       </dsp:style>
       <dsp:txBody>
-        <a:bodyPr spcFirstLastPara="0" vert="horz" wrap="square" lIns="137160" tIns="137160" rIns="137160" bIns="137160" numCol="1" spcCol="1270" anchor="ctr" anchorCtr="0">
+        <a:bodyPr spcFirstLastPara="0" vert="horz" wrap="square" lIns="102870" tIns="102870" rIns="102870" bIns="102870" numCol="1" spcCol="1270" anchor="ctr" anchorCtr="0">
           <a:noAutofit/>
         </a:bodyPr>
         <a:lstStyle/>
         <a:p>
-          <a:pPr lvl="0" algn="ctr" defTabSz="1600200">
+          <a:pPr lvl="0" algn="ctr" defTabSz="1200150">
             <a:lnSpc>
               <a:spcPct val="90000"/>
             </a:lnSpc>
@@ -1673,7 +1673,7 @@
             </a:spcAft>
           </a:pPr>
           <a:r>
-            <a:rPr lang="en-US" sz="3600" b="1" i="0" kern="1200" dirty="0" smtClean="0">
+            <a:rPr lang="en-US" sz="2700" b="1" i="0" kern="1200" dirty="0" smtClean="0">
               <a:solidFill>
                 <a:schemeClr val="tx1"/>
               </a:solidFill>
@@ -1681,7 +1681,7 @@
             <a:t>test</a:t>
           </a:r>
           <a:r>
-            <a:rPr lang="en-US" sz="3600" b="1" i="0" kern="1200" dirty="0" smtClean="0">
+            <a:rPr lang="en-US" sz="2700" b="1" i="0" kern="1200" dirty="0" smtClean="0">
               <a:solidFill>
                 <a:srgbClr val="FF0000"/>
               </a:solidFill>
@@ -1689,14 +1689,14 @@
             <a:t> </a:t>
           </a:r>
           <a:r>
-            <a:rPr lang="en-US" sz="3600" b="1" i="0" kern="1200" dirty="0" smtClean="0">
+            <a:rPr lang="en-US" sz="2700" b="1" i="0" kern="1200" dirty="0" smtClean="0">
               <a:solidFill>
                 <a:schemeClr val="tx1"/>
               </a:solidFill>
             </a:rPr>
             <a:t>runner </a:t>
           </a:r>
-          <a:endParaRPr lang="zh-CN" altLang="en-US" sz="3600" kern="1200" dirty="0">
+          <a:endParaRPr lang="zh-CN" altLang="en-US" sz="2700" kern="1200" dirty="0">
             <a:solidFill>
               <a:schemeClr val="tx1"/>
             </a:solidFill>
@@ -1704,8 +1704,8 @@
         </a:p>
       </dsp:txBody>
       <dsp:txXfrm>
-        <a:off x="2367950" y="2417036"/>
-        <a:ext cx="1592793" cy="1592793"/>
+        <a:off x="2804663" y="1812778"/>
+        <a:ext cx="1194594" cy="1194594"/>
       </dsp:txXfrm>
     </dsp:sp>
     <dsp:sp modelId="{CAEF4B87-2887-44D7-A3DA-6ECB444654EA}">
@@ -1715,8 +1715,8 @@
       </dsp:nvSpPr>
       <dsp:spPr>
         <a:xfrm>
-          <a:off x="4182689" y="2330870"/>
-          <a:ext cx="1765125" cy="1765125"/>
+          <a:off x="4165717" y="1748153"/>
+          <a:ext cx="1323844" cy="1323844"/>
         </a:xfrm>
         <a:prstGeom prst="roundRect">
           <a:avLst/>
@@ -1759,12 +1759,12 @@
         </a:fontRef>
       </dsp:style>
       <dsp:txBody>
-        <a:bodyPr spcFirstLastPara="0" vert="horz" wrap="square" lIns="137160" tIns="137160" rIns="137160" bIns="137160" numCol="1" spcCol="1270" anchor="ctr" anchorCtr="0">
+        <a:bodyPr spcFirstLastPara="0" vert="horz" wrap="square" lIns="102870" tIns="102870" rIns="102870" bIns="102870" numCol="1" spcCol="1270" anchor="ctr" anchorCtr="0">
           <a:noAutofit/>
         </a:bodyPr>
         <a:lstStyle/>
         <a:p>
-          <a:pPr lvl="0" algn="ctr" defTabSz="1600200">
+          <a:pPr lvl="0" algn="ctr" defTabSz="1200150">
             <a:lnSpc>
               <a:spcPct val="90000"/>
             </a:lnSpc>
@@ -1776,7 +1776,7 @@
             </a:spcAft>
           </a:pPr>
           <a:r>
-            <a:rPr lang="en-US" sz="3600" b="1" i="0" kern="1200" dirty="0" smtClean="0">
+            <a:rPr lang="en-US" sz="2700" b="1" i="0" kern="1200" dirty="0" smtClean="0">
               <a:solidFill>
                 <a:schemeClr val="tx1"/>
               </a:solidFill>
@@ -1784,7 +1784,7 @@
             <a:t>test</a:t>
           </a:r>
           <a:r>
-            <a:rPr lang="en-US" sz="3600" b="1" i="0" kern="1200" dirty="0" smtClean="0">
+            <a:rPr lang="en-US" sz="2700" b="1" i="0" kern="1200" dirty="0" smtClean="0">
               <a:solidFill>
                 <a:srgbClr val="FF0000"/>
               </a:solidFill>
@@ -1792,14 +1792,14 @@
             <a:t> </a:t>
           </a:r>
           <a:r>
-            <a:rPr lang="en-US" sz="3600" b="1" i="0" kern="1200" dirty="0" smtClean="0">
+            <a:rPr lang="en-US" sz="2700" b="1" i="0" kern="1200" dirty="0" smtClean="0">
               <a:solidFill>
                 <a:schemeClr val="tx1"/>
               </a:solidFill>
             </a:rPr>
             <a:t>fixture</a:t>
           </a:r>
-          <a:endParaRPr lang="zh-CN" altLang="en-US" sz="3600" kern="1200" dirty="0">
+          <a:endParaRPr lang="zh-CN" altLang="en-US" sz="2700" kern="1200" dirty="0">
             <a:solidFill>
               <a:schemeClr val="tx1"/>
             </a:solidFill>
@@ -1807,8 +1807,8 @@
         </a:p>
       </dsp:txBody>
       <dsp:txXfrm>
-        <a:off x="4268855" y="2417036"/>
-        <a:ext cx="1592793" cy="1592793"/>
+        <a:off x="4230342" y="1812778"/>
+        <a:ext cx="1194594" cy="1194594"/>
       </dsp:txXfrm>
     </dsp:sp>
   </dsp:spTree>
@@ -3378,7 +3378,7 @@
           <a:p>
             <a:fld id="{FE2E5E8A-7204-4BE5-BBDF-75DD32ECDB7F}" type="datetimeFigureOut">
               <a:rPr lang="zh-CN" altLang="en-US" smtClean="0"/>
-              <a:t>2019/5/26</a:t>
+              <a:t>2019/5/27</a:t>
             </a:fld>
             <a:endParaRPr lang="zh-CN" altLang="en-US"/>
           </a:p>
@@ -3396,8 +3396,8 @@
         </p:nvSpPr>
         <p:spPr>
           <a:xfrm>
-            <a:off x="1143000" y="685800"/>
-            <a:ext cx="4572000" cy="3429000"/>
+            <a:off x="381000" y="685800"/>
+            <a:ext cx="6096000" cy="3429000"/>
           </a:xfrm>
           <a:prstGeom prst="rect">
             <a:avLst/>
@@ -3673,7 +3673,12 @@
             <p:ph type="sldImg"/>
           </p:nvPr>
         </p:nvSpPr>
-        <p:spPr/>
+        <p:spPr>
+          <a:xfrm>
+            <a:off x="381000" y="685800"/>
+            <a:ext cx="6096000" cy="3429000"/>
+          </a:xfrm>
+        </p:spPr>
       </p:sp>
       <p:sp>
         <p:nvSpPr>
@@ -3763,7 +3768,12 @@
             <p:ph type="sldImg"/>
           </p:nvPr>
         </p:nvSpPr>
-        <p:spPr/>
+        <p:spPr>
+          <a:xfrm>
+            <a:off x="381000" y="685800"/>
+            <a:ext cx="6096000" cy="3429000"/>
+          </a:xfrm>
+        </p:spPr>
       </p:sp>
       <p:sp>
         <p:nvSpPr>
@@ -3878,7 +3888,12 @@
             <p:ph type="sldImg"/>
           </p:nvPr>
         </p:nvSpPr>
-        <p:spPr/>
+        <p:spPr>
+          <a:xfrm>
+            <a:off x="381000" y="685800"/>
+            <a:ext cx="6096000" cy="3429000"/>
+          </a:xfrm>
+        </p:spPr>
       </p:sp>
       <p:sp>
         <p:nvSpPr>
@@ -3962,7 +3977,12 @@
             <p:ph type="sldImg"/>
           </p:nvPr>
         </p:nvSpPr>
-        <p:spPr/>
+        <p:spPr>
+          <a:xfrm>
+            <a:off x="381000" y="685800"/>
+            <a:ext cx="6096000" cy="3429000"/>
+          </a:xfrm>
+        </p:spPr>
       </p:sp>
       <p:sp>
         <p:nvSpPr>
@@ -4046,7 +4066,12 @@
             <p:ph type="sldImg"/>
           </p:nvPr>
         </p:nvSpPr>
-        <p:spPr/>
+        <p:spPr>
+          <a:xfrm>
+            <a:off x="381000" y="685800"/>
+            <a:ext cx="6096000" cy="3429000"/>
+          </a:xfrm>
+        </p:spPr>
       </p:sp>
       <p:sp>
         <p:nvSpPr>
@@ -4130,7 +4155,12 @@
             <p:ph type="sldImg"/>
           </p:nvPr>
         </p:nvSpPr>
-        <p:spPr/>
+        <p:spPr>
+          <a:xfrm>
+            <a:off x="381000" y="685800"/>
+            <a:ext cx="6096000" cy="3429000"/>
+          </a:xfrm>
+        </p:spPr>
       </p:sp>
       <p:sp>
         <p:nvSpPr>
@@ -4226,7 +4256,12 @@
             <p:ph type="sldImg"/>
           </p:nvPr>
         </p:nvSpPr>
-        <p:spPr/>
+        <p:spPr>
+          <a:xfrm>
+            <a:off x="381000" y="685800"/>
+            <a:ext cx="6096000" cy="3429000"/>
+          </a:xfrm>
+        </p:spPr>
       </p:sp>
       <p:sp>
         <p:nvSpPr>
@@ -4310,7 +4345,12 @@
             <p:ph type="sldImg"/>
           </p:nvPr>
         </p:nvSpPr>
-        <p:spPr/>
+        <p:spPr>
+          <a:xfrm>
+            <a:off x="381000" y="685800"/>
+            <a:ext cx="6096000" cy="3429000"/>
+          </a:xfrm>
+        </p:spPr>
       </p:sp>
       <p:sp>
         <p:nvSpPr>
@@ -4395,7 +4435,12 @@
             <p:ph type="sldImg"/>
           </p:nvPr>
         </p:nvSpPr>
-        <p:spPr/>
+        <p:spPr>
+          <a:xfrm>
+            <a:off x="381000" y="685800"/>
+            <a:ext cx="6096000" cy="3429000"/>
+          </a:xfrm>
+        </p:spPr>
       </p:sp>
       <p:sp>
         <p:nvSpPr>
@@ -4585,7 +4630,12 @@
             <p:ph type="sldImg"/>
           </p:nvPr>
         </p:nvSpPr>
-        <p:spPr/>
+        <p:spPr>
+          <a:xfrm>
+            <a:off x="381000" y="685800"/>
+            <a:ext cx="6096000" cy="3429000"/>
+          </a:xfrm>
+        </p:spPr>
       </p:sp>
       <p:sp>
         <p:nvSpPr>
@@ -4669,7 +4719,12 @@
             <p:ph type="sldImg"/>
           </p:nvPr>
         </p:nvSpPr>
-        <p:spPr/>
+        <p:spPr>
+          <a:xfrm>
+            <a:off x="381000" y="685800"/>
+            <a:ext cx="6096000" cy="3429000"/>
+          </a:xfrm>
+        </p:spPr>
       </p:sp>
       <p:sp>
         <p:nvSpPr>
@@ -4753,7 +4808,12 @@
             <p:ph type="sldImg"/>
           </p:nvPr>
         </p:nvSpPr>
-        <p:spPr/>
+        <p:spPr>
+          <a:xfrm>
+            <a:off x="381000" y="685800"/>
+            <a:ext cx="6096000" cy="3429000"/>
+          </a:xfrm>
+        </p:spPr>
       </p:sp>
       <p:sp>
         <p:nvSpPr>
@@ -4843,7 +4903,12 @@
             <p:ph type="sldImg"/>
           </p:nvPr>
         </p:nvSpPr>
-        <p:spPr/>
+        <p:spPr>
+          <a:xfrm>
+            <a:off x="381000" y="685800"/>
+            <a:ext cx="6096000" cy="3429000"/>
+          </a:xfrm>
+        </p:spPr>
       </p:sp>
       <p:sp>
         <p:nvSpPr>
@@ -4927,7 +4992,12 @@
             <p:ph type="sldImg"/>
           </p:nvPr>
         </p:nvSpPr>
-        <p:spPr/>
+        <p:spPr>
+          <a:xfrm>
+            <a:off x="381000" y="685800"/>
+            <a:ext cx="6096000" cy="3429000"/>
+          </a:xfrm>
+        </p:spPr>
       </p:sp>
       <p:sp>
         <p:nvSpPr>
@@ -5011,7 +5081,12 @@
             <p:ph type="sldImg"/>
           </p:nvPr>
         </p:nvSpPr>
-        <p:spPr/>
+        <p:spPr>
+          <a:xfrm>
+            <a:off x="381000" y="685800"/>
+            <a:ext cx="6096000" cy="3429000"/>
+          </a:xfrm>
+        </p:spPr>
       </p:sp>
       <p:sp>
         <p:nvSpPr>
@@ -5095,7 +5170,12 @@
             <p:ph type="sldImg"/>
           </p:nvPr>
         </p:nvSpPr>
-        <p:spPr/>
+        <p:spPr>
+          <a:xfrm>
+            <a:off x="381000" y="685800"/>
+            <a:ext cx="6096000" cy="3429000"/>
+          </a:xfrm>
+        </p:spPr>
       </p:sp>
       <p:sp>
         <p:nvSpPr>
@@ -5179,7 +5259,12 @@
             <p:ph type="sldImg"/>
           </p:nvPr>
         </p:nvSpPr>
-        <p:spPr/>
+        <p:spPr>
+          <a:xfrm>
+            <a:off x="381000" y="685800"/>
+            <a:ext cx="6096000" cy="3429000"/>
+          </a:xfrm>
+        </p:spPr>
       </p:sp>
       <p:sp>
         <p:nvSpPr>
@@ -5286,7 +5371,12 @@
             <p:ph type="sldImg"/>
           </p:nvPr>
         </p:nvSpPr>
-        <p:spPr/>
+        <p:spPr>
+          <a:xfrm>
+            <a:off x="381000" y="685800"/>
+            <a:ext cx="6096000" cy="3429000"/>
+          </a:xfrm>
+        </p:spPr>
       </p:sp>
       <p:sp>
         <p:nvSpPr>
@@ -5382,7 +5472,12 @@
             <p:ph type="sldImg"/>
           </p:nvPr>
         </p:nvSpPr>
-        <p:spPr/>
+        <p:spPr>
+          <a:xfrm>
+            <a:off x="381000" y="685800"/>
+            <a:ext cx="6096000" cy="3429000"/>
+          </a:xfrm>
+        </p:spPr>
       </p:sp>
       <p:sp>
         <p:nvSpPr>
@@ -5466,8 +5561,8 @@
         </p:nvSpPr>
         <p:spPr bwMode="auto">
           <a:xfrm>
-            <a:off x="730241" y="1097074"/>
-            <a:ext cx="7773206" cy="1499810"/>
+            <a:off x="730241" y="822805"/>
+            <a:ext cx="7773206" cy="1124858"/>
           </a:xfrm>
           <a:prstGeom prst="rect">
             <a:avLst/>
@@ -5699,8 +5794,8 @@
         </p:nvSpPr>
         <p:spPr>
           <a:xfrm>
-            <a:off x="730241" y="4115031"/>
-            <a:ext cx="7773206" cy="684327"/>
+            <a:off x="730241" y="3086274"/>
+            <a:ext cx="7773206" cy="513245"/>
           </a:xfrm>
           <a:prstGeom prst="rect">
             <a:avLst/>
@@ -5882,8 +5977,8 @@
         </p:nvSpPr>
         <p:spPr>
           <a:xfrm>
-            <a:off x="404377" y="3056338"/>
-            <a:ext cx="8230138" cy="542774"/>
+            <a:off x="404377" y="2292253"/>
+            <a:ext cx="8230138" cy="407081"/>
           </a:xfrm>
           <a:noFill/>
           <a:ln>
@@ -5984,8 +6079,8 @@
         </p:nvSpPr>
         <p:spPr>
           <a:xfrm>
-            <a:off x="323528" y="1340768"/>
-            <a:ext cx="8229600" cy="4525963"/>
+            <a:off x="323528" y="1005576"/>
+            <a:ext cx="8229600" cy="3394472"/>
           </a:xfrm>
         </p:spPr>
         <p:txBody>
@@ -6077,7 +6172,7 @@
           <a:p>
             <a:fld id="{530820CF-B880-4189-942D-D702A7CBA730}" type="datetimeFigureOut">
               <a:rPr lang="zh-CN" altLang="en-US" smtClean="0"/>
-              <a:t>2019/5/26</a:t>
+              <a:t>2019/5/27</a:t>
             </a:fld>
             <a:endParaRPr lang="zh-CN" altLang="en-US"/>
           </a:p>
@@ -6134,7 +6229,7 @@
         <p:spPr>
           <a:xfrm>
             <a:off x="0" y="0"/>
-            <a:ext cx="9145588" cy="818867"/>
+            <a:ext cx="9145588" cy="614150"/>
           </a:xfrm>
           <a:prstGeom prst="rect">
             <a:avLst/>
@@ -6184,7 +6279,7 @@
         <p:spPr>
           <a:xfrm>
             <a:off x="-9602" y="0"/>
-            <a:ext cx="9153601" cy="818867"/>
+            <a:ext cx="9153601" cy="614150"/>
           </a:xfrm>
         </p:spPr>
         <p:txBody>
@@ -6248,8 +6343,8 @@
         </p:nvSpPr>
         <p:spPr>
           <a:xfrm>
-            <a:off x="683568" y="1052736"/>
-            <a:ext cx="7666037" cy="4641851"/>
+            <a:off x="683568" y="789553"/>
+            <a:ext cx="7666037" cy="3481388"/>
           </a:xfrm>
         </p:spPr>
         <p:txBody>
@@ -6336,8 +6431,8 @@
         </p:nvSpPr>
         <p:spPr>
           <a:xfrm>
-            <a:off x="782638" y="6527801"/>
-            <a:ext cx="349250" cy="207963"/>
+            <a:off x="782638" y="4895851"/>
+            <a:ext cx="349250" cy="155972"/>
           </a:xfrm>
           <a:prstGeom prst="rect">
             <a:avLst/>
@@ -6369,8 +6464,8 @@
         </p:nvSpPr>
         <p:spPr>
           <a:xfrm>
-            <a:off x="-828600" y="-162272"/>
-            <a:ext cx="8229600" cy="1143000"/>
+            <a:off x="-828600" y="-121704"/>
+            <a:ext cx="8229600" cy="857250"/>
           </a:xfrm>
           <a:prstGeom prst="rect">
             <a:avLst/>
@@ -6414,7 +6509,7 @@
         <p:spPr>
           <a:xfrm>
             <a:off x="0" y="0"/>
-            <a:ext cx="9145588" cy="818867"/>
+            <a:ext cx="9145588" cy="614150"/>
           </a:xfrm>
           <a:prstGeom prst="rect">
             <a:avLst/>
@@ -6464,7 +6559,7 @@
         <p:spPr>
           <a:xfrm>
             <a:off x="-9602" y="0"/>
-            <a:ext cx="9153601" cy="818867"/>
+            <a:ext cx="9153601" cy="614150"/>
           </a:xfrm>
         </p:spPr>
         <p:txBody>
@@ -6541,8 +6636,8 @@
         </p:nvSpPr>
         <p:spPr>
           <a:xfrm>
-            <a:off x="685398" y="2130277"/>
-            <a:ext cx="7773206" cy="1092917"/>
+            <a:off x="685398" y="1597708"/>
+            <a:ext cx="7773206" cy="819688"/>
           </a:xfrm>
         </p:spPr>
         <p:txBody>
@@ -6577,8 +6672,8 @@
         </p:nvSpPr>
         <p:spPr>
           <a:xfrm>
-            <a:off x="1522985" y="3429000"/>
-            <a:ext cx="6399725" cy="709653"/>
+            <a:off x="1522985" y="2571750"/>
+            <a:ext cx="6399725" cy="532240"/>
           </a:xfrm>
         </p:spPr>
         <p:txBody>
@@ -6685,8 +6780,8 @@
         </p:blipFill>
         <p:spPr bwMode="auto">
           <a:xfrm>
-            <a:off x="1" y="1980595"/>
-            <a:ext cx="4437609" cy="2819703"/>
+            <a:off x="2" y="1485447"/>
+            <a:ext cx="4437609" cy="2114777"/>
           </a:xfrm>
           <a:prstGeom prst="rect">
             <a:avLst/>
@@ -6728,8 +6823,8 @@
         </p:nvSpPr>
         <p:spPr>
           <a:xfrm>
-            <a:off x="4437610" y="479277"/>
-            <a:ext cx="4585439" cy="5282595"/>
+            <a:off x="4437610" y="359458"/>
+            <a:ext cx="4585439" cy="3961946"/>
           </a:xfrm>
           <a:solidFill>
             <a:srgbClr val="C00000"/>
@@ -6812,7 +6907,7 @@
         </p:nvSpPr>
         <p:spPr>
           <a:xfrm>
-            <a:off x="2376709" y="3382022"/>
+            <a:off x="2376709" y="2536517"/>
             <a:ext cx="1351424" cy="412421"/>
           </a:xfrm>
           <a:prstGeom prst="rect">
@@ -6857,7 +6952,7 @@
         </p:nvSpPr>
         <p:spPr>
           <a:xfrm>
-            <a:off x="1449035" y="2511085"/>
+            <a:off x="1449036" y="1883314"/>
             <a:ext cx="1250599" cy="735586"/>
           </a:xfrm>
           <a:prstGeom prst="rect">
@@ -6926,7 +7021,7 @@
         </p:nvSpPr>
         <p:spPr bwMode="auto">
           <a:xfrm>
-            <a:off x="2107967" y="3634810"/>
+            <a:off x="2107968" y="2726108"/>
             <a:ext cx="1399679" cy="2197525"/>
           </a:xfrm>
           <a:prstGeom prst="rect">
@@ -7183,8 +7278,8 @@
         </p:blipFill>
         <p:spPr bwMode="auto">
           <a:xfrm>
-            <a:off x="0" y="548824"/>
-            <a:ext cx="9144000" cy="3224892"/>
+            <a:off x="0" y="411618"/>
+            <a:ext cx="9144000" cy="2418669"/>
           </a:xfrm>
           <a:prstGeom prst="rect">
             <a:avLst/>
@@ -7226,7 +7321,7 @@
         </p:nvSpPr>
         <p:spPr>
           <a:xfrm>
-            <a:off x="4635343" y="4763356"/>
+            <a:off x="4635343" y="3292056"/>
             <a:ext cx="3681872" cy="1121846"/>
           </a:xfrm>
           <a:noFill/>
@@ -7295,7 +7390,7 @@
         </p:nvSpPr>
         <p:spPr bwMode="auto">
           <a:xfrm>
-            <a:off x="3683143" y="5725126"/>
+            <a:off x="3683143" y="4293844"/>
             <a:ext cx="853724" cy="421654"/>
           </a:xfrm>
           <a:prstGeom prst="rect">
@@ -7511,7 +7606,7 @@
         </p:nvSpPr>
         <p:spPr>
           <a:xfrm>
-            <a:off x="2696709" y="3270030"/>
+            <a:off x="2696710" y="2043950"/>
             <a:ext cx="1379269" cy="3268587"/>
           </a:xfrm>
           <a:noFill/>
@@ -7622,8 +7717,8 @@
         </p:blipFill>
         <p:spPr bwMode="auto">
           <a:xfrm>
-            <a:off x="1" y="958548"/>
-            <a:ext cx="4633820" cy="2951238"/>
+            <a:off x="1" y="718911"/>
+            <a:ext cx="4633820" cy="2213429"/>
           </a:xfrm>
           <a:prstGeom prst="rect">
             <a:avLst/>
@@ -7676,8 +7771,8 @@
         </p:blipFill>
         <p:spPr bwMode="auto">
           <a:xfrm>
-            <a:off x="4633822" y="958548"/>
-            <a:ext cx="4519588" cy="2951238"/>
+            <a:off x="4633822" y="718911"/>
+            <a:ext cx="4519588" cy="2213429"/>
           </a:xfrm>
           <a:prstGeom prst="rect">
             <a:avLst/>
@@ -7719,7 +7814,7 @@
         </p:nvSpPr>
         <p:spPr>
           <a:xfrm>
-            <a:off x="713089" y="4805636"/>
+            <a:off x="713090" y="3335308"/>
             <a:ext cx="7552673" cy="1075679"/>
           </a:xfrm>
           <a:noFill/>
@@ -7834,7 +7929,7 @@
         </p:nvCxnSpPr>
         <p:spPr bwMode="auto">
           <a:xfrm flipH="1">
-            <a:off x="14785" y="742346"/>
+            <a:off x="14785" y="556760"/>
             <a:ext cx="4454312" cy="0"/>
           </a:xfrm>
           <a:prstGeom prst="line">
@@ -7870,8 +7965,8 @@
         </p:nvSpPr>
         <p:spPr>
           <a:xfrm>
-            <a:off x="303379" y="142114"/>
-            <a:ext cx="8230138" cy="542774"/>
+            <a:off x="303379" y="106585"/>
+            <a:ext cx="8230138" cy="407081"/>
           </a:xfrm>
           <a:noFill/>
           <a:ln>
@@ -7933,8 +8028,8 @@
         </p:nvSpPr>
         <p:spPr>
           <a:xfrm>
-            <a:off x="341686" y="1161145"/>
-            <a:ext cx="8460630" cy="5007429"/>
+            <a:off x="341686" y="870859"/>
+            <a:ext cx="8460630" cy="3755572"/>
           </a:xfrm>
         </p:spPr>
         <p:txBody>
@@ -8189,7 +8284,7 @@
         </p:nvCxnSpPr>
         <p:spPr bwMode="auto">
           <a:xfrm flipH="1">
-            <a:off x="14785" y="742346"/>
+            <a:off x="14785" y="556760"/>
             <a:ext cx="4454312" cy="0"/>
           </a:xfrm>
           <a:prstGeom prst="line">
@@ -8261,7 +8356,7 @@
         </p:nvSpPr>
         <p:spPr bwMode="auto">
           <a:xfrm>
-            <a:off x="3472677" y="3017763"/>
+            <a:off x="3472677" y="2263322"/>
             <a:ext cx="2363852" cy="889474"/>
           </a:xfrm>
           <a:prstGeom prst="rect">
@@ -8529,7 +8624,7 @@
           <a:p>
             <a:fld id="{530820CF-B880-4189-942D-D702A7CBA730}" type="datetimeFigureOut">
               <a:rPr lang="zh-CN" altLang="en-US" smtClean="0"/>
-              <a:t>2019/5/26</a:t>
+              <a:t>2019/5/27</a:t>
             </a:fld>
             <a:endParaRPr lang="zh-CN" altLang="en-US"/>
           </a:p>
@@ -8585,8 +8680,8 @@
         </p:nvSpPr>
         <p:spPr>
           <a:xfrm>
-            <a:off x="2106" y="818867"/>
-            <a:ext cx="9144000" cy="6210887"/>
+            <a:off x="2106" y="614151"/>
+            <a:ext cx="9144000" cy="4658165"/>
           </a:xfrm>
           <a:prstGeom prst="rect">
             <a:avLst/>
@@ -8632,7 +8727,7 @@
         <p:spPr>
           <a:xfrm>
             <a:off x="0" y="0"/>
-            <a:ext cx="9145588" cy="818867"/>
+            <a:ext cx="9145588" cy="614150"/>
           </a:xfrm>
           <a:prstGeom prst="rect">
             <a:avLst/>
@@ -8681,8 +8776,8 @@
         </p:nvSpPr>
         <p:spPr>
           <a:xfrm>
-            <a:off x="685800" y="2130426"/>
-            <a:ext cx="7772400" cy="1470025"/>
+            <a:off x="685800" y="1597820"/>
+            <a:ext cx="7772400" cy="1102519"/>
           </a:xfrm>
         </p:spPr>
         <p:txBody>
@@ -8721,8 +8816,8 @@
         </p:nvSpPr>
         <p:spPr>
           <a:xfrm>
-            <a:off x="1371600" y="3886200"/>
-            <a:ext cx="6400800" cy="1752600"/>
+            <a:off x="1371600" y="2914650"/>
+            <a:ext cx="6400800" cy="1314450"/>
           </a:xfrm>
         </p:spPr>
         <p:txBody>
@@ -8873,8 +8968,8 @@
         </p:nvSpPr>
         <p:spPr bwMode="auto">
           <a:xfrm>
-            <a:off x="456932" y="143026"/>
-            <a:ext cx="8230138" cy="542774"/>
+            <a:off x="456932" y="107269"/>
+            <a:ext cx="8230138" cy="407081"/>
           </a:xfrm>
           <a:prstGeom prst="rect">
             <a:avLst/>
@@ -8933,8 +9028,8 @@
         </p:nvSpPr>
         <p:spPr bwMode="auto">
           <a:xfrm>
-            <a:off x="419302" y="1307801"/>
-            <a:ext cx="8228794" cy="4525130"/>
+            <a:off x="419302" y="980850"/>
+            <a:ext cx="8228794" cy="3393848"/>
           </a:xfrm>
           <a:prstGeom prst="rect">
             <a:avLst/>
@@ -9069,8 +9164,8 @@
         </p:nvSpPr>
         <p:spPr bwMode="auto">
           <a:xfrm>
-            <a:off x="1" y="6514798"/>
-            <a:ext cx="9143999" cy="69933"/>
+            <a:off x="2" y="4886099"/>
+            <a:ext cx="9143999" cy="52450"/>
           </a:xfrm>
           <a:prstGeom prst="rect">
             <a:avLst/>
@@ -9129,8 +9224,8 @@
         </p:blipFill>
         <p:spPr>
           <a:xfrm>
-            <a:off x="7978180" y="0"/>
-            <a:ext cx="1149081" cy="685800"/>
+            <a:off x="7978181" y="0"/>
+            <a:ext cx="1149081" cy="514350"/>
           </a:xfrm>
           <a:prstGeom prst="rect">
             <a:avLst/>
@@ -9622,8 +9717,8 @@
         </p:nvSpPr>
         <p:spPr>
           <a:xfrm>
-            <a:off x="457200" y="274637"/>
-            <a:ext cx="8229600" cy="1143000"/>
+            <a:off x="457200" y="205978"/>
+            <a:ext cx="8229600" cy="857250"/>
           </a:xfrm>
           <a:prstGeom prst="rect">
             <a:avLst/>
@@ -9655,8 +9750,8 @@
         </p:nvSpPr>
         <p:spPr>
           <a:xfrm>
-            <a:off x="457200" y="1600201"/>
-            <a:ext cx="8229600" cy="4525963"/>
+            <a:off x="457200" y="1200151"/>
+            <a:ext cx="8229600" cy="3394472"/>
           </a:xfrm>
           <a:prstGeom prst="rect">
             <a:avLst/>
@@ -9717,8 +9812,8 @@
         </p:nvSpPr>
         <p:spPr>
           <a:xfrm>
-            <a:off x="457200" y="6356351"/>
-            <a:ext cx="2133600" cy="365125"/>
+            <a:off x="457200" y="4767264"/>
+            <a:ext cx="2133600" cy="273844"/>
           </a:xfrm>
           <a:prstGeom prst="rect">
             <a:avLst/>
@@ -9740,7 +9835,7 @@
           <a:p>
             <a:fld id="{530820CF-B880-4189-942D-D702A7CBA730}" type="datetimeFigureOut">
               <a:rPr lang="zh-CN" altLang="en-US" smtClean="0"/>
-              <a:t>2019/5/26</a:t>
+              <a:t>2019/5/27</a:t>
             </a:fld>
             <a:endParaRPr lang="zh-CN" altLang="en-US"/>
           </a:p>
@@ -9758,8 +9853,8 @@
         </p:nvSpPr>
         <p:spPr>
           <a:xfrm>
-            <a:off x="3124200" y="6356351"/>
-            <a:ext cx="2895600" cy="365125"/>
+            <a:off x="3124200" y="4767264"/>
+            <a:ext cx="2895600" cy="273844"/>
           </a:xfrm>
           <a:prstGeom prst="rect">
             <a:avLst/>
@@ -9795,8 +9890,8 @@
         </p:nvSpPr>
         <p:spPr>
           <a:xfrm>
-            <a:off x="6553200" y="6356351"/>
-            <a:ext cx="2133600" cy="365125"/>
+            <a:off x="6553200" y="4767264"/>
+            <a:ext cx="2133600" cy="273844"/>
           </a:xfrm>
           <a:prstGeom prst="rect">
             <a:avLst/>
@@ -10242,7 +10337,9 @@
         </p:nvSpPr>
         <p:spPr/>
         <p:txBody>
-          <a:bodyPr/>
+          <a:bodyPr>
+            <a:normAutofit fontScale="90000"/>
+          </a:bodyPr>
           <a:lstStyle/>
           <a:p>
             <a:r>
@@ -10280,8 +10377,8 @@
         </p:blipFill>
         <p:spPr bwMode="auto">
           <a:xfrm>
-            <a:off x="1979712" y="2780928"/>
-            <a:ext cx="4200128" cy="2611955"/>
+            <a:off x="1979712" y="2085696"/>
+            <a:ext cx="4200128" cy="1958966"/>
           </a:xfrm>
           <a:prstGeom prst="rect">
             <a:avLst/>
@@ -10552,7 +10649,9 @@
         </p:nvSpPr>
         <p:spPr/>
         <p:txBody>
-          <a:bodyPr/>
+          <a:bodyPr>
+            <a:normAutofit fontScale="90000"/>
+          </a:bodyPr>
           <a:lstStyle/>
           <a:p>
             <a:r>
@@ -10620,13 +10719,13 @@
         </p:nvSpPr>
         <p:spPr>
           <a:xfrm>
-            <a:off x="323528" y="1124744"/>
-            <a:ext cx="9126858" cy="5544616"/>
+            <a:off x="323528" y="843558"/>
+            <a:ext cx="9126858" cy="4158462"/>
           </a:xfrm>
         </p:spPr>
         <p:txBody>
           <a:bodyPr>
-            <a:normAutofit fontScale="70000" lnSpcReduction="20000"/>
+            <a:normAutofit fontScale="55000" lnSpcReduction="20000"/>
           </a:bodyPr>
           <a:lstStyle/>
           <a:p>
@@ -10665,14 +10764,7 @@
                 <a:latin typeface="+mn-ea"/>
                 <a:ea typeface="+mn-ea"/>
               </a:rPr>
-              <a:t>放</a:t>
-            </a:r>
-            <a:r>
-              <a:rPr lang="zh-CN" altLang="en-US" sz="2900" dirty="0" smtClean="0">
-                <a:latin typeface="+mn-ea"/>
-                <a:ea typeface="+mn-ea"/>
-              </a:rPr>
-              <a:t>在</a:t>
+              <a:t>放在</a:t>
             </a:r>
             <a:r>
               <a:rPr lang="en-US" altLang="zh-CN" sz="2900" dirty="0">
@@ -11123,7 +11215,9 @@
         </p:nvSpPr>
         <p:spPr/>
         <p:txBody>
-          <a:bodyPr/>
+          <a:bodyPr>
+            <a:normAutofit fontScale="90000"/>
+          </a:bodyPr>
           <a:lstStyle/>
           <a:p>
             <a:r>
@@ -11184,7 +11278,7 @@
         <p:spPr/>
         <p:txBody>
           <a:bodyPr>
-            <a:normAutofit lnSpcReduction="10000"/>
+            <a:normAutofit fontScale="77500" lnSpcReduction="20000"/>
           </a:bodyPr>
           <a:lstStyle/>
           <a:p>
@@ -11497,8 +11591,8 @@
         </p:nvSpPr>
         <p:spPr>
           <a:xfrm>
-            <a:off x="467544" y="332656"/>
-            <a:ext cx="7920880" cy="382509"/>
+            <a:off x="467544" y="249492"/>
+            <a:ext cx="7920880" cy="286882"/>
           </a:xfrm>
         </p:spPr>
         <p:txBody>
@@ -11575,8 +11669,8 @@
         </p:blipFill>
         <p:spPr>
           <a:xfrm>
-            <a:off x="395536" y="1628800"/>
-            <a:ext cx="7754906" cy="2880320"/>
+            <a:off x="395536" y="1221600"/>
+            <a:ext cx="7754906" cy="2160240"/>
           </a:xfrm>
         </p:spPr>
       </p:pic>
@@ -11592,7 +11686,9 @@
         </p:nvSpPr>
         <p:spPr/>
         <p:txBody>
-          <a:bodyPr/>
+          <a:bodyPr>
+            <a:normAutofit fontScale="90000"/>
+          </a:bodyPr>
           <a:lstStyle/>
           <a:p>
             <a:r>
@@ -11660,13 +11756,13 @@
         </p:nvSpPr>
         <p:spPr>
           <a:xfrm>
-            <a:off x="341686" y="1161145"/>
-            <a:ext cx="8802314" cy="5007429"/>
+            <a:off x="341686" y="870859"/>
+            <a:ext cx="8802314" cy="3755572"/>
           </a:xfrm>
         </p:spPr>
         <p:txBody>
           <a:bodyPr>
-            <a:normAutofit fontScale="92500" lnSpcReduction="10000"/>
+            <a:normAutofit fontScale="70000" lnSpcReduction="20000"/>
           </a:bodyPr>
           <a:lstStyle/>
           <a:p>
@@ -12318,7 +12414,9 @@
         </p:nvSpPr>
         <p:spPr/>
         <p:txBody>
-          <a:bodyPr/>
+          <a:bodyPr>
+            <a:normAutofit fontScale="90000"/>
+          </a:bodyPr>
           <a:lstStyle/>
           <a:p>
             <a:r>
@@ -12386,12 +12484,14 @@
         </p:nvSpPr>
         <p:spPr>
           <a:xfrm>
-            <a:off x="341686" y="1161145"/>
-            <a:ext cx="10350994" cy="5007429"/>
+            <a:off x="341686" y="870859"/>
+            <a:ext cx="10350994" cy="3755572"/>
           </a:xfrm>
         </p:spPr>
         <p:txBody>
-          <a:bodyPr/>
+          <a:bodyPr>
+            <a:normAutofit fontScale="92500" lnSpcReduction="20000"/>
+          </a:bodyPr>
           <a:lstStyle/>
           <a:p>
             <a:pPr>
@@ -12695,6 +12795,64 @@
             <a:pPr marL="0" indent="0">
               <a:buNone/>
             </a:pPr>
+            <a:r>
+              <a:rPr lang="en-US" altLang="zh-CN" sz="2400" dirty="0" err="1"/>
+              <a:t>driver.find_element_by_xpath</a:t>
+            </a:r>
+            <a:r>
+              <a:rPr lang="en-US" altLang="zh-CN" sz="2400" dirty="0">
+                <a:solidFill>
+                  <a:srgbClr val="FF0000"/>
+                </a:solidFill>
+                <a:ea typeface="华文楷体" panose="02010600040101010101" pitchFamily="2" charset="-122"/>
+              </a:rPr>
+              <a:t>(“//</a:t>
+            </a:r>
+            <a:r>
+              <a:rPr lang="en-US" altLang="zh-CN" sz="2400" dirty="0" err="1" smtClean="0">
+                <a:solidFill>
+                  <a:srgbClr val="FF0000"/>
+                </a:solidFill>
+                <a:ea typeface="华文楷体" panose="02010600040101010101" pitchFamily="2" charset="-122"/>
+              </a:rPr>
+              <a:t>img</a:t>
+            </a:r>
+            <a:r>
+              <a:rPr lang="en-US" altLang="zh-CN" sz="2400" dirty="0" smtClean="0">
+                <a:solidFill>
+                  <a:srgbClr val="FF0000"/>
+                </a:solidFill>
+                <a:ea typeface="华文楷体" panose="02010600040101010101" pitchFamily="2" charset="-122"/>
+              </a:rPr>
+              <a:t>[contains(text(),</a:t>
+            </a:r>
+            <a:r>
+              <a:rPr lang="zh-CN" altLang="en-US" sz="2400" dirty="0" smtClean="0">
+                <a:solidFill>
+                  <a:srgbClr val="FF0000"/>
+                </a:solidFill>
+                <a:ea typeface="华文楷体" panose="02010600040101010101" pitchFamily="2" charset="-122"/>
+              </a:rPr>
+              <a:t>‘</a:t>
+            </a:r>
+            <a:r>
+              <a:rPr lang="en-US" altLang="zh-CN" sz="2400" dirty="0" smtClean="0">
+                <a:solidFill>
+                  <a:srgbClr val="FF0000"/>
+                </a:solidFill>
+                <a:ea typeface="华文楷体" panose="02010600040101010101" pitchFamily="2" charset="-122"/>
+              </a:rPr>
+              <a:t>div1</a:t>
+            </a:r>
+            <a:r>
+              <a:rPr lang="en-US" altLang="zh-CN" sz="2400" dirty="0">
+                <a:solidFill>
+                  <a:srgbClr val="FF0000"/>
+                </a:solidFill>
+                <a:ea typeface="华文楷体" panose="02010600040101010101" pitchFamily="2" charset="-122"/>
+              </a:rPr>
+              <a:t>’)]”)</a:t>
+            </a:r>
             <a:endParaRPr lang="en-US" altLang="zh-CN" sz="2400" dirty="0">
               <a:latin typeface="微软雅黑" panose="020B0503020204020204" pitchFamily="34" charset="-122"/>
             </a:endParaRPr>
@@ -12713,7 +12871,9 @@
         </p:nvSpPr>
         <p:spPr/>
         <p:txBody>
-          <a:bodyPr/>
+          <a:bodyPr>
+            <a:normAutofit fontScale="90000"/>
+          </a:bodyPr>
           <a:lstStyle/>
           <a:p>
             <a:r>
@@ -12793,13 +12953,13 @@
         </p:nvSpPr>
         <p:spPr>
           <a:xfrm>
-            <a:off x="323528" y="1124744"/>
-            <a:ext cx="8229600" cy="4741987"/>
+            <a:off x="323528" y="843559"/>
+            <a:ext cx="8229600" cy="3556490"/>
           </a:xfrm>
         </p:spPr>
         <p:txBody>
           <a:bodyPr>
-            <a:normAutofit fontScale="85000" lnSpcReduction="20000"/>
+            <a:normAutofit fontScale="62500" lnSpcReduction="20000"/>
           </a:bodyPr>
           <a:lstStyle/>
           <a:p>
@@ -13092,8 +13252,8 @@
         </p:nvSpPr>
         <p:spPr>
           <a:xfrm>
-            <a:off x="467544" y="332656"/>
-            <a:ext cx="8136904" cy="382509"/>
+            <a:off x="467544" y="249492"/>
+            <a:ext cx="8136904" cy="286882"/>
           </a:xfrm>
         </p:spPr>
         <p:txBody>
@@ -13310,8 +13470,8 @@
         </p:nvSpPr>
         <p:spPr>
           <a:xfrm>
-            <a:off x="467544" y="332656"/>
-            <a:ext cx="8064896" cy="382509"/>
+            <a:off x="467544" y="249492"/>
+            <a:ext cx="8064896" cy="286882"/>
           </a:xfrm>
         </p:spPr>
         <p:txBody>
@@ -13377,7 +13537,9 @@
         </p:nvSpPr>
         <p:spPr/>
         <p:txBody>
-          <a:bodyPr/>
+          <a:bodyPr>
+            <a:normAutofit fontScale="85000" lnSpcReduction="10000"/>
+          </a:bodyPr>
           <a:lstStyle/>
           <a:p>
             <a:pPr marL="0" indent="0">
@@ -13714,7 +13876,9 @@
         </p:nvSpPr>
         <p:spPr/>
         <p:txBody>
-          <a:bodyPr/>
+          <a:bodyPr>
+            <a:normAutofit fontScale="90000"/>
+          </a:bodyPr>
           <a:lstStyle/>
           <a:p>
             <a:r>
@@ -13960,7 +14124,9 @@
         </p:nvSpPr>
         <p:spPr/>
         <p:txBody>
-          <a:bodyPr/>
+          <a:bodyPr>
+            <a:normAutofit fontScale="90000"/>
+          </a:bodyPr>
           <a:lstStyle/>
           <a:p>
             <a:r>
@@ -14028,13 +14194,13 @@
         </p:nvSpPr>
         <p:spPr>
           <a:xfrm>
-            <a:off x="323528" y="980728"/>
-            <a:ext cx="8229600" cy="4886003"/>
+            <a:off x="323528" y="735547"/>
+            <a:ext cx="8229600" cy="3664502"/>
           </a:xfrm>
         </p:spPr>
         <p:txBody>
           <a:bodyPr>
-            <a:normAutofit fontScale="92500"/>
+            <a:normAutofit fontScale="85000" lnSpcReduction="20000"/>
           </a:bodyPr>
           <a:lstStyle/>
           <a:p>
@@ -14381,8 +14547,8 @@
         </p:nvSpPr>
         <p:spPr>
           <a:xfrm>
-            <a:off x="323528" y="260648"/>
-            <a:ext cx="8568952" cy="526525"/>
+            <a:off x="323528" y="195486"/>
+            <a:ext cx="8568952" cy="394894"/>
           </a:xfrm>
         </p:spPr>
         <p:txBody>
@@ -14452,13 +14618,13 @@
         </p:nvSpPr>
         <p:spPr>
           <a:xfrm>
-            <a:off x="143000" y="1196752"/>
-            <a:ext cx="9001000" cy="4525963"/>
+            <a:off x="143000" y="897565"/>
+            <a:ext cx="9001000" cy="3394472"/>
           </a:xfrm>
         </p:spPr>
         <p:txBody>
           <a:bodyPr>
-            <a:normAutofit fontScale="92500" lnSpcReduction="10000"/>
+            <a:normAutofit fontScale="70000" lnSpcReduction="20000"/>
           </a:bodyPr>
           <a:lstStyle/>
           <a:p>
@@ -15016,7 +15182,9 @@
         </p:nvSpPr>
         <p:spPr/>
         <p:txBody>
-          <a:bodyPr/>
+          <a:bodyPr>
+            <a:normAutofit fontScale="90000"/>
+          </a:bodyPr>
           <a:lstStyle/>
           <a:p>
             <a:r>
@@ -15084,8 +15252,8 @@
         </p:nvSpPr>
         <p:spPr>
           <a:xfrm>
-            <a:off x="32075" y="1052736"/>
-            <a:ext cx="9292453" cy="3471061"/>
+            <a:off x="32076" y="789552"/>
+            <a:ext cx="9292453" cy="2603296"/>
           </a:xfrm>
         </p:spPr>
         <p:txBody>
@@ -15105,27 +15273,27 @@
               <a:buChar char="•"/>
             </a:pPr>
             <a:r>
-              <a:rPr lang="zh-CN" altLang="en-US" sz="2400" dirty="0" smtClean="0">
+              <a:rPr lang="zh-CN" altLang="en-US" sz="2000" dirty="0" smtClean="0">
                 <a:latin typeface="+mn-ea"/>
                 <a:ea typeface="+mn-ea"/>
               </a:rPr>
               <a:t>现实：当浏览器加载页面时，页面上的元素并不会同时被加载，因此增加了定位元素的困难（</a:t>
             </a:r>
             <a:r>
-              <a:rPr lang="en-US" altLang="zh-CN" sz="2400" dirty="0" err="1" smtClean="0">
+              <a:rPr lang="en-US" altLang="zh-CN" sz="2000" dirty="0" err="1" smtClean="0">
                 <a:latin typeface="+mn-ea"/>
                 <a:ea typeface="+mn-ea"/>
               </a:rPr>
               <a:t>ElementNotVisibleException</a:t>
             </a:r>
             <a:r>
-              <a:rPr lang="zh-CN" altLang="en-US" sz="2400" dirty="0" smtClean="0">
+              <a:rPr lang="zh-CN" altLang="en-US" sz="2000" dirty="0" smtClean="0">
                 <a:latin typeface="+mn-ea"/>
                 <a:ea typeface="+mn-ea"/>
               </a:rPr>
               <a:t>错误）。</a:t>
             </a:r>
-            <a:endParaRPr lang="en-US" altLang="zh-CN" sz="2400" dirty="0" smtClean="0">
+            <a:endParaRPr lang="en-US" altLang="zh-CN" sz="2000" dirty="0" smtClean="0">
               <a:latin typeface="+mn-ea"/>
               <a:ea typeface="+mn-ea"/>
             </a:endParaRPr>
@@ -15142,34 +15310,34 @@
               <a:buChar char="•"/>
             </a:pPr>
             <a:r>
-              <a:rPr lang="en-US" altLang="zh-CN" dirty="0">
+              <a:rPr lang="en-US" altLang="zh-CN" sz="2400" dirty="0">
                 <a:latin typeface="+mn-ea"/>
                 <a:ea typeface="+mn-ea"/>
               </a:rPr>
               <a:t>WebDriver</a:t>
             </a:r>
             <a:r>
-              <a:rPr lang="zh-CN" altLang="en-US" dirty="0">
+              <a:rPr lang="zh-CN" altLang="en-US" sz="2400" dirty="0">
                 <a:latin typeface="+mn-ea"/>
                 <a:ea typeface="+mn-ea"/>
               </a:rPr>
               <a:t>提供了</a:t>
             </a:r>
             <a:r>
-              <a:rPr lang="en-US" altLang="zh-CN" dirty="0">
+              <a:rPr lang="en-US" altLang="zh-CN" sz="2400" dirty="0">
                 <a:latin typeface="+mn-ea"/>
                 <a:ea typeface="+mn-ea"/>
               </a:rPr>
               <a:t>2</a:t>
             </a:r>
             <a:r>
-              <a:rPr lang="zh-CN" altLang="en-US" dirty="0">
+              <a:rPr lang="zh-CN" altLang="en-US" sz="2400" dirty="0">
                 <a:latin typeface="+mn-ea"/>
                 <a:ea typeface="+mn-ea"/>
               </a:rPr>
               <a:t>种类型的等待</a:t>
             </a:r>
-            <a:endParaRPr lang="en-US" altLang="zh-CN" dirty="0">
+            <a:endParaRPr lang="en-US" altLang="zh-CN" sz="2400" dirty="0">
               <a:latin typeface="+mn-ea"/>
               <a:ea typeface="+mn-ea"/>
             </a:endParaRPr>
@@ -15189,56 +15357,56 @@
               <a:buChar char="ü"/>
             </a:pPr>
             <a:r>
-              <a:rPr lang="zh-CN" altLang="en-US" sz="2400" dirty="0">
+              <a:rPr lang="zh-CN" altLang="en-US" sz="2000" dirty="0">
                 <a:latin typeface="+mn-ea"/>
                 <a:ea typeface="+mn-ea"/>
               </a:rPr>
               <a:t>显示等待</a:t>
             </a:r>
             <a:r>
-              <a:rPr lang="en-US" altLang="zh-CN" sz="2400" dirty="0">
+              <a:rPr lang="en-US" altLang="zh-CN" sz="2000" dirty="0">
                 <a:latin typeface="+mn-ea"/>
                 <a:ea typeface="+mn-ea"/>
               </a:rPr>
               <a:t>(</a:t>
             </a:r>
             <a:r>
-              <a:rPr lang="en-US" altLang="zh-CN" sz="2400" dirty="0" err="1">
+              <a:rPr lang="en-US" altLang="zh-CN" sz="2000" dirty="0" err="1">
                 <a:latin typeface="+mn-ea"/>
                 <a:ea typeface="+mn-ea"/>
               </a:rPr>
               <a:t>WebDriverWait</a:t>
             </a:r>
             <a:r>
-              <a:rPr lang="zh-CN" altLang="en-US" sz="2400" dirty="0">
+              <a:rPr lang="zh-CN" altLang="en-US" sz="2000" dirty="0">
                 <a:latin typeface="+mn-ea"/>
                 <a:ea typeface="+mn-ea"/>
               </a:rPr>
               <a:t>类</a:t>
             </a:r>
             <a:r>
-              <a:rPr lang="en-US" altLang="zh-CN" sz="2400" dirty="0">
+              <a:rPr lang="en-US" altLang="zh-CN" sz="2000" dirty="0">
                 <a:latin typeface="+mn-ea"/>
                 <a:ea typeface="+mn-ea"/>
               </a:rPr>
               <a:t>)</a:t>
             </a:r>
             <a:r>
-              <a:rPr lang="zh-CN" altLang="en-US" sz="2400" dirty="0">
+              <a:rPr lang="zh-CN" altLang="en-US" sz="2000" dirty="0">
                 <a:latin typeface="+mn-ea"/>
                 <a:ea typeface="+mn-ea"/>
               </a:rPr>
               <a:t>：使</a:t>
             </a:r>
             <a:r>
-              <a:rPr lang="en-US" altLang="zh-CN" sz="2400" dirty="0">
+              <a:rPr lang="en-US" altLang="zh-CN" sz="2000" dirty="0">
                 <a:latin typeface="+mn-ea"/>
                 <a:ea typeface="+mn-ea"/>
               </a:rPr>
               <a:t>WebDriver</a:t>
             </a:r>
             <a:r>
-              <a:rPr lang="zh-CN" altLang="en-US" sz="2400" dirty="0">
+              <a:rPr lang="zh-CN" altLang="en-US" sz="2000" dirty="0">
                 <a:solidFill>
                   <a:srgbClr val="FF0000"/>
                 </a:solidFill>
@@ -15248,27 +15416,27 @@
               <a:t>等待某个条件</a:t>
             </a:r>
             <a:r>
-              <a:rPr lang="zh-CN" altLang="en-US" sz="2400" dirty="0">
+              <a:rPr lang="zh-CN" altLang="en-US" sz="2000" dirty="0">
                 <a:latin typeface="+mn-ea"/>
                 <a:ea typeface="+mn-ea"/>
               </a:rPr>
               <a:t>成立时继续执行，否则在达到最大时间长时抛出超出时间异常（</a:t>
             </a:r>
             <a:r>
-              <a:rPr lang="en-US" altLang="zh-CN" sz="2400" dirty="0" err="1">
+              <a:rPr lang="en-US" altLang="zh-CN" sz="2000" dirty="0" err="1">
                 <a:latin typeface="+mn-ea"/>
                 <a:ea typeface="+mn-ea"/>
               </a:rPr>
               <a:t>TimeoutException</a:t>
             </a:r>
             <a:r>
-              <a:rPr lang="zh-CN" altLang="en-US" sz="2400" dirty="0">
+              <a:rPr lang="zh-CN" altLang="en-US" sz="2000" dirty="0">
                 <a:latin typeface="+mn-ea"/>
                 <a:ea typeface="+mn-ea"/>
               </a:rPr>
               <a:t>）</a:t>
             </a:r>
-            <a:endParaRPr lang="en-US" altLang="zh-CN" sz="2400" dirty="0">
+            <a:endParaRPr lang="en-US" altLang="zh-CN" sz="2000" dirty="0">
               <a:latin typeface="+mn-ea"/>
               <a:ea typeface="+mn-ea"/>
             </a:endParaRPr>
@@ -15288,76 +15456,76 @@
               <a:buChar char="ü"/>
             </a:pPr>
             <a:r>
-              <a:rPr lang="zh-CN" altLang="en-US" sz="2400" dirty="0">
+              <a:rPr lang="zh-CN" altLang="en-US" sz="2000" dirty="0">
                 <a:latin typeface="+mn-ea"/>
                 <a:ea typeface="+mn-ea"/>
               </a:rPr>
               <a:t>隐式等待</a:t>
             </a:r>
             <a:r>
-              <a:rPr lang="en-US" altLang="zh-CN" sz="2400" dirty="0">
+              <a:rPr lang="en-US" altLang="zh-CN" sz="2000" dirty="0">
                 <a:latin typeface="+mn-ea"/>
                 <a:ea typeface="+mn-ea"/>
               </a:rPr>
               <a:t>(</a:t>
             </a:r>
             <a:r>
-              <a:rPr lang="en-US" altLang="zh-CN" sz="2400" dirty="0" err="1">
+              <a:rPr lang="en-US" altLang="zh-CN" sz="2000" dirty="0" err="1">
                 <a:latin typeface="+mn-ea"/>
                 <a:ea typeface="+mn-ea"/>
               </a:rPr>
               <a:t>implicitly_wait</a:t>
             </a:r>
             <a:r>
-              <a:rPr lang="en-US" altLang="zh-CN" sz="2400" dirty="0">
+              <a:rPr lang="en-US" altLang="zh-CN" sz="2000" dirty="0">
                 <a:latin typeface="+mn-ea"/>
                 <a:ea typeface="+mn-ea"/>
               </a:rPr>
               <a:t>)</a:t>
             </a:r>
             <a:r>
-              <a:rPr lang="zh-CN" altLang="en-US" sz="2400" dirty="0">
+              <a:rPr lang="zh-CN" altLang="en-US" sz="2000" dirty="0">
                 <a:latin typeface="+mn-ea"/>
                 <a:ea typeface="+mn-ea"/>
               </a:rPr>
               <a:t>：通过</a:t>
             </a:r>
             <a:r>
-              <a:rPr lang="zh-CN" altLang="en-US" sz="2400" dirty="0" smtClean="0">
+              <a:rPr lang="zh-CN" altLang="en-US" sz="2000" dirty="0" smtClean="0">
                 <a:latin typeface="+mn-ea"/>
                 <a:ea typeface="+mn-ea"/>
               </a:rPr>
               <a:t>一定</a:t>
             </a:r>
             <a:r>
-              <a:rPr lang="zh-CN" altLang="en-US" sz="2400" dirty="0">
+              <a:rPr lang="zh-CN" altLang="en-US" sz="2000" dirty="0">
                 <a:latin typeface="+mn-ea"/>
                 <a:ea typeface="+mn-ea"/>
               </a:rPr>
               <a:t>时长</a:t>
             </a:r>
             <a:r>
-              <a:rPr lang="zh-CN" altLang="en-US" sz="2400" dirty="0" smtClean="0">
+              <a:rPr lang="zh-CN" altLang="en-US" sz="2000" dirty="0" smtClean="0">
                 <a:latin typeface="+mn-ea"/>
                 <a:ea typeface="+mn-ea"/>
               </a:rPr>
               <a:t>的</a:t>
             </a:r>
             <a:r>
-              <a:rPr lang="zh-CN" altLang="en-US" sz="2400" dirty="0">
+              <a:rPr lang="zh-CN" altLang="en-US" sz="2000" dirty="0">
                 <a:latin typeface="+mn-ea"/>
                 <a:ea typeface="+mn-ea"/>
               </a:rPr>
               <a:t>等待页面上元素加载完成。如果超出了设置的时间长，元素还未被加载，则抛出异常</a:t>
             </a:r>
             <a:r>
-              <a:rPr lang="en-US" altLang="zh-CN" sz="2400" dirty="0" err="1">
+              <a:rPr lang="en-US" altLang="zh-CN" sz="2000" dirty="0" err="1">
                 <a:latin typeface="+mn-ea"/>
                 <a:ea typeface="+mn-ea"/>
               </a:rPr>
               <a:t>NoSuchElementException</a:t>
             </a:r>
-            <a:endParaRPr lang="en-US" altLang="zh-CN" sz="2400" dirty="0">
+            <a:endParaRPr lang="en-US" altLang="zh-CN" sz="2000" dirty="0">
               <a:latin typeface="+mn-ea"/>
               <a:ea typeface="+mn-ea"/>
             </a:endParaRPr>
@@ -15376,8 +15544,8 @@
         </p:nvSpPr>
         <p:spPr>
           <a:xfrm>
-            <a:off x="395536" y="188640"/>
-            <a:ext cx="8496944" cy="382509"/>
+            <a:off x="395536" y="141480"/>
+            <a:ext cx="8496944" cy="286882"/>
           </a:xfrm>
         </p:spPr>
         <p:txBody>
@@ -15443,7 +15611,7 @@
         <p:spPr/>
         <p:txBody>
           <a:bodyPr>
-            <a:normAutofit lnSpcReduction="10000"/>
+            <a:normAutofit fontScale="92500" lnSpcReduction="20000"/>
           </a:bodyPr>
           <a:lstStyle/>
           <a:p>
@@ -15722,8 +15890,8 @@
         </p:nvSpPr>
         <p:spPr>
           <a:xfrm>
-            <a:off x="251520" y="188640"/>
-            <a:ext cx="8280920" cy="403284"/>
+            <a:off x="251520" y="141480"/>
+            <a:ext cx="8280920" cy="302463"/>
           </a:xfrm>
         </p:spPr>
         <p:txBody>
@@ -15792,8 +15960,8 @@
           </p:nvPr>
         </p:nvGraphicFramePr>
         <p:xfrm>
-          <a:off x="179512" y="908720"/>
-          <a:ext cx="9217025" cy="5709136"/>
+          <a:off x="179513" y="681540"/>
+          <a:ext cx="9217025" cy="4281852"/>
         </p:xfrm>
         <a:graphic>
           <a:graphicData uri="http://schemas.openxmlformats.org/drawingml/2006/table">
@@ -15805,20 +15973,20 @@
                 <a:gridCol w="3563888"/>
                 <a:gridCol w="5653137"/>
               </a:tblGrid>
-              <a:tr h="370840">
+              <a:tr h="278130">
                 <a:tc>
                   <a:txBody>
                     <a:bodyPr/>
                     <a:lstStyle/>
                     <a:p>
                       <a:r>
-                        <a:rPr lang="zh-CN" altLang="en-US" sz="1600" dirty="0" smtClean="0"/>
+                        <a:rPr lang="zh-CN" altLang="en-US" sz="1200" dirty="0" smtClean="0"/>
                         <a:t>方法</a:t>
                       </a:r>
-                      <a:endParaRPr lang="zh-CN" altLang="en-US" sz="1600" dirty="0"/>
+                      <a:endParaRPr lang="zh-CN" altLang="en-US" sz="1200" dirty="0"/>
                     </a:p>
                   </a:txBody>
-                  <a:tcPr/>
+                  <a:tcPr marT="34290" marB="34290"/>
                 </a:tc>
                 <a:tc>
                   <a:txBody>
@@ -15826,35 +15994,35 @@
                     <a:lstStyle/>
                     <a:p>
                       <a:r>
-                        <a:rPr lang="zh-CN" altLang="en-US" sz="1600" dirty="0" smtClean="0"/>
+                        <a:rPr lang="zh-CN" altLang="en-US" sz="1200" dirty="0" smtClean="0"/>
                         <a:t>说明</a:t>
                       </a:r>
-                      <a:endParaRPr lang="zh-CN" altLang="en-US" sz="1600" dirty="0"/>
+                      <a:endParaRPr lang="zh-CN" altLang="en-US" sz="1200" dirty="0"/>
                     </a:p>
                   </a:txBody>
-                  <a:tcPr/>
+                  <a:tcPr marT="34290" marB="34290"/>
                 </a:tc>
               </a:tr>
-              <a:tr h="370840">
+              <a:tr h="278130">
                 <a:tc>
                   <a:txBody>
                     <a:bodyPr/>
                     <a:lstStyle/>
                     <a:p>
                       <a:r>
-                        <a:rPr lang="en-US" altLang="zh-CN" sz="1600" dirty="0" err="1" smtClean="0">
+                        <a:rPr lang="en-US" altLang="zh-CN" sz="1200" dirty="0" err="1" smtClean="0">
                           <a:latin typeface="微软雅黑" panose="020B0503020204020204" pitchFamily="34" charset="-122"/>
                           <a:ea typeface="微软雅黑" panose="020B0503020204020204" pitchFamily="34" charset="-122"/>
                         </a:rPr>
                         <a:t>title_is</a:t>
                       </a:r>
-                      <a:endParaRPr lang="zh-CN" altLang="en-US" sz="1600" dirty="0">
+                      <a:endParaRPr lang="zh-CN" altLang="en-US" sz="1200" dirty="0">
                         <a:latin typeface="微软雅黑" panose="020B0503020204020204" pitchFamily="34" charset="-122"/>
                         <a:ea typeface="微软雅黑" panose="020B0503020204020204" pitchFamily="34" charset="-122"/>
                       </a:endParaRPr>
                     </a:p>
                   </a:txBody>
-                  <a:tcPr/>
+                  <a:tcPr marT="34290" marB="34290"/>
                 </a:tc>
                 <a:tc>
                   <a:txBody>
@@ -15862,41 +16030,41 @@
                     <a:lstStyle/>
                     <a:p>
                       <a:r>
-                        <a:rPr lang="zh-CN" altLang="en-US" sz="1600" dirty="0" smtClean="0">
+                        <a:rPr lang="zh-CN" altLang="en-US" sz="1200" dirty="0" smtClean="0">
                           <a:latin typeface="微软雅黑" panose="020B0503020204020204" pitchFamily="34" charset="-122"/>
                           <a:ea typeface="微软雅黑" panose="020B0503020204020204" pitchFamily="34" charset="-122"/>
                         </a:rPr>
                         <a:t>判断标题是否等于预期</a:t>
                       </a:r>
-                      <a:endParaRPr lang="zh-CN" altLang="en-US" sz="1600" dirty="0">
+                      <a:endParaRPr lang="zh-CN" altLang="en-US" sz="1200" dirty="0">
                         <a:latin typeface="微软雅黑" panose="020B0503020204020204" pitchFamily="34" charset="-122"/>
                         <a:ea typeface="微软雅黑" panose="020B0503020204020204" pitchFamily="34" charset="-122"/>
                       </a:endParaRPr>
                     </a:p>
                   </a:txBody>
-                  <a:tcPr/>
+                  <a:tcPr marT="34290" marB="34290"/>
                 </a:tc>
               </a:tr>
-              <a:tr h="370840">
+              <a:tr h="278130">
                 <a:tc>
                   <a:txBody>
                     <a:bodyPr/>
                     <a:lstStyle/>
                     <a:p>
                       <a:r>
-                        <a:rPr lang="en-US" altLang="zh-CN" sz="1600" dirty="0" err="1" smtClean="0">
+                        <a:rPr lang="en-US" altLang="zh-CN" sz="1200" dirty="0" err="1" smtClean="0">
                           <a:latin typeface="微软雅黑" panose="020B0503020204020204" pitchFamily="34" charset="-122"/>
                           <a:ea typeface="微软雅黑" panose="020B0503020204020204" pitchFamily="34" charset="-122"/>
                         </a:rPr>
                         <a:t>title_contains</a:t>
                       </a:r>
-                      <a:endParaRPr lang="zh-CN" altLang="en-US" sz="1600" dirty="0">
+                      <a:endParaRPr lang="zh-CN" altLang="en-US" sz="1200" dirty="0">
                         <a:latin typeface="微软雅黑" panose="020B0503020204020204" pitchFamily="34" charset="-122"/>
                         <a:ea typeface="微软雅黑" panose="020B0503020204020204" pitchFamily="34" charset="-122"/>
                       </a:endParaRPr>
                     </a:p>
                   </a:txBody>
-                  <a:tcPr/>
+                  <a:tcPr marT="34290" marB="34290"/>
                 </a:tc>
                 <a:tc>
                   <a:txBody>
@@ -15904,41 +16072,41 @@
                     <a:lstStyle/>
                     <a:p>
                       <a:r>
-                        <a:rPr lang="zh-CN" altLang="en-US" sz="1600" dirty="0" smtClean="0">
+                        <a:rPr lang="zh-CN" altLang="en-US" sz="1200" dirty="0" smtClean="0">
                           <a:latin typeface="微软雅黑" panose="020B0503020204020204" pitchFamily="34" charset="-122"/>
                           <a:ea typeface="微软雅黑" panose="020B0503020204020204" pitchFamily="34" charset="-122"/>
                         </a:rPr>
                         <a:t>判断标题是否包含预期字符串</a:t>
                       </a:r>
-                      <a:endParaRPr lang="zh-CN" altLang="en-US" sz="1600" dirty="0">
+                      <a:endParaRPr lang="zh-CN" altLang="en-US" sz="1200" dirty="0">
                         <a:latin typeface="微软雅黑" panose="020B0503020204020204" pitchFamily="34" charset="-122"/>
                         <a:ea typeface="微软雅黑" panose="020B0503020204020204" pitchFamily="34" charset="-122"/>
                       </a:endParaRPr>
                     </a:p>
                   </a:txBody>
-                  <a:tcPr/>
+                  <a:tcPr marT="34290" marB="34290"/>
                 </a:tc>
               </a:tr>
-              <a:tr h="471656">
+              <a:tr h="353742">
                 <a:tc>
                   <a:txBody>
                     <a:bodyPr/>
                     <a:lstStyle/>
                     <a:p>
                       <a:r>
-                        <a:rPr lang="en-US" altLang="zh-CN" sz="1600" dirty="0" err="1" smtClean="0">
+                        <a:rPr lang="en-US" altLang="zh-CN" sz="1200" dirty="0" err="1" smtClean="0">
                           <a:latin typeface="微软雅黑" panose="020B0503020204020204" pitchFamily="34" charset="-122"/>
                           <a:ea typeface="微软雅黑" panose="020B0503020204020204" pitchFamily="34" charset="-122"/>
                         </a:rPr>
                         <a:t>presence_of_element_located</a:t>
                       </a:r>
-                      <a:endParaRPr lang="zh-CN" altLang="en-US" sz="1600" dirty="0">
+                      <a:endParaRPr lang="zh-CN" altLang="en-US" sz="1200" dirty="0">
                         <a:latin typeface="微软雅黑" panose="020B0503020204020204" pitchFamily="34" charset="-122"/>
                         <a:ea typeface="微软雅黑" panose="020B0503020204020204" pitchFamily="34" charset="-122"/>
                       </a:endParaRPr>
                     </a:p>
                   </a:txBody>
-                  <a:tcPr/>
+                  <a:tcPr marT="34290" marB="34290"/>
                 </a:tc>
                 <a:tc>
                   <a:txBody>
@@ -15946,55 +16114,55 @@
                     <a:lstStyle/>
                     <a:p>
                       <a:r>
-                        <a:rPr lang="zh-CN" altLang="en-US" sz="1600" dirty="0" smtClean="0">
+                        <a:rPr lang="zh-CN" altLang="en-US" sz="1200" dirty="0" smtClean="0">
                           <a:latin typeface="微软雅黑" panose="020B0503020204020204" pitchFamily="34" charset="-122"/>
                           <a:ea typeface="微软雅黑" panose="020B0503020204020204" pitchFamily="34" charset="-122"/>
                         </a:rPr>
                         <a:t>判断元素是否在</a:t>
                       </a:r>
                       <a:r>
-                        <a:rPr lang="en-US" altLang="zh-CN" sz="1600" dirty="0" smtClean="0">
+                        <a:rPr lang="en-US" altLang="zh-CN" sz="1200" dirty="0" smtClean="0">
                           <a:latin typeface="微软雅黑" panose="020B0503020204020204" pitchFamily="34" charset="-122"/>
                           <a:ea typeface="微软雅黑" panose="020B0503020204020204" pitchFamily="34" charset="-122"/>
                         </a:rPr>
                         <a:t>DOM</a:t>
                       </a:r>
                       <a:r>
-                        <a:rPr lang="zh-CN" altLang="en-US" sz="1600" dirty="0" smtClean="0">
+                        <a:rPr lang="zh-CN" altLang="en-US" sz="1200" dirty="0" smtClean="0">
                           <a:latin typeface="微软雅黑" panose="020B0503020204020204" pitchFamily="34" charset="-122"/>
                           <a:ea typeface="微软雅黑" panose="020B0503020204020204" pitchFamily="34" charset="-122"/>
                         </a:rPr>
                         <a:t>，不一定可见</a:t>
                       </a:r>
-                      <a:endParaRPr lang="zh-CN" altLang="en-US" sz="1600" dirty="0">
+                      <a:endParaRPr lang="zh-CN" altLang="en-US" sz="1200" dirty="0">
                         <a:latin typeface="微软雅黑" panose="020B0503020204020204" pitchFamily="34" charset="-122"/>
                         <a:ea typeface="微软雅黑" panose="020B0503020204020204" pitchFamily="34" charset="-122"/>
                       </a:endParaRPr>
                     </a:p>
                   </a:txBody>
-                  <a:tcPr/>
+                  <a:tcPr marT="34290" marB="34290"/>
                 </a:tc>
               </a:tr>
-              <a:tr h="370840">
+              <a:tr h="278130">
                 <a:tc>
                   <a:txBody>
                     <a:bodyPr/>
                     <a:lstStyle/>
                     <a:p>
                       <a:r>
-                        <a:rPr lang="en-US" altLang="zh-CN" sz="1600" dirty="0" err="1" smtClean="0">
+                        <a:rPr lang="en-US" altLang="zh-CN" sz="1200" dirty="0" err="1" smtClean="0">
                           <a:latin typeface="微软雅黑" panose="020B0503020204020204" pitchFamily="34" charset="-122"/>
                           <a:ea typeface="微软雅黑" panose="020B0503020204020204" pitchFamily="34" charset="-122"/>
                         </a:rPr>
                         <a:t>visibility_of_element_located</a:t>
                       </a:r>
-                      <a:endParaRPr lang="zh-CN" altLang="en-US" sz="1600" dirty="0">
+                      <a:endParaRPr lang="zh-CN" altLang="en-US" sz="1200" dirty="0">
                         <a:latin typeface="微软雅黑" panose="020B0503020204020204" pitchFamily="34" charset="-122"/>
                         <a:ea typeface="微软雅黑" panose="020B0503020204020204" pitchFamily="34" charset="-122"/>
                       </a:endParaRPr>
                     </a:p>
                   </a:txBody>
-                  <a:tcPr/>
+                  <a:tcPr marT="34290" marB="34290"/>
                 </a:tc>
                 <a:tc>
                   <a:txBody>
@@ -16002,41 +16170,41 @@
                     <a:lstStyle/>
                     <a:p>
                       <a:r>
-                        <a:rPr lang="zh-CN" altLang="en-US" sz="1600" dirty="0" smtClean="0">
+                        <a:rPr lang="zh-CN" altLang="en-US" sz="1200" dirty="0" smtClean="0">
                           <a:latin typeface="微软雅黑" panose="020B0503020204020204" pitchFamily="34" charset="-122"/>
                           <a:ea typeface="微软雅黑" panose="020B0503020204020204" pitchFamily="34" charset="-122"/>
                         </a:rPr>
                         <a:t>判断元素是否可见</a:t>
                       </a:r>
-                      <a:endParaRPr lang="zh-CN" altLang="en-US" sz="1600" dirty="0">
+                      <a:endParaRPr lang="zh-CN" altLang="en-US" sz="1200" dirty="0">
                         <a:latin typeface="微软雅黑" panose="020B0503020204020204" pitchFamily="34" charset="-122"/>
                         <a:ea typeface="微软雅黑" panose="020B0503020204020204" pitchFamily="34" charset="-122"/>
                       </a:endParaRPr>
                     </a:p>
                   </a:txBody>
-                  <a:tcPr/>
+                  <a:tcPr marT="34290" marB="34290"/>
                 </a:tc>
               </a:tr>
-              <a:tr h="370840">
+              <a:tr h="278130">
                 <a:tc>
                   <a:txBody>
                     <a:bodyPr/>
                     <a:lstStyle/>
                     <a:p>
                       <a:r>
-                        <a:rPr lang="en-US" altLang="zh-CN" sz="1600" dirty="0" err="1" smtClean="0">
+                        <a:rPr lang="en-US" altLang="zh-CN" sz="1200" dirty="0" err="1" smtClean="0">
                           <a:latin typeface="微软雅黑" panose="020B0503020204020204" pitchFamily="34" charset="-122"/>
                           <a:ea typeface="微软雅黑" panose="020B0503020204020204" pitchFamily="34" charset="-122"/>
                         </a:rPr>
                         <a:t>visibility_of</a:t>
                       </a:r>
-                      <a:endParaRPr lang="zh-CN" altLang="en-US" sz="1600" dirty="0">
+                      <a:endParaRPr lang="zh-CN" altLang="en-US" sz="1200" dirty="0">
                         <a:latin typeface="微软雅黑" panose="020B0503020204020204" pitchFamily="34" charset="-122"/>
                         <a:ea typeface="微软雅黑" panose="020B0503020204020204" pitchFamily="34" charset="-122"/>
                       </a:endParaRPr>
                     </a:p>
                   </a:txBody>
-                  <a:tcPr/>
+                  <a:tcPr marT="34290" marB="34290"/>
                 </a:tc>
                 <a:tc>
                   <a:txBody>
@@ -16044,41 +16212,41 @@
                     <a:lstStyle/>
                     <a:p>
                       <a:r>
-                        <a:rPr lang="zh-CN" altLang="en-US" sz="1600" dirty="0" smtClean="0">
+                        <a:rPr lang="zh-CN" altLang="en-US" sz="1200" dirty="0" smtClean="0">
                           <a:latin typeface="微软雅黑" panose="020B0503020204020204" pitchFamily="34" charset="-122"/>
                           <a:ea typeface="微软雅黑" panose="020B0503020204020204" pitchFamily="34" charset="-122"/>
                         </a:rPr>
                         <a:t>判断元素是否可见，参数是定位后的元素</a:t>
                       </a:r>
-                      <a:endParaRPr lang="zh-CN" altLang="en-US" sz="1600" dirty="0">
+                      <a:endParaRPr lang="zh-CN" altLang="en-US" sz="1200" dirty="0">
                         <a:latin typeface="微软雅黑" panose="020B0503020204020204" pitchFamily="34" charset="-122"/>
                         <a:ea typeface="微软雅黑" panose="020B0503020204020204" pitchFamily="34" charset="-122"/>
                       </a:endParaRPr>
                     </a:p>
                   </a:txBody>
-                  <a:tcPr/>
+                  <a:tcPr marT="34290" marB="34290"/>
                 </a:tc>
               </a:tr>
-              <a:tr h="370840">
+              <a:tr h="278130">
                 <a:tc>
                   <a:txBody>
                     <a:bodyPr/>
                     <a:lstStyle/>
                     <a:p>
                       <a:r>
-                        <a:rPr lang="en-US" altLang="zh-CN" sz="1600" dirty="0" err="1" smtClean="0">
+                        <a:rPr lang="en-US" altLang="zh-CN" sz="1200" dirty="0" err="1" smtClean="0">
                           <a:latin typeface="微软雅黑" panose="020B0503020204020204" pitchFamily="34" charset="-122"/>
                           <a:ea typeface="微软雅黑" panose="020B0503020204020204" pitchFamily="34" charset="-122"/>
                         </a:rPr>
                         <a:t>presence_of_all_elements_located</a:t>
                       </a:r>
-                      <a:endParaRPr lang="zh-CN" altLang="en-US" sz="1600" dirty="0">
+                      <a:endParaRPr lang="zh-CN" altLang="en-US" sz="1200" dirty="0">
                         <a:latin typeface="微软雅黑" panose="020B0503020204020204" pitchFamily="34" charset="-122"/>
                         <a:ea typeface="微软雅黑" panose="020B0503020204020204" pitchFamily="34" charset="-122"/>
                       </a:endParaRPr>
                     </a:p>
                   </a:txBody>
-                  <a:tcPr/>
+                  <a:tcPr marT="34290" marB="34290"/>
                 </a:tc>
                 <a:tc>
                   <a:txBody>
@@ -16086,41 +16254,41 @@
                     <a:lstStyle/>
                     <a:p>
                       <a:r>
-                        <a:rPr lang="zh-CN" altLang="en-US" sz="1600" dirty="0" smtClean="0">
+                        <a:rPr lang="zh-CN" altLang="en-US" sz="1200" dirty="0" smtClean="0">
                           <a:latin typeface="微软雅黑" panose="020B0503020204020204" pitchFamily="34" charset="-122"/>
                           <a:ea typeface="微软雅黑" panose="020B0503020204020204" pitchFamily="34" charset="-122"/>
                         </a:rPr>
                         <a:t>判断是否至少有一个元素存在</a:t>
                       </a:r>
-                      <a:endParaRPr lang="zh-CN" altLang="en-US" sz="1600" dirty="0">
+                      <a:endParaRPr lang="zh-CN" altLang="en-US" sz="1200" dirty="0">
                         <a:latin typeface="微软雅黑" panose="020B0503020204020204" pitchFamily="34" charset="-122"/>
                         <a:ea typeface="微软雅黑" panose="020B0503020204020204" pitchFamily="34" charset="-122"/>
                       </a:endParaRPr>
                     </a:p>
                   </a:txBody>
-                  <a:tcPr/>
+                  <a:tcPr marT="34290" marB="34290"/>
                 </a:tc>
               </a:tr>
-              <a:tr h="370840">
+              <a:tr h="278130">
                 <a:tc>
                   <a:txBody>
                     <a:bodyPr/>
                     <a:lstStyle/>
                     <a:p>
                       <a:r>
-                        <a:rPr lang="en-US" altLang="zh-CN" sz="1600" dirty="0" err="1" smtClean="0">
+                        <a:rPr lang="en-US" altLang="zh-CN" sz="1200" dirty="0" err="1" smtClean="0">
                           <a:latin typeface="微软雅黑" panose="020B0503020204020204" pitchFamily="34" charset="-122"/>
                           <a:ea typeface="微软雅黑" panose="020B0503020204020204" pitchFamily="34" charset="-122"/>
                         </a:rPr>
                         <a:t>text_to_be_present_in_element</a:t>
                       </a:r>
-                      <a:endParaRPr lang="zh-CN" altLang="en-US" sz="1600" dirty="0">
+                      <a:endParaRPr lang="zh-CN" altLang="en-US" sz="1200" dirty="0">
                         <a:latin typeface="微软雅黑" panose="020B0503020204020204" pitchFamily="34" charset="-122"/>
                         <a:ea typeface="微软雅黑" panose="020B0503020204020204" pitchFamily="34" charset="-122"/>
                       </a:endParaRPr>
                     </a:p>
                   </a:txBody>
-                  <a:tcPr/>
+                  <a:tcPr marT="34290" marB="34290"/>
                 </a:tc>
                 <a:tc>
                   <a:txBody>
@@ -16128,55 +16296,55 @@
                     <a:lstStyle/>
                     <a:p>
                       <a:r>
-                        <a:rPr lang="zh-CN" altLang="en-US" sz="1600" dirty="0" smtClean="0">
+                        <a:rPr lang="zh-CN" altLang="en-US" sz="1200" dirty="0" smtClean="0">
                           <a:latin typeface="微软雅黑" panose="020B0503020204020204" pitchFamily="34" charset="-122"/>
                           <a:ea typeface="微软雅黑" panose="020B0503020204020204" pitchFamily="34" charset="-122"/>
                         </a:rPr>
                         <a:t>判断某个元素的</a:t>
                       </a:r>
                       <a:r>
-                        <a:rPr lang="en-US" altLang="zh-CN" sz="1600" dirty="0" smtClean="0">
+                        <a:rPr lang="en-US" altLang="zh-CN" sz="1200" dirty="0" smtClean="0">
                           <a:latin typeface="微软雅黑" panose="020B0503020204020204" pitchFamily="34" charset="-122"/>
                           <a:ea typeface="微软雅黑" panose="020B0503020204020204" pitchFamily="34" charset="-122"/>
                         </a:rPr>
                         <a:t>text</a:t>
                       </a:r>
                       <a:r>
-                        <a:rPr lang="zh-CN" altLang="en-US" sz="1600" dirty="0" smtClean="0">
+                        <a:rPr lang="zh-CN" altLang="en-US" sz="1200" dirty="0" smtClean="0">
                           <a:latin typeface="微软雅黑" panose="020B0503020204020204" pitchFamily="34" charset="-122"/>
                           <a:ea typeface="微软雅黑" panose="020B0503020204020204" pitchFamily="34" charset="-122"/>
                         </a:rPr>
                         <a:t>是否包含了预期的字符串</a:t>
                       </a:r>
-                      <a:endParaRPr lang="zh-CN" altLang="en-US" sz="1600" dirty="0">
+                      <a:endParaRPr lang="zh-CN" altLang="en-US" sz="1200" dirty="0">
                         <a:latin typeface="微软雅黑" panose="020B0503020204020204" pitchFamily="34" charset="-122"/>
                         <a:ea typeface="微软雅黑" panose="020B0503020204020204" pitchFamily="34" charset="-122"/>
                       </a:endParaRPr>
                     </a:p>
                   </a:txBody>
-                  <a:tcPr/>
+                  <a:tcPr marT="34290" marB="34290"/>
                 </a:tc>
               </a:tr>
-              <a:tr h="370840">
+              <a:tr h="434340">
                 <a:tc>
                   <a:txBody>
                     <a:bodyPr/>
                     <a:lstStyle/>
                     <a:p>
                       <a:r>
-                        <a:rPr lang="en-US" altLang="zh-CN" sz="1600" dirty="0" err="1" smtClean="0">
+                        <a:rPr lang="en-US" altLang="zh-CN" sz="1200" dirty="0" err="1" smtClean="0">
                           <a:latin typeface="微软雅黑" panose="020B0503020204020204" pitchFamily="34" charset="-122"/>
                           <a:ea typeface="微软雅黑" panose="020B0503020204020204" pitchFamily="34" charset="-122"/>
                         </a:rPr>
                         <a:t>text_to_be_present_in_element_value</a:t>
                       </a:r>
-                      <a:endParaRPr lang="zh-CN" altLang="en-US" sz="1600" dirty="0">
+                      <a:endParaRPr lang="zh-CN" altLang="en-US" sz="1200" dirty="0">
                         <a:latin typeface="微软雅黑" panose="020B0503020204020204" pitchFamily="34" charset="-122"/>
                         <a:ea typeface="微软雅黑" panose="020B0503020204020204" pitchFamily="34" charset="-122"/>
                       </a:endParaRPr>
                     </a:p>
                   </a:txBody>
-                  <a:tcPr/>
+                  <a:tcPr marT="34290" marB="34290"/>
                 </a:tc>
                 <a:tc>
                   <a:txBody>
@@ -16201,21 +16369,21 @@
                         <a:defRPr/>
                       </a:pPr>
                       <a:r>
-                        <a:rPr lang="zh-CN" altLang="en-US" sz="1600" dirty="0" smtClean="0">
+                        <a:rPr lang="zh-CN" altLang="en-US" sz="1200" dirty="0" smtClean="0">
                           <a:latin typeface="微软雅黑" panose="020B0503020204020204" pitchFamily="34" charset="-122"/>
                           <a:ea typeface="微软雅黑" panose="020B0503020204020204" pitchFamily="34" charset="-122"/>
                         </a:rPr>
                         <a:t>判断某个元素的</a:t>
                       </a:r>
                       <a:r>
-                        <a:rPr lang="en-US" altLang="zh-CN" sz="1600" dirty="0" smtClean="0">
+                        <a:rPr lang="en-US" altLang="zh-CN" sz="1200" dirty="0" smtClean="0">
                           <a:latin typeface="微软雅黑" panose="020B0503020204020204" pitchFamily="34" charset="-122"/>
                           <a:ea typeface="微软雅黑" panose="020B0503020204020204" pitchFamily="34" charset="-122"/>
                         </a:rPr>
                         <a:t>value</a:t>
                       </a:r>
                       <a:r>
-                        <a:rPr lang="zh-CN" altLang="en-US" sz="1600" dirty="0" smtClean="0">
+                        <a:rPr lang="zh-CN" altLang="en-US" sz="1200" dirty="0" smtClean="0">
                           <a:latin typeface="微软雅黑" panose="020B0503020204020204" pitchFamily="34" charset="-122"/>
                           <a:ea typeface="微软雅黑" panose="020B0503020204020204" pitchFamily="34" charset="-122"/>
                         </a:rPr>
@@ -16223,35 +16391,35 @@
                       </a:r>
                     </a:p>
                     <a:p>
-                      <a:endParaRPr lang="zh-CN" altLang="en-US" sz="1600" dirty="0">
+                      <a:endParaRPr lang="zh-CN" altLang="en-US" sz="1200" dirty="0">
                         <a:latin typeface="微软雅黑" panose="020B0503020204020204" pitchFamily="34" charset="-122"/>
                         <a:ea typeface="微软雅黑" panose="020B0503020204020204" pitchFamily="34" charset="-122"/>
                       </a:endParaRPr>
                     </a:p>
                   </a:txBody>
-                  <a:tcPr/>
+                  <a:tcPr marT="34290" marB="34290"/>
                 </a:tc>
               </a:tr>
-              <a:tr h="370840">
+              <a:tr h="434340">
                 <a:tc>
                   <a:txBody>
                     <a:bodyPr/>
                     <a:lstStyle/>
                     <a:p>
                       <a:r>
-                        <a:rPr lang="en-US" altLang="zh-CN" sz="1600" dirty="0" err="1" smtClean="0">
+                        <a:rPr lang="en-US" altLang="zh-CN" sz="1200" dirty="0" err="1" smtClean="0">
                           <a:latin typeface="微软雅黑" panose="020B0503020204020204" pitchFamily="34" charset="-122"/>
                           <a:ea typeface="微软雅黑" panose="020B0503020204020204" pitchFamily="34" charset="-122"/>
                         </a:rPr>
                         <a:t>frame_to_be_available_and_switch_to_it</a:t>
                       </a:r>
-                      <a:endParaRPr lang="zh-CN" altLang="en-US" sz="1600" dirty="0">
+                      <a:endParaRPr lang="zh-CN" altLang="en-US" sz="1200" dirty="0">
                         <a:latin typeface="微软雅黑" panose="020B0503020204020204" pitchFamily="34" charset="-122"/>
                         <a:ea typeface="微软雅黑" panose="020B0503020204020204" pitchFamily="34" charset="-122"/>
                       </a:endParaRPr>
                     </a:p>
                   </a:txBody>
-                  <a:tcPr/>
+                  <a:tcPr marT="34290" marB="34290"/>
                 </a:tc>
                 <a:tc>
                   <a:txBody>
@@ -16259,69 +16427,69 @@
                     <a:lstStyle/>
                     <a:p>
                       <a:r>
-                        <a:rPr lang="zh-CN" altLang="en-US" sz="1600" dirty="0" smtClean="0">
+                        <a:rPr lang="zh-CN" altLang="en-US" sz="1200" dirty="0" smtClean="0">
                           <a:latin typeface="微软雅黑" panose="020B0503020204020204" pitchFamily="34" charset="-122"/>
                           <a:ea typeface="微软雅黑" panose="020B0503020204020204" pitchFamily="34" charset="-122"/>
                         </a:rPr>
                         <a:t>判断表单是否切进去，如果</a:t>
                       </a:r>
                       <a:r>
-                        <a:rPr lang="en-US" altLang="zh-CN" sz="1600" dirty="0" smtClean="0">
+                        <a:rPr lang="en-US" altLang="zh-CN" sz="1200" dirty="0" smtClean="0">
                           <a:latin typeface="微软雅黑" panose="020B0503020204020204" pitchFamily="34" charset="-122"/>
                           <a:ea typeface="微软雅黑" panose="020B0503020204020204" pitchFamily="34" charset="-122"/>
                         </a:rPr>
                         <a:t>true</a:t>
                       </a:r>
                       <a:r>
-                        <a:rPr lang="zh-CN" altLang="en-US" sz="1600" dirty="0" smtClean="0">
+                        <a:rPr lang="zh-CN" altLang="en-US" sz="1200" dirty="0" smtClean="0">
                           <a:latin typeface="微软雅黑" panose="020B0503020204020204" pitchFamily="34" charset="-122"/>
                           <a:ea typeface="微软雅黑" panose="020B0503020204020204" pitchFamily="34" charset="-122"/>
                         </a:rPr>
                         <a:t>，并且</a:t>
                       </a:r>
                       <a:r>
-                        <a:rPr lang="en-US" altLang="zh-CN" sz="1600" dirty="0" smtClean="0">
+                        <a:rPr lang="en-US" altLang="zh-CN" sz="1200" dirty="0" smtClean="0">
                           <a:latin typeface="微软雅黑" panose="020B0503020204020204" pitchFamily="34" charset="-122"/>
                           <a:ea typeface="微软雅黑" panose="020B0503020204020204" pitchFamily="34" charset="-122"/>
                         </a:rPr>
                         <a:t>switch</a:t>
                       </a:r>
                       <a:r>
-                        <a:rPr lang="zh-CN" altLang="en-US" sz="1600" dirty="0" smtClean="0">
+                        <a:rPr lang="zh-CN" altLang="en-US" sz="1200" dirty="0" smtClean="0">
                           <a:latin typeface="微软雅黑" panose="020B0503020204020204" pitchFamily="34" charset="-122"/>
                           <a:ea typeface="微软雅黑" panose="020B0503020204020204" pitchFamily="34" charset="-122"/>
                         </a:rPr>
                         <a:t>进去</a:t>
                       </a:r>
-                      <a:endParaRPr lang="zh-CN" altLang="en-US" sz="1600" dirty="0">
+                      <a:endParaRPr lang="zh-CN" altLang="en-US" sz="1200" dirty="0">
                         <a:latin typeface="微软雅黑" panose="020B0503020204020204" pitchFamily="34" charset="-122"/>
                         <a:ea typeface="微软雅黑" panose="020B0503020204020204" pitchFamily="34" charset="-122"/>
                       </a:endParaRPr>
                     </a:p>
                   </a:txBody>
-                  <a:tcPr/>
+                  <a:tcPr marT="34290" marB="34290"/>
                 </a:tc>
               </a:tr>
-              <a:tr h="370840">
+              <a:tr h="278130">
                 <a:tc>
                   <a:txBody>
                     <a:bodyPr/>
                     <a:lstStyle/>
                     <a:p>
                       <a:r>
-                        <a:rPr lang="en-US" altLang="zh-CN" sz="1600" dirty="0" err="1" smtClean="0">
+                        <a:rPr lang="en-US" altLang="zh-CN" sz="1200" dirty="0" err="1" smtClean="0">
                           <a:latin typeface="微软雅黑" panose="020B0503020204020204" pitchFamily="34" charset="-122"/>
                           <a:ea typeface="微软雅黑" panose="020B0503020204020204" pitchFamily="34" charset="-122"/>
                         </a:rPr>
                         <a:t>invisibility_of_element_located</a:t>
                       </a:r>
-                      <a:endParaRPr lang="zh-CN" altLang="en-US" sz="1600" dirty="0">
+                      <a:endParaRPr lang="zh-CN" altLang="en-US" sz="1200" dirty="0">
                         <a:latin typeface="微软雅黑" panose="020B0503020204020204" pitchFamily="34" charset="-122"/>
                         <a:ea typeface="微软雅黑" panose="020B0503020204020204" pitchFamily="34" charset="-122"/>
                       </a:endParaRPr>
                     </a:p>
                   </a:txBody>
-                  <a:tcPr/>
+                  <a:tcPr marT="34290" marB="34290"/>
                 </a:tc>
                 <a:tc>
                   <a:txBody>
@@ -16329,41 +16497,41 @@
                     <a:lstStyle/>
                     <a:p>
                       <a:r>
-                        <a:rPr lang="zh-CN" altLang="en-US" sz="1600" dirty="0" smtClean="0">
+                        <a:rPr lang="zh-CN" altLang="en-US" sz="1200" dirty="0" smtClean="0">
                           <a:latin typeface="微软雅黑" panose="020B0503020204020204" pitchFamily="34" charset="-122"/>
                           <a:ea typeface="微软雅黑" panose="020B0503020204020204" pitchFamily="34" charset="-122"/>
                         </a:rPr>
                         <a:t>判断元素是否不可见</a:t>
                       </a:r>
-                      <a:endParaRPr lang="zh-CN" altLang="en-US" sz="1600" dirty="0">
+                      <a:endParaRPr lang="zh-CN" altLang="en-US" sz="1200" dirty="0">
                         <a:latin typeface="微软雅黑" panose="020B0503020204020204" pitchFamily="34" charset="-122"/>
                         <a:ea typeface="微软雅黑" panose="020B0503020204020204" pitchFamily="34" charset="-122"/>
                       </a:endParaRPr>
                     </a:p>
                   </a:txBody>
-                  <a:tcPr/>
+                  <a:tcPr marT="34290" marB="34290"/>
                 </a:tc>
               </a:tr>
-              <a:tr h="370840">
+              <a:tr h="278130">
                 <a:tc>
                   <a:txBody>
                     <a:bodyPr/>
                     <a:lstStyle/>
                     <a:p>
                       <a:r>
-                        <a:rPr lang="en-US" altLang="zh-CN" sz="1600" dirty="0" err="1" smtClean="0">
+                        <a:rPr lang="en-US" altLang="zh-CN" sz="1200" dirty="0" err="1" smtClean="0">
                           <a:latin typeface="微软雅黑" panose="020B0503020204020204" pitchFamily="34" charset="-122"/>
                           <a:ea typeface="微软雅黑" panose="020B0503020204020204" pitchFamily="34" charset="-122"/>
                         </a:rPr>
                         <a:t>element_to_be_clickable</a:t>
                       </a:r>
-                      <a:endParaRPr lang="zh-CN" altLang="en-US" sz="1600" dirty="0">
+                      <a:endParaRPr lang="zh-CN" altLang="en-US" sz="1200" dirty="0">
                         <a:latin typeface="微软雅黑" panose="020B0503020204020204" pitchFamily="34" charset="-122"/>
                         <a:ea typeface="微软雅黑" panose="020B0503020204020204" pitchFamily="34" charset="-122"/>
                       </a:endParaRPr>
                     </a:p>
                   </a:txBody>
-                  <a:tcPr/>
+                  <a:tcPr marT="34290" marB="34290"/>
                 </a:tc>
                 <a:tc>
                   <a:txBody>
@@ -16371,41 +16539,41 @@
                     <a:lstStyle/>
                     <a:p>
                       <a:r>
-                        <a:rPr lang="zh-CN" altLang="en-US" sz="1600" dirty="0" smtClean="0">
+                        <a:rPr lang="zh-CN" altLang="en-US" sz="1200" dirty="0" smtClean="0">
                           <a:latin typeface="微软雅黑" panose="020B0503020204020204" pitchFamily="34" charset="-122"/>
                           <a:ea typeface="微软雅黑" panose="020B0503020204020204" pitchFamily="34" charset="-122"/>
                         </a:rPr>
                         <a:t>判断元素是否可点击</a:t>
                       </a:r>
-                      <a:endParaRPr lang="zh-CN" altLang="en-US" sz="1600" dirty="0">
+                      <a:endParaRPr lang="zh-CN" altLang="en-US" sz="1200" dirty="0">
                         <a:latin typeface="微软雅黑" panose="020B0503020204020204" pitchFamily="34" charset="-122"/>
                         <a:ea typeface="微软雅黑" panose="020B0503020204020204" pitchFamily="34" charset="-122"/>
                       </a:endParaRPr>
                     </a:p>
                   </a:txBody>
-                  <a:tcPr/>
+                  <a:tcPr marT="34290" marB="34290"/>
                 </a:tc>
               </a:tr>
-              <a:tr h="370840">
+              <a:tr h="278130">
                 <a:tc>
                   <a:txBody>
                     <a:bodyPr/>
                     <a:lstStyle/>
                     <a:p>
                       <a:r>
-                        <a:rPr lang="en-US" altLang="zh-CN" sz="1600" dirty="0" err="1" smtClean="0">
+                        <a:rPr lang="en-US" altLang="zh-CN" sz="1200" dirty="0" err="1" smtClean="0">
                           <a:latin typeface="微软雅黑" panose="020B0503020204020204" pitchFamily="34" charset="-122"/>
                           <a:ea typeface="微软雅黑" panose="020B0503020204020204" pitchFamily="34" charset="-122"/>
                         </a:rPr>
                         <a:t>element_to_be_selected</a:t>
                       </a:r>
-                      <a:endParaRPr lang="zh-CN" altLang="en-US" sz="1600" dirty="0">
+                      <a:endParaRPr lang="zh-CN" altLang="en-US" sz="1200" dirty="0">
                         <a:latin typeface="微软雅黑" panose="020B0503020204020204" pitchFamily="34" charset="-122"/>
                         <a:ea typeface="微软雅黑" panose="020B0503020204020204" pitchFamily="34" charset="-122"/>
                       </a:endParaRPr>
                     </a:p>
                   </a:txBody>
-                  <a:tcPr/>
+                  <a:tcPr marT="34290" marB="34290"/>
                 </a:tc>
                 <a:tc>
                   <a:txBody>
@@ -16413,48 +16581,48 @@
                     <a:lstStyle/>
                     <a:p>
                       <a:r>
-                        <a:rPr lang="zh-CN" altLang="en-US" sz="1600" dirty="0" smtClean="0">
+                        <a:rPr lang="zh-CN" altLang="en-US" sz="1200" dirty="0" smtClean="0">
                           <a:latin typeface="微软雅黑" panose="020B0503020204020204" pitchFamily="34" charset="-122"/>
                           <a:ea typeface="微软雅黑" panose="020B0503020204020204" pitchFamily="34" charset="-122"/>
                         </a:rPr>
                         <a:t>判断元素是否被选择，</a:t>
                       </a:r>
                       <a:r>
-                        <a:rPr lang="en-US" altLang="zh-CN" sz="1600" dirty="0" smtClean="0">
+                        <a:rPr lang="en-US" altLang="zh-CN" sz="1200" dirty="0" smtClean="0">
                           <a:latin typeface="微软雅黑" panose="020B0503020204020204" pitchFamily="34" charset="-122"/>
                           <a:ea typeface="微软雅黑" panose="020B0503020204020204" pitchFamily="34" charset="-122"/>
                         </a:rPr>
                         <a:t>Select</a:t>
                       </a:r>
-                      <a:endParaRPr lang="zh-CN" altLang="en-US" sz="1600" dirty="0">
+                      <a:endParaRPr lang="zh-CN" altLang="en-US" sz="1200" dirty="0">
                         <a:latin typeface="微软雅黑" panose="020B0503020204020204" pitchFamily="34" charset="-122"/>
                         <a:ea typeface="微软雅黑" panose="020B0503020204020204" pitchFamily="34" charset="-122"/>
                       </a:endParaRPr>
                     </a:p>
                   </a:txBody>
-                  <a:tcPr/>
+                  <a:tcPr marT="34290" marB="34290"/>
                 </a:tc>
               </a:tr>
-              <a:tr h="370840">
+              <a:tr h="278130">
                 <a:tc>
                   <a:txBody>
                     <a:bodyPr/>
                     <a:lstStyle/>
                     <a:p>
                       <a:r>
-                        <a:rPr lang="en-US" altLang="zh-CN" sz="1600" dirty="0" err="1" smtClean="0">
+                        <a:rPr lang="en-US" altLang="zh-CN" sz="1200" dirty="0" err="1" smtClean="0">
                           <a:latin typeface="微软雅黑" panose="020B0503020204020204" pitchFamily="34" charset="-122"/>
                           <a:ea typeface="微软雅黑" panose="020B0503020204020204" pitchFamily="34" charset="-122"/>
                         </a:rPr>
                         <a:t>alert_is_present</a:t>
                       </a:r>
-                      <a:endParaRPr lang="zh-CN" altLang="en-US" sz="1600" dirty="0">
+                      <a:endParaRPr lang="zh-CN" altLang="en-US" sz="1200" dirty="0">
                         <a:latin typeface="微软雅黑" panose="020B0503020204020204" pitchFamily="34" charset="-122"/>
                         <a:ea typeface="微软雅黑" panose="020B0503020204020204" pitchFamily="34" charset="-122"/>
                       </a:endParaRPr>
                     </a:p>
                   </a:txBody>
-                  <a:tcPr/>
+                  <a:tcPr marT="34290" marB="34290"/>
                 </a:tc>
                 <a:tc>
                   <a:txBody>
@@ -16462,26 +16630,26 @@
                     <a:lstStyle/>
                     <a:p>
                       <a:r>
-                        <a:rPr lang="zh-CN" altLang="en-US" sz="1600" dirty="0" smtClean="0">
+                        <a:rPr lang="zh-CN" altLang="en-US" sz="1200" dirty="0" smtClean="0">
                           <a:latin typeface="微软雅黑" panose="020B0503020204020204" pitchFamily="34" charset="-122"/>
                           <a:ea typeface="微软雅黑" panose="020B0503020204020204" pitchFamily="34" charset="-122"/>
                         </a:rPr>
                         <a:t>判断页面是否存在</a:t>
                       </a:r>
                       <a:r>
-                        <a:rPr lang="en-US" altLang="zh-CN" sz="1600" dirty="0" smtClean="0">
+                        <a:rPr lang="en-US" altLang="zh-CN" sz="1200" dirty="0" smtClean="0">
                           <a:latin typeface="微软雅黑" panose="020B0503020204020204" pitchFamily="34" charset="-122"/>
                           <a:ea typeface="微软雅黑" panose="020B0503020204020204" pitchFamily="34" charset="-122"/>
                         </a:rPr>
                         <a:t>alert</a:t>
                       </a:r>
-                      <a:endParaRPr lang="zh-CN" altLang="en-US" sz="1600" dirty="0">
+                      <a:endParaRPr lang="zh-CN" altLang="en-US" sz="1200" dirty="0">
                         <a:latin typeface="微软雅黑" panose="020B0503020204020204" pitchFamily="34" charset="-122"/>
                         <a:ea typeface="微软雅黑" panose="020B0503020204020204" pitchFamily="34" charset="-122"/>
                       </a:endParaRPr>
                     </a:p>
                   </a:txBody>
-                  <a:tcPr/>
+                  <a:tcPr marT="34290" marB="34290"/>
                 </a:tc>
               </a:tr>
             </a:tbl>
@@ -16500,8 +16668,8 @@
         </p:nvSpPr>
         <p:spPr>
           <a:xfrm>
-            <a:off x="251520" y="188640"/>
-            <a:ext cx="8280920" cy="403284"/>
+            <a:off x="251520" y="141480"/>
+            <a:ext cx="8280920" cy="302463"/>
           </a:xfrm>
         </p:spPr>
         <p:txBody>
@@ -16572,12 +16740,14 @@
         </p:nvSpPr>
         <p:spPr>
           <a:xfrm>
-            <a:off x="475113" y="2420888"/>
-            <a:ext cx="7729995" cy="3263504"/>
+            <a:off x="475114" y="1815666"/>
+            <a:ext cx="7729995" cy="2447628"/>
           </a:xfrm>
         </p:spPr>
         <p:txBody>
-          <a:bodyPr/>
+          <a:bodyPr>
+            <a:normAutofit fontScale="92500" lnSpcReduction="20000"/>
+          </a:bodyPr>
           <a:lstStyle/>
           <a:p>
             <a:pPr>
@@ -16803,8 +16973,8 @@
         </p:nvSpPr>
         <p:spPr>
           <a:xfrm>
-            <a:off x="447310" y="476673"/>
-            <a:ext cx="8696690" cy="72007"/>
+            <a:off x="447310" y="357505"/>
+            <a:ext cx="8696690" cy="54005"/>
           </a:xfrm>
         </p:spPr>
         <p:txBody>
@@ -16834,7 +17004,7 @@
         </p:nvSpPr>
         <p:spPr bwMode="auto">
           <a:xfrm>
-            <a:off x="0" y="1225879"/>
+            <a:off x="0" y="815536"/>
             <a:ext cx="8676456" cy="830997"/>
           </a:xfrm>
           <a:prstGeom prst="rect">
@@ -17108,7 +17278,9 @@
         </p:nvSpPr>
         <p:spPr/>
         <p:txBody>
-          <a:bodyPr/>
+          <a:bodyPr>
+            <a:normAutofit fontScale="92500" lnSpcReduction="10000"/>
+          </a:bodyPr>
           <a:lstStyle/>
           <a:p>
             <a:pPr marL="0" indent="0">
@@ -17290,7 +17462,9 @@
         </p:nvSpPr>
         <p:spPr/>
         <p:txBody>
-          <a:bodyPr/>
+          <a:bodyPr>
+            <a:normAutofit fontScale="90000"/>
+          </a:bodyPr>
           <a:lstStyle/>
           <a:p>
             <a:r>
@@ -17358,8 +17532,8 @@
         </p:nvSpPr>
         <p:spPr>
           <a:xfrm>
-            <a:off x="534196" y="332657"/>
-            <a:ext cx="8210949" cy="360040"/>
+            <a:off x="534197" y="249493"/>
+            <a:ext cx="8210949" cy="270030"/>
           </a:xfrm>
         </p:spPr>
         <p:txBody>
@@ -17398,8 +17572,8 @@
         </p:blipFill>
         <p:spPr>
           <a:xfrm>
-            <a:off x="543232" y="4232707"/>
-            <a:ext cx="8594306" cy="1283499"/>
+            <a:off x="543232" y="3174531"/>
+            <a:ext cx="8594306" cy="962624"/>
           </a:xfrm>
           <a:prstGeom prst="rect">
             <a:avLst/>
@@ -17414,7 +17588,7 @@
         </p:nvSpPr>
         <p:spPr>
           <a:xfrm>
-            <a:off x="532914" y="908720"/>
+            <a:off x="532914" y="681540"/>
             <a:ext cx="8431574" cy="3323987"/>
           </a:xfrm>
           <a:prstGeom prst="rect">
@@ -17584,7 +17758,7 @@
         </p:nvSpPr>
         <p:spPr>
           <a:xfrm>
-            <a:off x="747693" y="5589240"/>
+            <a:off x="747693" y="4191931"/>
             <a:ext cx="7992888" cy="1015663"/>
           </a:xfrm>
           <a:prstGeom prst="rect">
@@ -17743,13 +17917,13 @@
         </p:nvSpPr>
         <p:spPr>
           <a:xfrm>
-            <a:off x="0" y="908720"/>
-            <a:ext cx="9144000" cy="4968552"/>
+            <a:off x="0" y="681540"/>
+            <a:ext cx="9144000" cy="3726414"/>
           </a:xfrm>
         </p:spPr>
         <p:txBody>
           <a:bodyPr>
-            <a:normAutofit fontScale="92500" lnSpcReduction="10000"/>
+            <a:normAutofit fontScale="85000" lnSpcReduction="20000"/>
           </a:bodyPr>
           <a:lstStyle/>
           <a:p>
@@ -18010,8 +18184,8 @@
         </p:nvSpPr>
         <p:spPr>
           <a:xfrm>
-            <a:off x="251520" y="260648"/>
-            <a:ext cx="7848872" cy="382509"/>
+            <a:off x="251520" y="195486"/>
+            <a:ext cx="7848872" cy="286882"/>
           </a:xfrm>
         </p:spPr>
         <p:txBody>
@@ -18077,8 +18251,8 @@
         </p:nvSpPr>
         <p:spPr>
           <a:xfrm>
-            <a:off x="0" y="908720"/>
-            <a:ext cx="9144000" cy="2664296"/>
+            <a:off x="0" y="681540"/>
+            <a:ext cx="9144000" cy="1998222"/>
           </a:xfrm>
         </p:spPr>
         <p:txBody>
@@ -18176,8 +18350,8 @@
         </p:nvSpPr>
         <p:spPr>
           <a:xfrm>
-            <a:off x="251520" y="260648"/>
-            <a:ext cx="8208912" cy="382509"/>
+            <a:off x="251520" y="195486"/>
+            <a:ext cx="8208912" cy="286882"/>
           </a:xfrm>
         </p:spPr>
         <p:txBody>
@@ -18212,7 +18386,7 @@
         </p:nvSpPr>
         <p:spPr bwMode="auto">
           <a:xfrm>
-            <a:off x="107504" y="2772887"/>
+            <a:off x="107504" y="1606459"/>
             <a:ext cx="8352928" cy="3785652"/>
           </a:xfrm>
           <a:prstGeom prst="rect">
@@ -18819,7 +18993,9 @@
         </p:nvSpPr>
         <p:spPr/>
         <p:txBody>
-          <a:bodyPr/>
+          <a:bodyPr>
+            <a:normAutofit fontScale="92500" lnSpcReduction="20000"/>
+          </a:bodyPr>
           <a:lstStyle/>
           <a:p>
             <a:pPr>
@@ -19082,7 +19258,7 @@
         <p:spPr/>
         <p:txBody>
           <a:bodyPr>
-            <a:normAutofit/>
+            <a:normAutofit fontScale="90000"/>
           </a:bodyPr>
           <a:lstStyle/>
           <a:p>
@@ -19155,8 +19331,8 @@
         </p:nvSpPr>
         <p:spPr>
           <a:xfrm>
-            <a:off x="395516" y="908720"/>
-            <a:ext cx="8412713" cy="5256584"/>
+            <a:off x="395517" y="681540"/>
+            <a:ext cx="8412713" cy="3942438"/>
           </a:xfrm>
         </p:spPr>
         <p:txBody>
@@ -19529,12 +19705,14 @@
         </p:nvSpPr>
         <p:spPr>
           <a:xfrm>
-            <a:off x="395536" y="188640"/>
-            <a:ext cx="7344816" cy="670541"/>
+            <a:off x="395536" y="141480"/>
+            <a:ext cx="7344816" cy="502906"/>
           </a:xfrm>
         </p:spPr>
         <p:txBody>
-          <a:bodyPr/>
+          <a:bodyPr>
+            <a:normAutofit fontScale="90000"/>
+          </a:bodyPr>
           <a:lstStyle/>
           <a:p>
             <a:r>
@@ -19598,13 +19776,13 @@
         </p:nvSpPr>
         <p:spPr>
           <a:xfrm>
-            <a:off x="467544" y="1268760"/>
-            <a:ext cx="7886700" cy="4536504"/>
+            <a:off x="467544" y="951570"/>
+            <a:ext cx="7886700" cy="3402378"/>
           </a:xfrm>
         </p:spPr>
         <p:txBody>
           <a:bodyPr>
-            <a:normAutofit/>
+            <a:normAutofit fontScale="92500" lnSpcReduction="10000"/>
           </a:bodyPr>
           <a:lstStyle/>
           <a:p>
@@ -19744,8 +19922,8 @@
         </p:nvSpPr>
         <p:spPr>
           <a:xfrm>
-            <a:off x="467544" y="260648"/>
-            <a:ext cx="8208912" cy="382509"/>
+            <a:off x="467544" y="195486"/>
+            <a:ext cx="8208912" cy="286882"/>
           </a:xfrm>
         </p:spPr>
         <p:txBody>
@@ -19811,13 +19989,13 @@
         </p:nvSpPr>
         <p:spPr>
           <a:xfrm>
-            <a:off x="489208" y="908720"/>
-            <a:ext cx="7886700" cy="4824536"/>
+            <a:off x="489208" y="681540"/>
+            <a:ext cx="7886700" cy="3618402"/>
           </a:xfrm>
         </p:spPr>
         <p:txBody>
           <a:bodyPr>
-            <a:normAutofit/>
+            <a:normAutofit fontScale="92500" lnSpcReduction="20000"/>
           </a:bodyPr>
           <a:lstStyle/>
           <a:p>
@@ -20213,8 +20391,8 @@
         </p:nvSpPr>
         <p:spPr>
           <a:xfrm>
-            <a:off x="251520" y="116632"/>
-            <a:ext cx="7344816" cy="598533"/>
+            <a:off x="251520" y="87474"/>
+            <a:ext cx="7344816" cy="448900"/>
           </a:xfrm>
         </p:spPr>
         <p:txBody>
@@ -20288,13 +20466,13 @@
         </p:nvSpPr>
         <p:spPr>
           <a:xfrm>
-            <a:off x="110456" y="980728"/>
-            <a:ext cx="9001000" cy="4525963"/>
+            <a:off x="110456" y="735546"/>
+            <a:ext cx="9001000" cy="3394472"/>
           </a:xfrm>
         </p:spPr>
         <p:txBody>
           <a:bodyPr>
-            <a:normAutofit fontScale="92500" lnSpcReduction="10000"/>
+            <a:normAutofit fontScale="85000" lnSpcReduction="10000"/>
           </a:bodyPr>
           <a:lstStyle/>
           <a:p>
@@ -20582,12 +20760,14 @@
         </p:nvSpPr>
         <p:spPr>
           <a:xfrm>
-            <a:off x="611560" y="116632"/>
-            <a:ext cx="6491064" cy="648072"/>
+            <a:off x="611560" y="87474"/>
+            <a:ext cx="6491064" cy="486054"/>
           </a:xfrm>
         </p:spPr>
         <p:txBody>
-          <a:bodyPr/>
+          <a:bodyPr>
+            <a:normAutofit fontScale="90000"/>
+          </a:bodyPr>
           <a:lstStyle/>
           <a:p>
             <a:r>
@@ -20652,7 +20832,7 @@
         <p:spPr/>
         <p:txBody>
           <a:bodyPr>
-            <a:normAutofit fontScale="92500" lnSpcReduction="20000"/>
+            <a:normAutofit fontScale="85000" lnSpcReduction="20000"/>
           </a:bodyPr>
           <a:lstStyle/>
           <a:p>
@@ -20977,8 +21157,8 @@
         </p:nvSpPr>
         <p:spPr>
           <a:xfrm>
-            <a:off x="395536" y="188640"/>
-            <a:ext cx="6243869" cy="526525"/>
+            <a:off x="395536" y="141480"/>
+            <a:ext cx="6243869" cy="394894"/>
           </a:xfrm>
         </p:spPr>
         <p:txBody>
@@ -21110,7 +21290,9 @@
         </p:nvSpPr>
         <p:spPr/>
         <p:txBody>
-          <a:bodyPr/>
+          <a:bodyPr>
+            <a:normAutofit fontScale="90000"/>
+          </a:bodyPr>
           <a:lstStyle/>
           <a:p>
             <a:r>
@@ -21237,7 +21419,9 @@
         </p:nvSpPr>
         <p:spPr/>
         <p:txBody>
-          <a:bodyPr/>
+          <a:bodyPr>
+            <a:normAutofit fontScale="90000"/>
+          </a:bodyPr>
           <a:lstStyle/>
           <a:p>
             <a:r>
@@ -21364,7 +21548,9 @@
         </p:nvSpPr>
         <p:spPr/>
         <p:txBody>
-          <a:bodyPr/>
+          <a:bodyPr>
+            <a:normAutofit fontScale="90000"/>
+          </a:bodyPr>
           <a:lstStyle/>
           <a:p>
             <a:r>
@@ -21463,14 +21649,7 @@
                 <a:latin typeface="+mn-ea"/>
                 <a:ea typeface="+mn-ea"/>
               </a:rPr>
-              <a:t>15.2  </a:t>
-            </a:r>
-            <a:r>
-              <a:rPr lang="en-US" altLang="zh-CN" sz="3600" b="1" dirty="0">
-                <a:latin typeface="+mn-ea"/>
-                <a:ea typeface="+mn-ea"/>
-              </a:rPr>
-              <a:t>Selenium</a:t>
+              <a:t>15.2  Selenium</a:t>
             </a:r>
             <a:r>
               <a:rPr lang="zh-CN" altLang="en-US" sz="3600" b="1" dirty="0">
@@ -21598,7 +21777,9 @@
         </p:nvSpPr>
         <p:spPr/>
         <p:txBody>
-          <a:bodyPr/>
+          <a:bodyPr>
+            <a:normAutofit fontScale="90000"/>
+          </a:bodyPr>
           <a:lstStyle/>
           <a:p>
             <a:r>
@@ -21666,8 +21847,8 @@
         </p:nvSpPr>
         <p:spPr>
           <a:xfrm>
-            <a:off x="534289" y="1171099"/>
-            <a:ext cx="8229600" cy="4525963"/>
+            <a:off x="534289" y="878325"/>
+            <a:ext cx="8229600" cy="3394472"/>
           </a:xfrm>
         </p:spPr>
         <p:txBody>
@@ -21755,8 +21936,8 @@
         </p:blipFill>
         <p:spPr bwMode="auto">
           <a:xfrm>
-            <a:off x="4067944" y="4591537"/>
-            <a:ext cx="5256584" cy="1716255"/>
+            <a:off x="4067944" y="3443653"/>
+            <a:ext cx="5256584" cy="1287191"/>
           </a:xfrm>
           <a:prstGeom prst="rect">
             <a:avLst/>
@@ -21819,8 +22000,8 @@
         </p:blipFill>
         <p:spPr bwMode="auto">
           <a:xfrm>
-            <a:off x="467544" y="2420888"/>
-            <a:ext cx="2551707" cy="1594817"/>
+            <a:off x="467545" y="1815666"/>
+            <a:ext cx="2551707" cy="1196113"/>
           </a:xfrm>
           <a:prstGeom prst="rect">
             <a:avLst/>
@@ -21860,8 +22041,8 @@
         </p:blipFill>
         <p:spPr bwMode="auto">
           <a:xfrm>
-            <a:off x="3902164" y="2044784"/>
-            <a:ext cx="1738354" cy="1738355"/>
+            <a:off x="3902164" y="1533589"/>
+            <a:ext cx="1738354" cy="1303766"/>
           </a:xfrm>
           <a:prstGeom prst="rect">
             <a:avLst/>
@@ -21901,8 +22082,8 @@
         </p:blipFill>
         <p:spPr bwMode="auto">
           <a:xfrm>
-            <a:off x="806661" y="4949603"/>
-            <a:ext cx="1873471" cy="1000125"/>
+            <a:off x="806662" y="3712203"/>
+            <a:ext cx="1873471" cy="750094"/>
           </a:xfrm>
           <a:prstGeom prst="rect">
             <a:avLst/>
@@ -21927,7 +22108,7 @@
         </p:nvSpPr>
         <p:spPr>
           <a:xfrm>
-            <a:off x="6030957" y="2913962"/>
+            <a:off x="6030957" y="2185471"/>
             <a:ext cx="2524730" cy="923330"/>
           </a:xfrm>
           <a:prstGeom prst="rect">
@@ -22120,7 +22301,7 @@
         <p:spPr/>
         <p:txBody>
           <a:bodyPr>
-            <a:normAutofit/>
+            <a:normAutofit fontScale="90000"/>
           </a:bodyPr>
           <a:lstStyle/>
           <a:p>
@@ -22144,7 +22325,7 @@
         </p:nvSpPr>
         <p:spPr>
           <a:xfrm>
-            <a:off x="4280956" y="5401641"/>
+            <a:off x="4280956" y="4051231"/>
             <a:ext cx="3637190" cy="507831"/>
           </a:xfrm>
           <a:prstGeom prst="rect">
@@ -22241,8 +22422,8 @@
         </p:blipFill>
         <p:spPr bwMode="auto">
           <a:xfrm>
-            <a:off x="851276" y="2276872"/>
-            <a:ext cx="5248275" cy="2981325"/>
+            <a:off x="851277" y="1707654"/>
+            <a:ext cx="5248275" cy="2235994"/>
           </a:xfrm>
           <a:prstGeom prst="rect">
             <a:avLst/>
@@ -22373,8 +22554,8 @@
         </p:blipFill>
         <p:spPr bwMode="auto">
           <a:xfrm>
-            <a:off x="341008" y="906942"/>
-            <a:ext cx="3371850" cy="5258361"/>
+            <a:off x="341008" y="680207"/>
+            <a:ext cx="3371850" cy="3943771"/>
           </a:xfrm>
           <a:prstGeom prst="rect">
             <a:avLst/>
@@ -22437,8 +22618,8 @@
         </p:blipFill>
         <p:spPr bwMode="auto">
           <a:xfrm>
-            <a:off x="4211960" y="908720"/>
-            <a:ext cx="4432759" cy="5400600"/>
+            <a:off x="4211961" y="681540"/>
+            <a:ext cx="4432759" cy="4050450"/>
           </a:xfrm>
           <a:prstGeom prst="rect">
             <a:avLst/>
@@ -22644,7 +22825,9 @@
         </p:nvSpPr>
         <p:spPr/>
         <p:txBody>
-          <a:bodyPr/>
+          <a:bodyPr>
+            <a:normAutofit fontScale="90000"/>
+          </a:bodyPr>
           <a:lstStyle/>
           <a:p>
             <a:r>
@@ -22709,12 +22892,14 @@
         </p:nvSpPr>
         <p:spPr>
           <a:xfrm>
-            <a:off x="4644008" y="1678483"/>
-            <a:ext cx="3816424" cy="4525963"/>
+            <a:off x="4644008" y="1258863"/>
+            <a:ext cx="3816424" cy="3394472"/>
           </a:xfrm>
         </p:spPr>
         <p:txBody>
-          <a:bodyPr/>
+          <a:bodyPr>
+            <a:normAutofit fontScale="92500" lnSpcReduction="10000"/>
+          </a:bodyPr>
           <a:lstStyle/>
           <a:p>
             <a:pPr marL="0" indent="0">
@@ -22859,7 +23044,9 @@
         </p:nvSpPr>
         <p:spPr/>
         <p:txBody>
-          <a:bodyPr/>
+          <a:bodyPr>
+            <a:normAutofit fontScale="90000"/>
+          </a:bodyPr>
           <a:lstStyle/>
           <a:p>
             <a:r>
@@ -22897,8 +23084,8 @@
         </p:blipFill>
         <p:spPr bwMode="auto">
           <a:xfrm>
-            <a:off x="265276" y="1052736"/>
-            <a:ext cx="4124325" cy="4392488"/>
+            <a:off x="265276" y="789552"/>
+            <a:ext cx="4124325" cy="3294366"/>
           </a:xfrm>
           <a:prstGeom prst="rect">
             <a:avLst/>
@@ -23116,7 +23303,9 @@
         </p:nvSpPr>
         <p:spPr/>
         <p:txBody>
-          <a:bodyPr/>
+          <a:bodyPr>
+            <a:normAutofit fontScale="90000"/>
+          </a:bodyPr>
           <a:lstStyle/>
           <a:p>
             <a:r>
@@ -23181,8 +23370,8 @@
           </p:nvPr>
         </p:nvGraphicFramePr>
         <p:xfrm>
-          <a:off x="457200" y="1600200"/>
-          <a:ext cx="8229600" cy="4525963"/>
+          <a:off x="457200" y="1200151"/>
+          <a:ext cx="8229600" cy="3394472"/>
         </p:xfrm>
         <a:graphic>
           <a:graphicData uri="http://schemas.openxmlformats.org/drawingml/2006/diagram">
@@ -23202,7 +23391,9 @@
         </p:nvSpPr>
         <p:spPr/>
         <p:txBody>
-          <a:bodyPr/>
+          <a:bodyPr>
+            <a:normAutofit fontScale="90000"/>
+          </a:bodyPr>
           <a:lstStyle/>
           <a:p>
             <a:r>
@@ -23266,7 +23457,9 @@
         </p:nvSpPr>
         <p:spPr/>
         <p:txBody>
-          <a:bodyPr/>
+          <a:bodyPr>
+            <a:normAutofit fontScale="92500" lnSpcReduction="10000"/>
+          </a:bodyPr>
           <a:lstStyle/>
           <a:p>
             <a:pPr>
@@ -23445,7 +23638,9 @@
         </p:nvSpPr>
         <p:spPr/>
         <p:txBody>
-          <a:bodyPr/>
+          <a:bodyPr>
+            <a:normAutofit fontScale="90000"/>
+          </a:bodyPr>
           <a:lstStyle/>
           <a:p>
             <a:r>
@@ -23516,13 +23711,13 @@
         </p:nvSpPr>
         <p:spPr>
           <a:xfrm>
-            <a:off x="179512" y="980728"/>
-            <a:ext cx="8460630" cy="5007429"/>
+            <a:off x="179512" y="735546"/>
+            <a:ext cx="8460630" cy="3755572"/>
           </a:xfrm>
         </p:spPr>
         <p:txBody>
           <a:bodyPr>
-            <a:normAutofit/>
+            <a:normAutofit fontScale="85000" lnSpcReduction="20000"/>
           </a:bodyPr>
           <a:lstStyle/>
           <a:p>
@@ -23749,7 +23944,9 @@
         </p:nvSpPr>
         <p:spPr/>
         <p:txBody>
-          <a:bodyPr/>
+          <a:bodyPr>
+            <a:normAutofit fontScale="90000"/>
+          </a:bodyPr>
           <a:lstStyle/>
           <a:p>
             <a:r>
@@ -23771,7 +23968,7 @@
         </p:nvSpPr>
         <p:spPr>
           <a:xfrm>
-            <a:off x="3203848" y="4221088"/>
+            <a:off x="3203848" y="3165816"/>
             <a:ext cx="5616624" cy="1631216"/>
           </a:xfrm>
           <a:prstGeom prst="rect">
@@ -23986,8 +24183,8 @@
         </p:nvSpPr>
         <p:spPr>
           <a:xfrm>
-            <a:off x="323528" y="1052736"/>
-            <a:ext cx="8229600" cy="4525963"/>
+            <a:off x="323528" y="789553"/>
+            <a:ext cx="8229600" cy="3394472"/>
           </a:xfrm>
         </p:spPr>
         <p:txBody>
@@ -24338,7 +24535,9 @@
         </p:nvSpPr>
         <p:spPr/>
         <p:txBody>
-          <a:bodyPr/>
+          <a:bodyPr>
+            <a:normAutofit fontScale="90000"/>
+          </a:bodyPr>
           <a:lstStyle/>
           <a:p>
             <a:r>
@@ -24410,13 +24609,13 @@
         </p:nvSpPr>
         <p:spPr>
           <a:xfrm>
-            <a:off x="0" y="1052736"/>
-            <a:ext cx="8982842" cy="5007429"/>
+            <a:off x="0" y="789552"/>
+            <a:ext cx="8982842" cy="3755572"/>
           </a:xfrm>
         </p:spPr>
         <p:txBody>
           <a:bodyPr>
-            <a:normAutofit fontScale="92500"/>
+            <a:normAutofit fontScale="85000" lnSpcReduction="20000"/>
           </a:bodyPr>
           <a:lstStyle/>
           <a:p>
@@ -24547,7 +24746,9 @@
         </p:nvSpPr>
         <p:spPr/>
         <p:txBody>
-          <a:bodyPr/>
+          <a:bodyPr>
+            <a:normAutofit fontScale="90000"/>
+          </a:bodyPr>
           <a:lstStyle/>
           <a:p>
             <a:r>
@@ -24619,7 +24820,9 @@
         </p:nvSpPr>
         <p:spPr/>
         <p:txBody>
-          <a:bodyPr/>
+          <a:bodyPr>
+            <a:normAutofit fontScale="92500"/>
+          </a:bodyPr>
           <a:lstStyle/>
           <a:p>
             <a:pPr>
@@ -24859,7 +25062,9 @@
         </p:nvSpPr>
         <p:spPr/>
         <p:txBody>
-          <a:bodyPr/>
+          <a:bodyPr>
+            <a:normAutofit fontScale="90000"/>
+          </a:bodyPr>
           <a:lstStyle/>
           <a:p>
             <a:r>
@@ -24928,7 +25133,7 @@
         <p:spPr/>
         <p:txBody>
           <a:bodyPr>
-            <a:normAutofit/>
+            <a:normAutofit fontScale="90000"/>
           </a:bodyPr>
           <a:lstStyle/>
           <a:p>
@@ -24975,8 +25180,8 @@
         </p:blipFill>
         <p:spPr bwMode="auto">
           <a:xfrm>
-            <a:off x="2105000" y="1677761"/>
-            <a:ext cx="4862796" cy="2926896"/>
+            <a:off x="2105000" y="1258321"/>
+            <a:ext cx="4862796" cy="2195172"/>
           </a:xfrm>
           <a:prstGeom prst="rect">
             <a:avLst/>
@@ -25001,7 +25206,7 @@
         </p:nvSpPr>
         <p:spPr>
           <a:xfrm>
-            <a:off x="1691680" y="5085184"/>
+            <a:off x="1691680" y="3813888"/>
             <a:ext cx="6270672" cy="1338828"/>
           </a:xfrm>
           <a:prstGeom prst="rect">
@@ -25159,7 +25364,9 @@
         </p:nvSpPr>
         <p:spPr/>
         <p:txBody>
-          <a:bodyPr/>
+          <a:bodyPr>
+            <a:normAutofit fontScale="90000"/>
+          </a:bodyPr>
           <a:lstStyle/>
           <a:p>
             <a:r>
@@ -25193,8 +25400,8 @@
         </p:blipFill>
         <p:spPr bwMode="auto">
           <a:xfrm>
-            <a:off x="91108" y="1628800"/>
-            <a:ext cx="9052892" cy="2819400"/>
+            <a:off x="91108" y="1221600"/>
+            <a:ext cx="9052892" cy="2114550"/>
           </a:xfrm>
           <a:prstGeom prst="rect">
             <a:avLst/>
@@ -25276,8 +25483,8 @@
         </p:nvSpPr>
         <p:spPr>
           <a:xfrm>
-            <a:off x="395536" y="980728"/>
-            <a:ext cx="8229600" cy="4525963"/>
+            <a:off x="395536" y="735546"/>
+            <a:ext cx="8229600" cy="3394472"/>
           </a:xfrm>
         </p:spPr>
         <p:txBody>
@@ -25433,7 +25640,9 @@
         </p:nvSpPr>
         <p:spPr/>
         <p:txBody>
-          <a:bodyPr/>
+          <a:bodyPr>
+            <a:normAutofit fontScale="90000"/>
+          </a:bodyPr>
           <a:lstStyle/>
           <a:p>
             <a:r>
@@ -25466,8 +25675,8 @@
         </p:blipFill>
         <p:spPr>
           <a:xfrm>
-            <a:off x="2195736" y="4005064"/>
-            <a:ext cx="4301411" cy="2041267"/>
+            <a:off x="2195737" y="3003799"/>
+            <a:ext cx="4301411" cy="1530950"/>
           </a:xfrm>
           <a:prstGeom prst="rect">
             <a:avLst/>
@@ -25523,7 +25732,9 @@
         </p:nvSpPr>
         <p:spPr/>
         <p:txBody>
-          <a:bodyPr/>
+          <a:bodyPr>
+            <a:normAutofit fontScale="90000"/>
+          </a:bodyPr>
           <a:lstStyle/>
           <a:p>
             <a:r>
@@ -25557,8 +25768,8 @@
         </p:blipFill>
         <p:spPr bwMode="auto">
           <a:xfrm>
-            <a:off x="251520" y="1844824"/>
-            <a:ext cx="8604448" cy="2486025"/>
+            <a:off x="251520" y="1383618"/>
+            <a:ext cx="8604448" cy="1864519"/>
           </a:xfrm>
           <a:prstGeom prst="rect">
             <a:avLst/>
@@ -25768,7 +25979,9 @@
         </p:nvSpPr>
         <p:spPr/>
         <p:txBody>
-          <a:bodyPr/>
+          <a:bodyPr>
+            <a:normAutofit fontScale="90000"/>
+          </a:bodyPr>
           <a:lstStyle/>
           <a:p>
             <a:r>
@@ -25871,14 +26084,7 @@
                 <a:latin typeface="+mn-ea"/>
                 <a:ea typeface="+mn-ea"/>
               </a:rPr>
-              <a:t>15.2  </a:t>
-            </a:r>
-            <a:r>
-              <a:rPr lang="en-US" altLang="zh-CN" sz="3600" b="1" dirty="0">
-                <a:latin typeface="+mn-ea"/>
-                <a:ea typeface="+mn-ea"/>
-              </a:rPr>
-              <a:t>Selenium</a:t>
+              <a:t>15.2  Selenium</a:t>
             </a:r>
             <a:r>
               <a:rPr lang="zh-CN" altLang="en-US" sz="3600" b="1" dirty="0">
@@ -26003,7 +26209,9 @@
         </p:nvSpPr>
         <p:spPr/>
         <p:txBody>
-          <a:bodyPr/>
+          <a:bodyPr>
+            <a:normAutofit fontScale="90000"/>
+          </a:bodyPr>
           <a:lstStyle/>
           <a:p>
             <a:r>
@@ -26071,8 +26279,8 @@
         </p:nvSpPr>
         <p:spPr>
           <a:xfrm>
-            <a:off x="323528" y="836712"/>
-            <a:ext cx="8460630" cy="5007429"/>
+            <a:off x="323528" y="627534"/>
+            <a:ext cx="8460630" cy="3755572"/>
           </a:xfrm>
         </p:spPr>
         <p:txBody>
@@ -26168,7 +26376,9 @@
         </p:nvSpPr>
         <p:spPr/>
         <p:txBody>
-          <a:bodyPr/>
+          <a:bodyPr>
+            <a:normAutofit fontScale="90000"/>
+          </a:bodyPr>
           <a:lstStyle/>
           <a:p>
             <a:r>
@@ -26205,8 +26415,8 @@
         </p:blipFill>
         <p:spPr>
           <a:xfrm>
-            <a:off x="2483768" y="2996952"/>
-            <a:ext cx="4914900" cy="3264694"/>
+            <a:off x="2483768" y="2247714"/>
+            <a:ext cx="4914900" cy="2448521"/>
           </a:xfrm>
           <a:prstGeom prst="rect">
             <a:avLst/>
@@ -26262,8 +26472,8 @@
         </p:nvSpPr>
         <p:spPr>
           <a:xfrm>
-            <a:off x="395536" y="1052736"/>
-            <a:ext cx="8229600" cy="4525963"/>
+            <a:off x="395536" y="789553"/>
+            <a:ext cx="8229600" cy="3394472"/>
           </a:xfrm>
         </p:spPr>
         <p:txBody>
@@ -26303,7 +26513,9 @@
         </p:nvSpPr>
         <p:spPr/>
         <p:txBody>
-          <a:bodyPr/>
+          <a:bodyPr>
+            <a:normAutofit fontScale="90000"/>
+          </a:bodyPr>
           <a:lstStyle/>
           <a:p>
             <a:r>
@@ -26336,8 +26548,8 @@
         </p:blipFill>
         <p:spPr>
           <a:xfrm>
-            <a:off x="1691680" y="2852936"/>
-            <a:ext cx="4757738" cy="2600325"/>
+            <a:off x="1691680" y="2139702"/>
+            <a:ext cx="4757738" cy="1950244"/>
           </a:xfrm>
           <a:prstGeom prst="rect">
             <a:avLst/>
@@ -26393,7 +26605,9 @@
         </p:nvSpPr>
         <p:spPr/>
         <p:txBody>
-          <a:bodyPr/>
+          <a:bodyPr>
+            <a:normAutofit fontScale="90000"/>
+          </a:bodyPr>
           <a:lstStyle/>
           <a:p>
             <a:r>
@@ -26427,8 +26641,8 @@
         </p:blipFill>
         <p:spPr bwMode="auto">
           <a:xfrm>
-            <a:off x="323528" y="1101339"/>
-            <a:ext cx="4933950" cy="4686300"/>
+            <a:off x="323528" y="826004"/>
+            <a:ext cx="4933950" cy="3514725"/>
           </a:xfrm>
           <a:prstGeom prst="rect">
             <a:avLst/>
@@ -26612,7 +26826,9 @@
         </p:nvSpPr>
         <p:spPr/>
         <p:txBody>
-          <a:bodyPr/>
+          <a:bodyPr>
+            <a:normAutofit fontScale="90000"/>
+          </a:bodyPr>
           <a:lstStyle/>
           <a:p>
             <a:r>
@@ -26665,7 +26881,9 @@
         </p:nvSpPr>
         <p:spPr/>
         <p:txBody>
-          <a:bodyPr/>
+          <a:bodyPr>
+            <a:normAutofit fontScale="90000"/>
+          </a:bodyPr>
           <a:lstStyle/>
           <a:p>
             <a:r>
@@ -26699,8 +26917,8 @@
         </p:blipFill>
         <p:spPr bwMode="auto">
           <a:xfrm>
-            <a:off x="1400175" y="838200"/>
-            <a:ext cx="6343650" cy="5181600"/>
+            <a:off x="1400175" y="628650"/>
+            <a:ext cx="6343650" cy="3886200"/>
           </a:xfrm>
           <a:prstGeom prst="rect">
             <a:avLst/>
@@ -26797,7 +27015,9 @@
         </p:nvSpPr>
         <p:spPr/>
         <p:txBody>
-          <a:bodyPr/>
+          <a:bodyPr>
+            <a:normAutofit fontScale="90000"/>
+          </a:bodyPr>
           <a:lstStyle/>
           <a:p>
             <a:r>
@@ -26828,7 +27048,7 @@
         </p:nvSpPr>
         <p:spPr>
           <a:xfrm>
-            <a:off x="6273659" y="1947575"/>
+            <a:off x="6273660" y="1460682"/>
             <a:ext cx="2870341" cy="646331"/>
           </a:xfrm>
           <a:prstGeom prst="rect">
@@ -26886,8 +27106,8 @@
         </p:blipFill>
         <p:spPr bwMode="auto">
           <a:xfrm>
-            <a:off x="1142405" y="1507096"/>
-            <a:ext cx="4957818" cy="4416737"/>
+            <a:off x="1142405" y="1130322"/>
+            <a:ext cx="4957818" cy="3312553"/>
           </a:xfrm>
           <a:prstGeom prst="rect">
             <a:avLst/>
@@ -26979,7 +27199,9 @@
         </p:nvSpPr>
         <p:spPr/>
         <p:txBody>
-          <a:bodyPr/>
+          <a:bodyPr>
+            <a:normAutofit fontScale="90000"/>
+          </a:bodyPr>
           <a:lstStyle/>
           <a:p>
             <a:r>
@@ -27013,8 +27235,8 @@
         </p:blipFill>
         <p:spPr bwMode="auto">
           <a:xfrm>
-            <a:off x="1070681" y="3645024"/>
-            <a:ext cx="7370763" cy="1352550"/>
+            <a:off x="1070682" y="2733768"/>
+            <a:ext cx="7370763" cy="1014413"/>
           </a:xfrm>
           <a:prstGeom prst="rect">
             <a:avLst/>
@@ -27077,8 +27299,8 @@
         </p:blipFill>
         <p:spPr bwMode="auto">
           <a:xfrm>
-            <a:off x="683568" y="1196751"/>
-            <a:ext cx="8144991" cy="1754553"/>
+            <a:off x="683568" y="897564"/>
+            <a:ext cx="8144991" cy="1315915"/>
           </a:xfrm>
           <a:prstGeom prst="rect">
             <a:avLst/>
@@ -27128,6 +27350,13 @@
   <p:clrMapOvr>
     <a:masterClrMapping/>
   </p:clrMapOvr>
+  <p:timing>
+    <p:tnLst>
+      <p:par>
+        <p:cTn id="1" dur="indefinite" restart="never" nodeType="tmRoot"/>
+      </p:par>
+    </p:tnLst>
+  </p:timing>
 </p:sld>
 </file>
 
@@ -27160,8 +27389,8 @@
         </p:nvSpPr>
         <p:spPr>
           <a:xfrm>
-            <a:off x="323528" y="1052736"/>
-            <a:ext cx="8229600" cy="4525963"/>
+            <a:off x="323528" y="789553"/>
+            <a:ext cx="8229600" cy="3394472"/>
           </a:xfrm>
         </p:spPr>
         <p:txBody>
@@ -27384,7 +27613,7 @@
         <p:spPr/>
         <p:txBody>
           <a:bodyPr>
-            <a:normAutofit/>
+            <a:normAutofit fontScale="90000"/>
           </a:bodyPr>
           <a:lstStyle/>
           <a:p>
@@ -27418,8 +27647,8 @@
         </p:blipFill>
         <p:spPr>
           <a:xfrm>
-            <a:off x="1691680" y="4077072"/>
-            <a:ext cx="5883070" cy="2216164"/>
+            <a:off x="1979712" y="3481377"/>
+            <a:ext cx="5883070" cy="1662123"/>
           </a:xfrm>
           <a:prstGeom prst="rect">
             <a:avLst/>
@@ -27476,7 +27705,7 @@
         <p:spPr/>
         <p:txBody>
           <a:bodyPr>
-            <a:normAutofit/>
+            <a:normAutofit fontScale="90000"/>
           </a:bodyPr>
           <a:lstStyle/>
           <a:p>
@@ -27500,7 +27729,7 @@
         </p:nvSpPr>
         <p:spPr>
           <a:xfrm>
-            <a:off x="401876" y="2060848"/>
+            <a:off x="401876" y="1545636"/>
             <a:ext cx="9663026" cy="369332"/>
           </a:xfrm>
           <a:prstGeom prst="rect">
@@ -27548,8 +27777,8 @@
         </p:blipFill>
         <p:spPr bwMode="auto">
           <a:xfrm>
-            <a:off x="1685925" y="2942705"/>
-            <a:ext cx="5772150" cy="3357716"/>
+            <a:off x="1685925" y="2207029"/>
+            <a:ext cx="5772150" cy="2518287"/>
           </a:xfrm>
           <a:prstGeom prst="rect">
             <a:avLst/>
@@ -27612,8 +27841,8 @@
         </p:blipFill>
         <p:spPr bwMode="auto">
           <a:xfrm>
-            <a:off x="683568" y="980728"/>
-            <a:ext cx="5324475" cy="779140"/>
+            <a:off x="683568" y="735546"/>
+            <a:ext cx="5324475" cy="584355"/>
           </a:xfrm>
           <a:prstGeom prst="rect">
             <a:avLst/>
@@ -27703,7 +27932,7 @@
         <p:spPr/>
         <p:txBody>
           <a:bodyPr>
-            <a:normAutofit/>
+            <a:normAutofit fontScale="90000"/>
           </a:bodyPr>
           <a:lstStyle/>
           <a:p>
@@ -27727,7 +27956,7 @@
         </p:nvSpPr>
         <p:spPr>
           <a:xfrm>
-            <a:off x="251520" y="1052736"/>
+            <a:off x="251520" y="789552"/>
             <a:ext cx="8280920" cy="3416320"/>
           </a:xfrm>
           <a:prstGeom prst="rect">
@@ -28396,7 +28625,7 @@
         <a:sysClr val="windowText" lastClr="000000"/>
       </a:dk1>
       <a:lt1>
-        <a:sysClr val="window" lastClr="FFFFFF"/>
+        <a:sysClr val="window" lastClr="CCE8CF"/>
       </a:lt1>
       <a:dk2>
         <a:srgbClr val="1F497D"/>
@@ -28679,7 +28908,7 @@
         <a:sysClr val="windowText" lastClr="000000"/>
       </a:dk1>
       <a:lt1>
-        <a:sysClr val="window" lastClr="FFFFFF"/>
+        <a:sysClr val="window" lastClr="CCE8CF"/>
       </a:lt1>
       <a:dk2>
         <a:srgbClr val="1F497D"/>

--- a/PPT/15 基于Python自动化测试基础.pptx
+++ b/PPT/15 基于Python自动化测试基础.pptx
@@ -6,7 +6,7 @@
     <p:sldMasterId id="2147483670" r:id="rId2"/>
   </p:sldMasterIdLst>
   <p:notesMasterIdLst>
-    <p:notesMasterId r:id="rId63"/>
+    <p:notesMasterId r:id="rId68"/>
   </p:notesMasterIdLst>
   <p:sldIdLst>
     <p:sldId id="365" r:id="rId3"/>
@@ -61,16 +61,21 @@
     <p:sldId id="374" r:id="rId52"/>
     <p:sldId id="305" r:id="rId53"/>
     <p:sldId id="375" r:id="rId54"/>
-    <p:sldId id="364" r:id="rId55"/>
-    <p:sldId id="380" r:id="rId56"/>
-    <p:sldId id="306" r:id="rId57"/>
-    <p:sldId id="307" r:id="rId58"/>
-    <p:sldId id="345" r:id="rId59"/>
-    <p:sldId id="376" r:id="rId60"/>
-    <p:sldId id="346" r:id="rId61"/>
-    <p:sldId id="377" r:id="rId62"/>
+    <p:sldId id="381" r:id="rId55"/>
+    <p:sldId id="364" r:id="rId56"/>
+    <p:sldId id="382" r:id="rId57"/>
+    <p:sldId id="383" r:id="rId58"/>
+    <p:sldId id="384" r:id="rId59"/>
+    <p:sldId id="385" r:id="rId60"/>
+    <p:sldId id="380" r:id="rId61"/>
+    <p:sldId id="306" r:id="rId62"/>
+    <p:sldId id="307" r:id="rId63"/>
+    <p:sldId id="345" r:id="rId64"/>
+    <p:sldId id="376" r:id="rId65"/>
+    <p:sldId id="346" r:id="rId66"/>
+    <p:sldId id="377" r:id="rId67"/>
   </p:sldIdLst>
-  <p:sldSz cx="9144000" cy="5143500" type="screen16x9"/>
+  <p:sldSz cx="9144000" cy="6858000" type="screen4x3"/>
   <p:notesSz cx="6858000" cy="9144000"/>
   <p:defaultTextStyle>
     <a:defPPr>
@@ -1357,8 +1362,8 @@
       </dsp:nvSpPr>
       <dsp:spPr>
         <a:xfrm>
-          <a:off x="2417564" y="0"/>
-          <a:ext cx="3394471" cy="3394471"/>
+          <a:off x="1851818" y="0"/>
+          <a:ext cx="4525963" cy="4525963"/>
         </a:xfrm>
         <a:prstGeom prst="diamond">
           <a:avLst/>
@@ -1438,8 +1443,8 @@
       </dsp:nvSpPr>
       <dsp:spPr>
         <a:xfrm>
-          <a:off x="2689123" y="343510"/>
-          <a:ext cx="1425674" cy="1281772"/>
+          <a:off x="2213898" y="458014"/>
+          <a:ext cx="1900899" cy="1709029"/>
         </a:xfrm>
         <a:prstGeom prst="roundRect">
           <a:avLst/>
@@ -1482,12 +1487,12 @@
         </a:fontRef>
       </dsp:style>
       <dsp:txBody>
-        <a:bodyPr spcFirstLastPara="0" vert="horz" wrap="square" lIns="102870" tIns="102870" rIns="102870" bIns="102870" numCol="1" spcCol="1270" anchor="ctr" anchorCtr="0">
+        <a:bodyPr spcFirstLastPara="0" vert="horz" wrap="square" lIns="137160" tIns="137160" rIns="137160" bIns="137160" numCol="1" spcCol="1270" anchor="ctr" anchorCtr="0">
           <a:noAutofit/>
         </a:bodyPr>
         <a:lstStyle/>
         <a:p>
-          <a:pPr lvl="0" algn="ctr" defTabSz="1200150">
+          <a:pPr lvl="0" algn="ctr" defTabSz="1600200">
             <a:lnSpc>
               <a:spcPct val="90000"/>
             </a:lnSpc>
@@ -1499,14 +1504,14 @@
             </a:spcAft>
           </a:pPr>
           <a:r>
-            <a:rPr lang="en-US" sz="2700" b="1" i="0" kern="1200" dirty="0" smtClean="0">
+            <a:rPr lang="en-US" sz="3600" b="1" i="0" kern="1200" dirty="0" smtClean="0">
               <a:solidFill>
                 <a:schemeClr val="tx1"/>
               </a:solidFill>
             </a:rPr>
             <a:t>test case</a:t>
           </a:r>
-          <a:endParaRPr lang="zh-CN" altLang="en-US" sz="2700" kern="1200" dirty="0">
+          <a:endParaRPr lang="zh-CN" altLang="en-US" sz="3600" kern="1200" dirty="0">
             <a:solidFill>
               <a:schemeClr val="tx1"/>
             </a:solidFill>
@@ -1514,8 +1519,8 @@
         </a:p>
       </dsp:txBody>
       <dsp:txXfrm>
-        <a:off x="2751694" y="406081"/>
-        <a:ext cx="1300532" cy="1156630"/>
+        <a:off x="2297326" y="541442"/>
+        <a:ext cx="1734043" cy="1542173"/>
       </dsp:txXfrm>
     </dsp:sp>
     <dsp:sp modelId="{F1513BEA-022D-4BD6-A6CD-3E599079D875}">
@@ -1525,8 +1530,8 @@
       </dsp:nvSpPr>
       <dsp:spPr>
         <a:xfrm>
-          <a:off x="4165717" y="322474"/>
-          <a:ext cx="1323844" cy="1323844"/>
+          <a:off x="4182689" y="429966"/>
+          <a:ext cx="1765125" cy="1765125"/>
         </a:xfrm>
         <a:prstGeom prst="roundRect">
           <a:avLst/>
@@ -1569,12 +1574,12 @@
         </a:fontRef>
       </dsp:style>
       <dsp:txBody>
-        <a:bodyPr spcFirstLastPara="0" vert="horz" wrap="square" lIns="102870" tIns="102870" rIns="102870" bIns="102870" numCol="1" spcCol="1270" anchor="ctr" anchorCtr="0">
+        <a:bodyPr spcFirstLastPara="0" vert="horz" wrap="square" lIns="137160" tIns="137160" rIns="137160" bIns="137160" numCol="1" spcCol="1270" anchor="ctr" anchorCtr="0">
           <a:noAutofit/>
         </a:bodyPr>
         <a:lstStyle/>
         <a:p>
-          <a:pPr lvl="0" algn="ctr" defTabSz="1200150">
+          <a:pPr lvl="0" algn="ctr" defTabSz="1600200">
             <a:lnSpc>
               <a:spcPct val="90000"/>
             </a:lnSpc>
@@ -1586,14 +1591,14 @@
             </a:spcAft>
           </a:pPr>
           <a:r>
-            <a:rPr lang="en-US" sz="2700" b="1" i="0" kern="1200" dirty="0" smtClean="0">
+            <a:rPr lang="en-US" sz="3600" b="1" i="0" kern="1200" dirty="0" smtClean="0">
               <a:solidFill>
                 <a:schemeClr val="tx1"/>
               </a:solidFill>
             </a:rPr>
             <a:t>test suite </a:t>
           </a:r>
-          <a:endParaRPr lang="zh-CN" altLang="en-US" sz="2700" kern="1200" dirty="0">
+          <a:endParaRPr lang="zh-CN" altLang="en-US" sz="3600" kern="1200" dirty="0">
             <a:solidFill>
               <a:schemeClr val="tx1"/>
             </a:solidFill>
@@ -1601,8 +1606,8 @@
         </a:p>
       </dsp:txBody>
       <dsp:txXfrm>
-        <a:off x="4230342" y="387099"/>
-        <a:ext cx="1194594" cy="1194594"/>
+        <a:off x="4268855" y="516132"/>
+        <a:ext cx="1592793" cy="1592793"/>
       </dsp:txXfrm>
     </dsp:sp>
     <dsp:sp modelId="{F1C2A103-4418-4A99-A62D-0CF2DDF487EC}">
@@ -1612,8 +1617,8 @@
       </dsp:nvSpPr>
       <dsp:spPr>
         <a:xfrm>
-          <a:off x="2740038" y="1748153"/>
-          <a:ext cx="1323844" cy="1323844"/>
+          <a:off x="2281784" y="2330870"/>
+          <a:ext cx="1765125" cy="1765125"/>
         </a:xfrm>
         <a:prstGeom prst="roundRect">
           <a:avLst/>
@@ -1656,12 +1661,12 @@
         </a:fontRef>
       </dsp:style>
       <dsp:txBody>
-        <a:bodyPr spcFirstLastPara="0" vert="horz" wrap="square" lIns="102870" tIns="102870" rIns="102870" bIns="102870" numCol="1" spcCol="1270" anchor="ctr" anchorCtr="0">
+        <a:bodyPr spcFirstLastPara="0" vert="horz" wrap="square" lIns="137160" tIns="137160" rIns="137160" bIns="137160" numCol="1" spcCol="1270" anchor="ctr" anchorCtr="0">
           <a:noAutofit/>
         </a:bodyPr>
         <a:lstStyle/>
         <a:p>
-          <a:pPr lvl="0" algn="ctr" defTabSz="1200150">
+          <a:pPr lvl="0" algn="ctr" defTabSz="1600200">
             <a:lnSpc>
               <a:spcPct val="90000"/>
             </a:lnSpc>
@@ -1673,7 +1678,7 @@
             </a:spcAft>
           </a:pPr>
           <a:r>
-            <a:rPr lang="en-US" sz="2700" b="1" i="0" kern="1200" dirty="0" smtClean="0">
+            <a:rPr lang="en-US" sz="3600" b="1" i="0" kern="1200" dirty="0" smtClean="0">
               <a:solidFill>
                 <a:schemeClr val="tx1"/>
               </a:solidFill>
@@ -1681,7 +1686,7 @@
             <a:t>test</a:t>
           </a:r>
           <a:r>
-            <a:rPr lang="en-US" sz="2700" b="1" i="0" kern="1200" dirty="0" smtClean="0">
+            <a:rPr lang="en-US" sz="3600" b="1" i="0" kern="1200" dirty="0" smtClean="0">
               <a:solidFill>
                 <a:srgbClr val="FF0000"/>
               </a:solidFill>
@@ -1689,14 +1694,14 @@
             <a:t> </a:t>
           </a:r>
           <a:r>
-            <a:rPr lang="en-US" sz="2700" b="1" i="0" kern="1200" dirty="0" smtClean="0">
+            <a:rPr lang="en-US" sz="3600" b="1" i="0" kern="1200" dirty="0" smtClean="0">
               <a:solidFill>
                 <a:schemeClr val="tx1"/>
               </a:solidFill>
             </a:rPr>
             <a:t>runner </a:t>
           </a:r>
-          <a:endParaRPr lang="zh-CN" altLang="en-US" sz="2700" kern="1200" dirty="0">
+          <a:endParaRPr lang="zh-CN" altLang="en-US" sz="3600" kern="1200" dirty="0">
             <a:solidFill>
               <a:schemeClr val="tx1"/>
             </a:solidFill>
@@ -1704,8 +1709,8 @@
         </a:p>
       </dsp:txBody>
       <dsp:txXfrm>
-        <a:off x="2804663" y="1812778"/>
-        <a:ext cx="1194594" cy="1194594"/>
+        <a:off x="2367950" y="2417036"/>
+        <a:ext cx="1592793" cy="1592793"/>
       </dsp:txXfrm>
     </dsp:sp>
     <dsp:sp modelId="{CAEF4B87-2887-44D7-A3DA-6ECB444654EA}">
@@ -1715,8 +1720,8 @@
       </dsp:nvSpPr>
       <dsp:spPr>
         <a:xfrm>
-          <a:off x="4165717" y="1748153"/>
-          <a:ext cx="1323844" cy="1323844"/>
+          <a:off x="4182689" y="2330870"/>
+          <a:ext cx="1765125" cy="1765125"/>
         </a:xfrm>
         <a:prstGeom prst="roundRect">
           <a:avLst/>
@@ -1759,12 +1764,12 @@
         </a:fontRef>
       </dsp:style>
       <dsp:txBody>
-        <a:bodyPr spcFirstLastPara="0" vert="horz" wrap="square" lIns="102870" tIns="102870" rIns="102870" bIns="102870" numCol="1" spcCol="1270" anchor="ctr" anchorCtr="0">
+        <a:bodyPr spcFirstLastPara="0" vert="horz" wrap="square" lIns="137160" tIns="137160" rIns="137160" bIns="137160" numCol="1" spcCol="1270" anchor="ctr" anchorCtr="0">
           <a:noAutofit/>
         </a:bodyPr>
         <a:lstStyle/>
         <a:p>
-          <a:pPr lvl="0" algn="ctr" defTabSz="1200150">
+          <a:pPr lvl="0" algn="ctr" defTabSz="1600200">
             <a:lnSpc>
               <a:spcPct val="90000"/>
             </a:lnSpc>
@@ -1776,7 +1781,7 @@
             </a:spcAft>
           </a:pPr>
           <a:r>
-            <a:rPr lang="en-US" sz="2700" b="1" i="0" kern="1200" dirty="0" smtClean="0">
+            <a:rPr lang="en-US" sz="3600" b="1" i="0" kern="1200" dirty="0" smtClean="0">
               <a:solidFill>
                 <a:schemeClr val="tx1"/>
               </a:solidFill>
@@ -1784,7 +1789,7 @@
             <a:t>test</a:t>
           </a:r>
           <a:r>
-            <a:rPr lang="en-US" sz="2700" b="1" i="0" kern="1200" dirty="0" smtClean="0">
+            <a:rPr lang="en-US" sz="3600" b="1" i="0" kern="1200" dirty="0" smtClean="0">
               <a:solidFill>
                 <a:srgbClr val="FF0000"/>
               </a:solidFill>
@@ -1792,14 +1797,14 @@
             <a:t> </a:t>
           </a:r>
           <a:r>
-            <a:rPr lang="en-US" sz="2700" b="1" i="0" kern="1200" dirty="0" smtClean="0">
+            <a:rPr lang="en-US" sz="3600" b="1" i="0" kern="1200" dirty="0" smtClean="0">
               <a:solidFill>
                 <a:schemeClr val="tx1"/>
               </a:solidFill>
             </a:rPr>
             <a:t>fixture</a:t>
           </a:r>
-          <a:endParaRPr lang="zh-CN" altLang="en-US" sz="2700" kern="1200" dirty="0">
+          <a:endParaRPr lang="zh-CN" altLang="en-US" sz="3600" kern="1200" dirty="0">
             <a:solidFill>
               <a:schemeClr val="tx1"/>
             </a:solidFill>
@@ -1807,8 +1812,8 @@
         </a:p>
       </dsp:txBody>
       <dsp:txXfrm>
-        <a:off x="4230342" y="1812778"/>
-        <a:ext cx="1194594" cy="1194594"/>
+        <a:off x="4268855" y="2417036"/>
+        <a:ext cx="1592793" cy="1592793"/>
       </dsp:txXfrm>
     </dsp:sp>
   </dsp:spTree>
@@ -3378,7 +3383,7 @@
           <a:p>
             <a:fld id="{FE2E5E8A-7204-4BE5-BBDF-75DD32ECDB7F}" type="datetimeFigureOut">
               <a:rPr lang="zh-CN" altLang="en-US" smtClean="0"/>
-              <a:t>2019/5/27</a:t>
+              <a:t>2019/5/30</a:t>
             </a:fld>
             <a:endParaRPr lang="zh-CN" altLang="en-US"/>
           </a:p>
@@ -3396,8 +3401,8 @@
         </p:nvSpPr>
         <p:spPr>
           <a:xfrm>
-            <a:off x="381000" y="685800"/>
-            <a:ext cx="6096000" cy="3429000"/>
+            <a:off x="1143000" y="685800"/>
+            <a:ext cx="4572000" cy="3429000"/>
           </a:xfrm>
           <a:prstGeom prst="rect">
             <a:avLst/>
@@ -3673,12 +3678,7 @@
             <p:ph type="sldImg"/>
           </p:nvPr>
         </p:nvSpPr>
-        <p:spPr>
-          <a:xfrm>
-            <a:off x="381000" y="685800"/>
-            <a:ext cx="6096000" cy="3429000"/>
-          </a:xfrm>
-        </p:spPr>
+        <p:spPr/>
       </p:sp>
       <p:sp>
         <p:nvSpPr>
@@ -3768,12 +3768,7 @@
             <p:ph type="sldImg"/>
           </p:nvPr>
         </p:nvSpPr>
-        <p:spPr>
-          <a:xfrm>
-            <a:off x="381000" y="685800"/>
-            <a:ext cx="6096000" cy="3429000"/>
-          </a:xfrm>
-        </p:spPr>
+        <p:spPr/>
       </p:sp>
       <p:sp>
         <p:nvSpPr>
@@ -3888,12 +3883,7 @@
             <p:ph type="sldImg"/>
           </p:nvPr>
         </p:nvSpPr>
-        <p:spPr>
-          <a:xfrm>
-            <a:off x="381000" y="685800"/>
-            <a:ext cx="6096000" cy="3429000"/>
-          </a:xfrm>
-        </p:spPr>
+        <p:spPr/>
       </p:sp>
       <p:sp>
         <p:nvSpPr>
@@ -3977,12 +3967,7 @@
             <p:ph type="sldImg"/>
           </p:nvPr>
         </p:nvSpPr>
-        <p:spPr>
-          <a:xfrm>
-            <a:off x="381000" y="685800"/>
-            <a:ext cx="6096000" cy="3429000"/>
-          </a:xfrm>
-        </p:spPr>
+        <p:spPr/>
       </p:sp>
       <p:sp>
         <p:nvSpPr>
@@ -4066,12 +4051,7 @@
             <p:ph type="sldImg"/>
           </p:nvPr>
         </p:nvSpPr>
-        <p:spPr>
-          <a:xfrm>
-            <a:off x="381000" y="685800"/>
-            <a:ext cx="6096000" cy="3429000"/>
-          </a:xfrm>
-        </p:spPr>
+        <p:spPr/>
       </p:sp>
       <p:sp>
         <p:nvSpPr>
@@ -4155,12 +4135,7 @@
             <p:ph type="sldImg"/>
           </p:nvPr>
         </p:nvSpPr>
-        <p:spPr>
-          <a:xfrm>
-            <a:off x="381000" y="685800"/>
-            <a:ext cx="6096000" cy="3429000"/>
-          </a:xfrm>
-        </p:spPr>
+        <p:spPr/>
       </p:sp>
       <p:sp>
         <p:nvSpPr>
@@ -4256,12 +4231,7 @@
             <p:ph type="sldImg"/>
           </p:nvPr>
         </p:nvSpPr>
-        <p:spPr>
-          <a:xfrm>
-            <a:off x="381000" y="685800"/>
-            <a:ext cx="6096000" cy="3429000"/>
-          </a:xfrm>
-        </p:spPr>
+        <p:spPr/>
       </p:sp>
       <p:sp>
         <p:nvSpPr>
@@ -4345,12 +4315,7 @@
             <p:ph type="sldImg"/>
           </p:nvPr>
         </p:nvSpPr>
-        <p:spPr>
-          <a:xfrm>
-            <a:off x="381000" y="685800"/>
-            <a:ext cx="6096000" cy="3429000"/>
-          </a:xfrm>
-        </p:spPr>
+        <p:spPr/>
       </p:sp>
       <p:sp>
         <p:nvSpPr>
@@ -4435,12 +4400,7 @@
             <p:ph type="sldImg"/>
           </p:nvPr>
         </p:nvSpPr>
-        <p:spPr>
-          <a:xfrm>
-            <a:off x="381000" y="685800"/>
-            <a:ext cx="6096000" cy="3429000"/>
-          </a:xfrm>
-        </p:spPr>
+        <p:spPr/>
       </p:sp>
       <p:sp>
         <p:nvSpPr>
@@ -4457,66 +4417,6 @@
           <a:bodyPr/>
           <a:lstStyle/>
           <a:p>
-            <a:r>
-              <a:rPr lang="en-US" altLang="zh-CN" dirty="0" smtClean="0"/>
-              <a:t>123QWE</a:t>
-            </a:r>
-            <a:r>
-              <a:rPr lang="zh-CN" altLang="en-US" dirty="0" smtClean="0"/>
-              <a:t>，注意 标题必须是</a:t>
-            </a:r>
-            <a:r>
-              <a:rPr lang="en-US" altLang="zh-CN" dirty="0" smtClean="0"/>
-              <a:t>subject = </a:t>
-            </a:r>
-            <a:r>
-              <a:rPr lang="en-US" altLang="zh-CN" sz="1200" b="1" kern="1200" dirty="0" smtClean="0">
-                <a:solidFill>
-                  <a:schemeClr val="tx1"/>
-                </a:solidFill>
-                <a:effectLst/>
-                <a:latin typeface="+mn-lt"/>
-                <a:ea typeface="+mn-ea"/>
-                <a:cs typeface="+mn-cs"/>
-              </a:rPr>
-              <a:t>‘</a:t>
-            </a:r>
-            <a:r>
-              <a:rPr lang="zh-CN" altLang="en-US" sz="1200" b="1" kern="1200" dirty="0" smtClean="0">
-                <a:solidFill>
-                  <a:schemeClr val="tx1"/>
-                </a:solidFill>
-                <a:effectLst/>
-                <a:latin typeface="+mn-lt"/>
-                <a:ea typeface="+mn-ea"/>
-                <a:cs typeface="+mn-cs"/>
-              </a:rPr>
-              <a:t>测试</a:t>
-            </a:r>
-            <a:r>
-              <a:rPr lang="en-US" altLang="zh-CN" sz="1200" b="1" kern="1200" dirty="0" smtClean="0">
-                <a:solidFill>
-                  <a:schemeClr val="tx1"/>
-                </a:solidFill>
-                <a:effectLst/>
-                <a:latin typeface="+mn-lt"/>
-                <a:ea typeface="+mn-ea"/>
-                <a:cs typeface="+mn-cs"/>
-              </a:rPr>
-              <a:t>‘ ,</a:t>
-            </a:r>
-            <a:r>
-              <a:rPr lang="zh-CN" altLang="en-US" sz="1200" b="1" kern="1200" dirty="0" smtClean="0">
-                <a:solidFill>
-                  <a:schemeClr val="tx1"/>
-                </a:solidFill>
-                <a:effectLst/>
-                <a:latin typeface="+mn-lt"/>
-                <a:ea typeface="+mn-ea"/>
-                <a:cs typeface="+mn-cs"/>
-              </a:rPr>
-              <a:t>如果是单词就会报错</a:t>
-            </a:r>
             <a:r>
               <a:rPr lang="en-US" altLang="zh-CN" sz="1200" b="1" kern="1200" dirty="0" smtClean="0">
                 <a:solidFill>
@@ -4584,7 +4484,7 @@
           <a:p>
             <a:fld id="{296126F3-6211-4242-8E58-98B90C7F647A}" type="slidenum">
               <a:rPr lang="zh-CN" altLang="en-US" smtClean="0"/>
-              <a:t>53</a:t>
+              <a:t>54</a:t>
             </a:fld>
             <a:endParaRPr lang="zh-CN" altLang="en-US"/>
           </a:p>
@@ -4630,12 +4530,7 @@
             <p:ph type="sldImg"/>
           </p:nvPr>
         </p:nvSpPr>
-        <p:spPr>
-          <a:xfrm>
-            <a:off x="381000" y="685800"/>
-            <a:ext cx="6096000" cy="3429000"/>
-          </a:xfrm>
-        </p:spPr>
+        <p:spPr/>
       </p:sp>
       <p:sp>
         <p:nvSpPr>
@@ -4652,6 +4547,112 @@
           <a:bodyPr/>
           <a:lstStyle/>
           <a:p>
+            <a:r>
+              <a:rPr lang="en-US" altLang="zh-CN" dirty="0" smtClean="0"/>
+              <a:t>123QWE</a:t>
+            </a:r>
+            <a:r>
+              <a:rPr lang="zh-CN" altLang="en-US" dirty="0" smtClean="0"/>
+              <a:t>，注意 标题必须是</a:t>
+            </a:r>
+            <a:r>
+              <a:rPr lang="en-US" altLang="zh-CN" dirty="0" smtClean="0"/>
+              <a:t>subject = </a:t>
+            </a:r>
+            <a:r>
+              <a:rPr lang="en-US" altLang="zh-CN" sz="1200" b="1" kern="1200" dirty="0" smtClean="0">
+                <a:solidFill>
+                  <a:schemeClr val="tx1"/>
+                </a:solidFill>
+                <a:effectLst/>
+                <a:latin typeface="+mn-lt"/>
+                <a:ea typeface="+mn-ea"/>
+                <a:cs typeface="+mn-cs"/>
+              </a:rPr>
+              <a:t>‘</a:t>
+            </a:r>
+            <a:r>
+              <a:rPr lang="zh-CN" altLang="en-US" sz="1200" b="1" kern="1200" dirty="0" smtClean="0">
+                <a:solidFill>
+                  <a:schemeClr val="tx1"/>
+                </a:solidFill>
+                <a:effectLst/>
+                <a:latin typeface="+mn-lt"/>
+                <a:ea typeface="+mn-ea"/>
+                <a:cs typeface="+mn-cs"/>
+              </a:rPr>
+              <a:t>测试</a:t>
+            </a:r>
+            <a:r>
+              <a:rPr lang="en-US" altLang="zh-CN" sz="1200" b="1" kern="1200" dirty="0" smtClean="0">
+                <a:solidFill>
+                  <a:schemeClr val="tx1"/>
+                </a:solidFill>
+                <a:effectLst/>
+                <a:latin typeface="+mn-lt"/>
+                <a:ea typeface="+mn-ea"/>
+                <a:cs typeface="+mn-cs"/>
+              </a:rPr>
+              <a:t>‘ ,</a:t>
+            </a:r>
+            <a:r>
+              <a:rPr lang="zh-CN" altLang="en-US" sz="1200" b="1" kern="1200" dirty="0" smtClean="0">
+                <a:solidFill>
+                  <a:schemeClr val="tx1"/>
+                </a:solidFill>
+                <a:effectLst/>
+                <a:latin typeface="+mn-lt"/>
+                <a:ea typeface="+mn-ea"/>
+                <a:cs typeface="+mn-cs"/>
+              </a:rPr>
+              <a:t>如果是单词就会报错</a:t>
+            </a:r>
+            <a:r>
+              <a:rPr lang="en-US" altLang="zh-CN" sz="1200" b="1" kern="1200" dirty="0" smtClean="0">
+                <a:solidFill>
+                  <a:schemeClr val="tx1"/>
+                </a:solidFill>
+                <a:effectLst/>
+                <a:latin typeface="+mn-lt"/>
+                <a:ea typeface="+mn-ea"/>
+                <a:cs typeface="+mn-cs"/>
+              </a:rPr>
+              <a:t/>
+            </a:r>
+            <a:br>
+              <a:rPr lang="en-US" altLang="zh-CN" sz="1200" b="1" kern="1200" dirty="0" smtClean="0">
+                <a:solidFill>
+                  <a:schemeClr val="tx1"/>
+                </a:solidFill>
+                <a:effectLst/>
+                <a:latin typeface="+mn-lt"/>
+                <a:ea typeface="+mn-ea"/>
+                <a:cs typeface="+mn-cs"/>
+              </a:rPr>
+            </a:br>
+            <a:r>
+              <a:rPr lang="en-US" altLang="zh-CN" sz="1200" b="1" kern="1200" dirty="0" smtClean="0">
+                <a:solidFill>
+                  <a:schemeClr val="tx1"/>
+                </a:solidFill>
+                <a:effectLst/>
+                <a:latin typeface="+mn-lt"/>
+                <a:ea typeface="+mn-ea"/>
+                <a:cs typeface="+mn-cs"/>
+              </a:rPr>
+              <a:t/>
+            </a:r>
+            <a:br>
+              <a:rPr lang="en-US" altLang="zh-CN" sz="1200" b="1" kern="1200" dirty="0" smtClean="0">
+                <a:solidFill>
+                  <a:schemeClr val="tx1"/>
+                </a:solidFill>
+                <a:effectLst/>
+                <a:latin typeface="+mn-lt"/>
+                <a:ea typeface="+mn-ea"/>
+                <a:cs typeface="+mn-cs"/>
+              </a:rPr>
+            </a:br>
             <a:endParaRPr lang="zh-CN" altLang="en-US" dirty="0"/>
           </a:p>
         </p:txBody>
@@ -4671,7 +4672,7 @@
           <a:bodyPr/>
           <a:lstStyle/>
           <a:p>
-            <a:fld id="{2DC1D4B9-287F-4F3F-B6B9-71D74F437A50}" type="slidenum">
+            <a:fld id="{296126F3-6211-4242-8E58-98B90C7F647A}" type="slidenum">
               <a:rPr lang="zh-CN" altLang="en-US" smtClean="0"/>
               <a:t>55</a:t>
             </a:fld>
@@ -4682,7 +4683,7 @@
     </p:spTree>
     <p:extLst>
       <p:ext uri="{BB962C8B-B14F-4D97-AF65-F5344CB8AC3E}">
-        <p14:creationId xmlns:p14="http://schemas.microsoft.com/office/powerpoint/2010/main" val="3604267744"/>
+        <p14:creationId xmlns:p14="http://schemas.microsoft.com/office/powerpoint/2010/main" val="2299950545"/>
       </p:ext>
     </p:extLst>
   </p:cSld>
@@ -4719,12 +4720,7 @@
             <p:ph type="sldImg"/>
           </p:nvPr>
         </p:nvSpPr>
-        <p:spPr>
-          <a:xfrm>
-            <a:off x="381000" y="685800"/>
-            <a:ext cx="6096000" cy="3429000"/>
-          </a:xfrm>
-        </p:spPr>
+        <p:spPr/>
       </p:sp>
       <p:sp>
         <p:nvSpPr>
@@ -4762,7 +4758,7 @@
           <a:p>
             <a:fld id="{2DC1D4B9-287F-4F3F-B6B9-71D74F437A50}" type="slidenum">
               <a:rPr lang="zh-CN" altLang="en-US" smtClean="0"/>
-              <a:t>56</a:t>
+              <a:t>60</a:t>
             </a:fld>
             <a:endParaRPr lang="zh-CN" altLang="en-US"/>
           </a:p>
@@ -4771,7 +4767,7 @@
     </p:spTree>
     <p:extLst>
       <p:ext uri="{BB962C8B-B14F-4D97-AF65-F5344CB8AC3E}">
-        <p14:creationId xmlns:p14="http://schemas.microsoft.com/office/powerpoint/2010/main" val="4077713441"/>
+        <p14:creationId xmlns:p14="http://schemas.microsoft.com/office/powerpoint/2010/main" val="3604267744"/>
       </p:ext>
     </p:extLst>
   </p:cSld>
@@ -4808,12 +4804,7 @@
             <p:ph type="sldImg"/>
           </p:nvPr>
         </p:nvSpPr>
-        <p:spPr>
-          <a:xfrm>
-            <a:off x="381000" y="685800"/>
-            <a:ext cx="6096000" cy="3429000"/>
-          </a:xfrm>
-        </p:spPr>
+        <p:spPr/>
       </p:sp>
       <p:sp>
         <p:nvSpPr>
@@ -4867,6 +4858,90 @@
     <p:extLst>
       <p:ext uri="{BB962C8B-B14F-4D97-AF65-F5344CB8AC3E}">
         <p14:creationId xmlns:p14="http://schemas.microsoft.com/office/powerpoint/2010/main" val="1408450458"/>
+      </p:ext>
+    </p:extLst>
+  </p:cSld>
+  <p:clrMapOvr>
+    <a:masterClrMapping/>
+  </p:clrMapOvr>
+</p:notes>
+</file>
+
+<file path=ppt/notesSlides/notesSlide20.xml><?xml version="1.0" encoding="utf-8"?>
+<p:notes xmlns:a="http://schemas.openxmlformats.org/drawingml/2006/main" xmlns:r="http://schemas.openxmlformats.org/officeDocument/2006/relationships" xmlns:p="http://schemas.openxmlformats.org/presentationml/2006/main">
+  <p:cSld>
+    <p:spTree>
+      <p:nvGrpSpPr>
+        <p:cNvPr id="1" name=""/>
+        <p:cNvGrpSpPr/>
+        <p:nvPr/>
+      </p:nvGrpSpPr>
+      <p:grpSpPr>
+        <a:xfrm>
+          <a:off x="0" y="0"/>
+          <a:ext cx="0" cy="0"/>
+          <a:chOff x="0" y="0"/>
+          <a:chExt cx="0" cy="0"/>
+        </a:xfrm>
+      </p:grpSpPr>
+      <p:sp>
+        <p:nvSpPr>
+          <p:cNvPr id="2" name="幻灯片图像占位符 1"/>
+          <p:cNvSpPr>
+            <a:spLocks noGrp="1" noRot="1" noChangeAspect="1"/>
+          </p:cNvSpPr>
+          <p:nvPr>
+            <p:ph type="sldImg"/>
+          </p:nvPr>
+        </p:nvSpPr>
+        <p:spPr/>
+      </p:sp>
+      <p:sp>
+        <p:nvSpPr>
+          <p:cNvPr id="3" name="备注占位符 2"/>
+          <p:cNvSpPr>
+            <a:spLocks noGrp="1"/>
+          </p:cNvSpPr>
+          <p:nvPr>
+            <p:ph type="body" idx="1"/>
+          </p:nvPr>
+        </p:nvSpPr>
+        <p:spPr/>
+        <p:txBody>
+          <a:bodyPr/>
+          <a:lstStyle/>
+          <a:p>
+            <a:endParaRPr lang="zh-CN" altLang="en-US" dirty="0"/>
+          </a:p>
+        </p:txBody>
+      </p:sp>
+      <p:sp>
+        <p:nvSpPr>
+          <p:cNvPr id="4" name="灯片编号占位符 3"/>
+          <p:cNvSpPr>
+            <a:spLocks noGrp="1"/>
+          </p:cNvSpPr>
+          <p:nvPr>
+            <p:ph type="sldNum" sz="quarter" idx="10"/>
+          </p:nvPr>
+        </p:nvSpPr>
+        <p:spPr/>
+        <p:txBody>
+          <a:bodyPr/>
+          <a:lstStyle/>
+          <a:p>
+            <a:fld id="{2DC1D4B9-287F-4F3F-B6B9-71D74F437A50}" type="slidenum">
+              <a:rPr lang="zh-CN" altLang="en-US" smtClean="0"/>
+              <a:t>61</a:t>
+            </a:fld>
+            <a:endParaRPr lang="zh-CN" altLang="en-US"/>
+          </a:p>
+        </p:txBody>
+      </p:sp>
+    </p:spTree>
+    <p:extLst>
+      <p:ext uri="{BB962C8B-B14F-4D97-AF65-F5344CB8AC3E}">
+        <p14:creationId xmlns:p14="http://schemas.microsoft.com/office/powerpoint/2010/main" val="4077713441"/>
       </p:ext>
     </p:extLst>
   </p:cSld>
@@ -4903,12 +4978,7 @@
             <p:ph type="sldImg"/>
           </p:nvPr>
         </p:nvSpPr>
-        <p:spPr>
-          <a:xfrm>
-            <a:off x="381000" y="685800"/>
-            <a:ext cx="6096000" cy="3429000"/>
-          </a:xfrm>
-        </p:spPr>
+        <p:spPr/>
       </p:sp>
       <p:sp>
         <p:nvSpPr>
@@ -4992,12 +5062,7 @@
             <p:ph type="sldImg"/>
           </p:nvPr>
         </p:nvSpPr>
-        <p:spPr>
-          <a:xfrm>
-            <a:off x="381000" y="685800"/>
-            <a:ext cx="6096000" cy="3429000"/>
-          </a:xfrm>
-        </p:spPr>
+        <p:spPr/>
       </p:sp>
       <p:sp>
         <p:nvSpPr>
@@ -5081,12 +5146,7 @@
             <p:ph type="sldImg"/>
           </p:nvPr>
         </p:nvSpPr>
-        <p:spPr>
-          <a:xfrm>
-            <a:off x="381000" y="685800"/>
-            <a:ext cx="6096000" cy="3429000"/>
-          </a:xfrm>
-        </p:spPr>
+        <p:spPr/>
       </p:sp>
       <p:sp>
         <p:nvSpPr>
@@ -5170,12 +5230,7 @@
             <p:ph type="sldImg"/>
           </p:nvPr>
         </p:nvSpPr>
-        <p:spPr>
-          <a:xfrm>
-            <a:off x="381000" y="685800"/>
-            <a:ext cx="6096000" cy="3429000"/>
-          </a:xfrm>
-        </p:spPr>
+        <p:spPr/>
       </p:sp>
       <p:sp>
         <p:nvSpPr>
@@ -5259,12 +5314,7 @@
             <p:ph type="sldImg"/>
           </p:nvPr>
         </p:nvSpPr>
-        <p:spPr>
-          <a:xfrm>
-            <a:off x="381000" y="685800"/>
-            <a:ext cx="6096000" cy="3429000"/>
-          </a:xfrm>
-        </p:spPr>
+        <p:spPr/>
       </p:sp>
       <p:sp>
         <p:nvSpPr>
@@ -5371,12 +5421,7 @@
             <p:ph type="sldImg"/>
           </p:nvPr>
         </p:nvSpPr>
-        <p:spPr>
-          <a:xfrm>
-            <a:off x="381000" y="685800"/>
-            <a:ext cx="6096000" cy="3429000"/>
-          </a:xfrm>
-        </p:spPr>
+        <p:spPr/>
       </p:sp>
       <p:sp>
         <p:nvSpPr>
@@ -5472,12 +5517,7 @@
             <p:ph type="sldImg"/>
           </p:nvPr>
         </p:nvSpPr>
-        <p:spPr>
-          <a:xfrm>
-            <a:off x="381000" y="685800"/>
-            <a:ext cx="6096000" cy="3429000"/>
-          </a:xfrm>
-        </p:spPr>
+        <p:spPr/>
       </p:sp>
       <p:sp>
         <p:nvSpPr>
@@ -5561,8 +5601,8 @@
         </p:nvSpPr>
         <p:spPr bwMode="auto">
           <a:xfrm>
-            <a:off x="730241" y="822805"/>
-            <a:ext cx="7773206" cy="1124858"/>
+            <a:off x="730241" y="1097074"/>
+            <a:ext cx="7773206" cy="1499810"/>
           </a:xfrm>
           <a:prstGeom prst="rect">
             <a:avLst/>
@@ -5794,8 +5834,8 @@
         </p:nvSpPr>
         <p:spPr>
           <a:xfrm>
-            <a:off x="730241" y="3086274"/>
-            <a:ext cx="7773206" cy="513245"/>
+            <a:off x="730241" y="4115031"/>
+            <a:ext cx="7773206" cy="684327"/>
           </a:xfrm>
           <a:prstGeom prst="rect">
             <a:avLst/>
@@ -5977,8 +6017,8 @@
         </p:nvSpPr>
         <p:spPr>
           <a:xfrm>
-            <a:off x="404377" y="2292253"/>
-            <a:ext cx="8230138" cy="407081"/>
+            <a:off x="404377" y="3056338"/>
+            <a:ext cx="8230138" cy="542774"/>
           </a:xfrm>
           <a:noFill/>
           <a:ln>
@@ -6079,8 +6119,8 @@
         </p:nvSpPr>
         <p:spPr>
           <a:xfrm>
-            <a:off x="323528" y="1005576"/>
-            <a:ext cx="8229600" cy="3394472"/>
+            <a:off x="323528" y="1340768"/>
+            <a:ext cx="8229600" cy="4525963"/>
           </a:xfrm>
         </p:spPr>
         <p:txBody>
@@ -6172,7 +6212,7 @@
           <a:p>
             <a:fld id="{530820CF-B880-4189-942D-D702A7CBA730}" type="datetimeFigureOut">
               <a:rPr lang="zh-CN" altLang="en-US" smtClean="0"/>
-              <a:t>2019/5/27</a:t>
+              <a:t>2019/5/30</a:t>
             </a:fld>
             <a:endParaRPr lang="zh-CN" altLang="en-US"/>
           </a:p>
@@ -6229,7 +6269,7 @@
         <p:spPr>
           <a:xfrm>
             <a:off x="0" y="0"/>
-            <a:ext cx="9145588" cy="614150"/>
+            <a:ext cx="9145588" cy="818867"/>
           </a:xfrm>
           <a:prstGeom prst="rect">
             <a:avLst/>
@@ -6279,7 +6319,7 @@
         <p:spPr>
           <a:xfrm>
             <a:off x="-9602" y="0"/>
-            <a:ext cx="9153601" cy="614150"/>
+            <a:ext cx="9153601" cy="818867"/>
           </a:xfrm>
         </p:spPr>
         <p:txBody>
@@ -6343,8 +6383,8 @@
         </p:nvSpPr>
         <p:spPr>
           <a:xfrm>
-            <a:off x="683568" y="789553"/>
-            <a:ext cx="7666037" cy="3481388"/>
+            <a:off x="683568" y="1052736"/>
+            <a:ext cx="7666037" cy="4641851"/>
           </a:xfrm>
         </p:spPr>
         <p:txBody>
@@ -6431,8 +6471,8 @@
         </p:nvSpPr>
         <p:spPr>
           <a:xfrm>
-            <a:off x="782638" y="4895851"/>
-            <a:ext cx="349250" cy="155972"/>
+            <a:off x="782638" y="6527801"/>
+            <a:ext cx="349250" cy="207963"/>
           </a:xfrm>
           <a:prstGeom prst="rect">
             <a:avLst/>
@@ -6464,8 +6504,8 @@
         </p:nvSpPr>
         <p:spPr>
           <a:xfrm>
-            <a:off x="-828600" y="-121704"/>
-            <a:ext cx="8229600" cy="857250"/>
+            <a:off x="-828600" y="-162272"/>
+            <a:ext cx="8229600" cy="1143000"/>
           </a:xfrm>
           <a:prstGeom prst="rect">
             <a:avLst/>
@@ -6509,7 +6549,7 @@
         <p:spPr>
           <a:xfrm>
             <a:off x="0" y="0"/>
-            <a:ext cx="9145588" cy="614150"/>
+            <a:ext cx="9145588" cy="818867"/>
           </a:xfrm>
           <a:prstGeom prst="rect">
             <a:avLst/>
@@ -6559,7 +6599,7 @@
         <p:spPr>
           <a:xfrm>
             <a:off x="-9602" y="0"/>
-            <a:ext cx="9153601" cy="614150"/>
+            <a:ext cx="9153601" cy="818867"/>
           </a:xfrm>
         </p:spPr>
         <p:txBody>
@@ -6636,8 +6676,8 @@
         </p:nvSpPr>
         <p:spPr>
           <a:xfrm>
-            <a:off x="685398" y="1597708"/>
-            <a:ext cx="7773206" cy="819688"/>
+            <a:off x="685398" y="2130277"/>
+            <a:ext cx="7773206" cy="1092917"/>
           </a:xfrm>
         </p:spPr>
         <p:txBody>
@@ -6672,8 +6712,8 @@
         </p:nvSpPr>
         <p:spPr>
           <a:xfrm>
-            <a:off x="1522985" y="2571750"/>
-            <a:ext cx="6399725" cy="532240"/>
+            <a:off x="1522985" y="3429000"/>
+            <a:ext cx="6399725" cy="709653"/>
           </a:xfrm>
         </p:spPr>
         <p:txBody>
@@ -6780,8 +6820,8 @@
         </p:blipFill>
         <p:spPr bwMode="auto">
           <a:xfrm>
-            <a:off x="2" y="1485447"/>
-            <a:ext cx="4437609" cy="2114777"/>
+            <a:off x="1" y="1980595"/>
+            <a:ext cx="4437609" cy="2819703"/>
           </a:xfrm>
           <a:prstGeom prst="rect">
             <a:avLst/>
@@ -6823,8 +6863,8 @@
         </p:nvSpPr>
         <p:spPr>
           <a:xfrm>
-            <a:off x="4437610" y="359458"/>
-            <a:ext cx="4585439" cy="3961946"/>
+            <a:off x="4437610" y="479277"/>
+            <a:ext cx="4585439" cy="5282595"/>
           </a:xfrm>
           <a:solidFill>
             <a:srgbClr val="C00000"/>
@@ -6907,7 +6947,7 @@
         </p:nvSpPr>
         <p:spPr>
           <a:xfrm>
-            <a:off x="2376709" y="2536517"/>
+            <a:off x="2376709" y="3382022"/>
             <a:ext cx="1351424" cy="412421"/>
           </a:xfrm>
           <a:prstGeom prst="rect">
@@ -6952,7 +6992,7 @@
         </p:nvSpPr>
         <p:spPr>
           <a:xfrm>
-            <a:off x="1449036" y="1883314"/>
+            <a:off x="1449035" y="2511085"/>
             <a:ext cx="1250599" cy="735586"/>
           </a:xfrm>
           <a:prstGeom prst="rect">
@@ -7021,7 +7061,7 @@
         </p:nvSpPr>
         <p:spPr bwMode="auto">
           <a:xfrm>
-            <a:off x="2107968" y="2726108"/>
+            <a:off x="2107967" y="3634810"/>
             <a:ext cx="1399679" cy="2197525"/>
           </a:xfrm>
           <a:prstGeom prst="rect">
@@ -7278,8 +7318,8 @@
         </p:blipFill>
         <p:spPr bwMode="auto">
           <a:xfrm>
-            <a:off x="0" y="411618"/>
-            <a:ext cx="9144000" cy="2418669"/>
+            <a:off x="0" y="548824"/>
+            <a:ext cx="9144000" cy="3224892"/>
           </a:xfrm>
           <a:prstGeom prst="rect">
             <a:avLst/>
@@ -7321,7 +7361,7 @@
         </p:nvSpPr>
         <p:spPr>
           <a:xfrm>
-            <a:off x="4635343" y="3292056"/>
+            <a:off x="4635343" y="4763356"/>
             <a:ext cx="3681872" cy="1121846"/>
           </a:xfrm>
           <a:noFill/>
@@ -7390,7 +7430,7 @@
         </p:nvSpPr>
         <p:spPr bwMode="auto">
           <a:xfrm>
-            <a:off x="3683143" y="4293844"/>
+            <a:off x="3683143" y="5725126"/>
             <a:ext cx="853724" cy="421654"/>
           </a:xfrm>
           <a:prstGeom prst="rect">
@@ -7606,7 +7646,7 @@
         </p:nvSpPr>
         <p:spPr>
           <a:xfrm>
-            <a:off x="2696710" y="2043950"/>
+            <a:off x="2696709" y="3270030"/>
             <a:ext cx="1379269" cy="3268587"/>
           </a:xfrm>
           <a:noFill/>
@@ -7717,8 +7757,8 @@
         </p:blipFill>
         <p:spPr bwMode="auto">
           <a:xfrm>
-            <a:off x="1" y="718911"/>
-            <a:ext cx="4633820" cy="2213429"/>
+            <a:off x="1" y="958548"/>
+            <a:ext cx="4633820" cy="2951238"/>
           </a:xfrm>
           <a:prstGeom prst="rect">
             <a:avLst/>
@@ -7771,8 +7811,8 @@
         </p:blipFill>
         <p:spPr bwMode="auto">
           <a:xfrm>
-            <a:off x="4633822" y="718911"/>
-            <a:ext cx="4519588" cy="2213429"/>
+            <a:off x="4633822" y="958548"/>
+            <a:ext cx="4519588" cy="2951238"/>
           </a:xfrm>
           <a:prstGeom prst="rect">
             <a:avLst/>
@@ -7814,7 +7854,7 @@
         </p:nvSpPr>
         <p:spPr>
           <a:xfrm>
-            <a:off x="713090" y="3335308"/>
+            <a:off x="713089" y="4805636"/>
             <a:ext cx="7552673" cy="1075679"/>
           </a:xfrm>
           <a:noFill/>
@@ -7929,7 +7969,7 @@
         </p:nvCxnSpPr>
         <p:spPr bwMode="auto">
           <a:xfrm flipH="1">
-            <a:off x="14785" y="556760"/>
+            <a:off x="14785" y="742346"/>
             <a:ext cx="4454312" cy="0"/>
           </a:xfrm>
           <a:prstGeom prst="line">
@@ -7965,8 +8005,8 @@
         </p:nvSpPr>
         <p:spPr>
           <a:xfrm>
-            <a:off x="303379" y="106585"/>
-            <a:ext cx="8230138" cy="407081"/>
+            <a:off x="303379" y="142114"/>
+            <a:ext cx="8230138" cy="542774"/>
           </a:xfrm>
           <a:noFill/>
           <a:ln>
@@ -8028,8 +8068,8 @@
         </p:nvSpPr>
         <p:spPr>
           <a:xfrm>
-            <a:off x="341686" y="870859"/>
-            <a:ext cx="8460630" cy="3755572"/>
+            <a:off x="341686" y="1161145"/>
+            <a:ext cx="8460630" cy="5007429"/>
           </a:xfrm>
         </p:spPr>
         <p:txBody>
@@ -8284,7 +8324,7 @@
         </p:nvCxnSpPr>
         <p:spPr bwMode="auto">
           <a:xfrm flipH="1">
-            <a:off x="14785" y="556760"/>
+            <a:off x="14785" y="742346"/>
             <a:ext cx="4454312" cy="0"/>
           </a:xfrm>
           <a:prstGeom prst="line">
@@ -8356,7 +8396,7 @@
         </p:nvSpPr>
         <p:spPr bwMode="auto">
           <a:xfrm>
-            <a:off x="3472677" y="2263322"/>
+            <a:off x="3472677" y="3017763"/>
             <a:ext cx="2363852" cy="889474"/>
           </a:xfrm>
           <a:prstGeom prst="rect">
@@ -8624,7 +8664,7 @@
           <a:p>
             <a:fld id="{530820CF-B880-4189-942D-D702A7CBA730}" type="datetimeFigureOut">
               <a:rPr lang="zh-CN" altLang="en-US" smtClean="0"/>
-              <a:t>2019/5/27</a:t>
+              <a:t>2019/5/30</a:t>
             </a:fld>
             <a:endParaRPr lang="zh-CN" altLang="en-US"/>
           </a:p>
@@ -8680,8 +8720,8 @@
         </p:nvSpPr>
         <p:spPr>
           <a:xfrm>
-            <a:off x="2106" y="614151"/>
-            <a:ext cx="9144000" cy="4658165"/>
+            <a:off x="2106" y="818867"/>
+            <a:ext cx="9144000" cy="6210887"/>
           </a:xfrm>
           <a:prstGeom prst="rect">
             <a:avLst/>
@@ -8727,7 +8767,7 @@
         <p:spPr>
           <a:xfrm>
             <a:off x="0" y="0"/>
-            <a:ext cx="9145588" cy="614150"/>
+            <a:ext cx="9145588" cy="818867"/>
           </a:xfrm>
           <a:prstGeom prst="rect">
             <a:avLst/>
@@ -8776,8 +8816,8 @@
         </p:nvSpPr>
         <p:spPr>
           <a:xfrm>
-            <a:off x="685800" y="1597820"/>
-            <a:ext cx="7772400" cy="1102519"/>
+            <a:off x="685800" y="2130426"/>
+            <a:ext cx="7772400" cy="1470025"/>
           </a:xfrm>
         </p:spPr>
         <p:txBody>
@@ -8816,8 +8856,8 @@
         </p:nvSpPr>
         <p:spPr>
           <a:xfrm>
-            <a:off x="1371600" y="2914650"/>
-            <a:ext cx="6400800" cy="1314450"/>
+            <a:off x="1371600" y="3886200"/>
+            <a:ext cx="6400800" cy="1752600"/>
           </a:xfrm>
         </p:spPr>
         <p:txBody>
@@ -8968,8 +9008,8 @@
         </p:nvSpPr>
         <p:spPr bwMode="auto">
           <a:xfrm>
-            <a:off x="456932" y="107269"/>
-            <a:ext cx="8230138" cy="407081"/>
+            <a:off x="456932" y="143026"/>
+            <a:ext cx="8230138" cy="542774"/>
           </a:xfrm>
           <a:prstGeom prst="rect">
             <a:avLst/>
@@ -9028,8 +9068,8 @@
         </p:nvSpPr>
         <p:spPr bwMode="auto">
           <a:xfrm>
-            <a:off x="419302" y="980850"/>
-            <a:ext cx="8228794" cy="3393848"/>
+            <a:off x="419302" y="1307801"/>
+            <a:ext cx="8228794" cy="4525130"/>
           </a:xfrm>
           <a:prstGeom prst="rect">
             <a:avLst/>
@@ -9164,8 +9204,8 @@
         </p:nvSpPr>
         <p:spPr bwMode="auto">
           <a:xfrm>
-            <a:off x="2" y="4886099"/>
-            <a:ext cx="9143999" cy="52450"/>
+            <a:off x="1" y="6514798"/>
+            <a:ext cx="9143999" cy="69933"/>
           </a:xfrm>
           <a:prstGeom prst="rect">
             <a:avLst/>
@@ -9224,8 +9264,8 @@
         </p:blipFill>
         <p:spPr>
           <a:xfrm>
-            <a:off x="7978181" y="0"/>
-            <a:ext cx="1149081" cy="514350"/>
+            <a:off x="7978180" y="0"/>
+            <a:ext cx="1149081" cy="685800"/>
           </a:xfrm>
           <a:prstGeom prst="rect">
             <a:avLst/>
@@ -9717,8 +9757,8 @@
         </p:nvSpPr>
         <p:spPr>
           <a:xfrm>
-            <a:off x="457200" y="205978"/>
-            <a:ext cx="8229600" cy="857250"/>
+            <a:off x="457200" y="274637"/>
+            <a:ext cx="8229600" cy="1143000"/>
           </a:xfrm>
           <a:prstGeom prst="rect">
             <a:avLst/>
@@ -9750,8 +9790,8 @@
         </p:nvSpPr>
         <p:spPr>
           <a:xfrm>
-            <a:off x="457200" y="1200151"/>
-            <a:ext cx="8229600" cy="3394472"/>
+            <a:off x="457200" y="1600201"/>
+            <a:ext cx="8229600" cy="4525963"/>
           </a:xfrm>
           <a:prstGeom prst="rect">
             <a:avLst/>
@@ -9812,8 +9852,8 @@
         </p:nvSpPr>
         <p:spPr>
           <a:xfrm>
-            <a:off x="457200" y="4767264"/>
-            <a:ext cx="2133600" cy="273844"/>
+            <a:off x="457200" y="6356351"/>
+            <a:ext cx="2133600" cy="365125"/>
           </a:xfrm>
           <a:prstGeom prst="rect">
             <a:avLst/>
@@ -9835,7 +9875,7 @@
           <a:p>
             <a:fld id="{530820CF-B880-4189-942D-D702A7CBA730}" type="datetimeFigureOut">
               <a:rPr lang="zh-CN" altLang="en-US" smtClean="0"/>
-              <a:t>2019/5/27</a:t>
+              <a:t>2019/5/30</a:t>
             </a:fld>
             <a:endParaRPr lang="zh-CN" altLang="en-US"/>
           </a:p>
@@ -9853,8 +9893,8 @@
         </p:nvSpPr>
         <p:spPr>
           <a:xfrm>
-            <a:off x="3124200" y="4767264"/>
-            <a:ext cx="2895600" cy="273844"/>
+            <a:off x="3124200" y="6356351"/>
+            <a:ext cx="2895600" cy="365125"/>
           </a:xfrm>
           <a:prstGeom prst="rect">
             <a:avLst/>
@@ -9890,8 +9930,8 @@
         </p:nvSpPr>
         <p:spPr>
           <a:xfrm>
-            <a:off x="6553200" y="4767264"/>
-            <a:ext cx="2133600" cy="273844"/>
+            <a:off x="6553200" y="6356351"/>
+            <a:ext cx="2133600" cy="365125"/>
           </a:xfrm>
           <a:prstGeom prst="rect">
             <a:avLst/>
@@ -10234,6 +10274,61 @@
           </a:p>
         </p:txBody>
       </p:sp>
+      <p:sp>
+        <p:nvSpPr>
+          <p:cNvPr id="3" name="矩形 2"/>
+          <p:cNvSpPr/>
+          <p:nvPr/>
+        </p:nvSpPr>
+        <p:spPr>
+          <a:xfrm>
+            <a:off x="179512" y="4566319"/>
+            <a:ext cx="8424936" cy="830997"/>
+          </a:xfrm>
+          <a:prstGeom prst="rect">
+            <a:avLst/>
+          </a:prstGeom>
+        </p:spPr>
+        <p:txBody>
+          <a:bodyPr wrap="square">
+            <a:spAutoFit/>
+          </a:bodyPr>
+          <a:lstStyle/>
+          <a:p>
+            <a:r>
+              <a:rPr lang="en-US" altLang="zh-CN" sz="2400" dirty="0">
+                <a:solidFill>
+                  <a:schemeClr val="bg1"/>
+                </a:solidFill>
+              </a:rPr>
+              <a:t>https://seleniumhq.github.io/selenium/docs/api/py</a:t>
+            </a:r>
+            <a:r>
+              <a:rPr lang="en-US" altLang="zh-CN" sz="2400" dirty="0" smtClean="0">
+                <a:solidFill>
+                  <a:schemeClr val="bg1"/>
+                </a:solidFill>
+              </a:rPr>
+              <a:t>/#</a:t>
+            </a:r>
+          </a:p>
+          <a:p>
+            <a:r>
+              <a:rPr lang="en-US" altLang="zh-CN" sz="2400" dirty="0">
+                <a:solidFill>
+                  <a:schemeClr val="bg1"/>
+                </a:solidFill>
+              </a:rPr>
+              <a:t>https://seleniumhq.github.io/selenium/docs/api/py/api.html</a:t>
+            </a:r>
+            <a:endParaRPr lang="zh-CN" altLang="en-US" sz="2400" dirty="0">
+              <a:solidFill>
+                <a:schemeClr val="bg1"/>
+              </a:solidFill>
+            </a:endParaRPr>
+          </a:p>
+        </p:txBody>
+      </p:sp>
     </p:spTree>
     <p:extLst>
       <p:ext uri="{BB962C8B-B14F-4D97-AF65-F5344CB8AC3E}">
@@ -10337,9 +10432,7 @@
         </p:nvSpPr>
         <p:spPr/>
         <p:txBody>
-          <a:bodyPr>
-            <a:normAutofit fontScale="90000"/>
-          </a:bodyPr>
+          <a:bodyPr/>
           <a:lstStyle/>
           <a:p>
             <a:r>
@@ -10377,8 +10470,8 @@
         </p:blipFill>
         <p:spPr bwMode="auto">
           <a:xfrm>
-            <a:off x="1979712" y="2085696"/>
-            <a:ext cx="4200128" cy="1958966"/>
+            <a:off x="1979712" y="2780928"/>
+            <a:ext cx="4200128" cy="2611955"/>
           </a:xfrm>
           <a:prstGeom prst="rect">
             <a:avLst/>
@@ -10649,9 +10742,7 @@
         </p:nvSpPr>
         <p:spPr/>
         <p:txBody>
-          <a:bodyPr>
-            <a:normAutofit fontScale="90000"/>
-          </a:bodyPr>
+          <a:bodyPr/>
           <a:lstStyle/>
           <a:p>
             <a:r>
@@ -10719,13 +10810,13 @@
         </p:nvSpPr>
         <p:spPr>
           <a:xfrm>
-            <a:off x="323528" y="843558"/>
-            <a:ext cx="9126858" cy="4158462"/>
+            <a:off x="323528" y="1124744"/>
+            <a:ext cx="9126858" cy="5544616"/>
           </a:xfrm>
         </p:spPr>
         <p:txBody>
           <a:bodyPr>
-            <a:normAutofit fontScale="55000" lnSpcReduction="20000"/>
+            <a:normAutofit fontScale="70000" lnSpcReduction="20000"/>
           </a:bodyPr>
           <a:lstStyle/>
           <a:p>
@@ -11215,9 +11306,7 @@
         </p:nvSpPr>
         <p:spPr/>
         <p:txBody>
-          <a:bodyPr>
-            <a:normAutofit fontScale="90000"/>
-          </a:bodyPr>
+          <a:bodyPr/>
           <a:lstStyle/>
           <a:p>
             <a:r>
@@ -11278,7 +11367,7 @@
         <p:spPr/>
         <p:txBody>
           <a:bodyPr>
-            <a:normAutofit fontScale="77500" lnSpcReduction="20000"/>
+            <a:normAutofit lnSpcReduction="10000"/>
           </a:bodyPr>
           <a:lstStyle/>
           <a:p>
@@ -11591,8 +11680,8 @@
         </p:nvSpPr>
         <p:spPr>
           <a:xfrm>
-            <a:off x="467544" y="249492"/>
-            <a:ext cx="7920880" cy="286882"/>
+            <a:off x="467544" y="332656"/>
+            <a:ext cx="7920880" cy="382509"/>
           </a:xfrm>
         </p:spPr>
         <p:txBody>
@@ -11669,8 +11758,8 @@
         </p:blipFill>
         <p:spPr>
           <a:xfrm>
-            <a:off x="395536" y="1221600"/>
-            <a:ext cx="7754906" cy="2160240"/>
+            <a:off x="395536" y="1628800"/>
+            <a:ext cx="7754906" cy="2880320"/>
           </a:xfrm>
         </p:spPr>
       </p:pic>
@@ -11686,9 +11775,7 @@
         </p:nvSpPr>
         <p:spPr/>
         <p:txBody>
-          <a:bodyPr>
-            <a:normAutofit fontScale="90000"/>
-          </a:bodyPr>
+          <a:bodyPr/>
           <a:lstStyle/>
           <a:p>
             <a:r>
@@ -11756,13 +11843,13 @@
         </p:nvSpPr>
         <p:spPr>
           <a:xfrm>
-            <a:off x="341686" y="870859"/>
-            <a:ext cx="8802314" cy="3755572"/>
+            <a:off x="341686" y="1161145"/>
+            <a:ext cx="8802314" cy="5007429"/>
           </a:xfrm>
         </p:spPr>
         <p:txBody>
           <a:bodyPr>
-            <a:normAutofit fontScale="70000" lnSpcReduction="20000"/>
+            <a:normAutofit fontScale="92500" lnSpcReduction="10000"/>
           </a:bodyPr>
           <a:lstStyle/>
           <a:p>
@@ -12414,9 +12501,7 @@
         </p:nvSpPr>
         <p:spPr/>
         <p:txBody>
-          <a:bodyPr>
-            <a:normAutofit fontScale="90000"/>
-          </a:bodyPr>
+          <a:bodyPr/>
           <a:lstStyle/>
           <a:p>
             <a:r>
@@ -12484,14 +12569,12 @@
         </p:nvSpPr>
         <p:spPr>
           <a:xfrm>
-            <a:off x="341686" y="870859"/>
-            <a:ext cx="10350994" cy="3755572"/>
+            <a:off x="341686" y="1161145"/>
+            <a:ext cx="10350994" cy="5007429"/>
           </a:xfrm>
         </p:spPr>
         <p:txBody>
-          <a:bodyPr>
-            <a:normAutofit fontScale="92500" lnSpcReduction="20000"/>
-          </a:bodyPr>
+          <a:bodyPr/>
           <a:lstStyle/>
           <a:p>
             <a:pPr>
@@ -12795,64 +12878,6 @@
             <a:pPr marL="0" indent="0">
               <a:buNone/>
             </a:pPr>
-            <a:r>
-              <a:rPr lang="en-US" altLang="zh-CN" sz="2400" dirty="0" err="1"/>
-              <a:t>driver.find_element_by_xpath</a:t>
-            </a:r>
-            <a:r>
-              <a:rPr lang="en-US" altLang="zh-CN" sz="2400" dirty="0">
-                <a:solidFill>
-                  <a:srgbClr val="FF0000"/>
-                </a:solidFill>
-                <a:ea typeface="华文楷体" panose="02010600040101010101" pitchFamily="2" charset="-122"/>
-              </a:rPr>
-              <a:t>(“//</a:t>
-            </a:r>
-            <a:r>
-              <a:rPr lang="en-US" altLang="zh-CN" sz="2400" dirty="0" err="1" smtClean="0">
-                <a:solidFill>
-                  <a:srgbClr val="FF0000"/>
-                </a:solidFill>
-                <a:ea typeface="华文楷体" panose="02010600040101010101" pitchFamily="2" charset="-122"/>
-              </a:rPr>
-              <a:t>img</a:t>
-            </a:r>
-            <a:r>
-              <a:rPr lang="en-US" altLang="zh-CN" sz="2400" dirty="0" smtClean="0">
-                <a:solidFill>
-                  <a:srgbClr val="FF0000"/>
-                </a:solidFill>
-                <a:ea typeface="华文楷体" panose="02010600040101010101" pitchFamily="2" charset="-122"/>
-              </a:rPr>
-              <a:t>[contains(text(),</a:t>
-            </a:r>
-            <a:r>
-              <a:rPr lang="zh-CN" altLang="en-US" sz="2400" dirty="0" smtClean="0">
-                <a:solidFill>
-                  <a:srgbClr val="FF0000"/>
-                </a:solidFill>
-                <a:ea typeface="华文楷体" panose="02010600040101010101" pitchFamily="2" charset="-122"/>
-              </a:rPr>
-              <a:t>‘</a:t>
-            </a:r>
-            <a:r>
-              <a:rPr lang="en-US" altLang="zh-CN" sz="2400" dirty="0" smtClean="0">
-                <a:solidFill>
-                  <a:srgbClr val="FF0000"/>
-                </a:solidFill>
-                <a:ea typeface="华文楷体" panose="02010600040101010101" pitchFamily="2" charset="-122"/>
-              </a:rPr>
-              <a:t>div1</a:t>
-            </a:r>
-            <a:r>
-              <a:rPr lang="en-US" altLang="zh-CN" sz="2400" dirty="0">
-                <a:solidFill>
-                  <a:srgbClr val="FF0000"/>
-                </a:solidFill>
-                <a:ea typeface="华文楷体" panose="02010600040101010101" pitchFamily="2" charset="-122"/>
-              </a:rPr>
-              <a:t>’)]”)</a:t>
-            </a:r>
             <a:endParaRPr lang="en-US" altLang="zh-CN" sz="2400" dirty="0">
               <a:latin typeface="微软雅黑" panose="020B0503020204020204" pitchFamily="34" charset="-122"/>
             </a:endParaRPr>
@@ -12871,9 +12896,7 @@
         </p:nvSpPr>
         <p:spPr/>
         <p:txBody>
-          <a:bodyPr>
-            <a:normAutofit fontScale="90000"/>
-          </a:bodyPr>
+          <a:bodyPr/>
           <a:lstStyle/>
           <a:p>
             <a:r>
@@ -12953,13 +12976,13 @@
         </p:nvSpPr>
         <p:spPr>
           <a:xfrm>
-            <a:off x="323528" y="843559"/>
-            <a:ext cx="8229600" cy="3556490"/>
+            <a:off x="323528" y="1124744"/>
+            <a:ext cx="8229600" cy="4741987"/>
           </a:xfrm>
         </p:spPr>
         <p:txBody>
           <a:bodyPr>
-            <a:normAutofit fontScale="62500" lnSpcReduction="20000"/>
+            <a:normAutofit fontScale="85000" lnSpcReduction="20000"/>
           </a:bodyPr>
           <a:lstStyle/>
           <a:p>
@@ -13252,8 +13275,8 @@
         </p:nvSpPr>
         <p:spPr>
           <a:xfrm>
-            <a:off x="467544" y="249492"/>
-            <a:ext cx="8136904" cy="286882"/>
+            <a:off x="467544" y="332656"/>
+            <a:ext cx="8136904" cy="382509"/>
           </a:xfrm>
         </p:spPr>
         <p:txBody>
@@ -13470,8 +13493,8 @@
         </p:nvSpPr>
         <p:spPr>
           <a:xfrm>
-            <a:off x="467544" y="249492"/>
-            <a:ext cx="8064896" cy="286882"/>
+            <a:off x="467544" y="332656"/>
+            <a:ext cx="8064896" cy="382509"/>
           </a:xfrm>
         </p:spPr>
         <p:txBody>
@@ -13537,9 +13560,7 @@
         </p:nvSpPr>
         <p:spPr/>
         <p:txBody>
-          <a:bodyPr>
-            <a:normAutofit fontScale="85000" lnSpcReduction="10000"/>
-          </a:bodyPr>
+          <a:bodyPr/>
           <a:lstStyle/>
           <a:p>
             <a:pPr marL="0" indent="0">
@@ -13876,9 +13897,7 @@
         </p:nvSpPr>
         <p:spPr/>
         <p:txBody>
-          <a:bodyPr>
-            <a:normAutofit fontScale="90000"/>
-          </a:bodyPr>
+          <a:bodyPr/>
           <a:lstStyle/>
           <a:p>
             <a:r>
@@ -14124,9 +14143,7 @@
         </p:nvSpPr>
         <p:spPr/>
         <p:txBody>
-          <a:bodyPr>
-            <a:normAutofit fontScale="90000"/>
-          </a:bodyPr>
+          <a:bodyPr/>
           <a:lstStyle/>
           <a:p>
             <a:r>
@@ -14194,13 +14211,13 @@
         </p:nvSpPr>
         <p:spPr>
           <a:xfrm>
-            <a:off x="323528" y="735547"/>
-            <a:ext cx="8229600" cy="3664502"/>
+            <a:off x="323528" y="980728"/>
+            <a:ext cx="8229600" cy="4886003"/>
           </a:xfrm>
         </p:spPr>
         <p:txBody>
           <a:bodyPr>
-            <a:normAutofit fontScale="85000" lnSpcReduction="20000"/>
+            <a:normAutofit fontScale="92500"/>
           </a:bodyPr>
           <a:lstStyle/>
           <a:p>
@@ -14547,8 +14564,8 @@
         </p:nvSpPr>
         <p:spPr>
           <a:xfrm>
-            <a:off x="323528" y="195486"/>
-            <a:ext cx="8568952" cy="394894"/>
+            <a:off x="323528" y="260648"/>
+            <a:ext cx="8568952" cy="526525"/>
           </a:xfrm>
         </p:spPr>
         <p:txBody>
@@ -14618,13 +14635,13 @@
         </p:nvSpPr>
         <p:spPr>
           <a:xfrm>
-            <a:off x="143000" y="897565"/>
-            <a:ext cx="9001000" cy="3394472"/>
+            <a:off x="143000" y="1196752"/>
+            <a:ext cx="9001000" cy="4525963"/>
           </a:xfrm>
         </p:spPr>
         <p:txBody>
           <a:bodyPr>
-            <a:normAutofit fontScale="70000" lnSpcReduction="20000"/>
+            <a:normAutofit fontScale="92500" lnSpcReduction="10000"/>
           </a:bodyPr>
           <a:lstStyle/>
           <a:p>
@@ -15182,9 +15199,7 @@
         </p:nvSpPr>
         <p:spPr/>
         <p:txBody>
-          <a:bodyPr>
-            <a:normAutofit fontScale="90000"/>
-          </a:bodyPr>
+          <a:bodyPr/>
           <a:lstStyle/>
           <a:p>
             <a:r>
@@ -15252,8 +15267,8 @@
         </p:nvSpPr>
         <p:spPr>
           <a:xfrm>
-            <a:off x="32076" y="789552"/>
-            <a:ext cx="9292453" cy="2603296"/>
+            <a:off x="32075" y="1052736"/>
+            <a:ext cx="9292453" cy="3471061"/>
           </a:xfrm>
         </p:spPr>
         <p:txBody>
@@ -15273,27 +15288,27 @@
               <a:buChar char="•"/>
             </a:pPr>
             <a:r>
-              <a:rPr lang="zh-CN" altLang="en-US" sz="2000" dirty="0" smtClean="0">
+              <a:rPr lang="zh-CN" altLang="en-US" sz="2400" dirty="0" smtClean="0">
                 <a:latin typeface="+mn-ea"/>
                 <a:ea typeface="+mn-ea"/>
               </a:rPr>
               <a:t>现实：当浏览器加载页面时，页面上的元素并不会同时被加载，因此增加了定位元素的困难（</a:t>
             </a:r>
             <a:r>
-              <a:rPr lang="en-US" altLang="zh-CN" sz="2000" dirty="0" err="1" smtClean="0">
+              <a:rPr lang="en-US" altLang="zh-CN" sz="2400" dirty="0" err="1" smtClean="0">
                 <a:latin typeface="+mn-ea"/>
                 <a:ea typeface="+mn-ea"/>
               </a:rPr>
               <a:t>ElementNotVisibleException</a:t>
             </a:r>
             <a:r>
-              <a:rPr lang="zh-CN" altLang="en-US" sz="2000" dirty="0" smtClean="0">
+              <a:rPr lang="zh-CN" altLang="en-US" sz="2400" dirty="0" smtClean="0">
                 <a:latin typeface="+mn-ea"/>
                 <a:ea typeface="+mn-ea"/>
               </a:rPr>
               <a:t>错误）。</a:t>
             </a:r>
-            <a:endParaRPr lang="en-US" altLang="zh-CN" sz="2000" dirty="0" smtClean="0">
+            <a:endParaRPr lang="en-US" altLang="zh-CN" sz="2400" dirty="0" smtClean="0">
               <a:latin typeface="+mn-ea"/>
               <a:ea typeface="+mn-ea"/>
             </a:endParaRPr>
@@ -15310,34 +15325,34 @@
               <a:buChar char="•"/>
             </a:pPr>
             <a:r>
-              <a:rPr lang="en-US" altLang="zh-CN" sz="2400" dirty="0">
+              <a:rPr lang="en-US" altLang="zh-CN" dirty="0">
                 <a:latin typeface="+mn-ea"/>
                 <a:ea typeface="+mn-ea"/>
               </a:rPr>
               <a:t>WebDriver</a:t>
             </a:r>
             <a:r>
-              <a:rPr lang="zh-CN" altLang="en-US" sz="2400" dirty="0">
+              <a:rPr lang="zh-CN" altLang="en-US" dirty="0">
                 <a:latin typeface="+mn-ea"/>
                 <a:ea typeface="+mn-ea"/>
               </a:rPr>
               <a:t>提供了</a:t>
             </a:r>
             <a:r>
-              <a:rPr lang="en-US" altLang="zh-CN" sz="2400" dirty="0">
+              <a:rPr lang="en-US" altLang="zh-CN" dirty="0">
                 <a:latin typeface="+mn-ea"/>
                 <a:ea typeface="+mn-ea"/>
               </a:rPr>
               <a:t>2</a:t>
             </a:r>
             <a:r>
-              <a:rPr lang="zh-CN" altLang="en-US" sz="2400" dirty="0">
+              <a:rPr lang="zh-CN" altLang="en-US" dirty="0">
                 <a:latin typeface="+mn-ea"/>
                 <a:ea typeface="+mn-ea"/>
               </a:rPr>
               <a:t>种类型的等待</a:t>
             </a:r>
-            <a:endParaRPr lang="en-US" altLang="zh-CN" sz="2400" dirty="0">
+            <a:endParaRPr lang="en-US" altLang="zh-CN" dirty="0">
               <a:latin typeface="+mn-ea"/>
               <a:ea typeface="+mn-ea"/>
             </a:endParaRPr>
@@ -15357,56 +15372,56 @@
               <a:buChar char="ü"/>
             </a:pPr>
             <a:r>
-              <a:rPr lang="zh-CN" altLang="en-US" sz="2000" dirty="0">
+              <a:rPr lang="zh-CN" altLang="en-US" sz="2400" dirty="0">
                 <a:latin typeface="+mn-ea"/>
                 <a:ea typeface="+mn-ea"/>
               </a:rPr>
               <a:t>显示等待</a:t>
             </a:r>
             <a:r>
-              <a:rPr lang="en-US" altLang="zh-CN" sz="2000" dirty="0">
+              <a:rPr lang="en-US" altLang="zh-CN" sz="2400" dirty="0">
                 <a:latin typeface="+mn-ea"/>
                 <a:ea typeface="+mn-ea"/>
               </a:rPr>
               <a:t>(</a:t>
             </a:r>
             <a:r>
-              <a:rPr lang="en-US" altLang="zh-CN" sz="2000" dirty="0" err="1">
+              <a:rPr lang="en-US" altLang="zh-CN" sz="2400" dirty="0" err="1">
                 <a:latin typeface="+mn-ea"/>
                 <a:ea typeface="+mn-ea"/>
               </a:rPr>
               <a:t>WebDriverWait</a:t>
             </a:r>
             <a:r>
-              <a:rPr lang="zh-CN" altLang="en-US" sz="2000" dirty="0">
+              <a:rPr lang="zh-CN" altLang="en-US" sz="2400" dirty="0">
                 <a:latin typeface="+mn-ea"/>
                 <a:ea typeface="+mn-ea"/>
               </a:rPr>
               <a:t>类</a:t>
             </a:r>
             <a:r>
-              <a:rPr lang="en-US" altLang="zh-CN" sz="2000" dirty="0">
+              <a:rPr lang="en-US" altLang="zh-CN" sz="2400" dirty="0">
                 <a:latin typeface="+mn-ea"/>
                 <a:ea typeface="+mn-ea"/>
               </a:rPr>
               <a:t>)</a:t>
             </a:r>
             <a:r>
-              <a:rPr lang="zh-CN" altLang="en-US" sz="2000" dirty="0">
+              <a:rPr lang="zh-CN" altLang="en-US" sz="2400" dirty="0">
                 <a:latin typeface="+mn-ea"/>
                 <a:ea typeface="+mn-ea"/>
               </a:rPr>
               <a:t>：使</a:t>
             </a:r>
             <a:r>
-              <a:rPr lang="en-US" altLang="zh-CN" sz="2000" dirty="0">
+              <a:rPr lang="en-US" altLang="zh-CN" sz="2400" dirty="0">
                 <a:latin typeface="+mn-ea"/>
                 <a:ea typeface="+mn-ea"/>
               </a:rPr>
               <a:t>WebDriver</a:t>
             </a:r>
             <a:r>
-              <a:rPr lang="zh-CN" altLang="en-US" sz="2000" dirty="0">
+              <a:rPr lang="zh-CN" altLang="en-US" sz="2400" dirty="0">
                 <a:solidFill>
                   <a:srgbClr val="FF0000"/>
                 </a:solidFill>
@@ -15416,27 +15431,27 @@
               <a:t>等待某个条件</a:t>
             </a:r>
             <a:r>
-              <a:rPr lang="zh-CN" altLang="en-US" sz="2000" dirty="0">
+              <a:rPr lang="zh-CN" altLang="en-US" sz="2400" dirty="0">
                 <a:latin typeface="+mn-ea"/>
                 <a:ea typeface="+mn-ea"/>
               </a:rPr>
               <a:t>成立时继续执行，否则在达到最大时间长时抛出超出时间异常（</a:t>
             </a:r>
             <a:r>
-              <a:rPr lang="en-US" altLang="zh-CN" sz="2000" dirty="0" err="1">
+              <a:rPr lang="en-US" altLang="zh-CN" sz="2400" dirty="0" err="1">
                 <a:latin typeface="+mn-ea"/>
                 <a:ea typeface="+mn-ea"/>
               </a:rPr>
               <a:t>TimeoutException</a:t>
             </a:r>
             <a:r>
-              <a:rPr lang="zh-CN" altLang="en-US" sz="2000" dirty="0">
+              <a:rPr lang="zh-CN" altLang="en-US" sz="2400" dirty="0">
                 <a:latin typeface="+mn-ea"/>
                 <a:ea typeface="+mn-ea"/>
               </a:rPr>
               <a:t>）</a:t>
             </a:r>
-            <a:endParaRPr lang="en-US" altLang="zh-CN" sz="2000" dirty="0">
+            <a:endParaRPr lang="en-US" altLang="zh-CN" sz="2400" dirty="0">
               <a:latin typeface="+mn-ea"/>
               <a:ea typeface="+mn-ea"/>
             </a:endParaRPr>
@@ -15456,76 +15471,76 @@
               <a:buChar char="ü"/>
             </a:pPr>
             <a:r>
-              <a:rPr lang="zh-CN" altLang="en-US" sz="2000" dirty="0">
+              <a:rPr lang="zh-CN" altLang="en-US" sz="2400" dirty="0">
                 <a:latin typeface="+mn-ea"/>
                 <a:ea typeface="+mn-ea"/>
               </a:rPr>
               <a:t>隐式等待</a:t>
             </a:r>
             <a:r>
-              <a:rPr lang="en-US" altLang="zh-CN" sz="2000" dirty="0">
+              <a:rPr lang="en-US" altLang="zh-CN" sz="2400" dirty="0">
                 <a:latin typeface="+mn-ea"/>
                 <a:ea typeface="+mn-ea"/>
               </a:rPr>
               <a:t>(</a:t>
             </a:r>
             <a:r>
-              <a:rPr lang="en-US" altLang="zh-CN" sz="2000" dirty="0" err="1">
+              <a:rPr lang="en-US" altLang="zh-CN" sz="2400" dirty="0" err="1">
                 <a:latin typeface="+mn-ea"/>
                 <a:ea typeface="+mn-ea"/>
               </a:rPr>
               <a:t>implicitly_wait</a:t>
             </a:r>
             <a:r>
-              <a:rPr lang="en-US" altLang="zh-CN" sz="2000" dirty="0">
+              <a:rPr lang="en-US" altLang="zh-CN" sz="2400" dirty="0">
                 <a:latin typeface="+mn-ea"/>
                 <a:ea typeface="+mn-ea"/>
               </a:rPr>
               <a:t>)</a:t>
             </a:r>
             <a:r>
-              <a:rPr lang="zh-CN" altLang="en-US" sz="2000" dirty="0">
+              <a:rPr lang="zh-CN" altLang="en-US" sz="2400" dirty="0">
                 <a:latin typeface="+mn-ea"/>
                 <a:ea typeface="+mn-ea"/>
               </a:rPr>
               <a:t>：通过</a:t>
             </a:r>
             <a:r>
-              <a:rPr lang="zh-CN" altLang="en-US" sz="2000" dirty="0" smtClean="0">
+              <a:rPr lang="zh-CN" altLang="en-US" sz="2400" dirty="0" smtClean="0">
                 <a:latin typeface="+mn-ea"/>
                 <a:ea typeface="+mn-ea"/>
               </a:rPr>
               <a:t>一定</a:t>
             </a:r>
             <a:r>
-              <a:rPr lang="zh-CN" altLang="en-US" sz="2000" dirty="0">
+              <a:rPr lang="zh-CN" altLang="en-US" sz="2400" dirty="0">
                 <a:latin typeface="+mn-ea"/>
                 <a:ea typeface="+mn-ea"/>
               </a:rPr>
               <a:t>时长</a:t>
             </a:r>
             <a:r>
-              <a:rPr lang="zh-CN" altLang="en-US" sz="2000" dirty="0" smtClean="0">
+              <a:rPr lang="zh-CN" altLang="en-US" sz="2400" dirty="0" smtClean="0">
                 <a:latin typeface="+mn-ea"/>
                 <a:ea typeface="+mn-ea"/>
               </a:rPr>
               <a:t>的</a:t>
             </a:r>
             <a:r>
-              <a:rPr lang="zh-CN" altLang="en-US" sz="2000" dirty="0">
+              <a:rPr lang="zh-CN" altLang="en-US" sz="2400" dirty="0">
                 <a:latin typeface="+mn-ea"/>
                 <a:ea typeface="+mn-ea"/>
               </a:rPr>
               <a:t>等待页面上元素加载完成。如果超出了设置的时间长，元素还未被加载，则抛出异常</a:t>
             </a:r>
             <a:r>
-              <a:rPr lang="en-US" altLang="zh-CN" sz="2000" dirty="0" err="1">
+              <a:rPr lang="en-US" altLang="zh-CN" sz="2400" dirty="0" err="1">
                 <a:latin typeface="+mn-ea"/>
                 <a:ea typeface="+mn-ea"/>
               </a:rPr>
               <a:t>NoSuchElementException</a:t>
             </a:r>
-            <a:endParaRPr lang="en-US" altLang="zh-CN" sz="2000" dirty="0">
+            <a:endParaRPr lang="en-US" altLang="zh-CN" sz="2400" dirty="0">
               <a:latin typeface="+mn-ea"/>
               <a:ea typeface="+mn-ea"/>
             </a:endParaRPr>
@@ -15544,8 +15559,8 @@
         </p:nvSpPr>
         <p:spPr>
           <a:xfrm>
-            <a:off x="395536" y="141480"/>
-            <a:ext cx="8496944" cy="286882"/>
+            <a:off x="395536" y="188640"/>
+            <a:ext cx="8496944" cy="382509"/>
           </a:xfrm>
         </p:spPr>
         <p:txBody>
@@ -15611,7 +15626,7 @@
         <p:spPr/>
         <p:txBody>
           <a:bodyPr>
-            <a:normAutofit fontScale="92500" lnSpcReduction="20000"/>
+            <a:normAutofit lnSpcReduction="10000"/>
           </a:bodyPr>
           <a:lstStyle/>
           <a:p>
@@ -15890,8 +15905,8 @@
         </p:nvSpPr>
         <p:spPr>
           <a:xfrm>
-            <a:off x="251520" y="141480"/>
-            <a:ext cx="8280920" cy="302463"/>
+            <a:off x="251520" y="188640"/>
+            <a:ext cx="8280920" cy="403284"/>
           </a:xfrm>
         </p:spPr>
         <p:txBody>
@@ -15960,8 +15975,8 @@
           </p:nvPr>
         </p:nvGraphicFramePr>
         <p:xfrm>
-          <a:off x="179513" y="681540"/>
-          <a:ext cx="9217025" cy="4281852"/>
+          <a:off x="179512" y="908720"/>
+          <a:ext cx="9217025" cy="5709136"/>
         </p:xfrm>
         <a:graphic>
           <a:graphicData uri="http://schemas.openxmlformats.org/drawingml/2006/table">
@@ -15973,20 +15988,20 @@
                 <a:gridCol w="3563888"/>
                 <a:gridCol w="5653137"/>
               </a:tblGrid>
-              <a:tr h="278130">
+              <a:tr h="370840">
                 <a:tc>
                   <a:txBody>
                     <a:bodyPr/>
                     <a:lstStyle/>
                     <a:p>
                       <a:r>
-                        <a:rPr lang="zh-CN" altLang="en-US" sz="1200" dirty="0" smtClean="0"/>
+                        <a:rPr lang="zh-CN" altLang="en-US" sz="1600" dirty="0" smtClean="0"/>
                         <a:t>方法</a:t>
                       </a:r>
-                      <a:endParaRPr lang="zh-CN" altLang="en-US" sz="1200" dirty="0"/>
+                      <a:endParaRPr lang="zh-CN" altLang="en-US" sz="1600" dirty="0"/>
                     </a:p>
                   </a:txBody>
-                  <a:tcPr marT="34290" marB="34290"/>
+                  <a:tcPr/>
                 </a:tc>
                 <a:tc>
                   <a:txBody>
@@ -15994,35 +16009,35 @@
                     <a:lstStyle/>
                     <a:p>
                       <a:r>
-                        <a:rPr lang="zh-CN" altLang="en-US" sz="1200" dirty="0" smtClean="0"/>
+                        <a:rPr lang="zh-CN" altLang="en-US" sz="1600" dirty="0" smtClean="0"/>
                         <a:t>说明</a:t>
                       </a:r>
-                      <a:endParaRPr lang="zh-CN" altLang="en-US" sz="1200" dirty="0"/>
+                      <a:endParaRPr lang="zh-CN" altLang="en-US" sz="1600" dirty="0"/>
                     </a:p>
                   </a:txBody>
-                  <a:tcPr marT="34290" marB="34290"/>
+                  <a:tcPr/>
                 </a:tc>
               </a:tr>
-              <a:tr h="278130">
+              <a:tr h="370840">
                 <a:tc>
                   <a:txBody>
                     <a:bodyPr/>
                     <a:lstStyle/>
                     <a:p>
                       <a:r>
-                        <a:rPr lang="en-US" altLang="zh-CN" sz="1200" dirty="0" err="1" smtClean="0">
+                        <a:rPr lang="en-US" altLang="zh-CN" sz="1600" dirty="0" err="1" smtClean="0">
                           <a:latin typeface="微软雅黑" panose="020B0503020204020204" pitchFamily="34" charset="-122"/>
                           <a:ea typeface="微软雅黑" panose="020B0503020204020204" pitchFamily="34" charset="-122"/>
                         </a:rPr>
                         <a:t>title_is</a:t>
                       </a:r>
-                      <a:endParaRPr lang="zh-CN" altLang="en-US" sz="1200" dirty="0">
+                      <a:endParaRPr lang="zh-CN" altLang="en-US" sz="1600" dirty="0">
                         <a:latin typeface="微软雅黑" panose="020B0503020204020204" pitchFamily="34" charset="-122"/>
                         <a:ea typeface="微软雅黑" panose="020B0503020204020204" pitchFamily="34" charset="-122"/>
                       </a:endParaRPr>
                     </a:p>
                   </a:txBody>
-                  <a:tcPr marT="34290" marB="34290"/>
+                  <a:tcPr/>
                 </a:tc>
                 <a:tc>
                   <a:txBody>
@@ -16030,41 +16045,41 @@
                     <a:lstStyle/>
                     <a:p>
                       <a:r>
-                        <a:rPr lang="zh-CN" altLang="en-US" sz="1200" dirty="0" smtClean="0">
+                        <a:rPr lang="zh-CN" altLang="en-US" sz="1600" dirty="0" smtClean="0">
                           <a:latin typeface="微软雅黑" panose="020B0503020204020204" pitchFamily="34" charset="-122"/>
                           <a:ea typeface="微软雅黑" panose="020B0503020204020204" pitchFamily="34" charset="-122"/>
                         </a:rPr>
                         <a:t>判断标题是否等于预期</a:t>
                       </a:r>
-                      <a:endParaRPr lang="zh-CN" altLang="en-US" sz="1200" dirty="0">
+                      <a:endParaRPr lang="zh-CN" altLang="en-US" sz="1600" dirty="0">
                         <a:latin typeface="微软雅黑" panose="020B0503020204020204" pitchFamily="34" charset="-122"/>
                         <a:ea typeface="微软雅黑" panose="020B0503020204020204" pitchFamily="34" charset="-122"/>
                       </a:endParaRPr>
                     </a:p>
                   </a:txBody>
-                  <a:tcPr marT="34290" marB="34290"/>
+                  <a:tcPr/>
                 </a:tc>
               </a:tr>
-              <a:tr h="278130">
+              <a:tr h="370840">
                 <a:tc>
                   <a:txBody>
                     <a:bodyPr/>
                     <a:lstStyle/>
                     <a:p>
                       <a:r>
-                        <a:rPr lang="en-US" altLang="zh-CN" sz="1200" dirty="0" err="1" smtClean="0">
+                        <a:rPr lang="en-US" altLang="zh-CN" sz="1600" dirty="0" err="1" smtClean="0">
                           <a:latin typeface="微软雅黑" panose="020B0503020204020204" pitchFamily="34" charset="-122"/>
                           <a:ea typeface="微软雅黑" panose="020B0503020204020204" pitchFamily="34" charset="-122"/>
                         </a:rPr>
                         <a:t>title_contains</a:t>
                       </a:r>
-                      <a:endParaRPr lang="zh-CN" altLang="en-US" sz="1200" dirty="0">
+                      <a:endParaRPr lang="zh-CN" altLang="en-US" sz="1600" dirty="0">
                         <a:latin typeface="微软雅黑" panose="020B0503020204020204" pitchFamily="34" charset="-122"/>
                         <a:ea typeface="微软雅黑" panose="020B0503020204020204" pitchFamily="34" charset="-122"/>
                       </a:endParaRPr>
                     </a:p>
                   </a:txBody>
-                  <a:tcPr marT="34290" marB="34290"/>
+                  <a:tcPr/>
                 </a:tc>
                 <a:tc>
                   <a:txBody>
@@ -16072,41 +16087,41 @@
                     <a:lstStyle/>
                     <a:p>
                       <a:r>
-                        <a:rPr lang="zh-CN" altLang="en-US" sz="1200" dirty="0" smtClean="0">
+                        <a:rPr lang="zh-CN" altLang="en-US" sz="1600" dirty="0" smtClean="0">
                           <a:latin typeface="微软雅黑" panose="020B0503020204020204" pitchFamily="34" charset="-122"/>
                           <a:ea typeface="微软雅黑" panose="020B0503020204020204" pitchFamily="34" charset="-122"/>
                         </a:rPr>
                         <a:t>判断标题是否包含预期字符串</a:t>
                       </a:r>
-                      <a:endParaRPr lang="zh-CN" altLang="en-US" sz="1200" dirty="0">
+                      <a:endParaRPr lang="zh-CN" altLang="en-US" sz="1600" dirty="0">
                         <a:latin typeface="微软雅黑" panose="020B0503020204020204" pitchFamily="34" charset="-122"/>
                         <a:ea typeface="微软雅黑" panose="020B0503020204020204" pitchFamily="34" charset="-122"/>
                       </a:endParaRPr>
                     </a:p>
                   </a:txBody>
-                  <a:tcPr marT="34290" marB="34290"/>
+                  <a:tcPr/>
                 </a:tc>
               </a:tr>
-              <a:tr h="353742">
+              <a:tr h="471656">
                 <a:tc>
                   <a:txBody>
                     <a:bodyPr/>
                     <a:lstStyle/>
                     <a:p>
                       <a:r>
-                        <a:rPr lang="en-US" altLang="zh-CN" sz="1200" dirty="0" err="1" smtClean="0">
+                        <a:rPr lang="en-US" altLang="zh-CN" sz="1600" dirty="0" err="1" smtClean="0">
                           <a:latin typeface="微软雅黑" panose="020B0503020204020204" pitchFamily="34" charset="-122"/>
                           <a:ea typeface="微软雅黑" panose="020B0503020204020204" pitchFamily="34" charset="-122"/>
                         </a:rPr>
                         <a:t>presence_of_element_located</a:t>
                       </a:r>
-                      <a:endParaRPr lang="zh-CN" altLang="en-US" sz="1200" dirty="0">
+                      <a:endParaRPr lang="zh-CN" altLang="en-US" sz="1600" dirty="0">
                         <a:latin typeface="微软雅黑" panose="020B0503020204020204" pitchFamily="34" charset="-122"/>
                         <a:ea typeface="微软雅黑" panose="020B0503020204020204" pitchFamily="34" charset="-122"/>
                       </a:endParaRPr>
                     </a:p>
                   </a:txBody>
-                  <a:tcPr marT="34290" marB="34290"/>
+                  <a:tcPr/>
                 </a:tc>
                 <a:tc>
                   <a:txBody>
@@ -16114,55 +16129,55 @@
                     <a:lstStyle/>
                     <a:p>
                       <a:r>
-                        <a:rPr lang="zh-CN" altLang="en-US" sz="1200" dirty="0" smtClean="0">
+                        <a:rPr lang="zh-CN" altLang="en-US" sz="1600" dirty="0" smtClean="0">
                           <a:latin typeface="微软雅黑" panose="020B0503020204020204" pitchFamily="34" charset="-122"/>
                           <a:ea typeface="微软雅黑" panose="020B0503020204020204" pitchFamily="34" charset="-122"/>
                         </a:rPr>
                         <a:t>判断元素是否在</a:t>
                       </a:r>
                       <a:r>
-                        <a:rPr lang="en-US" altLang="zh-CN" sz="1200" dirty="0" smtClean="0">
+                        <a:rPr lang="en-US" altLang="zh-CN" sz="1600" dirty="0" smtClean="0">
                           <a:latin typeface="微软雅黑" panose="020B0503020204020204" pitchFamily="34" charset="-122"/>
                           <a:ea typeface="微软雅黑" panose="020B0503020204020204" pitchFamily="34" charset="-122"/>
                         </a:rPr>
                         <a:t>DOM</a:t>
                       </a:r>
                       <a:r>
-                        <a:rPr lang="zh-CN" altLang="en-US" sz="1200" dirty="0" smtClean="0">
+                        <a:rPr lang="zh-CN" altLang="en-US" sz="1600" dirty="0" smtClean="0">
                           <a:latin typeface="微软雅黑" panose="020B0503020204020204" pitchFamily="34" charset="-122"/>
                           <a:ea typeface="微软雅黑" panose="020B0503020204020204" pitchFamily="34" charset="-122"/>
                         </a:rPr>
                         <a:t>，不一定可见</a:t>
                       </a:r>
-                      <a:endParaRPr lang="zh-CN" altLang="en-US" sz="1200" dirty="0">
+                      <a:endParaRPr lang="zh-CN" altLang="en-US" sz="1600" dirty="0">
                         <a:latin typeface="微软雅黑" panose="020B0503020204020204" pitchFamily="34" charset="-122"/>
                         <a:ea typeface="微软雅黑" panose="020B0503020204020204" pitchFamily="34" charset="-122"/>
                       </a:endParaRPr>
                     </a:p>
                   </a:txBody>
-                  <a:tcPr marT="34290" marB="34290"/>
+                  <a:tcPr/>
                 </a:tc>
               </a:tr>
-              <a:tr h="278130">
+              <a:tr h="370840">
                 <a:tc>
                   <a:txBody>
                     <a:bodyPr/>
                     <a:lstStyle/>
                     <a:p>
                       <a:r>
-                        <a:rPr lang="en-US" altLang="zh-CN" sz="1200" dirty="0" err="1" smtClean="0">
+                        <a:rPr lang="en-US" altLang="zh-CN" sz="1600" dirty="0" err="1" smtClean="0">
                           <a:latin typeface="微软雅黑" panose="020B0503020204020204" pitchFamily="34" charset="-122"/>
                           <a:ea typeface="微软雅黑" panose="020B0503020204020204" pitchFamily="34" charset="-122"/>
                         </a:rPr>
                         <a:t>visibility_of_element_located</a:t>
                       </a:r>
-                      <a:endParaRPr lang="zh-CN" altLang="en-US" sz="1200" dirty="0">
+                      <a:endParaRPr lang="zh-CN" altLang="en-US" sz="1600" dirty="0">
                         <a:latin typeface="微软雅黑" panose="020B0503020204020204" pitchFamily="34" charset="-122"/>
                         <a:ea typeface="微软雅黑" panose="020B0503020204020204" pitchFamily="34" charset="-122"/>
                       </a:endParaRPr>
                     </a:p>
                   </a:txBody>
-                  <a:tcPr marT="34290" marB="34290"/>
+                  <a:tcPr/>
                 </a:tc>
                 <a:tc>
                   <a:txBody>
@@ -16170,41 +16185,41 @@
                     <a:lstStyle/>
                     <a:p>
                       <a:r>
-                        <a:rPr lang="zh-CN" altLang="en-US" sz="1200" dirty="0" smtClean="0">
+                        <a:rPr lang="zh-CN" altLang="en-US" sz="1600" dirty="0" smtClean="0">
                           <a:latin typeface="微软雅黑" panose="020B0503020204020204" pitchFamily="34" charset="-122"/>
                           <a:ea typeface="微软雅黑" panose="020B0503020204020204" pitchFamily="34" charset="-122"/>
                         </a:rPr>
                         <a:t>判断元素是否可见</a:t>
                       </a:r>
-                      <a:endParaRPr lang="zh-CN" altLang="en-US" sz="1200" dirty="0">
+                      <a:endParaRPr lang="zh-CN" altLang="en-US" sz="1600" dirty="0">
                         <a:latin typeface="微软雅黑" panose="020B0503020204020204" pitchFamily="34" charset="-122"/>
                         <a:ea typeface="微软雅黑" panose="020B0503020204020204" pitchFamily="34" charset="-122"/>
                       </a:endParaRPr>
                     </a:p>
                   </a:txBody>
-                  <a:tcPr marT="34290" marB="34290"/>
+                  <a:tcPr/>
                 </a:tc>
               </a:tr>
-              <a:tr h="278130">
+              <a:tr h="370840">
                 <a:tc>
                   <a:txBody>
                     <a:bodyPr/>
                     <a:lstStyle/>
                     <a:p>
                       <a:r>
-                        <a:rPr lang="en-US" altLang="zh-CN" sz="1200" dirty="0" err="1" smtClean="0">
+                        <a:rPr lang="en-US" altLang="zh-CN" sz="1600" dirty="0" err="1" smtClean="0">
                           <a:latin typeface="微软雅黑" panose="020B0503020204020204" pitchFamily="34" charset="-122"/>
                           <a:ea typeface="微软雅黑" panose="020B0503020204020204" pitchFamily="34" charset="-122"/>
                         </a:rPr>
                         <a:t>visibility_of</a:t>
                       </a:r>
-                      <a:endParaRPr lang="zh-CN" altLang="en-US" sz="1200" dirty="0">
+                      <a:endParaRPr lang="zh-CN" altLang="en-US" sz="1600" dirty="0">
                         <a:latin typeface="微软雅黑" panose="020B0503020204020204" pitchFamily="34" charset="-122"/>
                         <a:ea typeface="微软雅黑" panose="020B0503020204020204" pitchFamily="34" charset="-122"/>
                       </a:endParaRPr>
                     </a:p>
                   </a:txBody>
-                  <a:tcPr marT="34290" marB="34290"/>
+                  <a:tcPr/>
                 </a:tc>
                 <a:tc>
                   <a:txBody>
@@ -16212,41 +16227,41 @@
                     <a:lstStyle/>
                     <a:p>
                       <a:r>
-                        <a:rPr lang="zh-CN" altLang="en-US" sz="1200" dirty="0" smtClean="0">
+                        <a:rPr lang="zh-CN" altLang="en-US" sz="1600" dirty="0" smtClean="0">
                           <a:latin typeface="微软雅黑" panose="020B0503020204020204" pitchFamily="34" charset="-122"/>
                           <a:ea typeface="微软雅黑" panose="020B0503020204020204" pitchFamily="34" charset="-122"/>
                         </a:rPr>
                         <a:t>判断元素是否可见，参数是定位后的元素</a:t>
                       </a:r>
-                      <a:endParaRPr lang="zh-CN" altLang="en-US" sz="1200" dirty="0">
+                      <a:endParaRPr lang="zh-CN" altLang="en-US" sz="1600" dirty="0">
                         <a:latin typeface="微软雅黑" panose="020B0503020204020204" pitchFamily="34" charset="-122"/>
                         <a:ea typeface="微软雅黑" panose="020B0503020204020204" pitchFamily="34" charset="-122"/>
                       </a:endParaRPr>
                     </a:p>
                   </a:txBody>
-                  <a:tcPr marT="34290" marB="34290"/>
+                  <a:tcPr/>
                 </a:tc>
               </a:tr>
-              <a:tr h="278130">
+              <a:tr h="370840">
                 <a:tc>
                   <a:txBody>
                     <a:bodyPr/>
                     <a:lstStyle/>
                     <a:p>
                       <a:r>
-                        <a:rPr lang="en-US" altLang="zh-CN" sz="1200" dirty="0" err="1" smtClean="0">
+                        <a:rPr lang="en-US" altLang="zh-CN" sz="1600" dirty="0" err="1" smtClean="0">
                           <a:latin typeface="微软雅黑" panose="020B0503020204020204" pitchFamily="34" charset="-122"/>
                           <a:ea typeface="微软雅黑" panose="020B0503020204020204" pitchFamily="34" charset="-122"/>
                         </a:rPr>
                         <a:t>presence_of_all_elements_located</a:t>
                       </a:r>
-                      <a:endParaRPr lang="zh-CN" altLang="en-US" sz="1200" dirty="0">
+                      <a:endParaRPr lang="zh-CN" altLang="en-US" sz="1600" dirty="0">
                         <a:latin typeface="微软雅黑" panose="020B0503020204020204" pitchFamily="34" charset="-122"/>
                         <a:ea typeface="微软雅黑" panose="020B0503020204020204" pitchFamily="34" charset="-122"/>
                       </a:endParaRPr>
                     </a:p>
                   </a:txBody>
-                  <a:tcPr marT="34290" marB="34290"/>
+                  <a:tcPr/>
                 </a:tc>
                 <a:tc>
                   <a:txBody>
@@ -16254,41 +16269,41 @@
                     <a:lstStyle/>
                     <a:p>
                       <a:r>
-                        <a:rPr lang="zh-CN" altLang="en-US" sz="1200" dirty="0" smtClean="0">
+                        <a:rPr lang="zh-CN" altLang="en-US" sz="1600" dirty="0" smtClean="0">
                           <a:latin typeface="微软雅黑" panose="020B0503020204020204" pitchFamily="34" charset="-122"/>
                           <a:ea typeface="微软雅黑" panose="020B0503020204020204" pitchFamily="34" charset="-122"/>
                         </a:rPr>
                         <a:t>判断是否至少有一个元素存在</a:t>
                       </a:r>
-                      <a:endParaRPr lang="zh-CN" altLang="en-US" sz="1200" dirty="0">
+                      <a:endParaRPr lang="zh-CN" altLang="en-US" sz="1600" dirty="0">
                         <a:latin typeface="微软雅黑" panose="020B0503020204020204" pitchFamily="34" charset="-122"/>
                         <a:ea typeface="微软雅黑" panose="020B0503020204020204" pitchFamily="34" charset="-122"/>
                       </a:endParaRPr>
                     </a:p>
                   </a:txBody>
-                  <a:tcPr marT="34290" marB="34290"/>
+                  <a:tcPr/>
                 </a:tc>
               </a:tr>
-              <a:tr h="278130">
+              <a:tr h="370840">
                 <a:tc>
                   <a:txBody>
                     <a:bodyPr/>
                     <a:lstStyle/>
                     <a:p>
                       <a:r>
-                        <a:rPr lang="en-US" altLang="zh-CN" sz="1200" dirty="0" err="1" smtClean="0">
+                        <a:rPr lang="en-US" altLang="zh-CN" sz="1600" dirty="0" err="1" smtClean="0">
                           <a:latin typeface="微软雅黑" panose="020B0503020204020204" pitchFamily="34" charset="-122"/>
                           <a:ea typeface="微软雅黑" panose="020B0503020204020204" pitchFamily="34" charset="-122"/>
                         </a:rPr>
                         <a:t>text_to_be_present_in_element</a:t>
                       </a:r>
-                      <a:endParaRPr lang="zh-CN" altLang="en-US" sz="1200" dirty="0">
+                      <a:endParaRPr lang="zh-CN" altLang="en-US" sz="1600" dirty="0">
                         <a:latin typeface="微软雅黑" panose="020B0503020204020204" pitchFamily="34" charset="-122"/>
                         <a:ea typeface="微软雅黑" panose="020B0503020204020204" pitchFamily="34" charset="-122"/>
                       </a:endParaRPr>
                     </a:p>
                   </a:txBody>
-                  <a:tcPr marT="34290" marB="34290"/>
+                  <a:tcPr/>
                 </a:tc>
                 <a:tc>
                   <a:txBody>
@@ -16296,55 +16311,55 @@
                     <a:lstStyle/>
                     <a:p>
                       <a:r>
-                        <a:rPr lang="zh-CN" altLang="en-US" sz="1200" dirty="0" smtClean="0">
+                        <a:rPr lang="zh-CN" altLang="en-US" sz="1600" dirty="0" smtClean="0">
                           <a:latin typeface="微软雅黑" panose="020B0503020204020204" pitchFamily="34" charset="-122"/>
                           <a:ea typeface="微软雅黑" panose="020B0503020204020204" pitchFamily="34" charset="-122"/>
                         </a:rPr>
                         <a:t>判断某个元素的</a:t>
                       </a:r>
                       <a:r>
-                        <a:rPr lang="en-US" altLang="zh-CN" sz="1200" dirty="0" smtClean="0">
+                        <a:rPr lang="en-US" altLang="zh-CN" sz="1600" dirty="0" smtClean="0">
                           <a:latin typeface="微软雅黑" panose="020B0503020204020204" pitchFamily="34" charset="-122"/>
                           <a:ea typeface="微软雅黑" panose="020B0503020204020204" pitchFamily="34" charset="-122"/>
                         </a:rPr>
                         <a:t>text</a:t>
                       </a:r>
                       <a:r>
-                        <a:rPr lang="zh-CN" altLang="en-US" sz="1200" dirty="0" smtClean="0">
+                        <a:rPr lang="zh-CN" altLang="en-US" sz="1600" dirty="0" smtClean="0">
                           <a:latin typeface="微软雅黑" panose="020B0503020204020204" pitchFamily="34" charset="-122"/>
                           <a:ea typeface="微软雅黑" panose="020B0503020204020204" pitchFamily="34" charset="-122"/>
                         </a:rPr>
                         <a:t>是否包含了预期的字符串</a:t>
                       </a:r>
-                      <a:endParaRPr lang="zh-CN" altLang="en-US" sz="1200" dirty="0">
+                      <a:endParaRPr lang="zh-CN" altLang="en-US" sz="1600" dirty="0">
                         <a:latin typeface="微软雅黑" panose="020B0503020204020204" pitchFamily="34" charset="-122"/>
                         <a:ea typeface="微软雅黑" panose="020B0503020204020204" pitchFamily="34" charset="-122"/>
                       </a:endParaRPr>
                     </a:p>
                   </a:txBody>
-                  <a:tcPr marT="34290" marB="34290"/>
+                  <a:tcPr/>
                 </a:tc>
               </a:tr>
-              <a:tr h="434340">
+              <a:tr h="370840">
                 <a:tc>
                   <a:txBody>
                     <a:bodyPr/>
                     <a:lstStyle/>
                     <a:p>
                       <a:r>
-                        <a:rPr lang="en-US" altLang="zh-CN" sz="1200" dirty="0" err="1" smtClean="0">
+                        <a:rPr lang="en-US" altLang="zh-CN" sz="1600" dirty="0" err="1" smtClean="0">
                           <a:latin typeface="微软雅黑" panose="020B0503020204020204" pitchFamily="34" charset="-122"/>
                           <a:ea typeface="微软雅黑" panose="020B0503020204020204" pitchFamily="34" charset="-122"/>
                         </a:rPr>
                         <a:t>text_to_be_present_in_element_value</a:t>
                       </a:r>
-                      <a:endParaRPr lang="zh-CN" altLang="en-US" sz="1200" dirty="0">
+                      <a:endParaRPr lang="zh-CN" altLang="en-US" sz="1600" dirty="0">
                         <a:latin typeface="微软雅黑" panose="020B0503020204020204" pitchFamily="34" charset="-122"/>
                         <a:ea typeface="微软雅黑" panose="020B0503020204020204" pitchFamily="34" charset="-122"/>
                       </a:endParaRPr>
                     </a:p>
                   </a:txBody>
-                  <a:tcPr marT="34290" marB="34290"/>
+                  <a:tcPr/>
                 </a:tc>
                 <a:tc>
                   <a:txBody>
@@ -16369,21 +16384,21 @@
                         <a:defRPr/>
                       </a:pPr>
                       <a:r>
-                        <a:rPr lang="zh-CN" altLang="en-US" sz="1200" dirty="0" smtClean="0">
+                        <a:rPr lang="zh-CN" altLang="en-US" sz="1600" dirty="0" smtClean="0">
                           <a:latin typeface="微软雅黑" panose="020B0503020204020204" pitchFamily="34" charset="-122"/>
                           <a:ea typeface="微软雅黑" panose="020B0503020204020204" pitchFamily="34" charset="-122"/>
                         </a:rPr>
                         <a:t>判断某个元素的</a:t>
                       </a:r>
                       <a:r>
-                        <a:rPr lang="en-US" altLang="zh-CN" sz="1200" dirty="0" smtClean="0">
+                        <a:rPr lang="en-US" altLang="zh-CN" sz="1600" dirty="0" smtClean="0">
                           <a:latin typeface="微软雅黑" panose="020B0503020204020204" pitchFamily="34" charset="-122"/>
                           <a:ea typeface="微软雅黑" panose="020B0503020204020204" pitchFamily="34" charset="-122"/>
                         </a:rPr>
                         <a:t>value</a:t>
                       </a:r>
                       <a:r>
-                        <a:rPr lang="zh-CN" altLang="en-US" sz="1200" dirty="0" smtClean="0">
+                        <a:rPr lang="zh-CN" altLang="en-US" sz="1600" dirty="0" smtClean="0">
                           <a:latin typeface="微软雅黑" panose="020B0503020204020204" pitchFamily="34" charset="-122"/>
                           <a:ea typeface="微软雅黑" panose="020B0503020204020204" pitchFamily="34" charset="-122"/>
                         </a:rPr>
@@ -16391,35 +16406,35 @@
                       </a:r>
                     </a:p>
                     <a:p>
-                      <a:endParaRPr lang="zh-CN" altLang="en-US" sz="1200" dirty="0">
+                      <a:endParaRPr lang="zh-CN" altLang="en-US" sz="1600" dirty="0">
                         <a:latin typeface="微软雅黑" panose="020B0503020204020204" pitchFamily="34" charset="-122"/>
                         <a:ea typeface="微软雅黑" panose="020B0503020204020204" pitchFamily="34" charset="-122"/>
                       </a:endParaRPr>
                     </a:p>
                   </a:txBody>
-                  <a:tcPr marT="34290" marB="34290"/>
+                  <a:tcPr/>
                 </a:tc>
               </a:tr>
-              <a:tr h="434340">
+              <a:tr h="370840">
                 <a:tc>
                   <a:txBody>
                     <a:bodyPr/>
                     <a:lstStyle/>
                     <a:p>
                       <a:r>
-                        <a:rPr lang="en-US" altLang="zh-CN" sz="1200" dirty="0" err="1" smtClean="0">
+                        <a:rPr lang="en-US" altLang="zh-CN" sz="1600" dirty="0" err="1" smtClean="0">
                           <a:latin typeface="微软雅黑" panose="020B0503020204020204" pitchFamily="34" charset="-122"/>
                           <a:ea typeface="微软雅黑" panose="020B0503020204020204" pitchFamily="34" charset="-122"/>
                         </a:rPr>
                         <a:t>frame_to_be_available_and_switch_to_it</a:t>
                       </a:r>
-                      <a:endParaRPr lang="zh-CN" altLang="en-US" sz="1200" dirty="0">
+                      <a:endParaRPr lang="zh-CN" altLang="en-US" sz="1600" dirty="0">
                         <a:latin typeface="微软雅黑" panose="020B0503020204020204" pitchFamily="34" charset="-122"/>
                         <a:ea typeface="微软雅黑" panose="020B0503020204020204" pitchFamily="34" charset="-122"/>
                       </a:endParaRPr>
                     </a:p>
                   </a:txBody>
-                  <a:tcPr marT="34290" marB="34290"/>
+                  <a:tcPr/>
                 </a:tc>
                 <a:tc>
                   <a:txBody>
@@ -16427,69 +16442,69 @@
                     <a:lstStyle/>
                     <a:p>
                       <a:r>
-                        <a:rPr lang="zh-CN" altLang="en-US" sz="1200" dirty="0" smtClean="0">
+                        <a:rPr lang="zh-CN" altLang="en-US" sz="1600" dirty="0" smtClean="0">
                           <a:latin typeface="微软雅黑" panose="020B0503020204020204" pitchFamily="34" charset="-122"/>
                           <a:ea typeface="微软雅黑" panose="020B0503020204020204" pitchFamily="34" charset="-122"/>
                         </a:rPr>
                         <a:t>判断表单是否切进去，如果</a:t>
                       </a:r>
                       <a:r>
-                        <a:rPr lang="en-US" altLang="zh-CN" sz="1200" dirty="0" smtClean="0">
+                        <a:rPr lang="en-US" altLang="zh-CN" sz="1600" dirty="0" smtClean="0">
                           <a:latin typeface="微软雅黑" panose="020B0503020204020204" pitchFamily="34" charset="-122"/>
                           <a:ea typeface="微软雅黑" panose="020B0503020204020204" pitchFamily="34" charset="-122"/>
                         </a:rPr>
                         <a:t>true</a:t>
                       </a:r>
                       <a:r>
-                        <a:rPr lang="zh-CN" altLang="en-US" sz="1200" dirty="0" smtClean="0">
+                        <a:rPr lang="zh-CN" altLang="en-US" sz="1600" dirty="0" smtClean="0">
                           <a:latin typeface="微软雅黑" panose="020B0503020204020204" pitchFamily="34" charset="-122"/>
                           <a:ea typeface="微软雅黑" panose="020B0503020204020204" pitchFamily="34" charset="-122"/>
                         </a:rPr>
                         <a:t>，并且</a:t>
                       </a:r>
                       <a:r>
-                        <a:rPr lang="en-US" altLang="zh-CN" sz="1200" dirty="0" smtClean="0">
+                        <a:rPr lang="en-US" altLang="zh-CN" sz="1600" dirty="0" smtClean="0">
                           <a:latin typeface="微软雅黑" panose="020B0503020204020204" pitchFamily="34" charset="-122"/>
                           <a:ea typeface="微软雅黑" panose="020B0503020204020204" pitchFamily="34" charset="-122"/>
                         </a:rPr>
                         <a:t>switch</a:t>
                       </a:r>
                       <a:r>
-                        <a:rPr lang="zh-CN" altLang="en-US" sz="1200" dirty="0" smtClean="0">
+                        <a:rPr lang="zh-CN" altLang="en-US" sz="1600" dirty="0" smtClean="0">
                           <a:latin typeface="微软雅黑" panose="020B0503020204020204" pitchFamily="34" charset="-122"/>
                           <a:ea typeface="微软雅黑" panose="020B0503020204020204" pitchFamily="34" charset="-122"/>
                         </a:rPr>
                         <a:t>进去</a:t>
                       </a:r>
-                      <a:endParaRPr lang="zh-CN" altLang="en-US" sz="1200" dirty="0">
+                      <a:endParaRPr lang="zh-CN" altLang="en-US" sz="1600" dirty="0">
                         <a:latin typeface="微软雅黑" panose="020B0503020204020204" pitchFamily="34" charset="-122"/>
                         <a:ea typeface="微软雅黑" panose="020B0503020204020204" pitchFamily="34" charset="-122"/>
                       </a:endParaRPr>
                     </a:p>
                   </a:txBody>
-                  <a:tcPr marT="34290" marB="34290"/>
+                  <a:tcPr/>
                 </a:tc>
               </a:tr>
-              <a:tr h="278130">
+              <a:tr h="370840">
                 <a:tc>
                   <a:txBody>
                     <a:bodyPr/>
                     <a:lstStyle/>
                     <a:p>
                       <a:r>
-                        <a:rPr lang="en-US" altLang="zh-CN" sz="1200" dirty="0" err="1" smtClean="0">
+                        <a:rPr lang="en-US" altLang="zh-CN" sz="1600" dirty="0" err="1" smtClean="0">
                           <a:latin typeface="微软雅黑" panose="020B0503020204020204" pitchFamily="34" charset="-122"/>
                           <a:ea typeface="微软雅黑" panose="020B0503020204020204" pitchFamily="34" charset="-122"/>
                         </a:rPr>
                         <a:t>invisibility_of_element_located</a:t>
                       </a:r>
-                      <a:endParaRPr lang="zh-CN" altLang="en-US" sz="1200" dirty="0">
+                      <a:endParaRPr lang="zh-CN" altLang="en-US" sz="1600" dirty="0">
                         <a:latin typeface="微软雅黑" panose="020B0503020204020204" pitchFamily="34" charset="-122"/>
                         <a:ea typeface="微软雅黑" panose="020B0503020204020204" pitchFamily="34" charset="-122"/>
                       </a:endParaRPr>
                     </a:p>
                   </a:txBody>
-                  <a:tcPr marT="34290" marB="34290"/>
+                  <a:tcPr/>
                 </a:tc>
                 <a:tc>
                   <a:txBody>
@@ -16497,41 +16512,41 @@
                     <a:lstStyle/>
                     <a:p>
                       <a:r>
-                        <a:rPr lang="zh-CN" altLang="en-US" sz="1200" dirty="0" smtClean="0">
+                        <a:rPr lang="zh-CN" altLang="en-US" sz="1600" dirty="0" smtClean="0">
                           <a:latin typeface="微软雅黑" panose="020B0503020204020204" pitchFamily="34" charset="-122"/>
                           <a:ea typeface="微软雅黑" panose="020B0503020204020204" pitchFamily="34" charset="-122"/>
                         </a:rPr>
                         <a:t>判断元素是否不可见</a:t>
                       </a:r>
-                      <a:endParaRPr lang="zh-CN" altLang="en-US" sz="1200" dirty="0">
+                      <a:endParaRPr lang="zh-CN" altLang="en-US" sz="1600" dirty="0">
                         <a:latin typeface="微软雅黑" panose="020B0503020204020204" pitchFamily="34" charset="-122"/>
                         <a:ea typeface="微软雅黑" panose="020B0503020204020204" pitchFamily="34" charset="-122"/>
                       </a:endParaRPr>
                     </a:p>
                   </a:txBody>
-                  <a:tcPr marT="34290" marB="34290"/>
+                  <a:tcPr/>
                 </a:tc>
               </a:tr>
-              <a:tr h="278130">
+              <a:tr h="370840">
                 <a:tc>
                   <a:txBody>
                     <a:bodyPr/>
                     <a:lstStyle/>
                     <a:p>
                       <a:r>
-                        <a:rPr lang="en-US" altLang="zh-CN" sz="1200" dirty="0" err="1" smtClean="0">
+                        <a:rPr lang="en-US" altLang="zh-CN" sz="1600" dirty="0" err="1" smtClean="0">
                           <a:latin typeface="微软雅黑" panose="020B0503020204020204" pitchFamily="34" charset="-122"/>
                           <a:ea typeface="微软雅黑" panose="020B0503020204020204" pitchFamily="34" charset="-122"/>
                         </a:rPr>
                         <a:t>element_to_be_clickable</a:t>
                       </a:r>
-                      <a:endParaRPr lang="zh-CN" altLang="en-US" sz="1200" dirty="0">
+                      <a:endParaRPr lang="zh-CN" altLang="en-US" sz="1600" dirty="0">
                         <a:latin typeface="微软雅黑" panose="020B0503020204020204" pitchFamily="34" charset="-122"/>
                         <a:ea typeface="微软雅黑" panose="020B0503020204020204" pitchFamily="34" charset="-122"/>
                       </a:endParaRPr>
                     </a:p>
                   </a:txBody>
-                  <a:tcPr marT="34290" marB="34290"/>
+                  <a:tcPr/>
                 </a:tc>
                 <a:tc>
                   <a:txBody>
@@ -16539,41 +16554,41 @@
                     <a:lstStyle/>
                     <a:p>
                       <a:r>
-                        <a:rPr lang="zh-CN" altLang="en-US" sz="1200" dirty="0" smtClean="0">
+                        <a:rPr lang="zh-CN" altLang="en-US" sz="1600" dirty="0" smtClean="0">
                           <a:latin typeface="微软雅黑" panose="020B0503020204020204" pitchFamily="34" charset="-122"/>
                           <a:ea typeface="微软雅黑" panose="020B0503020204020204" pitchFamily="34" charset="-122"/>
                         </a:rPr>
                         <a:t>判断元素是否可点击</a:t>
                       </a:r>
-                      <a:endParaRPr lang="zh-CN" altLang="en-US" sz="1200" dirty="0">
+                      <a:endParaRPr lang="zh-CN" altLang="en-US" sz="1600" dirty="0">
                         <a:latin typeface="微软雅黑" panose="020B0503020204020204" pitchFamily="34" charset="-122"/>
                         <a:ea typeface="微软雅黑" panose="020B0503020204020204" pitchFamily="34" charset="-122"/>
                       </a:endParaRPr>
                     </a:p>
                   </a:txBody>
-                  <a:tcPr marT="34290" marB="34290"/>
+                  <a:tcPr/>
                 </a:tc>
               </a:tr>
-              <a:tr h="278130">
+              <a:tr h="370840">
                 <a:tc>
                   <a:txBody>
                     <a:bodyPr/>
                     <a:lstStyle/>
                     <a:p>
                       <a:r>
-                        <a:rPr lang="en-US" altLang="zh-CN" sz="1200" dirty="0" err="1" smtClean="0">
+                        <a:rPr lang="en-US" altLang="zh-CN" sz="1600" dirty="0" err="1" smtClean="0">
                           <a:latin typeface="微软雅黑" panose="020B0503020204020204" pitchFamily="34" charset="-122"/>
                           <a:ea typeface="微软雅黑" panose="020B0503020204020204" pitchFamily="34" charset="-122"/>
                         </a:rPr>
                         <a:t>element_to_be_selected</a:t>
                       </a:r>
-                      <a:endParaRPr lang="zh-CN" altLang="en-US" sz="1200" dirty="0">
+                      <a:endParaRPr lang="zh-CN" altLang="en-US" sz="1600" dirty="0">
                         <a:latin typeface="微软雅黑" panose="020B0503020204020204" pitchFamily="34" charset="-122"/>
                         <a:ea typeface="微软雅黑" panose="020B0503020204020204" pitchFamily="34" charset="-122"/>
                       </a:endParaRPr>
                     </a:p>
                   </a:txBody>
-                  <a:tcPr marT="34290" marB="34290"/>
+                  <a:tcPr/>
                 </a:tc>
                 <a:tc>
                   <a:txBody>
@@ -16581,48 +16596,48 @@
                     <a:lstStyle/>
                     <a:p>
                       <a:r>
-                        <a:rPr lang="zh-CN" altLang="en-US" sz="1200" dirty="0" smtClean="0">
+                        <a:rPr lang="zh-CN" altLang="en-US" sz="1600" dirty="0" smtClean="0">
                           <a:latin typeface="微软雅黑" panose="020B0503020204020204" pitchFamily="34" charset="-122"/>
                           <a:ea typeface="微软雅黑" panose="020B0503020204020204" pitchFamily="34" charset="-122"/>
                         </a:rPr>
                         <a:t>判断元素是否被选择，</a:t>
                       </a:r>
                       <a:r>
-                        <a:rPr lang="en-US" altLang="zh-CN" sz="1200" dirty="0" smtClean="0">
+                        <a:rPr lang="en-US" altLang="zh-CN" sz="1600" dirty="0" smtClean="0">
                           <a:latin typeface="微软雅黑" panose="020B0503020204020204" pitchFamily="34" charset="-122"/>
                           <a:ea typeface="微软雅黑" panose="020B0503020204020204" pitchFamily="34" charset="-122"/>
                         </a:rPr>
                         <a:t>Select</a:t>
                       </a:r>
-                      <a:endParaRPr lang="zh-CN" altLang="en-US" sz="1200" dirty="0">
+                      <a:endParaRPr lang="zh-CN" altLang="en-US" sz="1600" dirty="0">
                         <a:latin typeface="微软雅黑" panose="020B0503020204020204" pitchFamily="34" charset="-122"/>
                         <a:ea typeface="微软雅黑" panose="020B0503020204020204" pitchFamily="34" charset="-122"/>
                       </a:endParaRPr>
                     </a:p>
                   </a:txBody>
-                  <a:tcPr marT="34290" marB="34290"/>
+                  <a:tcPr/>
                 </a:tc>
               </a:tr>
-              <a:tr h="278130">
+              <a:tr h="370840">
                 <a:tc>
                   <a:txBody>
                     <a:bodyPr/>
                     <a:lstStyle/>
                     <a:p>
                       <a:r>
-                        <a:rPr lang="en-US" altLang="zh-CN" sz="1200" dirty="0" err="1" smtClean="0">
+                        <a:rPr lang="en-US" altLang="zh-CN" sz="1600" dirty="0" err="1" smtClean="0">
                           <a:latin typeface="微软雅黑" panose="020B0503020204020204" pitchFamily="34" charset="-122"/>
                           <a:ea typeface="微软雅黑" panose="020B0503020204020204" pitchFamily="34" charset="-122"/>
                         </a:rPr>
                         <a:t>alert_is_present</a:t>
                       </a:r>
-                      <a:endParaRPr lang="zh-CN" altLang="en-US" sz="1200" dirty="0">
+                      <a:endParaRPr lang="zh-CN" altLang="en-US" sz="1600" dirty="0">
                         <a:latin typeface="微软雅黑" panose="020B0503020204020204" pitchFamily="34" charset="-122"/>
                         <a:ea typeface="微软雅黑" panose="020B0503020204020204" pitchFamily="34" charset="-122"/>
                       </a:endParaRPr>
                     </a:p>
                   </a:txBody>
-                  <a:tcPr marT="34290" marB="34290"/>
+                  <a:tcPr/>
                 </a:tc>
                 <a:tc>
                   <a:txBody>
@@ -16630,26 +16645,26 @@
                     <a:lstStyle/>
                     <a:p>
                       <a:r>
-                        <a:rPr lang="zh-CN" altLang="en-US" sz="1200" dirty="0" smtClean="0">
+                        <a:rPr lang="zh-CN" altLang="en-US" sz="1600" dirty="0" smtClean="0">
                           <a:latin typeface="微软雅黑" panose="020B0503020204020204" pitchFamily="34" charset="-122"/>
                           <a:ea typeface="微软雅黑" panose="020B0503020204020204" pitchFamily="34" charset="-122"/>
                         </a:rPr>
                         <a:t>判断页面是否存在</a:t>
                       </a:r>
                       <a:r>
-                        <a:rPr lang="en-US" altLang="zh-CN" sz="1200" dirty="0" smtClean="0">
+                        <a:rPr lang="en-US" altLang="zh-CN" sz="1600" dirty="0" smtClean="0">
                           <a:latin typeface="微软雅黑" panose="020B0503020204020204" pitchFamily="34" charset="-122"/>
                           <a:ea typeface="微软雅黑" panose="020B0503020204020204" pitchFamily="34" charset="-122"/>
                         </a:rPr>
                         <a:t>alert</a:t>
                       </a:r>
-                      <a:endParaRPr lang="zh-CN" altLang="en-US" sz="1200" dirty="0">
+                      <a:endParaRPr lang="zh-CN" altLang="en-US" sz="1600" dirty="0">
                         <a:latin typeface="微软雅黑" panose="020B0503020204020204" pitchFamily="34" charset="-122"/>
                         <a:ea typeface="微软雅黑" panose="020B0503020204020204" pitchFamily="34" charset="-122"/>
                       </a:endParaRPr>
                     </a:p>
                   </a:txBody>
-                  <a:tcPr marT="34290" marB="34290"/>
+                  <a:tcPr/>
                 </a:tc>
               </a:tr>
             </a:tbl>
@@ -16668,8 +16683,8 @@
         </p:nvSpPr>
         <p:spPr>
           <a:xfrm>
-            <a:off x="251520" y="141480"/>
-            <a:ext cx="8280920" cy="302463"/>
+            <a:off x="251520" y="188640"/>
+            <a:ext cx="8280920" cy="403284"/>
           </a:xfrm>
         </p:spPr>
         <p:txBody>
@@ -16740,14 +16755,12 @@
         </p:nvSpPr>
         <p:spPr>
           <a:xfrm>
-            <a:off x="475114" y="1815666"/>
-            <a:ext cx="7729995" cy="2447628"/>
+            <a:off x="475113" y="2420888"/>
+            <a:ext cx="7729995" cy="3263504"/>
           </a:xfrm>
         </p:spPr>
         <p:txBody>
-          <a:bodyPr>
-            <a:normAutofit fontScale="92500" lnSpcReduction="20000"/>
-          </a:bodyPr>
+          <a:bodyPr/>
           <a:lstStyle/>
           <a:p>
             <a:pPr>
@@ -16973,8 +16986,8 @@
         </p:nvSpPr>
         <p:spPr>
           <a:xfrm>
-            <a:off x="447310" y="357505"/>
-            <a:ext cx="8696690" cy="54005"/>
+            <a:off x="447310" y="476673"/>
+            <a:ext cx="8696690" cy="72007"/>
           </a:xfrm>
         </p:spPr>
         <p:txBody>
@@ -17004,8 +17017,8 @@
         </p:nvSpPr>
         <p:spPr bwMode="auto">
           <a:xfrm>
-            <a:off x="0" y="815536"/>
-            <a:ext cx="8676456" cy="830997"/>
+            <a:off x="0" y="1041213"/>
+            <a:ext cx="8676456" cy="1200329"/>
           </a:xfrm>
           <a:prstGeom prst="rect">
             <a:avLst/>
@@ -17182,7 +17195,37 @@
                 <a:ea typeface="微软雅黑" panose="020B0503020204020204" pitchFamily="34" charset="-122"/>
                 <a:cs typeface="宋体" pitchFamily="2" charset="-122"/>
               </a:rPr>
-              <a:t>(EC.presence_of_element_located(By.NAME,</a:t>
+              <a:t>(EC.presence_of_element_located(</a:t>
+            </a:r>
+            <a:r>
+              <a:rPr kumimoji="0" lang="en-US" altLang="zh-CN" sz="2400" b="0" i="0" u="none" strike="noStrike" cap="none" normalizeH="0" baseline="0" dirty="0" smtClean="0">
+                <a:ln>
+                  <a:noFill/>
+                </a:ln>
+                <a:solidFill>
+                  <a:srgbClr val="000000"/>
+                </a:solidFill>
+                <a:effectLst/>
+                <a:latin typeface="微软雅黑" panose="020B0503020204020204" pitchFamily="34" charset="-122"/>
+                <a:ea typeface="微软雅黑" panose="020B0503020204020204" pitchFamily="34" charset="-122"/>
+                <a:cs typeface="宋体" pitchFamily="2" charset="-122"/>
+              </a:rPr>
+              <a:t>(</a:t>
+            </a:r>
+            <a:r>
+              <a:rPr kumimoji="0" lang="zh-CN" altLang="zh-CN" sz="2400" b="0" i="0" u="none" strike="noStrike" cap="none" normalizeH="0" baseline="0" dirty="0" smtClean="0">
+                <a:ln>
+                  <a:noFill/>
+                </a:ln>
+                <a:solidFill>
+                  <a:srgbClr val="000000"/>
+                </a:solidFill>
+                <a:effectLst/>
+                <a:latin typeface="微软雅黑" panose="020B0503020204020204" pitchFamily="34" charset="-122"/>
+                <a:ea typeface="微软雅黑" panose="020B0503020204020204" pitchFamily="34" charset="-122"/>
+                <a:cs typeface="宋体" pitchFamily="2" charset="-122"/>
+              </a:rPr>
+              <a:t>By.NAME,</a:t>
             </a:r>
             <a:r>
               <a:rPr kumimoji="0" lang="zh-CN" altLang="zh-CN" sz="2400" b="1" i="0" u="none" strike="noStrike" cap="none" normalizeH="0" baseline="0" dirty="0" smtClean="0">
@@ -17197,7 +17240,22 @@
                 <a:ea typeface="微软雅黑" panose="020B0503020204020204" pitchFamily="34" charset="-122"/>
                 <a:cs typeface="宋体" pitchFamily="2" charset="-122"/>
               </a:rPr>
-              <a:t>"username"</a:t>
+              <a:t>"username“</a:t>
+            </a:r>
+            <a:r>
+              <a:rPr kumimoji="0" lang="en-US" altLang="zh-CN" sz="2400" b="1" i="0" u="none" strike="noStrike" cap="none" normalizeH="0" baseline="0" dirty="0" smtClean="0">
+                <a:ln>
+                  <a:noFill/>
+                </a:ln>
+                <a:solidFill>
+                  <a:srgbClr val="008080"/>
+                </a:solidFill>
+                <a:effectLst/>
+                <a:latin typeface="微软雅黑" panose="020B0503020204020204" pitchFamily="34" charset="-122"/>
+                <a:ea typeface="微软雅黑" panose="020B0503020204020204" pitchFamily="34" charset="-122"/>
+                <a:cs typeface="宋体" pitchFamily="2" charset="-122"/>
+              </a:rPr>
+              <a:t>)</a:t>
             </a:r>
             <a:r>
               <a:rPr kumimoji="0" lang="zh-CN" altLang="zh-CN" sz="2400" b="0" i="0" u="none" strike="noStrike" cap="none" normalizeH="0" baseline="0" dirty="0" smtClean="0">
@@ -17278,9 +17336,7 @@
         </p:nvSpPr>
         <p:spPr/>
         <p:txBody>
-          <a:bodyPr>
-            <a:normAutofit fontScale="92500" lnSpcReduction="10000"/>
-          </a:bodyPr>
+          <a:bodyPr/>
           <a:lstStyle/>
           <a:p>
             <a:pPr marL="0" indent="0">
@@ -17462,9 +17518,7 @@
         </p:nvSpPr>
         <p:spPr/>
         <p:txBody>
-          <a:bodyPr>
-            <a:normAutofit fontScale="90000"/>
-          </a:bodyPr>
+          <a:bodyPr/>
           <a:lstStyle/>
           <a:p>
             <a:r>
@@ -17532,8 +17586,8 @@
         </p:nvSpPr>
         <p:spPr>
           <a:xfrm>
-            <a:off x="534197" y="249493"/>
-            <a:ext cx="8210949" cy="270030"/>
+            <a:off x="534196" y="332657"/>
+            <a:ext cx="8210949" cy="360040"/>
           </a:xfrm>
         </p:spPr>
         <p:txBody>
@@ -17572,8 +17626,8 @@
         </p:blipFill>
         <p:spPr>
           <a:xfrm>
-            <a:off x="543232" y="3174531"/>
-            <a:ext cx="8594306" cy="962624"/>
+            <a:off x="543232" y="4232707"/>
+            <a:ext cx="8594306" cy="1283499"/>
           </a:xfrm>
           <a:prstGeom prst="rect">
             <a:avLst/>
@@ -17588,7 +17642,7 @@
         </p:nvSpPr>
         <p:spPr>
           <a:xfrm>
-            <a:off x="532914" y="681540"/>
+            <a:off x="532914" y="908720"/>
             <a:ext cx="8431574" cy="3323987"/>
           </a:xfrm>
           <a:prstGeom prst="rect">
@@ -17758,7 +17812,7 @@
         </p:nvSpPr>
         <p:spPr>
           <a:xfrm>
-            <a:off x="747693" y="4191931"/>
+            <a:off x="747693" y="5589240"/>
             <a:ext cx="7992888" cy="1015663"/>
           </a:xfrm>
           <a:prstGeom prst="rect">
@@ -17917,13 +17971,13 @@
         </p:nvSpPr>
         <p:spPr>
           <a:xfrm>
-            <a:off x="0" y="681540"/>
-            <a:ext cx="9144000" cy="3726414"/>
+            <a:off x="0" y="908720"/>
+            <a:ext cx="9144000" cy="4968552"/>
           </a:xfrm>
         </p:spPr>
         <p:txBody>
           <a:bodyPr>
-            <a:normAutofit fontScale="85000" lnSpcReduction="20000"/>
+            <a:normAutofit fontScale="92500" lnSpcReduction="10000"/>
           </a:bodyPr>
           <a:lstStyle/>
           <a:p>
@@ -18147,7 +18201,7 @@
             </a:r>
             <a:r>
               <a:rPr lang="zh-CN" altLang="en-US" sz="2400" dirty="0" smtClean="0"/>
-              <a:t>跳出当前表单</a:t>
+              <a:t>跳到上一层表单</a:t>
             </a:r>
             <a:r>
               <a:rPr lang="en-US" altLang="zh-CN" sz="2400" dirty="0"/>
@@ -18184,8 +18238,8 @@
         </p:nvSpPr>
         <p:spPr>
           <a:xfrm>
-            <a:off x="251520" y="195486"/>
-            <a:ext cx="7848872" cy="286882"/>
+            <a:off x="251520" y="260648"/>
+            <a:ext cx="7848872" cy="382509"/>
           </a:xfrm>
         </p:spPr>
         <p:txBody>
@@ -18251,8 +18305,8 @@
         </p:nvSpPr>
         <p:spPr>
           <a:xfrm>
-            <a:off x="0" y="681540"/>
-            <a:ext cx="9144000" cy="1998222"/>
+            <a:off x="36512" y="836712"/>
+            <a:ext cx="9144000" cy="2664296"/>
           </a:xfrm>
         </p:spPr>
         <p:txBody>
@@ -18350,8 +18404,8 @@
         </p:nvSpPr>
         <p:spPr>
           <a:xfrm>
-            <a:off x="251520" y="195486"/>
-            <a:ext cx="8208912" cy="286882"/>
+            <a:off x="251520" y="260648"/>
+            <a:ext cx="8208912" cy="382509"/>
           </a:xfrm>
         </p:spPr>
         <p:txBody>
@@ -18386,7 +18440,7 @@
         </p:nvSpPr>
         <p:spPr bwMode="auto">
           <a:xfrm>
-            <a:off x="107504" y="1606459"/>
+            <a:off x="179512" y="2749570"/>
             <a:ext cx="8352928" cy="3785652"/>
           </a:xfrm>
           <a:prstGeom prst="rect">
@@ -18439,497 +18493,327 @@
               </a:spcAft>
             </a:pPr>
             <a:r>
+              <a:rPr lang="en-US" altLang="zh-CN" sz="2400" dirty="0" err="1">
+                <a:latin typeface="Times New Roman" panose="02020603050405020304" pitchFamily="18" charset="0"/>
+                <a:cs typeface="Times New Roman" panose="02020603050405020304" pitchFamily="18" charset="0"/>
+              </a:rPr>
+              <a:t>driver.get</a:t>
+            </a:r>
+            <a:r>
               <a:rPr lang="en-US" altLang="zh-CN" sz="2400" dirty="0">
-                <a:latin typeface="微软雅黑" panose="020B0503020204020204" pitchFamily="34" charset="-122"/>
-                <a:ea typeface="微软雅黑" panose="020B0503020204020204" pitchFamily="34" charset="-122"/>
-              </a:rPr>
-              <a:t>driver.get("https://www.baidu.com</a:t>
+                <a:latin typeface="Times New Roman" panose="02020603050405020304" pitchFamily="18" charset="0"/>
+                <a:cs typeface="Times New Roman" panose="02020603050405020304" pitchFamily="18" charset="0"/>
+              </a:rPr>
+              <a:t>(</a:t>
+            </a:r>
+            <a:r>
+              <a:rPr lang="en-US" altLang="zh-CN" sz="2400" b="1" dirty="0">
+                <a:latin typeface="Times New Roman" panose="02020603050405020304" pitchFamily="18" charset="0"/>
+                <a:cs typeface="Times New Roman" panose="02020603050405020304" pitchFamily="18" charset="0"/>
+              </a:rPr>
+              <a:t>"https://www.baidu.com/"</a:t>
+            </a:r>
+            <a:r>
+              <a:rPr lang="en-US" altLang="zh-CN" sz="2400" dirty="0">
+                <a:latin typeface="Times New Roman" panose="02020603050405020304" pitchFamily="18" charset="0"/>
+                <a:cs typeface="Times New Roman" panose="02020603050405020304" pitchFamily="18" charset="0"/>
+              </a:rPr>
+              <a:t>)</a:t>
+            </a:r>
+            <a:br>
+              <a:rPr lang="en-US" altLang="zh-CN" sz="2400" dirty="0">
+                <a:latin typeface="Times New Roman" panose="02020603050405020304" pitchFamily="18" charset="0"/>
+                <a:cs typeface="Times New Roman" panose="02020603050405020304" pitchFamily="18" charset="0"/>
+              </a:rPr>
+            </a:br>
+            <a:r>
+              <a:rPr lang="en-US" altLang="zh-CN" sz="2400" dirty="0" err="1">
+                <a:latin typeface="Times New Roman" panose="02020603050405020304" pitchFamily="18" charset="0"/>
+                <a:cs typeface="Times New Roman" panose="02020603050405020304" pitchFamily="18" charset="0"/>
+              </a:rPr>
+              <a:t>baidu_window</a:t>
+            </a:r>
+            <a:r>
+              <a:rPr lang="en-US" altLang="zh-CN" sz="2400" dirty="0">
+                <a:latin typeface="Times New Roman" panose="02020603050405020304" pitchFamily="18" charset="0"/>
+                <a:cs typeface="Times New Roman" panose="02020603050405020304" pitchFamily="18" charset="0"/>
+              </a:rPr>
+              <a:t> = </a:t>
+            </a:r>
+            <a:r>
+              <a:rPr lang="en-US" altLang="zh-CN" sz="2400" dirty="0" err="1">
+                <a:latin typeface="Times New Roman" panose="02020603050405020304" pitchFamily="18" charset="0"/>
+                <a:cs typeface="Times New Roman" panose="02020603050405020304" pitchFamily="18" charset="0"/>
+              </a:rPr>
+              <a:t>driver.current_window_handle</a:t>
+            </a:r>
+            <a:r>
+              <a:rPr lang="en-US" altLang="zh-CN" sz="2400" dirty="0">
+                <a:latin typeface="Times New Roman" panose="02020603050405020304" pitchFamily="18" charset="0"/>
+                <a:cs typeface="Times New Roman" panose="02020603050405020304" pitchFamily="18" charset="0"/>
+              </a:rPr>
+              <a:t/>
+            </a:r>
+            <a:br>
+              <a:rPr lang="en-US" altLang="zh-CN" sz="2400" dirty="0">
+                <a:latin typeface="Times New Roman" panose="02020603050405020304" pitchFamily="18" charset="0"/>
+                <a:cs typeface="Times New Roman" panose="02020603050405020304" pitchFamily="18" charset="0"/>
+              </a:rPr>
+            </a:br>
+            <a:r>
+              <a:rPr lang="en-US" altLang="zh-CN" sz="2400" dirty="0" err="1">
+                <a:latin typeface="Times New Roman" panose="02020603050405020304" pitchFamily="18" charset="0"/>
+                <a:cs typeface="Times New Roman" panose="02020603050405020304" pitchFamily="18" charset="0"/>
+              </a:rPr>
+              <a:t>driver.execute_script</a:t>
+            </a:r>
+            <a:r>
+              <a:rPr lang="en-US" altLang="zh-CN" sz="2400" dirty="0">
+                <a:latin typeface="Times New Roman" panose="02020603050405020304" pitchFamily="18" charset="0"/>
+                <a:cs typeface="Times New Roman" panose="02020603050405020304" pitchFamily="18" charset="0"/>
+              </a:rPr>
+              <a:t>(</a:t>
+            </a:r>
+            <a:r>
+              <a:rPr lang="en-US" altLang="zh-CN" sz="2400" b="1" dirty="0">
+                <a:latin typeface="Times New Roman" panose="02020603050405020304" pitchFamily="18" charset="0"/>
+                <a:cs typeface="Times New Roman" panose="02020603050405020304" pitchFamily="18" charset="0"/>
+              </a:rPr>
+              <a:t>"</a:t>
+            </a:r>
+            <a:r>
+              <a:rPr lang="en-US" altLang="zh-CN" sz="2400" b="1" dirty="0" err="1">
+                <a:latin typeface="Times New Roman" panose="02020603050405020304" pitchFamily="18" charset="0"/>
+                <a:cs typeface="Times New Roman" panose="02020603050405020304" pitchFamily="18" charset="0"/>
+              </a:rPr>
+              <a:t>window.open</a:t>
+            </a:r>
+            <a:r>
+              <a:rPr lang="en-US" altLang="zh-CN" sz="2400" b="1" dirty="0">
+                <a:latin typeface="Times New Roman" panose="02020603050405020304" pitchFamily="18" charset="0"/>
+                <a:cs typeface="Times New Roman" panose="02020603050405020304" pitchFamily="18" charset="0"/>
+              </a:rPr>
+              <a:t>('http://localhost:8032/</a:t>
+            </a:r>
+            <a:r>
+              <a:rPr lang="en-US" altLang="zh-CN" sz="2400" b="1" dirty="0" err="1">
+                <a:latin typeface="Times New Roman" panose="02020603050405020304" pitchFamily="18" charset="0"/>
+                <a:cs typeface="Times New Roman" panose="02020603050405020304" pitchFamily="18" charset="0"/>
+              </a:rPr>
+              <a:t>Mymovie</a:t>
+            </a:r>
+            <a:r>
+              <a:rPr lang="en-US" altLang="zh-CN" sz="2400" b="1" dirty="0">
+                <a:latin typeface="Times New Roman" panose="02020603050405020304" pitchFamily="18" charset="0"/>
+                <a:cs typeface="Times New Roman" panose="02020603050405020304" pitchFamily="18" charset="0"/>
+              </a:rPr>
+              <a:t>/')"</a:t>
+            </a:r>
+            <a:r>
+              <a:rPr lang="en-US" altLang="zh-CN" sz="2400" dirty="0">
+                <a:latin typeface="Times New Roman" panose="02020603050405020304" pitchFamily="18" charset="0"/>
+                <a:cs typeface="Times New Roman" panose="02020603050405020304" pitchFamily="18" charset="0"/>
+              </a:rPr>
+              <a:t>)</a:t>
+            </a:r>
+            <a:br>
+              <a:rPr lang="en-US" altLang="zh-CN" sz="2400" dirty="0">
+                <a:latin typeface="Times New Roman" panose="02020603050405020304" pitchFamily="18" charset="0"/>
+                <a:cs typeface="Times New Roman" panose="02020603050405020304" pitchFamily="18" charset="0"/>
+              </a:rPr>
+            </a:br>
+            <a:r>
+              <a:rPr lang="en-US" altLang="zh-CN" sz="2400" i="1" dirty="0">
+                <a:latin typeface="Times New Roman" panose="02020603050405020304" pitchFamily="18" charset="0"/>
+                <a:cs typeface="Times New Roman" panose="02020603050405020304" pitchFamily="18" charset="0"/>
+              </a:rPr>
+              <a:t>#</a:t>
+            </a:r>
+            <a:r>
+              <a:rPr lang="zh-CN" altLang="en-US" sz="2400" i="1" dirty="0">
+                <a:latin typeface="Times New Roman" panose="02020603050405020304" pitchFamily="18" charset="0"/>
+                <a:cs typeface="Times New Roman" panose="02020603050405020304" pitchFamily="18" charset="0"/>
+              </a:rPr>
+              <a:t>获得当前所有打开的窗口</a:t>
+            </a:r>
+            <a:br>
+              <a:rPr lang="zh-CN" altLang="en-US" sz="2400" i="1" dirty="0">
+                <a:latin typeface="Times New Roman" panose="02020603050405020304" pitchFamily="18" charset="0"/>
+                <a:cs typeface="Times New Roman" panose="02020603050405020304" pitchFamily="18" charset="0"/>
+              </a:rPr>
+            </a:br>
+            <a:r>
+              <a:rPr lang="en-US" altLang="zh-CN" sz="2400" dirty="0" err="1" smtClean="0">
+                <a:latin typeface="Times New Roman" panose="02020603050405020304" pitchFamily="18" charset="0"/>
+                <a:cs typeface="Times New Roman" panose="02020603050405020304" pitchFamily="18" charset="0"/>
+              </a:rPr>
+              <a:t>all_handles</a:t>
             </a:r>
             <a:r>
               <a:rPr lang="en-US" altLang="zh-CN" sz="2400" dirty="0" smtClean="0">
-                <a:latin typeface="微软雅黑" panose="020B0503020204020204" pitchFamily="34" charset="-122"/>
-                <a:ea typeface="微软雅黑" panose="020B0503020204020204" pitchFamily="34" charset="-122"/>
-              </a:rPr>
-              <a:t>/")</a:t>
-            </a:r>
-          </a:p>
-          <a:p>
-            <a:pPr lvl="0" fontAlgn="base">
-              <a:spcBef>
-                <a:spcPct val="0"/>
-              </a:spcBef>
-              <a:spcAft>
-                <a:spcPct val="0"/>
-              </a:spcAft>
-            </a:pPr>
-            <a:r>
-              <a:rPr lang="en-US" altLang="zh-CN" sz="2400" dirty="0" smtClean="0">
-                <a:solidFill>
-                  <a:srgbClr val="000000"/>
-                </a:solidFill>
-                <a:latin typeface="微软雅黑" panose="020B0503020204020204" pitchFamily="34" charset="-122"/>
-                <a:ea typeface="微软雅黑" panose="020B0503020204020204" pitchFamily="34" charset="-122"/>
-                <a:cs typeface="宋体" pitchFamily="2" charset="-122"/>
-              </a:rPr>
-              <a:t>#</a:t>
-            </a:r>
-            <a:r>
-              <a:rPr lang="zh-CN" altLang="en-US" sz="2400" dirty="0" smtClean="0">
-                <a:solidFill>
-                  <a:srgbClr val="000000"/>
-                </a:solidFill>
-                <a:latin typeface="微软雅黑" panose="020B0503020204020204" pitchFamily="34" charset="-122"/>
-                <a:ea typeface="微软雅黑" panose="020B0503020204020204" pitchFamily="34" charset="-122"/>
-                <a:cs typeface="宋体" pitchFamily="2" charset="-122"/>
-              </a:rPr>
-              <a:t>获得百度搜索的窗口</a:t>
-            </a:r>
-            <a:endParaRPr kumimoji="0" lang="en-US" altLang="zh-CN" sz="2400" i="0" u="none" strike="noStrike" cap="none" normalizeH="0" baseline="0" dirty="0" smtClean="0">
-              <a:ln>
-                <a:noFill/>
-              </a:ln>
-              <a:solidFill>
-                <a:srgbClr val="000000"/>
-              </a:solidFill>
-              <a:effectLst/>
-              <a:latin typeface="微软雅黑" panose="020B0503020204020204" pitchFamily="34" charset="-122"/>
-              <a:ea typeface="微软雅黑" panose="020B0503020204020204" pitchFamily="34" charset="-122"/>
-              <a:cs typeface="宋体" pitchFamily="2" charset="-122"/>
-            </a:endParaRPr>
-          </a:p>
-          <a:p>
-            <a:pPr marL="0" marR="0" lvl="0" indent="0" algn="l" defTabSz="914400" rtl="0" eaLnBrk="1" fontAlgn="base" latinLnBrk="0" hangingPunct="1">
-              <a:spcBef>
-                <a:spcPct val="0"/>
-              </a:spcBef>
-              <a:spcAft>
-                <a:spcPct val="0"/>
-              </a:spcAft>
-              <a:buClrTx/>
-              <a:buSzTx/>
-              <a:buFontTx/>
-              <a:buNone/>
-              <a:tabLst/>
-            </a:pPr>
-            <a:r>
-              <a:rPr kumimoji="0" lang="zh-CN" altLang="zh-CN" sz="2400" i="0" u="none" strike="noStrike" cap="none" normalizeH="0" baseline="0" dirty="0" smtClean="0">
-                <a:ln>
-                  <a:noFill/>
-                </a:ln>
-                <a:solidFill>
-                  <a:srgbClr val="000000"/>
-                </a:solidFill>
-                <a:effectLst/>
-                <a:latin typeface="微软雅黑" panose="020B0503020204020204" pitchFamily="34" charset="-122"/>
-                <a:ea typeface="微软雅黑" panose="020B0503020204020204" pitchFamily="34" charset="-122"/>
-                <a:cs typeface="宋体" pitchFamily="2" charset="-122"/>
-              </a:rPr>
-              <a:t>search_windows = driver.current_window_handle</a:t>
+                <a:latin typeface="Times New Roman" panose="02020603050405020304" pitchFamily="18" charset="0"/>
+                <a:cs typeface="Times New Roman" panose="02020603050405020304" pitchFamily="18" charset="0"/>
+              </a:rPr>
+              <a:t> </a:t>
+            </a:r>
+            <a:r>
+              <a:rPr lang="en-US" altLang="zh-CN" sz="2400" dirty="0">
+                <a:latin typeface="Times New Roman" panose="02020603050405020304" pitchFamily="18" charset="0"/>
+                <a:cs typeface="Times New Roman" panose="02020603050405020304" pitchFamily="18" charset="0"/>
+              </a:rPr>
+              <a:t>= </a:t>
+            </a:r>
+            <a:r>
+              <a:rPr lang="en-US" altLang="zh-CN" sz="2400" dirty="0" err="1">
+                <a:latin typeface="Times New Roman" panose="02020603050405020304" pitchFamily="18" charset="0"/>
+                <a:cs typeface="Times New Roman" panose="02020603050405020304" pitchFamily="18" charset="0"/>
+              </a:rPr>
+              <a:t>driver.window_handles</a:t>
+            </a:r>
+            <a:r>
+              <a:rPr lang="en-US" altLang="zh-CN" sz="2400" dirty="0">
+                <a:latin typeface="Times New Roman" panose="02020603050405020304" pitchFamily="18" charset="0"/>
+                <a:cs typeface="Times New Roman" panose="02020603050405020304" pitchFamily="18" charset="0"/>
+              </a:rPr>
+              <a:t/>
             </a:r>
             <a:br>
-              <a:rPr kumimoji="0" lang="zh-CN" altLang="zh-CN" sz="2400" i="0" u="none" strike="noStrike" cap="none" normalizeH="0" baseline="0" dirty="0" smtClean="0">
-                <a:ln>
-                  <a:noFill/>
-                </a:ln>
-                <a:solidFill>
-                  <a:srgbClr val="000000"/>
-                </a:solidFill>
-                <a:effectLst/>
-                <a:latin typeface="微软雅黑" panose="020B0503020204020204" pitchFamily="34" charset="-122"/>
-                <a:ea typeface="微软雅黑" panose="020B0503020204020204" pitchFamily="34" charset="-122"/>
-                <a:cs typeface="宋体" pitchFamily="2" charset="-122"/>
+              <a:rPr lang="en-US" altLang="zh-CN" sz="2400" dirty="0">
+                <a:latin typeface="Times New Roman" panose="02020603050405020304" pitchFamily="18" charset="0"/>
+                <a:cs typeface="Times New Roman" panose="02020603050405020304" pitchFamily="18" charset="0"/>
               </a:rPr>
             </a:br>
             <a:r>
-              <a:rPr kumimoji="0" lang="zh-CN" altLang="zh-CN" sz="2400" i="0" u="none" strike="noStrike" cap="none" normalizeH="0" baseline="0" dirty="0" smtClean="0">
-                <a:ln>
-                  <a:noFill/>
-                </a:ln>
-                <a:solidFill>
-                  <a:srgbClr val="000000"/>
-                </a:solidFill>
-                <a:effectLst/>
-                <a:latin typeface="微软雅黑" panose="020B0503020204020204" pitchFamily="34" charset="-122"/>
-                <a:ea typeface="微软雅黑" panose="020B0503020204020204" pitchFamily="34" charset="-122"/>
-                <a:cs typeface="宋体" pitchFamily="2" charset="-122"/>
-              </a:rPr>
-              <a:t>driver.find_element_by_link_text(</a:t>
-            </a:r>
-            <a:r>
-              <a:rPr kumimoji="0" lang="zh-CN" altLang="zh-CN" sz="2400" i="0" u="none" strike="noStrike" cap="none" normalizeH="0" baseline="0" dirty="0" smtClean="0">
-                <a:ln>
-                  <a:noFill/>
-                </a:ln>
-                <a:solidFill>
-                  <a:srgbClr val="008080"/>
-                </a:solidFill>
-                <a:effectLst/>
-                <a:latin typeface="微软雅黑" panose="020B0503020204020204" pitchFamily="34" charset="-122"/>
-                <a:ea typeface="微软雅黑" panose="020B0503020204020204" pitchFamily="34" charset="-122"/>
-                <a:cs typeface="宋体" pitchFamily="2" charset="-122"/>
-              </a:rPr>
-              <a:t>"</a:t>
-            </a:r>
-            <a:r>
-              <a:rPr kumimoji="0" lang="zh-CN" sz="2400" i="0" u="none" strike="noStrike" cap="none" normalizeH="0" baseline="0" dirty="0" smtClean="0">
-                <a:ln>
-                  <a:noFill/>
-                </a:ln>
-                <a:solidFill>
-                  <a:srgbClr val="008080"/>
-                </a:solidFill>
-                <a:effectLst/>
-                <a:latin typeface="微软雅黑" panose="020B0503020204020204" pitchFamily="34" charset="-122"/>
-                <a:ea typeface="微软雅黑" panose="020B0503020204020204" pitchFamily="34" charset="-122"/>
-                <a:cs typeface="宋体" pitchFamily="2" charset="-122"/>
-              </a:rPr>
-              <a:t>新闻</a:t>
-            </a:r>
-            <a:r>
-              <a:rPr kumimoji="0" lang="zh-CN" altLang="zh-CN" sz="2400" i="0" u="none" strike="noStrike" cap="none" normalizeH="0" baseline="0" dirty="0" smtClean="0">
-                <a:ln>
-                  <a:noFill/>
-                </a:ln>
-                <a:solidFill>
-                  <a:srgbClr val="008080"/>
-                </a:solidFill>
-                <a:effectLst/>
-                <a:latin typeface="微软雅黑" panose="020B0503020204020204" pitchFamily="34" charset="-122"/>
-                <a:ea typeface="微软雅黑" panose="020B0503020204020204" pitchFamily="34" charset="-122"/>
-                <a:cs typeface="宋体" pitchFamily="2" charset="-122"/>
-              </a:rPr>
-              <a:t>"</a:t>
-            </a:r>
-            <a:r>
-              <a:rPr kumimoji="0" lang="zh-CN" altLang="zh-CN" sz="2400" i="0" u="none" strike="noStrike" cap="none" normalizeH="0" baseline="0" dirty="0" smtClean="0">
-                <a:ln>
-                  <a:noFill/>
-                </a:ln>
-                <a:solidFill>
-                  <a:srgbClr val="000000"/>
-                </a:solidFill>
-                <a:effectLst/>
-                <a:latin typeface="微软雅黑" panose="020B0503020204020204" pitchFamily="34" charset="-122"/>
-                <a:ea typeface="微软雅黑" panose="020B0503020204020204" pitchFamily="34" charset="-122"/>
-                <a:cs typeface="宋体" pitchFamily="2" charset="-122"/>
-              </a:rPr>
-              <a:t>).click()</a:t>
-            </a:r>
-            <a:endParaRPr kumimoji="0" lang="en-US" altLang="zh-CN" sz="2400" i="0" u="none" strike="noStrike" cap="none" normalizeH="0" baseline="0" dirty="0" smtClean="0">
-              <a:ln>
-                <a:noFill/>
-              </a:ln>
-              <a:solidFill>
-                <a:srgbClr val="000000"/>
-              </a:solidFill>
-              <a:effectLst/>
-              <a:latin typeface="微软雅黑" panose="020B0503020204020204" pitchFamily="34" charset="-122"/>
-              <a:ea typeface="微软雅黑" panose="020B0503020204020204" pitchFamily="34" charset="-122"/>
-              <a:cs typeface="宋体" pitchFamily="2" charset="-122"/>
-            </a:endParaRPr>
-          </a:p>
-          <a:p>
-            <a:pPr marL="0" marR="0" lvl="0" indent="0" algn="l" defTabSz="914400" rtl="0" eaLnBrk="1" fontAlgn="base" latinLnBrk="0" hangingPunct="1">
-              <a:spcBef>
-                <a:spcPct val="0"/>
-              </a:spcBef>
-              <a:spcAft>
-                <a:spcPct val="0"/>
-              </a:spcAft>
-              <a:buClrTx/>
-              <a:buSzTx/>
-              <a:buFontTx/>
-              <a:buNone/>
-              <a:tabLst/>
-            </a:pPr>
-            <a:r>
-              <a:rPr lang="en-US" altLang="zh-CN" sz="2400" dirty="0" smtClean="0">
-                <a:solidFill>
-                  <a:srgbClr val="000000"/>
-                </a:solidFill>
-                <a:latin typeface="微软雅黑" panose="020B0503020204020204" pitchFamily="34" charset="-122"/>
-                <a:ea typeface="微软雅黑" panose="020B0503020204020204" pitchFamily="34" charset="-122"/>
-                <a:cs typeface="宋体" pitchFamily="2" charset="-122"/>
-              </a:rPr>
-              <a:t>#</a:t>
-            </a:r>
-            <a:r>
-              <a:rPr lang="zh-CN" altLang="en-US" sz="2400" dirty="0" smtClean="0">
-                <a:solidFill>
-                  <a:srgbClr val="000000"/>
-                </a:solidFill>
-                <a:latin typeface="微软雅黑" panose="020B0503020204020204" pitchFamily="34" charset="-122"/>
-                <a:ea typeface="微软雅黑" panose="020B0503020204020204" pitchFamily="34" charset="-122"/>
-                <a:cs typeface="宋体" pitchFamily="2" charset="-122"/>
-              </a:rPr>
-              <a:t>获得当前所有打开的窗口</a:t>
-            </a:r>
-            <a:r>
-              <a:rPr kumimoji="0" lang="zh-CN" altLang="zh-CN" sz="2400" i="0" u="none" strike="noStrike" cap="none" normalizeH="0" baseline="0" dirty="0" smtClean="0">
-                <a:ln>
-                  <a:noFill/>
-                </a:ln>
-                <a:solidFill>
-                  <a:srgbClr val="000000"/>
-                </a:solidFill>
-                <a:effectLst/>
-                <a:latin typeface="微软雅黑" panose="020B0503020204020204" pitchFamily="34" charset="-122"/>
-                <a:ea typeface="微软雅黑" panose="020B0503020204020204" pitchFamily="34" charset="-122"/>
-                <a:cs typeface="宋体" pitchFamily="2" charset="-122"/>
-              </a:rPr>
-              <a:t/>
+              <a:rPr lang="en-US" altLang="zh-CN" sz="2400" b="1" dirty="0">
+                <a:latin typeface="Times New Roman" panose="02020603050405020304" pitchFamily="18" charset="0"/>
+                <a:cs typeface="Times New Roman" panose="02020603050405020304" pitchFamily="18" charset="0"/>
+              </a:rPr>
+              <a:t>for </a:t>
+            </a:r>
+            <a:r>
+              <a:rPr lang="en-US" altLang="zh-CN" sz="2400" dirty="0">
+                <a:latin typeface="Times New Roman" panose="02020603050405020304" pitchFamily="18" charset="0"/>
+                <a:cs typeface="Times New Roman" panose="02020603050405020304" pitchFamily="18" charset="0"/>
+              </a:rPr>
+              <a:t>handle </a:t>
+            </a:r>
+            <a:r>
+              <a:rPr lang="en-US" altLang="zh-CN" sz="2400" b="1" dirty="0">
+                <a:latin typeface="Times New Roman" panose="02020603050405020304" pitchFamily="18" charset="0"/>
+                <a:cs typeface="Times New Roman" panose="02020603050405020304" pitchFamily="18" charset="0"/>
+              </a:rPr>
+              <a:t>in </a:t>
+            </a:r>
+            <a:r>
+              <a:rPr lang="en-US" altLang="zh-CN" sz="2400" dirty="0" err="1">
+                <a:latin typeface="Times New Roman" panose="02020603050405020304" pitchFamily="18" charset="0"/>
+                <a:cs typeface="Times New Roman" panose="02020603050405020304" pitchFamily="18" charset="0"/>
+              </a:rPr>
+              <a:t>all_handles</a:t>
+            </a:r>
+            <a:r>
+              <a:rPr lang="en-US" altLang="zh-CN" sz="2400" dirty="0">
+                <a:latin typeface="Times New Roman" panose="02020603050405020304" pitchFamily="18" charset="0"/>
+                <a:cs typeface="Times New Roman" panose="02020603050405020304" pitchFamily="18" charset="0"/>
+              </a:rPr>
+              <a:t>:</a:t>
             </a:r>
             <a:br>
-              <a:rPr kumimoji="0" lang="zh-CN" altLang="zh-CN" sz="2400" i="0" u="none" strike="noStrike" cap="none" normalizeH="0" baseline="0" dirty="0" smtClean="0">
-                <a:ln>
-                  <a:noFill/>
-                </a:ln>
-                <a:solidFill>
-                  <a:srgbClr val="000000"/>
-                </a:solidFill>
-                <a:effectLst/>
-                <a:latin typeface="微软雅黑" panose="020B0503020204020204" pitchFamily="34" charset="-122"/>
-                <a:ea typeface="微软雅黑" panose="020B0503020204020204" pitchFamily="34" charset="-122"/>
-                <a:cs typeface="宋体" pitchFamily="2" charset="-122"/>
+              <a:rPr lang="en-US" altLang="zh-CN" sz="2400" dirty="0">
+                <a:latin typeface="Times New Roman" panose="02020603050405020304" pitchFamily="18" charset="0"/>
+                <a:cs typeface="Times New Roman" panose="02020603050405020304" pitchFamily="18" charset="0"/>
               </a:rPr>
             </a:br>
             <a:r>
-              <a:rPr kumimoji="0" lang="zh-CN" altLang="zh-CN" sz="2400" i="0" u="none" strike="noStrike" cap="none" normalizeH="0" baseline="0" dirty="0" smtClean="0">
-                <a:ln>
-                  <a:noFill/>
-                </a:ln>
-                <a:solidFill>
-                  <a:srgbClr val="000000"/>
-                </a:solidFill>
-                <a:effectLst/>
-                <a:latin typeface="微软雅黑" panose="020B0503020204020204" pitchFamily="34" charset="-122"/>
-                <a:ea typeface="微软雅黑" panose="020B0503020204020204" pitchFamily="34" charset="-122"/>
-                <a:cs typeface="宋体" pitchFamily="2" charset="-122"/>
-              </a:rPr>
-              <a:t>all_handles = driver.window_handles</a:t>
+              <a:rPr lang="en-US" altLang="zh-CN" sz="2400" dirty="0">
+                <a:latin typeface="Times New Roman" panose="02020603050405020304" pitchFamily="18" charset="0"/>
+                <a:cs typeface="Times New Roman" panose="02020603050405020304" pitchFamily="18" charset="0"/>
+              </a:rPr>
+              <a:t>    </a:t>
+            </a:r>
+            <a:r>
+              <a:rPr lang="en-US" altLang="zh-CN" sz="2400" b="1" dirty="0">
+                <a:latin typeface="Times New Roman" panose="02020603050405020304" pitchFamily="18" charset="0"/>
+                <a:cs typeface="Times New Roman" panose="02020603050405020304" pitchFamily="18" charset="0"/>
+              </a:rPr>
+              <a:t>if </a:t>
+            </a:r>
+            <a:r>
+              <a:rPr lang="en-US" altLang="zh-CN" sz="2400" dirty="0">
+                <a:latin typeface="Times New Roman" panose="02020603050405020304" pitchFamily="18" charset="0"/>
+                <a:cs typeface="Times New Roman" panose="02020603050405020304" pitchFamily="18" charset="0"/>
+              </a:rPr>
+              <a:t>handle==</a:t>
+            </a:r>
+            <a:r>
+              <a:rPr lang="en-US" altLang="zh-CN" sz="2400" dirty="0" err="1">
+                <a:latin typeface="Times New Roman" panose="02020603050405020304" pitchFamily="18" charset="0"/>
+                <a:cs typeface="Times New Roman" panose="02020603050405020304" pitchFamily="18" charset="0"/>
+              </a:rPr>
+              <a:t>baidu_window</a:t>
+            </a:r>
+            <a:r>
+              <a:rPr lang="en-US" altLang="zh-CN" sz="2400" dirty="0">
+                <a:latin typeface="Times New Roman" panose="02020603050405020304" pitchFamily="18" charset="0"/>
+                <a:cs typeface="Times New Roman" panose="02020603050405020304" pitchFamily="18" charset="0"/>
+              </a:rPr>
+              <a:t>:</a:t>
             </a:r>
             <a:br>
-              <a:rPr kumimoji="0" lang="zh-CN" altLang="zh-CN" sz="2400" i="0" u="none" strike="noStrike" cap="none" normalizeH="0" baseline="0" dirty="0" smtClean="0">
-                <a:ln>
-                  <a:noFill/>
-                </a:ln>
-                <a:solidFill>
-                  <a:srgbClr val="000000"/>
-                </a:solidFill>
-                <a:effectLst/>
-                <a:latin typeface="微软雅黑" panose="020B0503020204020204" pitchFamily="34" charset="-122"/>
-                <a:ea typeface="微软雅黑" panose="020B0503020204020204" pitchFamily="34" charset="-122"/>
-                <a:cs typeface="宋体" pitchFamily="2" charset="-122"/>
+              <a:rPr lang="en-US" altLang="zh-CN" sz="2400" dirty="0">
+                <a:latin typeface="Times New Roman" panose="02020603050405020304" pitchFamily="18" charset="0"/>
+                <a:cs typeface="Times New Roman" panose="02020603050405020304" pitchFamily="18" charset="0"/>
               </a:rPr>
             </a:br>
             <a:r>
-              <a:rPr kumimoji="0" lang="zh-CN" altLang="zh-CN" sz="2400" i="0" u="none" strike="noStrike" cap="none" normalizeH="0" baseline="0" dirty="0" smtClean="0">
-                <a:ln>
-                  <a:noFill/>
-                </a:ln>
-                <a:solidFill>
-                  <a:srgbClr val="000080"/>
-                </a:solidFill>
-                <a:effectLst/>
-                <a:latin typeface="微软雅黑" panose="020B0503020204020204" pitchFamily="34" charset="-122"/>
-                <a:ea typeface="微软雅黑" panose="020B0503020204020204" pitchFamily="34" charset="-122"/>
-                <a:cs typeface="宋体" pitchFamily="2" charset="-122"/>
-              </a:rPr>
-              <a:t>for </a:t>
-            </a:r>
-            <a:r>
-              <a:rPr kumimoji="0" lang="zh-CN" altLang="zh-CN" sz="2400" i="0" u="none" strike="noStrike" cap="none" normalizeH="0" baseline="0" dirty="0" smtClean="0">
-                <a:ln>
-                  <a:noFill/>
-                </a:ln>
-                <a:solidFill>
-                  <a:srgbClr val="000000"/>
-                </a:solidFill>
-                <a:effectLst/>
-                <a:latin typeface="微软雅黑" panose="020B0503020204020204" pitchFamily="34" charset="-122"/>
-                <a:ea typeface="微软雅黑" panose="020B0503020204020204" pitchFamily="34" charset="-122"/>
-                <a:cs typeface="宋体" pitchFamily="2" charset="-122"/>
-              </a:rPr>
-              <a:t>handle </a:t>
-            </a:r>
-            <a:r>
-              <a:rPr kumimoji="0" lang="zh-CN" altLang="zh-CN" sz="2400" i="0" u="none" strike="noStrike" cap="none" normalizeH="0" baseline="0" dirty="0" smtClean="0">
-                <a:ln>
-                  <a:noFill/>
-                </a:ln>
-                <a:solidFill>
-                  <a:srgbClr val="000080"/>
-                </a:solidFill>
-                <a:effectLst/>
-                <a:latin typeface="微软雅黑" panose="020B0503020204020204" pitchFamily="34" charset="-122"/>
-                <a:ea typeface="微软雅黑" panose="020B0503020204020204" pitchFamily="34" charset="-122"/>
-                <a:cs typeface="宋体" pitchFamily="2" charset="-122"/>
-              </a:rPr>
-              <a:t>in </a:t>
-            </a:r>
-            <a:r>
-              <a:rPr kumimoji="0" lang="zh-CN" altLang="zh-CN" sz="2400" i="0" u="none" strike="noStrike" cap="none" normalizeH="0" baseline="0" dirty="0" smtClean="0">
-                <a:ln>
-                  <a:noFill/>
-                </a:ln>
-                <a:solidFill>
-                  <a:srgbClr val="000000"/>
-                </a:solidFill>
-                <a:effectLst/>
-                <a:latin typeface="微软雅黑" panose="020B0503020204020204" pitchFamily="34" charset="-122"/>
-                <a:ea typeface="微软雅黑" panose="020B0503020204020204" pitchFamily="34" charset="-122"/>
-                <a:cs typeface="宋体" pitchFamily="2" charset="-122"/>
-              </a:rPr>
-              <a:t>all_handles:</a:t>
+              <a:rPr lang="en-US" altLang="zh-CN" sz="2400" dirty="0">
+                <a:latin typeface="Times New Roman" panose="02020603050405020304" pitchFamily="18" charset="0"/>
+                <a:cs typeface="Times New Roman" panose="02020603050405020304" pitchFamily="18" charset="0"/>
+              </a:rPr>
+              <a:t>        </a:t>
+            </a:r>
+            <a:r>
+              <a:rPr lang="en-US" altLang="zh-CN" sz="2400" dirty="0" err="1">
+                <a:latin typeface="Times New Roman" panose="02020603050405020304" pitchFamily="18" charset="0"/>
+                <a:cs typeface="Times New Roman" panose="02020603050405020304" pitchFamily="18" charset="0"/>
+              </a:rPr>
+              <a:t>driver.switch_to.window</a:t>
+            </a:r>
+            <a:r>
+              <a:rPr lang="en-US" altLang="zh-CN" sz="2400" dirty="0">
+                <a:latin typeface="Times New Roman" panose="02020603050405020304" pitchFamily="18" charset="0"/>
+                <a:cs typeface="Times New Roman" panose="02020603050405020304" pitchFamily="18" charset="0"/>
+              </a:rPr>
+              <a:t>(handle)</a:t>
             </a:r>
             <a:br>
-              <a:rPr kumimoji="0" lang="zh-CN" altLang="zh-CN" sz="2400" i="0" u="none" strike="noStrike" cap="none" normalizeH="0" baseline="0" dirty="0" smtClean="0">
-                <a:ln>
-                  <a:noFill/>
-                </a:ln>
-                <a:solidFill>
-                  <a:srgbClr val="000000"/>
-                </a:solidFill>
-                <a:effectLst/>
-                <a:latin typeface="微软雅黑" panose="020B0503020204020204" pitchFamily="34" charset="-122"/>
-                <a:ea typeface="微软雅黑" panose="020B0503020204020204" pitchFamily="34" charset="-122"/>
-                <a:cs typeface="宋体" pitchFamily="2" charset="-122"/>
+              <a:rPr lang="en-US" altLang="zh-CN" sz="2400" dirty="0">
+                <a:latin typeface="Times New Roman" panose="02020603050405020304" pitchFamily="18" charset="0"/>
+                <a:cs typeface="Times New Roman" panose="02020603050405020304" pitchFamily="18" charset="0"/>
               </a:rPr>
             </a:br>
             <a:r>
-              <a:rPr kumimoji="0" lang="zh-CN" altLang="zh-CN" sz="2400" i="0" u="none" strike="noStrike" cap="none" normalizeH="0" baseline="0" dirty="0" smtClean="0">
-                <a:ln>
-                  <a:noFill/>
-                </a:ln>
-                <a:solidFill>
-                  <a:srgbClr val="000000"/>
-                </a:solidFill>
-                <a:effectLst/>
-                <a:latin typeface="微软雅黑" panose="020B0503020204020204" pitchFamily="34" charset="-122"/>
-                <a:ea typeface="微软雅黑" panose="020B0503020204020204" pitchFamily="34" charset="-122"/>
-                <a:cs typeface="宋体" pitchFamily="2" charset="-122"/>
-              </a:rPr>
-              <a:t>    </a:t>
-            </a:r>
-            <a:r>
-              <a:rPr kumimoji="0" lang="zh-CN" altLang="zh-CN" sz="2400" i="0" u="none" strike="noStrike" cap="none" normalizeH="0" baseline="0" dirty="0" smtClean="0">
-                <a:ln>
-                  <a:noFill/>
-                </a:ln>
-                <a:solidFill>
-                  <a:srgbClr val="000080"/>
-                </a:solidFill>
-                <a:effectLst/>
-                <a:latin typeface="微软雅黑" panose="020B0503020204020204" pitchFamily="34" charset="-122"/>
-                <a:ea typeface="微软雅黑" panose="020B0503020204020204" pitchFamily="34" charset="-122"/>
-                <a:cs typeface="宋体" pitchFamily="2" charset="-122"/>
-              </a:rPr>
-              <a:t>if </a:t>
-            </a:r>
-            <a:r>
-              <a:rPr kumimoji="0" lang="zh-CN" altLang="zh-CN" sz="2400" i="0" u="none" strike="noStrike" cap="none" normalizeH="0" baseline="0" dirty="0" smtClean="0">
-                <a:ln>
-                  <a:noFill/>
-                </a:ln>
-                <a:solidFill>
-                  <a:srgbClr val="000000"/>
-                </a:solidFill>
-                <a:effectLst/>
-                <a:latin typeface="微软雅黑" panose="020B0503020204020204" pitchFamily="34" charset="-122"/>
-                <a:ea typeface="微软雅黑" panose="020B0503020204020204" pitchFamily="34" charset="-122"/>
-                <a:cs typeface="宋体" pitchFamily="2" charset="-122"/>
-              </a:rPr>
-              <a:t>handle==search_windows:</a:t>
-            </a:r>
-            <a:br>
-              <a:rPr kumimoji="0" lang="zh-CN" altLang="zh-CN" sz="2400" i="0" u="none" strike="noStrike" cap="none" normalizeH="0" baseline="0" dirty="0" smtClean="0">
-                <a:ln>
-                  <a:noFill/>
-                </a:ln>
-                <a:solidFill>
-                  <a:srgbClr val="000000"/>
-                </a:solidFill>
-                <a:effectLst/>
-                <a:latin typeface="微软雅黑" panose="020B0503020204020204" pitchFamily="34" charset="-122"/>
-                <a:ea typeface="微软雅黑" panose="020B0503020204020204" pitchFamily="34" charset="-122"/>
-                <a:cs typeface="宋体" pitchFamily="2" charset="-122"/>
-              </a:rPr>
-            </a:br>
-            <a:r>
-              <a:rPr kumimoji="0" lang="zh-CN" altLang="zh-CN" sz="2400" i="0" u="none" strike="noStrike" cap="none" normalizeH="0" baseline="0" dirty="0" smtClean="0">
-                <a:ln>
-                  <a:noFill/>
-                </a:ln>
-                <a:solidFill>
-                  <a:srgbClr val="000000"/>
-                </a:solidFill>
-                <a:effectLst/>
-                <a:latin typeface="微软雅黑" panose="020B0503020204020204" pitchFamily="34" charset="-122"/>
-                <a:ea typeface="微软雅黑" panose="020B0503020204020204" pitchFamily="34" charset="-122"/>
-                <a:cs typeface="宋体" pitchFamily="2" charset="-122"/>
-              </a:rPr>
-              <a:t>        driver.switch_to.window(handle)</a:t>
-            </a:r>
-            <a:br>
-              <a:rPr kumimoji="0" lang="zh-CN" altLang="zh-CN" sz="2400" i="0" u="none" strike="noStrike" cap="none" normalizeH="0" baseline="0" dirty="0" smtClean="0">
-                <a:ln>
-                  <a:noFill/>
-                </a:ln>
-                <a:solidFill>
-                  <a:srgbClr val="000000"/>
-                </a:solidFill>
-                <a:effectLst/>
-                <a:latin typeface="微软雅黑" panose="020B0503020204020204" pitchFamily="34" charset="-122"/>
-                <a:ea typeface="微软雅黑" panose="020B0503020204020204" pitchFamily="34" charset="-122"/>
-                <a:cs typeface="宋体" pitchFamily="2" charset="-122"/>
-              </a:rPr>
-            </a:br>
-            <a:r>
-              <a:rPr kumimoji="0" lang="zh-CN" altLang="zh-CN" sz="2400" i="0" u="none" strike="noStrike" cap="none" normalizeH="0" baseline="0" dirty="0" smtClean="0">
-                <a:ln>
-                  <a:noFill/>
-                </a:ln>
-                <a:solidFill>
-                  <a:srgbClr val="000000"/>
-                </a:solidFill>
-                <a:effectLst/>
-                <a:latin typeface="微软雅黑" panose="020B0503020204020204" pitchFamily="34" charset="-122"/>
-                <a:ea typeface="微软雅黑" panose="020B0503020204020204" pitchFamily="34" charset="-122"/>
-                <a:cs typeface="宋体" pitchFamily="2" charset="-122"/>
-              </a:rPr>
-              <a:t>        </a:t>
-            </a:r>
-            <a:r>
-              <a:rPr kumimoji="0" lang="zh-CN" altLang="zh-CN" sz="2400" i="0" u="none" strike="noStrike" cap="none" normalizeH="0" baseline="0" dirty="0" smtClean="0">
-                <a:ln>
-                  <a:noFill/>
-                </a:ln>
-                <a:solidFill>
-                  <a:srgbClr val="000080"/>
-                </a:solidFill>
-                <a:effectLst/>
-                <a:latin typeface="微软雅黑" panose="020B0503020204020204" pitchFamily="34" charset="-122"/>
-                <a:ea typeface="微软雅黑" panose="020B0503020204020204" pitchFamily="34" charset="-122"/>
-                <a:cs typeface="宋体" pitchFamily="2" charset="-122"/>
-              </a:rPr>
-              <a:t>print</a:t>
-            </a:r>
-            <a:r>
-              <a:rPr kumimoji="0" lang="zh-CN" altLang="zh-CN" sz="2400" i="0" u="none" strike="noStrike" cap="none" normalizeH="0" baseline="0" dirty="0" smtClean="0">
-                <a:ln>
-                  <a:noFill/>
-                </a:ln>
-                <a:solidFill>
-                  <a:srgbClr val="000000"/>
-                </a:solidFill>
-                <a:effectLst/>
-                <a:latin typeface="微软雅黑" panose="020B0503020204020204" pitchFamily="34" charset="-122"/>
-                <a:ea typeface="微软雅黑" panose="020B0503020204020204" pitchFamily="34" charset="-122"/>
-                <a:cs typeface="宋体" pitchFamily="2" charset="-122"/>
-              </a:rPr>
-              <a:t>(driver.title)</a:t>
-            </a:r>
-            <a:endParaRPr kumimoji="0" lang="zh-CN" altLang="zh-CN" sz="3200" i="0" u="none" strike="noStrike" cap="none" normalizeH="0" baseline="0" dirty="0" smtClean="0">
+              <a:rPr lang="en-US" altLang="zh-CN" sz="2400" dirty="0">
+                <a:latin typeface="Times New Roman" panose="02020603050405020304" pitchFamily="18" charset="0"/>
+                <a:cs typeface="Times New Roman" panose="02020603050405020304" pitchFamily="18" charset="0"/>
+              </a:rPr>
+              <a:t>        print(</a:t>
+            </a:r>
+            <a:r>
+              <a:rPr lang="en-US" altLang="zh-CN" sz="2400" dirty="0" err="1">
+                <a:latin typeface="Times New Roman" panose="02020603050405020304" pitchFamily="18" charset="0"/>
+                <a:cs typeface="Times New Roman" panose="02020603050405020304" pitchFamily="18" charset="0"/>
+              </a:rPr>
+              <a:t>driver.title</a:t>
+            </a:r>
+            <a:r>
+              <a:rPr lang="en-US" altLang="zh-CN" sz="2400" dirty="0">
+                <a:latin typeface="Times New Roman" panose="02020603050405020304" pitchFamily="18" charset="0"/>
+                <a:cs typeface="Times New Roman" panose="02020603050405020304" pitchFamily="18" charset="0"/>
+              </a:rPr>
+              <a:t>)</a:t>
+            </a:r>
+            <a:endParaRPr kumimoji="0" lang="zh-CN" altLang="zh-CN" sz="2400" i="0" u="none" strike="noStrike" cap="none" normalizeH="0" baseline="0" dirty="0" smtClean="0">
               <a:ln>
                 <a:noFill/>
               </a:ln>
@@ -18937,9 +18821,9 @@
                 <a:schemeClr val="tx1"/>
               </a:solidFill>
               <a:effectLst/>
-              <a:latin typeface="微软雅黑" panose="020B0503020204020204" pitchFamily="34" charset="-122"/>
+              <a:latin typeface="Times New Roman" panose="02020603050405020304" pitchFamily="18" charset="0"/>
               <a:ea typeface="微软雅黑" panose="020B0503020204020204" pitchFamily="34" charset="-122"/>
-              <a:cs typeface="宋体" pitchFamily="2" charset="-122"/>
+              <a:cs typeface="Times New Roman" panose="02020603050405020304" pitchFamily="18" charset="0"/>
             </a:endParaRPr>
           </a:p>
         </p:txBody>
@@ -18993,9 +18877,7 @@
         </p:nvSpPr>
         <p:spPr/>
         <p:txBody>
-          <a:bodyPr>
-            <a:normAutofit fontScale="92500" lnSpcReduction="20000"/>
-          </a:bodyPr>
+          <a:bodyPr/>
           <a:lstStyle/>
           <a:p>
             <a:pPr>
@@ -19258,7 +19140,7 @@
         <p:spPr/>
         <p:txBody>
           <a:bodyPr>
-            <a:normAutofit fontScale="90000"/>
+            <a:normAutofit/>
           </a:bodyPr>
           <a:lstStyle/>
           <a:p>
@@ -19331,8 +19213,8 @@
         </p:nvSpPr>
         <p:spPr>
           <a:xfrm>
-            <a:off x="395517" y="681540"/>
-            <a:ext cx="8412713" cy="3942438"/>
+            <a:off x="395516" y="908720"/>
+            <a:ext cx="8412713" cy="5256584"/>
           </a:xfrm>
         </p:spPr>
         <p:txBody>
@@ -19705,14 +19587,12 @@
         </p:nvSpPr>
         <p:spPr>
           <a:xfrm>
-            <a:off x="395536" y="141480"/>
-            <a:ext cx="7344816" cy="502906"/>
+            <a:off x="395536" y="188640"/>
+            <a:ext cx="7344816" cy="670541"/>
           </a:xfrm>
         </p:spPr>
         <p:txBody>
-          <a:bodyPr>
-            <a:normAutofit fontScale="90000"/>
-          </a:bodyPr>
+          <a:bodyPr/>
           <a:lstStyle/>
           <a:p>
             <a:r>
@@ -19776,13 +19656,13 @@
         </p:nvSpPr>
         <p:spPr>
           <a:xfrm>
-            <a:off x="467544" y="951570"/>
-            <a:ext cx="7886700" cy="3402378"/>
+            <a:off x="467544" y="1268760"/>
+            <a:ext cx="7886700" cy="4536504"/>
           </a:xfrm>
         </p:spPr>
         <p:txBody>
           <a:bodyPr>
-            <a:normAutofit fontScale="92500" lnSpcReduction="10000"/>
+            <a:normAutofit/>
           </a:bodyPr>
           <a:lstStyle/>
           <a:p>
@@ -19922,8 +19802,8 @@
         </p:nvSpPr>
         <p:spPr>
           <a:xfrm>
-            <a:off x="467544" y="195486"/>
-            <a:ext cx="8208912" cy="286882"/>
+            <a:off x="467544" y="260648"/>
+            <a:ext cx="8208912" cy="382509"/>
           </a:xfrm>
         </p:spPr>
         <p:txBody>
@@ -19989,13 +19869,13 @@
         </p:nvSpPr>
         <p:spPr>
           <a:xfrm>
-            <a:off x="489208" y="681540"/>
-            <a:ext cx="7886700" cy="3618402"/>
+            <a:off x="489208" y="908720"/>
+            <a:ext cx="7886700" cy="4824536"/>
           </a:xfrm>
         </p:spPr>
         <p:txBody>
           <a:bodyPr>
-            <a:normAutofit fontScale="92500" lnSpcReduction="20000"/>
+            <a:normAutofit/>
           </a:bodyPr>
           <a:lstStyle/>
           <a:p>
@@ -20011,24 +19891,28 @@
             </a:pPr>
             <a:r>
               <a:rPr lang="zh-CN" altLang="en-US" dirty="0">
-                <a:latin typeface="微软雅黑" panose="020B0503020204020204" pitchFamily="34" charset="-122"/>
+                <a:latin typeface="+mn-ea"/>
+                <a:ea typeface="+mn-ea"/>
               </a:rPr>
               <a:t>需要验证浏览器中是否存在某个</a:t>
             </a:r>
             <a:r>
               <a:rPr lang="en-US" altLang="zh-CN" dirty="0" smtClean="0">
-                <a:latin typeface="微软雅黑" panose="020B0503020204020204" pitchFamily="34" charset="-122"/>
+                <a:latin typeface="+mn-ea"/>
+                <a:ea typeface="+mn-ea"/>
               </a:rPr>
               <a:t>cookie</a:t>
             </a:r>
             <a:r>
               <a:rPr lang="zh-CN" altLang="en-US" dirty="0" smtClean="0">
-                <a:latin typeface="微软雅黑" panose="020B0503020204020204" pitchFamily="34" charset="-122"/>
+                <a:latin typeface="+mn-ea"/>
+                <a:ea typeface="+mn-ea"/>
               </a:rPr>
               <a:t>。</a:t>
             </a:r>
             <a:endParaRPr lang="en-US" altLang="zh-CN" dirty="0" smtClean="0">
-              <a:latin typeface="微软雅黑" panose="020B0503020204020204" pitchFamily="34" charset="-122"/>
+              <a:latin typeface="+mn-ea"/>
+              <a:ea typeface="+mn-ea"/>
             </a:endParaRPr>
           </a:p>
           <a:p>
@@ -20044,25 +19928,29 @@
             </a:pPr>
             <a:r>
               <a:rPr lang="en-US" altLang="zh-CN" dirty="0">
-                <a:latin typeface="微软雅黑" panose="020B0503020204020204" pitchFamily="34" charset="-122"/>
+                <a:latin typeface="+mn-ea"/>
+                <a:ea typeface="+mn-ea"/>
               </a:rPr>
               <a:t>webdriver </a:t>
             </a:r>
             <a:r>
               <a:rPr lang="zh-CN" altLang="en-US" dirty="0">
-                <a:latin typeface="微软雅黑" panose="020B0503020204020204" pitchFamily="34" charset="-122"/>
+                <a:latin typeface="+mn-ea"/>
+                <a:ea typeface="+mn-ea"/>
               </a:rPr>
               <a:t>操作</a:t>
             </a:r>
             <a:r>
               <a:rPr lang="en-US" altLang="zh-CN" dirty="0">
-                <a:latin typeface="微软雅黑" panose="020B0503020204020204" pitchFamily="34" charset="-122"/>
+                <a:latin typeface="+mn-ea"/>
+                <a:ea typeface="+mn-ea"/>
               </a:rPr>
               <a:t>cookie </a:t>
             </a:r>
             <a:r>
               <a:rPr lang="zh-CN" altLang="en-US" dirty="0">
-                <a:latin typeface="微软雅黑" panose="020B0503020204020204" pitchFamily="34" charset="-122"/>
+                <a:latin typeface="+mn-ea"/>
+                <a:ea typeface="+mn-ea"/>
               </a:rPr>
               <a:t>的方法有：</a:t>
             </a:r>
@@ -20083,31 +19971,36 @@
             </a:pPr>
             <a:r>
               <a:rPr lang="en-US" altLang="zh-CN" sz="2000" dirty="0" err="1">
-                <a:latin typeface="微软雅黑" panose="020B0503020204020204" pitchFamily="34" charset="-122"/>
+                <a:latin typeface="+mn-ea"/>
+                <a:ea typeface="+mn-ea"/>
               </a:rPr>
               <a:t>get_cookies</a:t>
             </a:r>
             <a:r>
               <a:rPr lang="en-US" altLang="zh-CN" sz="2000" dirty="0">
-                <a:latin typeface="微软雅黑" panose="020B0503020204020204" pitchFamily="34" charset="-122"/>
+                <a:latin typeface="+mn-ea"/>
+                <a:ea typeface="+mn-ea"/>
               </a:rPr>
               <a:t>()</a:t>
             </a:r>
             <a:r>
               <a:rPr lang="zh-CN" altLang="en-US" sz="2000" dirty="0">
-                <a:latin typeface="微软雅黑" panose="020B0503020204020204" pitchFamily="34" charset="-122"/>
+                <a:latin typeface="+mn-ea"/>
+                <a:ea typeface="+mn-ea"/>
               </a:rPr>
               <a:t>：获得所有</a:t>
             </a:r>
             <a:r>
               <a:rPr lang="en-US" altLang="zh-CN" sz="2000" dirty="0">
-                <a:latin typeface="微软雅黑" panose="020B0503020204020204" pitchFamily="34" charset="-122"/>
+                <a:latin typeface="+mn-ea"/>
+                <a:ea typeface="+mn-ea"/>
               </a:rPr>
               <a:t>cookie </a:t>
             </a:r>
             <a:r>
               <a:rPr lang="zh-CN" altLang="en-US" sz="2000" dirty="0">
-                <a:latin typeface="微软雅黑" panose="020B0503020204020204" pitchFamily="34" charset="-122"/>
+                <a:latin typeface="+mn-ea"/>
+                <a:ea typeface="+mn-ea"/>
               </a:rPr>
               <a:t>信息</a:t>
             </a:r>
@@ -20128,43 +20021,50 @@
             </a:pPr>
             <a:r>
               <a:rPr lang="en-US" altLang="zh-CN" sz="2000" dirty="0" err="1">
-                <a:latin typeface="微软雅黑" panose="020B0503020204020204" pitchFamily="34" charset="-122"/>
+                <a:latin typeface="+mn-ea"/>
+                <a:ea typeface="+mn-ea"/>
               </a:rPr>
               <a:t>get_cookie</a:t>
             </a:r>
             <a:r>
               <a:rPr lang="en-US" altLang="zh-CN" sz="2000" dirty="0">
-                <a:latin typeface="微软雅黑" panose="020B0503020204020204" pitchFamily="34" charset="-122"/>
+                <a:latin typeface="+mn-ea"/>
+                <a:ea typeface="+mn-ea"/>
               </a:rPr>
               <a:t>(name):</a:t>
             </a:r>
             <a:r>
               <a:rPr lang="zh-CN" altLang="en-US" sz="2000" dirty="0">
-                <a:latin typeface="微软雅黑" panose="020B0503020204020204" pitchFamily="34" charset="-122"/>
+                <a:latin typeface="+mn-ea"/>
+                <a:ea typeface="+mn-ea"/>
               </a:rPr>
               <a:t>返回特定</a:t>
             </a:r>
             <a:r>
               <a:rPr lang="en-US" altLang="zh-CN" sz="2000" dirty="0">
-                <a:latin typeface="微软雅黑" panose="020B0503020204020204" pitchFamily="34" charset="-122"/>
+                <a:latin typeface="+mn-ea"/>
+                <a:ea typeface="+mn-ea"/>
               </a:rPr>
               <a:t>name </a:t>
             </a:r>
             <a:r>
               <a:rPr lang="zh-CN" altLang="en-US" sz="2000" dirty="0">
-                <a:latin typeface="微软雅黑" panose="020B0503020204020204" pitchFamily="34" charset="-122"/>
+                <a:latin typeface="+mn-ea"/>
+                <a:ea typeface="+mn-ea"/>
               </a:rPr>
               <a:t>有</a:t>
             </a:r>
             <a:r>
               <a:rPr lang="en-US" altLang="zh-CN" sz="2000" dirty="0">
-                <a:latin typeface="微软雅黑" panose="020B0503020204020204" pitchFamily="34" charset="-122"/>
+                <a:latin typeface="+mn-ea"/>
+                <a:ea typeface="+mn-ea"/>
               </a:rPr>
               <a:t>cookie </a:t>
             </a:r>
             <a:r>
               <a:rPr lang="zh-CN" altLang="en-US" sz="2000" dirty="0">
-                <a:latin typeface="微软雅黑" panose="020B0503020204020204" pitchFamily="34" charset="-122"/>
+                <a:latin typeface="+mn-ea"/>
+                <a:ea typeface="+mn-ea"/>
               </a:rPr>
               <a:t>信息</a:t>
             </a:r>
@@ -20185,67 +20085,78 @@
             </a:pPr>
             <a:r>
               <a:rPr lang="en-US" altLang="zh-CN" sz="2000" dirty="0" err="1">
-                <a:latin typeface="微软雅黑" panose="020B0503020204020204" pitchFamily="34" charset="-122"/>
+                <a:latin typeface="+mn-ea"/>
+                <a:ea typeface="+mn-ea"/>
               </a:rPr>
               <a:t>add_cookie</a:t>
             </a:r>
             <a:r>
               <a:rPr lang="en-US" altLang="zh-CN" sz="2000" dirty="0">
-                <a:latin typeface="微软雅黑" panose="020B0503020204020204" pitchFamily="34" charset="-122"/>
+                <a:latin typeface="+mn-ea"/>
+                <a:ea typeface="+mn-ea"/>
               </a:rPr>
               <a:t>(</a:t>
             </a:r>
             <a:r>
               <a:rPr lang="en-US" altLang="zh-CN" sz="2000" dirty="0" err="1">
-                <a:latin typeface="微软雅黑" panose="020B0503020204020204" pitchFamily="34" charset="-122"/>
+                <a:latin typeface="+mn-ea"/>
+                <a:ea typeface="+mn-ea"/>
               </a:rPr>
               <a:t>cookie_dict</a:t>
             </a:r>
             <a:r>
               <a:rPr lang="en-US" altLang="zh-CN" sz="2000" dirty="0">
-                <a:latin typeface="微软雅黑" panose="020B0503020204020204" pitchFamily="34" charset="-122"/>
+                <a:latin typeface="+mn-ea"/>
+                <a:ea typeface="+mn-ea"/>
               </a:rPr>
               <a:t>)</a:t>
             </a:r>
             <a:r>
               <a:rPr lang="zh-CN" altLang="en-US" sz="2000" dirty="0">
-                <a:latin typeface="微软雅黑" panose="020B0503020204020204" pitchFamily="34" charset="-122"/>
+                <a:latin typeface="+mn-ea"/>
+                <a:ea typeface="+mn-ea"/>
               </a:rPr>
               <a:t>：添加</a:t>
             </a:r>
             <a:r>
               <a:rPr lang="en-US" altLang="zh-CN" sz="2000" dirty="0">
-                <a:latin typeface="微软雅黑" panose="020B0503020204020204" pitchFamily="34" charset="-122"/>
+                <a:latin typeface="+mn-ea"/>
+                <a:ea typeface="+mn-ea"/>
               </a:rPr>
               <a:t>cookie</a:t>
             </a:r>
             <a:r>
               <a:rPr lang="zh-CN" altLang="en-US" sz="2000" dirty="0">
-                <a:latin typeface="微软雅黑" panose="020B0503020204020204" pitchFamily="34" charset="-122"/>
+                <a:latin typeface="+mn-ea"/>
+                <a:ea typeface="+mn-ea"/>
               </a:rPr>
               <a:t>，必须有</a:t>
             </a:r>
             <a:r>
               <a:rPr lang="en-US" altLang="zh-CN" sz="2000" dirty="0">
-                <a:latin typeface="微软雅黑" panose="020B0503020204020204" pitchFamily="34" charset="-122"/>
+                <a:latin typeface="+mn-ea"/>
+                <a:ea typeface="+mn-ea"/>
               </a:rPr>
               <a:t>name </a:t>
             </a:r>
             <a:r>
               <a:rPr lang="zh-CN" altLang="en-US" sz="2000" dirty="0">
-                <a:latin typeface="微软雅黑" panose="020B0503020204020204" pitchFamily="34" charset="-122"/>
+                <a:latin typeface="+mn-ea"/>
+                <a:ea typeface="+mn-ea"/>
               </a:rPr>
               <a:t>和</a:t>
             </a:r>
             <a:r>
               <a:rPr lang="en-US" altLang="zh-CN" sz="2000" dirty="0">
-                <a:latin typeface="微软雅黑" panose="020B0503020204020204" pitchFamily="34" charset="-122"/>
+                <a:latin typeface="+mn-ea"/>
+                <a:ea typeface="+mn-ea"/>
               </a:rPr>
               <a:t>value </a:t>
             </a:r>
             <a:r>
               <a:rPr lang="zh-CN" altLang="en-US" sz="2000" dirty="0">
-                <a:latin typeface="微软雅黑" panose="020B0503020204020204" pitchFamily="34" charset="-122"/>
+                <a:latin typeface="+mn-ea"/>
+                <a:ea typeface="+mn-ea"/>
               </a:rPr>
               <a:t>值</a:t>
             </a:r>
@@ -20266,60 +20177,70 @@
             </a:pPr>
             <a:r>
               <a:rPr lang="en-US" altLang="zh-CN" sz="2000" dirty="0" err="1">
-                <a:latin typeface="微软雅黑" panose="020B0503020204020204" pitchFamily="34" charset="-122"/>
+                <a:latin typeface="+mn-ea"/>
+                <a:ea typeface="+mn-ea"/>
               </a:rPr>
               <a:t>delete_cookie</a:t>
             </a:r>
             <a:r>
               <a:rPr lang="en-US" altLang="zh-CN" sz="2000" dirty="0">
-                <a:latin typeface="微软雅黑" panose="020B0503020204020204" pitchFamily="34" charset="-122"/>
+                <a:latin typeface="+mn-ea"/>
+                <a:ea typeface="+mn-ea"/>
               </a:rPr>
               <a:t>(name)</a:t>
             </a:r>
             <a:r>
               <a:rPr lang="zh-CN" altLang="en-US" sz="2000" dirty="0">
-                <a:latin typeface="微软雅黑" panose="020B0503020204020204" pitchFamily="34" charset="-122"/>
+                <a:latin typeface="+mn-ea"/>
+                <a:ea typeface="+mn-ea"/>
               </a:rPr>
               <a:t>：删除特定</a:t>
             </a:r>
             <a:r>
               <a:rPr lang="en-US" altLang="zh-CN" sz="2000" dirty="0">
-                <a:latin typeface="微软雅黑" panose="020B0503020204020204" pitchFamily="34" charset="-122"/>
+                <a:latin typeface="+mn-ea"/>
+                <a:ea typeface="+mn-ea"/>
               </a:rPr>
               <a:t>(</a:t>
             </a:r>
             <a:r>
               <a:rPr lang="zh-CN" altLang="en-US" sz="2000" dirty="0">
-                <a:latin typeface="微软雅黑" panose="020B0503020204020204" pitchFamily="34" charset="-122"/>
+                <a:latin typeface="+mn-ea"/>
+                <a:ea typeface="+mn-ea"/>
               </a:rPr>
               <a:t>部分</a:t>
             </a:r>
             <a:r>
               <a:rPr lang="en-US" altLang="zh-CN" sz="2000" dirty="0">
-                <a:latin typeface="微软雅黑" panose="020B0503020204020204" pitchFamily="34" charset="-122"/>
+                <a:latin typeface="+mn-ea"/>
+                <a:ea typeface="+mn-ea"/>
               </a:rPr>
               <a:t>)</a:t>
             </a:r>
             <a:r>
               <a:rPr lang="zh-CN" altLang="en-US" sz="2000" dirty="0">
-                <a:latin typeface="微软雅黑" panose="020B0503020204020204" pitchFamily="34" charset="-122"/>
+                <a:latin typeface="+mn-ea"/>
+                <a:ea typeface="+mn-ea"/>
               </a:rPr>
               <a:t>的</a:t>
             </a:r>
             <a:r>
               <a:rPr lang="en-US" altLang="zh-CN" sz="2000" dirty="0">
-                <a:latin typeface="微软雅黑" panose="020B0503020204020204" pitchFamily="34" charset="-122"/>
+                <a:latin typeface="+mn-ea"/>
+                <a:ea typeface="+mn-ea"/>
               </a:rPr>
               <a:t>cookie </a:t>
             </a:r>
             <a:r>
               <a:rPr lang="zh-CN" altLang="en-US" sz="2000" dirty="0">
-                <a:latin typeface="微软雅黑" panose="020B0503020204020204" pitchFamily="34" charset="-122"/>
+                <a:latin typeface="+mn-ea"/>
+                <a:ea typeface="+mn-ea"/>
               </a:rPr>
               <a:t>信息</a:t>
             </a:r>
             <a:endParaRPr lang="en-US" altLang="zh-CN" sz="2000" dirty="0">
-              <a:latin typeface="微软雅黑" panose="020B0503020204020204" pitchFamily="34" charset="-122"/>
+              <a:latin typeface="+mn-ea"/>
+              <a:ea typeface="+mn-ea"/>
             </a:endParaRPr>
           </a:p>
           <a:p>
@@ -20338,41 +20259,39 @@
             </a:pPr>
             <a:r>
               <a:rPr lang="en-US" altLang="zh-CN" sz="2000" dirty="0" err="1">
-                <a:latin typeface="微软雅黑" panose="020B0503020204020204" pitchFamily="34" charset="-122"/>
+                <a:latin typeface="+mn-ea"/>
+                <a:ea typeface="+mn-ea"/>
               </a:rPr>
               <a:t>delete_all_cookies</a:t>
             </a:r>
             <a:r>
               <a:rPr lang="en-US" altLang="zh-CN" sz="2000" dirty="0">
-                <a:latin typeface="微软雅黑" panose="020B0503020204020204" pitchFamily="34" charset="-122"/>
+                <a:latin typeface="+mn-ea"/>
+                <a:ea typeface="+mn-ea"/>
               </a:rPr>
               <a:t>()</a:t>
             </a:r>
             <a:r>
               <a:rPr lang="zh-CN" altLang="en-US" sz="2000" dirty="0">
-                <a:latin typeface="微软雅黑" panose="020B0503020204020204" pitchFamily="34" charset="-122"/>
+                <a:latin typeface="+mn-ea"/>
+                <a:ea typeface="+mn-ea"/>
               </a:rPr>
               <a:t>：删除所有</a:t>
             </a:r>
             <a:r>
               <a:rPr lang="en-US" altLang="zh-CN" sz="2000" dirty="0">
-                <a:latin typeface="微软雅黑" panose="020B0503020204020204" pitchFamily="34" charset="-122"/>
+                <a:latin typeface="+mn-ea"/>
+                <a:ea typeface="+mn-ea"/>
               </a:rPr>
               <a:t>cookie </a:t>
             </a:r>
             <a:r>
               <a:rPr lang="zh-CN" altLang="en-US" sz="2000" dirty="0">
-                <a:latin typeface="微软雅黑" panose="020B0503020204020204" pitchFamily="34" charset="-122"/>
+                <a:latin typeface="+mn-ea"/>
+                <a:ea typeface="+mn-ea"/>
               </a:rPr>
               <a:t>信息</a:t>
             </a:r>
-          </a:p>
-          <a:p>
-            <a:pPr lvl="1">
-              <a:buFont typeface="Wingdings" panose="05000000000000000000" pitchFamily="2" charset="2"/>
-              <a:buChar char="Ø"/>
-            </a:pPr>
-            <a:endParaRPr lang="zh-CN" altLang="en-US" sz="1500" dirty="0"/>
           </a:p>
           <a:p>
             <a:endParaRPr lang="zh-CN" altLang="en-US" sz="1350" dirty="0"/>
@@ -20391,8 +20310,8 @@
         </p:nvSpPr>
         <p:spPr>
           <a:xfrm>
-            <a:off x="251520" y="87474"/>
-            <a:ext cx="7344816" cy="448900"/>
+            <a:off x="251520" y="116632"/>
+            <a:ext cx="7344816" cy="598533"/>
           </a:xfrm>
         </p:spPr>
         <p:txBody>
@@ -20414,6 +20333,69 @@
               <a:t>的操作</a:t>
             </a:r>
             <a:endParaRPr lang="zh-CN" altLang="en-US" dirty="0"/>
+          </a:p>
+        </p:txBody>
+      </p:sp>
+      <p:sp>
+        <p:nvSpPr>
+          <p:cNvPr id="4" name="矩形 3"/>
+          <p:cNvSpPr/>
+          <p:nvPr/>
+        </p:nvSpPr>
+        <p:spPr>
+          <a:xfrm>
+            <a:off x="683568" y="5085184"/>
+            <a:ext cx="7920880" cy="1384995"/>
+          </a:xfrm>
+          <a:prstGeom prst="rect">
+            <a:avLst/>
+          </a:prstGeom>
+        </p:spPr>
+        <p:txBody>
+          <a:bodyPr wrap="square">
+            <a:spAutoFit/>
+          </a:bodyPr>
+          <a:lstStyle/>
+          <a:p>
+            <a:pPr lvl="1"/>
+            <a:r>
+              <a:rPr lang="en-US" altLang="zh-CN" sz="2800" dirty="0" err="1">
+                <a:latin typeface="Times New Roman" panose="02020603050405020304" pitchFamily="18" charset="0"/>
+                <a:cs typeface="Times New Roman" panose="02020603050405020304" pitchFamily="18" charset="0"/>
+              </a:rPr>
+              <a:t>driver.add_cookie</a:t>
+            </a:r>
+            <a:r>
+              <a:rPr lang="en-US" altLang="zh-CN" sz="2800" dirty="0">
+                <a:latin typeface="Times New Roman" panose="02020603050405020304" pitchFamily="18" charset="0"/>
+                <a:cs typeface="Times New Roman" panose="02020603050405020304" pitchFamily="18" charset="0"/>
+              </a:rPr>
+              <a:t>({'name' : 'foo', 'value' : 'bar'})</a:t>
+            </a:r>
+            <a:br>
+              <a:rPr lang="en-US" altLang="zh-CN" sz="2800" dirty="0">
+                <a:latin typeface="Times New Roman" panose="02020603050405020304" pitchFamily="18" charset="0"/>
+                <a:cs typeface="Times New Roman" panose="02020603050405020304" pitchFamily="18" charset="0"/>
+              </a:rPr>
+            </a:br>
+            <a:r>
+              <a:rPr lang="en-US" altLang="zh-CN" sz="2800" dirty="0" err="1">
+                <a:latin typeface="Times New Roman" panose="02020603050405020304" pitchFamily="18" charset="0"/>
+                <a:cs typeface="Times New Roman" panose="02020603050405020304" pitchFamily="18" charset="0"/>
+              </a:rPr>
+              <a:t>driver.add_cookie</a:t>
+            </a:r>
+            <a:r>
+              <a:rPr lang="en-US" altLang="zh-CN" sz="2800" dirty="0">
+                <a:latin typeface="Times New Roman" panose="02020603050405020304" pitchFamily="18" charset="0"/>
+                <a:cs typeface="Times New Roman" panose="02020603050405020304" pitchFamily="18" charset="0"/>
+              </a:rPr>
+              <a:t>({'name' : 'foo', 'value' : 'bar', 'path' : '/'})</a:t>
+            </a:r>
+            <a:endParaRPr lang="zh-CN" altLang="en-US" sz="2400" dirty="0">
+              <a:latin typeface="Times New Roman" panose="02020603050405020304" pitchFamily="18" charset="0"/>
+              <a:cs typeface="Times New Roman" panose="02020603050405020304" pitchFamily="18" charset="0"/>
+            </a:endParaRPr>
           </a:p>
         </p:txBody>
       </p:sp>
@@ -20466,13 +20448,13 @@
         </p:nvSpPr>
         <p:spPr>
           <a:xfrm>
-            <a:off x="110456" y="735546"/>
-            <a:ext cx="9001000" cy="3394472"/>
+            <a:off x="110456" y="980728"/>
+            <a:ext cx="9001000" cy="4525963"/>
           </a:xfrm>
         </p:spPr>
         <p:txBody>
           <a:bodyPr>
-            <a:normAutofit fontScale="85000" lnSpcReduction="10000"/>
+            <a:normAutofit fontScale="92500" lnSpcReduction="10000"/>
           </a:bodyPr>
           <a:lstStyle/>
           <a:p>
@@ -20760,14 +20742,12 @@
         </p:nvSpPr>
         <p:spPr>
           <a:xfrm>
-            <a:off x="611560" y="87474"/>
-            <a:ext cx="6491064" cy="486054"/>
+            <a:off x="611560" y="116632"/>
+            <a:ext cx="6491064" cy="648072"/>
           </a:xfrm>
         </p:spPr>
         <p:txBody>
-          <a:bodyPr>
-            <a:normAutofit fontScale="90000"/>
-          </a:bodyPr>
+          <a:bodyPr/>
           <a:lstStyle/>
           <a:p>
             <a:r>
@@ -20832,7 +20812,7 @@
         <p:spPr/>
         <p:txBody>
           <a:bodyPr>
-            <a:normAutofit fontScale="85000" lnSpcReduction="20000"/>
+            <a:normAutofit fontScale="92500" lnSpcReduction="20000"/>
           </a:bodyPr>
           <a:lstStyle/>
           <a:p>
@@ -21157,8 +21137,8 @@
         </p:nvSpPr>
         <p:spPr>
           <a:xfrm>
-            <a:off x="395536" y="141480"/>
-            <a:ext cx="6243869" cy="394894"/>
+            <a:off x="395536" y="188640"/>
+            <a:ext cx="6243869" cy="526525"/>
           </a:xfrm>
         </p:spPr>
         <p:txBody>
@@ -21290,9 +21270,7 @@
         </p:nvSpPr>
         <p:spPr/>
         <p:txBody>
-          <a:bodyPr>
-            <a:normAutofit fontScale="90000"/>
-          </a:bodyPr>
+          <a:bodyPr/>
           <a:lstStyle/>
           <a:p>
             <a:r>
@@ -21419,9 +21397,7 @@
         </p:nvSpPr>
         <p:spPr/>
         <p:txBody>
-          <a:bodyPr>
-            <a:normAutofit fontScale="90000"/>
-          </a:bodyPr>
+          <a:bodyPr/>
           <a:lstStyle/>
           <a:p>
             <a:r>
@@ -21548,9 +21524,7 @@
         </p:nvSpPr>
         <p:spPr/>
         <p:txBody>
-          <a:bodyPr>
-            <a:normAutofit fontScale="90000"/>
-          </a:bodyPr>
+          <a:bodyPr/>
           <a:lstStyle/>
           <a:p>
             <a:r>
@@ -21777,9 +21751,7 @@
         </p:nvSpPr>
         <p:spPr/>
         <p:txBody>
-          <a:bodyPr>
-            <a:normAutofit fontScale="90000"/>
-          </a:bodyPr>
+          <a:bodyPr/>
           <a:lstStyle/>
           <a:p>
             <a:r>
@@ -21847,8 +21819,8 @@
         </p:nvSpPr>
         <p:spPr>
           <a:xfrm>
-            <a:off x="534289" y="878325"/>
-            <a:ext cx="8229600" cy="3394472"/>
+            <a:off x="534289" y="1171099"/>
+            <a:ext cx="8229600" cy="4525963"/>
           </a:xfrm>
         </p:spPr>
         <p:txBody>
@@ -21936,8 +21908,8 @@
         </p:blipFill>
         <p:spPr bwMode="auto">
           <a:xfrm>
-            <a:off x="4067944" y="3443653"/>
-            <a:ext cx="5256584" cy="1287191"/>
+            <a:off x="4067944" y="4591537"/>
+            <a:ext cx="5256584" cy="1716255"/>
           </a:xfrm>
           <a:prstGeom prst="rect">
             <a:avLst/>
@@ -22000,8 +21972,8 @@
         </p:blipFill>
         <p:spPr bwMode="auto">
           <a:xfrm>
-            <a:off x="467545" y="1815666"/>
-            <a:ext cx="2551707" cy="1196113"/>
+            <a:off x="467544" y="2420888"/>
+            <a:ext cx="2551707" cy="1594817"/>
           </a:xfrm>
           <a:prstGeom prst="rect">
             <a:avLst/>
@@ -22041,8 +22013,8 @@
         </p:blipFill>
         <p:spPr bwMode="auto">
           <a:xfrm>
-            <a:off x="3902164" y="1533589"/>
-            <a:ext cx="1738354" cy="1303766"/>
+            <a:off x="3902164" y="2044784"/>
+            <a:ext cx="1738354" cy="1738355"/>
           </a:xfrm>
           <a:prstGeom prst="rect">
             <a:avLst/>
@@ -22082,8 +22054,8 @@
         </p:blipFill>
         <p:spPr bwMode="auto">
           <a:xfrm>
-            <a:off x="806662" y="3712203"/>
-            <a:ext cx="1873471" cy="750094"/>
+            <a:off x="806661" y="4949603"/>
+            <a:ext cx="1873471" cy="1000125"/>
           </a:xfrm>
           <a:prstGeom prst="rect">
             <a:avLst/>
@@ -22108,7 +22080,7 @@
         </p:nvSpPr>
         <p:spPr>
           <a:xfrm>
-            <a:off x="6030957" y="2185471"/>
+            <a:off x="6030957" y="2913962"/>
             <a:ext cx="2524730" cy="923330"/>
           </a:xfrm>
           <a:prstGeom prst="rect">
@@ -22217,6 +22189,47 @@
           </a:p>
         </p:txBody>
       </p:sp>
+      <p:pic>
+        <p:nvPicPr>
+          <p:cNvPr id="1026" name="Picture 2" descr="Logo"/>
+          <p:cNvPicPr>
+            <a:picLocks noChangeAspect="1" noChangeArrowheads="1"/>
+          </p:cNvPicPr>
+          <p:nvPr/>
+        </p:nvPicPr>
+        <p:blipFill>
+          <a:blip r:embed="rId7">
+            <a:extLst>
+              <a:ext uri="{28A0092B-C50C-407E-A947-70E740481C1C}">
+                <a14:useLocalDpi xmlns:a14="http://schemas.microsoft.com/office/drawing/2010/main" val="0"/>
+              </a:ext>
+            </a:extLst>
+          </a:blip>
+          <a:srcRect/>
+          <a:stretch>
+            <a:fillRect/>
+          </a:stretch>
+        </p:blipFill>
+        <p:spPr bwMode="auto">
+          <a:xfrm>
+            <a:off x="6444208" y="1060381"/>
+            <a:ext cx="1428750" cy="1362075"/>
+          </a:xfrm>
+          <a:prstGeom prst="rect">
+            <a:avLst/>
+          </a:prstGeom>
+          <a:noFill/>
+          <a:extLst>
+            <a:ext uri="{909E8E84-426E-40DD-AFC4-6F175D3DCCD1}">
+              <a14:hiddenFill xmlns:a14="http://schemas.microsoft.com/office/drawing/2010/main">
+                <a:solidFill>
+                  <a:srgbClr val="FFFFFF"/>
+                </a:solidFill>
+              </a14:hiddenFill>
+            </a:ext>
+          </a:extLst>
+        </p:spPr>
+      </p:pic>
     </p:spTree>
     <p:extLst>
       <p:ext uri="{BB962C8B-B14F-4D97-AF65-F5344CB8AC3E}">
@@ -22301,7 +22314,7 @@
         <p:spPr/>
         <p:txBody>
           <a:bodyPr>
-            <a:normAutofit fontScale="90000"/>
+            <a:normAutofit/>
           </a:bodyPr>
           <a:lstStyle/>
           <a:p>
@@ -22325,7 +22338,7 @@
         </p:nvSpPr>
         <p:spPr>
           <a:xfrm>
-            <a:off x="4280956" y="4051231"/>
+            <a:off x="4280956" y="5401641"/>
             <a:ext cx="3637190" cy="507831"/>
           </a:xfrm>
           <a:prstGeom prst="rect">
@@ -22422,8 +22435,8 @@
         </p:blipFill>
         <p:spPr bwMode="auto">
           <a:xfrm>
-            <a:off x="851277" y="1707654"/>
-            <a:ext cx="5248275" cy="2235994"/>
+            <a:off x="851276" y="2276872"/>
+            <a:ext cx="5248275" cy="2981325"/>
           </a:xfrm>
           <a:prstGeom prst="rect">
             <a:avLst/>
@@ -22554,8 +22567,8 @@
         </p:blipFill>
         <p:spPr bwMode="auto">
           <a:xfrm>
-            <a:off x="341008" y="680207"/>
-            <a:ext cx="3371850" cy="3943771"/>
+            <a:off x="341008" y="906942"/>
+            <a:ext cx="3371850" cy="5258361"/>
           </a:xfrm>
           <a:prstGeom prst="rect">
             <a:avLst/>
@@ -22618,8 +22631,8 @@
         </p:blipFill>
         <p:spPr bwMode="auto">
           <a:xfrm>
-            <a:off x="4211961" y="681540"/>
-            <a:ext cx="4432759" cy="4050450"/>
+            <a:off x="4211960" y="908720"/>
+            <a:ext cx="4432759" cy="5400600"/>
           </a:xfrm>
           <a:prstGeom prst="rect">
             <a:avLst/>
@@ -22825,9 +22838,7 @@
         </p:nvSpPr>
         <p:spPr/>
         <p:txBody>
-          <a:bodyPr>
-            <a:normAutofit fontScale="90000"/>
-          </a:bodyPr>
+          <a:bodyPr/>
           <a:lstStyle/>
           <a:p>
             <a:r>
@@ -22892,14 +22903,12 @@
         </p:nvSpPr>
         <p:spPr>
           <a:xfrm>
-            <a:off x="4644008" y="1258863"/>
-            <a:ext cx="3816424" cy="3394472"/>
+            <a:off x="4644008" y="1678483"/>
+            <a:ext cx="3816424" cy="4525963"/>
           </a:xfrm>
         </p:spPr>
         <p:txBody>
-          <a:bodyPr>
-            <a:normAutofit fontScale="92500" lnSpcReduction="10000"/>
-          </a:bodyPr>
+          <a:bodyPr/>
           <a:lstStyle/>
           <a:p>
             <a:pPr marL="0" indent="0">
@@ -23044,9 +23053,7 @@
         </p:nvSpPr>
         <p:spPr/>
         <p:txBody>
-          <a:bodyPr>
-            <a:normAutofit fontScale="90000"/>
-          </a:bodyPr>
+          <a:bodyPr/>
           <a:lstStyle/>
           <a:p>
             <a:r>
@@ -23084,8 +23091,8 @@
         </p:blipFill>
         <p:spPr bwMode="auto">
           <a:xfrm>
-            <a:off x="265276" y="789552"/>
-            <a:ext cx="4124325" cy="3294366"/>
+            <a:off x="265276" y="1052736"/>
+            <a:ext cx="4124325" cy="4392488"/>
           </a:xfrm>
           <a:prstGeom prst="rect">
             <a:avLst/>
@@ -23303,9 +23310,7 @@
         </p:nvSpPr>
         <p:spPr/>
         <p:txBody>
-          <a:bodyPr>
-            <a:normAutofit fontScale="90000"/>
-          </a:bodyPr>
+          <a:bodyPr/>
           <a:lstStyle/>
           <a:p>
             <a:r>
@@ -23370,8 +23375,8 @@
           </p:nvPr>
         </p:nvGraphicFramePr>
         <p:xfrm>
-          <a:off x="457200" y="1200151"/>
-          <a:ext cx="8229600" cy="3394472"/>
+          <a:off x="457200" y="1600200"/>
+          <a:ext cx="8229600" cy="4525963"/>
         </p:xfrm>
         <a:graphic>
           <a:graphicData uri="http://schemas.openxmlformats.org/drawingml/2006/diagram">
@@ -23391,9 +23396,7 @@
         </p:nvSpPr>
         <p:spPr/>
         <p:txBody>
-          <a:bodyPr>
-            <a:normAutofit fontScale="90000"/>
-          </a:bodyPr>
+          <a:bodyPr/>
           <a:lstStyle/>
           <a:p>
             <a:r>
@@ -23457,9 +23460,7 @@
         </p:nvSpPr>
         <p:spPr/>
         <p:txBody>
-          <a:bodyPr>
-            <a:normAutofit fontScale="92500" lnSpcReduction="10000"/>
-          </a:bodyPr>
+          <a:bodyPr/>
           <a:lstStyle/>
           <a:p>
             <a:pPr>
@@ -23638,9 +23639,7 @@
         </p:nvSpPr>
         <p:spPr/>
         <p:txBody>
-          <a:bodyPr>
-            <a:normAutofit fontScale="90000"/>
-          </a:bodyPr>
+          <a:bodyPr/>
           <a:lstStyle/>
           <a:p>
             <a:r>
@@ -23711,13 +23710,13 @@
         </p:nvSpPr>
         <p:spPr>
           <a:xfrm>
-            <a:off x="179512" y="735546"/>
-            <a:ext cx="8460630" cy="3755572"/>
+            <a:off x="179512" y="980728"/>
+            <a:ext cx="8460630" cy="5007429"/>
           </a:xfrm>
         </p:spPr>
         <p:txBody>
           <a:bodyPr>
-            <a:normAutofit fontScale="85000" lnSpcReduction="20000"/>
+            <a:normAutofit/>
           </a:bodyPr>
           <a:lstStyle/>
           <a:p>
@@ -23944,9 +23943,7 @@
         </p:nvSpPr>
         <p:spPr/>
         <p:txBody>
-          <a:bodyPr>
-            <a:normAutofit fontScale="90000"/>
-          </a:bodyPr>
+          <a:bodyPr/>
           <a:lstStyle/>
           <a:p>
             <a:r>
@@ -23968,7 +23965,7 @@
         </p:nvSpPr>
         <p:spPr>
           <a:xfrm>
-            <a:off x="3203848" y="3165816"/>
+            <a:off x="3203848" y="4221088"/>
             <a:ext cx="5616624" cy="1631216"/>
           </a:xfrm>
           <a:prstGeom prst="rect">
@@ -24183,8 +24180,8 @@
         </p:nvSpPr>
         <p:spPr>
           <a:xfrm>
-            <a:off x="323528" y="789553"/>
-            <a:ext cx="8229600" cy="3394472"/>
+            <a:off x="323528" y="1052736"/>
+            <a:ext cx="8229600" cy="4525963"/>
           </a:xfrm>
         </p:spPr>
         <p:txBody>
@@ -24535,9 +24532,7 @@
         </p:nvSpPr>
         <p:spPr/>
         <p:txBody>
-          <a:bodyPr>
-            <a:normAutofit fontScale="90000"/>
-          </a:bodyPr>
+          <a:bodyPr/>
           <a:lstStyle/>
           <a:p>
             <a:r>
@@ -24609,13 +24604,13 @@
         </p:nvSpPr>
         <p:spPr>
           <a:xfrm>
-            <a:off x="0" y="789552"/>
-            <a:ext cx="8982842" cy="3755572"/>
+            <a:off x="0" y="1052736"/>
+            <a:ext cx="8982842" cy="5007429"/>
           </a:xfrm>
         </p:spPr>
         <p:txBody>
           <a:bodyPr>
-            <a:normAutofit fontScale="85000" lnSpcReduction="20000"/>
+            <a:normAutofit fontScale="92500"/>
           </a:bodyPr>
           <a:lstStyle/>
           <a:p>
@@ -24746,9 +24741,7 @@
         </p:nvSpPr>
         <p:spPr/>
         <p:txBody>
-          <a:bodyPr>
-            <a:normAutofit fontScale="90000"/>
-          </a:bodyPr>
+          <a:bodyPr/>
           <a:lstStyle/>
           <a:p>
             <a:r>
@@ -24820,9 +24813,7 @@
         </p:nvSpPr>
         <p:spPr/>
         <p:txBody>
-          <a:bodyPr>
-            <a:normAutofit fontScale="92500"/>
-          </a:bodyPr>
+          <a:bodyPr/>
           <a:lstStyle/>
           <a:p>
             <a:pPr>
@@ -25062,9 +25053,7 @@
         </p:nvSpPr>
         <p:spPr/>
         <p:txBody>
-          <a:bodyPr>
-            <a:normAutofit fontScale="90000"/>
-          </a:bodyPr>
+          <a:bodyPr/>
           <a:lstStyle/>
           <a:p>
             <a:r>
@@ -25133,7 +25122,7 @@
         <p:spPr/>
         <p:txBody>
           <a:bodyPr>
-            <a:normAutofit fontScale="90000"/>
+            <a:normAutofit/>
           </a:bodyPr>
           <a:lstStyle/>
           <a:p>
@@ -25180,8 +25169,8 @@
         </p:blipFill>
         <p:spPr bwMode="auto">
           <a:xfrm>
-            <a:off x="2105000" y="1258321"/>
-            <a:ext cx="4862796" cy="2195172"/>
+            <a:off x="2105000" y="1677761"/>
+            <a:ext cx="4862796" cy="2926896"/>
           </a:xfrm>
           <a:prstGeom prst="rect">
             <a:avLst/>
@@ -25206,7 +25195,7 @@
         </p:nvSpPr>
         <p:spPr>
           <a:xfrm>
-            <a:off x="1691680" y="3813888"/>
+            <a:off x="1691680" y="5085184"/>
             <a:ext cx="6270672" cy="1338828"/>
           </a:xfrm>
           <a:prstGeom prst="rect">
@@ -25364,9 +25353,7 @@
         </p:nvSpPr>
         <p:spPr/>
         <p:txBody>
-          <a:bodyPr>
-            <a:normAutofit fontScale="90000"/>
-          </a:bodyPr>
+          <a:bodyPr/>
           <a:lstStyle/>
           <a:p>
             <a:r>
@@ -25400,8 +25387,8 @@
         </p:blipFill>
         <p:spPr bwMode="auto">
           <a:xfrm>
-            <a:off x="91108" y="1221600"/>
-            <a:ext cx="9052892" cy="2114550"/>
+            <a:off x="91108" y="1628800"/>
+            <a:ext cx="9052892" cy="2819400"/>
           </a:xfrm>
           <a:prstGeom prst="rect">
             <a:avLst/>
@@ -25483,8 +25470,8 @@
         </p:nvSpPr>
         <p:spPr>
           <a:xfrm>
-            <a:off x="395536" y="735546"/>
-            <a:ext cx="8229600" cy="3394472"/>
+            <a:off x="395536" y="980728"/>
+            <a:ext cx="8229600" cy="4525963"/>
           </a:xfrm>
         </p:spPr>
         <p:txBody>
@@ -25640,9 +25627,7 @@
         </p:nvSpPr>
         <p:spPr/>
         <p:txBody>
-          <a:bodyPr>
-            <a:normAutofit fontScale="90000"/>
-          </a:bodyPr>
+          <a:bodyPr/>
           <a:lstStyle/>
           <a:p>
             <a:r>
@@ -25675,8 +25660,8 @@
         </p:blipFill>
         <p:spPr>
           <a:xfrm>
-            <a:off x="2195737" y="3003799"/>
-            <a:ext cx="4301411" cy="1530950"/>
+            <a:off x="2195736" y="4005064"/>
+            <a:ext cx="4301411" cy="2041267"/>
           </a:xfrm>
           <a:prstGeom prst="rect">
             <a:avLst/>
@@ -25732,22 +25717,165 @@
         </p:nvSpPr>
         <p:spPr/>
         <p:txBody>
-          <a:bodyPr>
-            <a:normAutofit fontScale="90000"/>
+          <a:bodyPr/>
+          <a:lstStyle/>
+          <a:p>
+            <a:r>
+              <a:rPr lang="en-US" altLang="zh-CN" dirty="0" err="1"/>
+              <a:t>HTMLTestRunner</a:t>
+            </a:r>
+            <a:endParaRPr lang="zh-CN" altLang="en-US" dirty="0"/>
+          </a:p>
+        </p:txBody>
+      </p:sp>
+      <p:sp>
+        <p:nvSpPr>
+          <p:cNvPr id="3" name="Rectangle 1"/>
+          <p:cNvSpPr>
+            <a:spLocks noChangeArrowheads="1"/>
+          </p:cNvSpPr>
+          <p:nvPr/>
+        </p:nvSpPr>
+        <p:spPr bwMode="auto">
+          <a:xfrm>
+            <a:off x="224880" y="1075710"/>
+            <a:ext cx="7659488" cy="292388"/>
+          </a:xfrm>
+          <a:prstGeom prst="rect">
+            <a:avLst/>
+          </a:prstGeom>
+          <a:solidFill>
+            <a:srgbClr val="FFFFFF"/>
+          </a:solidFill>
+          <a:ln>
+            <a:noFill/>
+          </a:ln>
+          <a:effectLst/>
+          <a:extLst>
+            <a:ext uri="{91240B29-F687-4F45-9708-019B960494DF}">
+              <a14:hiddenLine xmlns:a14="http://schemas.microsoft.com/office/drawing/2010/main" w="9525">
+                <a:solidFill>
+                  <a:schemeClr val="tx1"/>
+                </a:solidFill>
+                <a:miter lim="800000"/>
+                <a:headEnd/>
+                <a:tailEnd/>
+              </a14:hiddenLine>
+            </a:ext>
+            <a:ext uri="{AF507438-7753-43E0-B8FC-AC1667EBCBE1}">
+              <a14:hiddenEffects xmlns:a14="http://schemas.microsoft.com/office/drawing/2010/main">
+                <a:effectLst>
+                  <a:outerShdw dist="35921" dir="2700000" algn="ctr" rotWithShape="0">
+                    <a:schemeClr val="bg2"/>
+                  </a:outerShdw>
+                </a:effectLst>
+              </a14:hiddenEffects>
+            </a:ext>
+          </a:extLst>
+        </p:spPr>
+        <p:txBody>
+          <a:bodyPr vert="horz" wrap="square" lIns="91440" tIns="45720" rIns="91440" bIns="45720" numCol="1" anchor="ctr" anchorCtr="0" compatLnSpc="1">
+            <a:prstTxWarp prst="textNoShape">
+              <a:avLst/>
+            </a:prstTxWarp>
+            <a:spAutoFit/>
           </a:bodyPr>
           <a:lstStyle/>
           <a:p>
-            <a:r>
-              <a:rPr lang="en-US" altLang="zh-CN" dirty="0" err="1"/>
+            <a:pPr marL="0" marR="0" lvl="0" indent="0" algn="l" defTabSz="914400" rtl="0" eaLnBrk="1" fontAlgn="base" latinLnBrk="0" hangingPunct="1">
+              <a:lnSpc>
+                <a:spcPct val="100000"/>
+              </a:lnSpc>
+              <a:spcBef>
+                <a:spcPct val="0"/>
+              </a:spcBef>
+              <a:spcAft>
+                <a:spcPct val="0"/>
+              </a:spcAft>
+              <a:buClrTx/>
+              <a:buSzTx/>
+              <a:buFontTx/>
+              <a:buNone/>
+              <a:tabLst/>
+            </a:pPr>
+            <a:r>
+              <a:rPr kumimoji="0" lang="zh-CN" altLang="zh-CN" sz="1300" b="1" i="0" u="none" strike="noStrike" cap="none" normalizeH="0" baseline="0" dirty="0" smtClean="0">
+                <a:ln>
+                  <a:noFill/>
+                </a:ln>
+                <a:solidFill>
+                  <a:srgbClr val="000080"/>
+                </a:solidFill>
+                <a:effectLst/>
+                <a:latin typeface="宋体" pitchFamily="2" charset="-122"/>
+                <a:ea typeface="宋体" pitchFamily="2" charset="-122"/>
+                <a:cs typeface="宋体" pitchFamily="2" charset="-122"/>
+              </a:rPr>
+              <a:t>from </a:t>
+            </a:r>
+            <a:r>
+              <a:rPr kumimoji="0" lang="zh-CN" altLang="zh-CN" sz="1300" b="0" i="0" u="none" strike="noStrike" cap="none" normalizeH="0" baseline="0" dirty="0" smtClean="0">
+                <a:ln>
+                  <a:noFill/>
+                </a:ln>
+                <a:solidFill>
+                  <a:srgbClr val="000000"/>
+                </a:solidFill>
+                <a:effectLst/>
+                <a:latin typeface="宋体" pitchFamily="2" charset="-122"/>
+                <a:ea typeface="宋体" pitchFamily="2" charset="-122"/>
+                <a:cs typeface="宋体" pitchFamily="2" charset="-122"/>
+              </a:rPr>
+              <a:t>HTMLTestRunner </a:t>
+            </a:r>
+            <a:r>
+              <a:rPr kumimoji="0" lang="zh-CN" altLang="zh-CN" sz="1300" b="1" i="0" u="none" strike="noStrike" cap="none" normalizeH="0" baseline="0" dirty="0" smtClean="0">
+                <a:ln>
+                  <a:noFill/>
+                </a:ln>
+                <a:solidFill>
+                  <a:srgbClr val="000080"/>
+                </a:solidFill>
+                <a:effectLst/>
+                <a:latin typeface="宋体" pitchFamily="2" charset="-122"/>
+                <a:ea typeface="宋体" pitchFamily="2" charset="-122"/>
+                <a:cs typeface="宋体" pitchFamily="2" charset="-122"/>
+              </a:rPr>
+              <a:t>import  </a:t>
+            </a:r>
+            <a:r>
+              <a:rPr kumimoji="0" lang="zh-CN" altLang="zh-CN" sz="1300" b="0" i="0" u="none" strike="noStrike" cap="none" normalizeH="0" baseline="0" dirty="0" smtClean="0">
+                <a:ln>
+                  <a:noFill/>
+                </a:ln>
+                <a:solidFill>
+                  <a:srgbClr val="000000"/>
+                </a:solidFill>
+                <a:effectLst/>
+                <a:latin typeface="宋体" pitchFamily="2" charset="-122"/>
+                <a:ea typeface="宋体" pitchFamily="2" charset="-122"/>
+                <a:cs typeface="宋体" pitchFamily="2" charset="-122"/>
+              </a:rPr>
               <a:t>HTMLTestRunner</a:t>
             </a:r>
-            <a:endParaRPr lang="zh-CN" altLang="en-US" dirty="0"/>
+            <a:endParaRPr kumimoji="0" lang="zh-CN" altLang="zh-CN" sz="1800" b="0" i="0" u="none" strike="noStrike" cap="none" normalizeH="0" baseline="0" dirty="0" smtClean="0">
+              <a:ln>
+                <a:noFill/>
+              </a:ln>
+              <a:solidFill>
+                <a:schemeClr val="tx1"/>
+              </a:solidFill>
+              <a:effectLst/>
+              <a:latin typeface="Arial" pitchFamily="34" charset="0"/>
+              <a:ea typeface="宋体" pitchFamily="2" charset="-122"/>
+              <a:cs typeface="宋体" pitchFamily="2" charset="-122"/>
+            </a:endParaRPr>
           </a:p>
         </p:txBody>
       </p:sp>
       <p:pic>
         <p:nvPicPr>
-          <p:cNvPr id="2050" name="Picture 2"/>
+          <p:cNvPr id="1026" name="Picture 2"/>
           <p:cNvPicPr>
             <a:picLocks noChangeAspect="1" noChangeArrowheads="1"/>
           </p:cNvPicPr>
@@ -25768,8 +25896,8 @@
         </p:blipFill>
         <p:spPr bwMode="auto">
           <a:xfrm>
-            <a:off x="251520" y="1383618"/>
-            <a:ext cx="8604448" cy="1864519"/>
+            <a:off x="600849" y="1407864"/>
+            <a:ext cx="7980363" cy="2847975"/>
           </a:xfrm>
           <a:prstGeom prst="rect">
             <a:avLst/>
@@ -25841,6 +25969,398 @@
       </p:grpSpPr>
       <p:sp>
         <p:nvSpPr>
+          <p:cNvPr id="5" name="标题 4"/>
+          <p:cNvSpPr>
+            <a:spLocks noGrp="1"/>
+          </p:cNvSpPr>
+          <p:nvPr>
+            <p:ph type="title"/>
+          </p:nvPr>
+        </p:nvSpPr>
+        <p:spPr/>
+        <p:txBody>
+          <a:bodyPr/>
+          <a:lstStyle/>
+          <a:p>
+            <a:r>
+              <a:rPr lang="en-US" altLang="zh-CN" dirty="0" err="1"/>
+              <a:t>HTMLTestRunner</a:t>
+            </a:r>
+            <a:endParaRPr lang="zh-CN" altLang="en-US" dirty="0"/>
+          </a:p>
+        </p:txBody>
+      </p:sp>
+      <p:sp>
+        <p:nvSpPr>
+          <p:cNvPr id="2" name="TextBox 1"/>
+          <p:cNvSpPr txBox="1"/>
+          <p:nvPr/>
+        </p:nvSpPr>
+        <p:spPr>
+          <a:xfrm>
+            <a:off x="372736" y="1340768"/>
+            <a:ext cx="8393777" cy="4145366"/>
+          </a:xfrm>
+          <a:prstGeom prst="rect">
+            <a:avLst/>
+          </a:prstGeom>
+          <a:noFill/>
+        </p:spPr>
+        <p:txBody>
+          <a:bodyPr wrap="square" rtlCol="0">
+            <a:spAutoFit/>
+          </a:bodyPr>
+          <a:lstStyle/>
+          <a:p>
+            <a:pPr>
+              <a:lnSpc>
+                <a:spcPts val="3200"/>
+              </a:lnSpc>
+            </a:pPr>
+            <a:r>
+              <a:rPr lang="zh-CN" altLang="en-US" sz="2400" dirty="0" smtClean="0">
+                <a:latin typeface="+mn-ea"/>
+              </a:rPr>
+              <a:t>使用步骤：</a:t>
+            </a:r>
+            <a:endParaRPr lang="en-US" altLang="zh-CN" sz="2400" dirty="0" smtClean="0">
+              <a:latin typeface="+mn-ea"/>
+            </a:endParaRPr>
+          </a:p>
+          <a:p>
+            <a:pPr>
+              <a:lnSpc>
+                <a:spcPts val="3200"/>
+              </a:lnSpc>
+            </a:pPr>
+            <a:r>
+              <a:rPr lang="en-US" altLang="zh-CN" sz="2400" dirty="0" smtClean="0">
+                <a:latin typeface="+mn-ea"/>
+              </a:rPr>
+              <a:t>1</a:t>
+            </a:r>
+            <a:r>
+              <a:rPr lang="zh-CN" altLang="en-US" sz="2400" dirty="0" smtClean="0">
+                <a:latin typeface="+mn-ea"/>
+              </a:rPr>
+              <a:t>、导入</a:t>
+            </a:r>
+            <a:r>
+              <a:rPr lang="en-US" altLang="zh-CN" sz="2400" dirty="0" err="1" smtClean="0">
+                <a:latin typeface="+mn-ea"/>
+              </a:rPr>
+              <a:t>HTMLTestRunner</a:t>
+            </a:r>
+            <a:endParaRPr lang="en-US" altLang="zh-CN" sz="2400" dirty="0" smtClean="0">
+              <a:latin typeface="+mn-ea"/>
+            </a:endParaRPr>
+          </a:p>
+          <a:p>
+            <a:pPr>
+              <a:lnSpc>
+                <a:spcPts val="3200"/>
+              </a:lnSpc>
+            </a:pPr>
+            <a:r>
+              <a:rPr lang="en-US" altLang="zh-CN" sz="2400" dirty="0" smtClean="0">
+                <a:latin typeface="+mn-ea"/>
+              </a:rPr>
+              <a:t>2</a:t>
+            </a:r>
+            <a:r>
+              <a:rPr lang="zh-CN" altLang="en-US" sz="2400" dirty="0" smtClean="0">
+                <a:latin typeface="+mn-ea"/>
+              </a:rPr>
+              <a:t>、通过</a:t>
+            </a:r>
+            <a:r>
+              <a:rPr lang="en-US" altLang="zh-CN" sz="2400" dirty="0" smtClean="0">
+                <a:latin typeface="+mn-ea"/>
+              </a:rPr>
+              <a:t>open()</a:t>
+            </a:r>
+            <a:r>
+              <a:rPr lang="zh-CN" altLang="en-US" sz="2400" dirty="0" smtClean="0">
+                <a:latin typeface="+mn-ea"/>
+              </a:rPr>
+              <a:t>方法以二进制写方式打开当前目录的</a:t>
+            </a:r>
+            <a:r>
+              <a:rPr lang="en-US" altLang="zh-CN" sz="2400" dirty="0" smtClean="0">
+                <a:latin typeface="+mn-ea"/>
+              </a:rPr>
+              <a:t>result.html</a:t>
+            </a:r>
+            <a:r>
+              <a:rPr lang="zh-CN" altLang="en-US" sz="2400" dirty="0" smtClean="0">
+                <a:latin typeface="+mn-ea"/>
+              </a:rPr>
+              <a:t>，如果没有，则自行创建该文件</a:t>
+            </a:r>
+            <a:endParaRPr lang="en-US" altLang="zh-CN" sz="2400" dirty="0" smtClean="0">
+              <a:latin typeface="+mn-ea"/>
+            </a:endParaRPr>
+          </a:p>
+          <a:p>
+            <a:pPr>
+              <a:lnSpc>
+                <a:spcPts val="3200"/>
+              </a:lnSpc>
+            </a:pPr>
+            <a:r>
+              <a:rPr lang="en-US" altLang="zh-CN" sz="2400" dirty="0" smtClean="0">
+                <a:latin typeface="+mn-ea"/>
+              </a:rPr>
+              <a:t>3</a:t>
+            </a:r>
+            <a:r>
+              <a:rPr lang="zh-CN" altLang="en-US" sz="2400" dirty="0" smtClean="0">
+                <a:latin typeface="+mn-ea"/>
+              </a:rPr>
+              <a:t>、调用</a:t>
+            </a:r>
+            <a:r>
+              <a:rPr lang="zh-CN" altLang="zh-CN" sz="2400" dirty="0" smtClean="0">
+                <a:solidFill>
+                  <a:srgbClr val="000000"/>
+                </a:solidFill>
+                <a:latin typeface="+mn-ea"/>
+                <a:cs typeface="宋体" pitchFamily="2" charset="-122"/>
+              </a:rPr>
+              <a:t>HTMLTestRunner</a:t>
+            </a:r>
+            <a:r>
+              <a:rPr lang="zh-CN" altLang="en-US" sz="2400" dirty="0" smtClean="0">
+                <a:solidFill>
+                  <a:srgbClr val="000000"/>
+                </a:solidFill>
+                <a:latin typeface="+mn-ea"/>
+                <a:cs typeface="宋体" pitchFamily="2" charset="-122"/>
+              </a:rPr>
+              <a:t>下的</a:t>
+            </a:r>
+            <a:r>
+              <a:rPr lang="zh-CN" altLang="zh-CN" sz="2400" dirty="0" smtClean="0">
+                <a:solidFill>
+                  <a:srgbClr val="000000"/>
+                </a:solidFill>
+                <a:latin typeface="+mn-ea"/>
+                <a:cs typeface="宋体" pitchFamily="2" charset="-122"/>
+              </a:rPr>
+              <a:t>HTMLTestRunner</a:t>
+            </a:r>
+            <a:r>
+              <a:rPr lang="zh-CN" altLang="en-US" sz="2400" dirty="0" smtClean="0">
+                <a:solidFill>
+                  <a:srgbClr val="000000"/>
+                </a:solidFill>
+                <a:latin typeface="+mn-ea"/>
+                <a:cs typeface="宋体" pitchFamily="2" charset="-122"/>
+              </a:rPr>
+              <a:t>类，</a:t>
+            </a:r>
+            <a:r>
+              <a:rPr lang="en-US" altLang="zh-CN" sz="2400" dirty="0" smtClean="0">
+                <a:solidFill>
+                  <a:srgbClr val="000000"/>
+                </a:solidFill>
+                <a:latin typeface="+mn-ea"/>
+                <a:cs typeface="宋体" pitchFamily="2" charset="-122"/>
+              </a:rPr>
+              <a:t>stream</a:t>
+            </a:r>
+            <a:r>
+              <a:rPr lang="zh-CN" altLang="en-US" sz="2400" dirty="0" smtClean="0">
+                <a:solidFill>
+                  <a:srgbClr val="000000"/>
+                </a:solidFill>
+                <a:latin typeface="+mn-ea"/>
+                <a:cs typeface="宋体" pitchFamily="2" charset="-122"/>
+              </a:rPr>
+              <a:t>指定测试报告文件，</a:t>
+            </a:r>
+            <a:r>
+              <a:rPr lang="en-US" altLang="zh-CN" sz="2400" dirty="0" smtClean="0">
+                <a:solidFill>
+                  <a:srgbClr val="000000"/>
+                </a:solidFill>
+                <a:latin typeface="+mn-ea"/>
+                <a:cs typeface="宋体" pitchFamily="2" charset="-122"/>
+              </a:rPr>
+              <a:t>title</a:t>
+            </a:r>
+            <a:r>
+              <a:rPr lang="zh-CN" altLang="en-US" sz="2400" dirty="0" smtClean="0">
+                <a:solidFill>
+                  <a:srgbClr val="000000"/>
+                </a:solidFill>
+                <a:latin typeface="+mn-ea"/>
+                <a:cs typeface="宋体" pitchFamily="2" charset="-122"/>
+              </a:rPr>
+              <a:t>定义测试报告的标题，</a:t>
+            </a:r>
+            <a:r>
+              <a:rPr lang="en-US" altLang="zh-CN" sz="2400" dirty="0" smtClean="0">
+                <a:latin typeface="+mn-ea"/>
+              </a:rPr>
+              <a:t>description</a:t>
+            </a:r>
+            <a:r>
+              <a:rPr lang="zh-CN" altLang="en-US" sz="2400" dirty="0" smtClean="0">
+                <a:latin typeface="+mn-ea"/>
+              </a:rPr>
+              <a:t>用于定义测试报告的副标题</a:t>
+            </a:r>
+            <a:endParaRPr lang="en-US" altLang="zh-CN" sz="2400" dirty="0" smtClean="0">
+              <a:latin typeface="+mn-ea"/>
+            </a:endParaRPr>
+          </a:p>
+          <a:p>
+            <a:pPr>
+              <a:lnSpc>
+                <a:spcPts val="3200"/>
+              </a:lnSpc>
+            </a:pPr>
+            <a:r>
+              <a:rPr lang="en-US" altLang="zh-CN" sz="2400" dirty="0" smtClean="0">
+                <a:latin typeface="+mn-ea"/>
+              </a:rPr>
+              <a:t>4</a:t>
+            </a:r>
+            <a:r>
+              <a:rPr lang="zh-CN" altLang="en-US" sz="2400" dirty="0" smtClean="0">
+                <a:latin typeface="+mn-ea"/>
+              </a:rPr>
+              <a:t>、通过</a:t>
+            </a:r>
+            <a:r>
+              <a:rPr lang="zh-CN" altLang="zh-CN" sz="2400" dirty="0" smtClean="0">
+                <a:solidFill>
+                  <a:srgbClr val="000000"/>
+                </a:solidFill>
+                <a:latin typeface="+mn-ea"/>
+                <a:cs typeface="宋体" pitchFamily="2" charset="-122"/>
+              </a:rPr>
+              <a:t>HTMLTestRunner</a:t>
+            </a:r>
+            <a:r>
+              <a:rPr lang="zh-CN" altLang="en-US" sz="2400" dirty="0" smtClean="0">
+                <a:solidFill>
+                  <a:srgbClr val="000000"/>
+                </a:solidFill>
+                <a:latin typeface="+mn-ea"/>
+                <a:cs typeface="宋体" pitchFamily="2" charset="-122"/>
+              </a:rPr>
+              <a:t>的</a:t>
+            </a:r>
+            <a:r>
+              <a:rPr lang="en-US" altLang="zh-CN" sz="2400" dirty="0" smtClean="0">
+                <a:solidFill>
+                  <a:srgbClr val="000000"/>
+                </a:solidFill>
+                <a:latin typeface="+mn-ea"/>
+                <a:cs typeface="宋体" pitchFamily="2" charset="-122"/>
+              </a:rPr>
+              <a:t>run()</a:t>
+            </a:r>
+            <a:r>
+              <a:rPr lang="zh-CN" altLang="en-US" sz="2400" dirty="0" smtClean="0">
+                <a:solidFill>
+                  <a:srgbClr val="000000"/>
+                </a:solidFill>
+                <a:latin typeface="+mn-ea"/>
+                <a:cs typeface="宋体" pitchFamily="2" charset="-122"/>
+              </a:rPr>
+              <a:t>方法来运行测试套件中所组装的测试用例</a:t>
+            </a:r>
+            <a:endParaRPr lang="en-US" altLang="zh-CN" sz="2400" dirty="0" smtClean="0">
+              <a:solidFill>
+                <a:srgbClr val="000000"/>
+              </a:solidFill>
+              <a:latin typeface="+mn-ea"/>
+              <a:cs typeface="宋体" pitchFamily="2" charset="-122"/>
+            </a:endParaRPr>
+          </a:p>
+          <a:p>
+            <a:pPr>
+              <a:lnSpc>
+                <a:spcPts val="3200"/>
+              </a:lnSpc>
+            </a:pPr>
+            <a:r>
+              <a:rPr lang="en-US" altLang="zh-CN" sz="2400" dirty="0" smtClean="0">
+                <a:solidFill>
+                  <a:srgbClr val="000000"/>
+                </a:solidFill>
+                <a:latin typeface="+mn-ea"/>
+              </a:rPr>
+              <a:t>5</a:t>
+            </a:r>
+            <a:r>
+              <a:rPr lang="zh-CN" altLang="en-US" sz="2400" dirty="0" smtClean="0">
+                <a:solidFill>
+                  <a:srgbClr val="000000"/>
+                </a:solidFill>
+                <a:latin typeface="+mn-ea"/>
+              </a:rPr>
+              <a:t>、通过</a:t>
+            </a:r>
+            <a:r>
+              <a:rPr lang="en-US" altLang="zh-CN" sz="2400" dirty="0" smtClean="0">
+                <a:solidFill>
+                  <a:srgbClr val="000000"/>
+                </a:solidFill>
+                <a:latin typeface="+mn-ea"/>
+              </a:rPr>
+              <a:t>close()</a:t>
+            </a:r>
+            <a:r>
+              <a:rPr lang="zh-CN" altLang="en-US" sz="2400" dirty="0" smtClean="0">
+                <a:solidFill>
+                  <a:srgbClr val="000000"/>
+                </a:solidFill>
+                <a:latin typeface="+mn-ea"/>
+              </a:rPr>
+              <a:t>关闭测试报告文件</a:t>
+            </a:r>
+            <a:endParaRPr lang="zh-CN" altLang="en-US" sz="2400" dirty="0">
+              <a:latin typeface="+mn-ea"/>
+            </a:endParaRPr>
+          </a:p>
+        </p:txBody>
+      </p:sp>
+    </p:spTree>
+    <p:extLst>
+      <p:ext uri="{BB962C8B-B14F-4D97-AF65-F5344CB8AC3E}">
+        <p14:creationId xmlns:p14="http://schemas.microsoft.com/office/powerpoint/2010/main" val="1521701103"/>
+      </p:ext>
+    </p:extLst>
+  </p:cSld>
+  <p:clrMapOvr>
+    <a:masterClrMapping/>
+  </p:clrMapOvr>
+</p:sld>
+</file>
+
+<file path=ppt/slides/slide54.xml><?xml version="1.0" encoding="utf-8"?>
+<p:sld xmlns:a="http://schemas.openxmlformats.org/drawingml/2006/main" xmlns:r="http://schemas.openxmlformats.org/officeDocument/2006/relationships" xmlns:p="http://schemas.openxmlformats.org/presentationml/2006/main">
+  <p:cSld>
+    <p:spTree>
+      <p:nvGrpSpPr>
+        <p:cNvPr id="1" name=""/>
+        <p:cNvGrpSpPr/>
+        <p:nvPr/>
+      </p:nvGrpSpPr>
+      <p:grpSpPr>
+        <a:xfrm>
+          <a:off x="0" y="0"/>
+          <a:ext cx="0" cy="0"/>
+          <a:chOff x="0" y="0"/>
+          <a:chExt cx="0" cy="0"/>
+        </a:xfrm>
+      </p:grpSpPr>
+      <p:sp>
+        <p:nvSpPr>
           <p:cNvPr id="3" name="内容占位符 2"/>
           <p:cNvSpPr>
             <a:spLocks noGrp="1"/>
@@ -25849,10 +26369,81 @@
             <p:ph idx="1"/>
           </p:nvPr>
         </p:nvSpPr>
-        <p:spPr/>
+        <p:spPr>
+          <a:xfrm>
+            <a:off x="323528" y="1340768"/>
+            <a:ext cx="8640960" cy="4525963"/>
+          </a:xfrm>
+        </p:spPr>
         <p:txBody>
-          <a:bodyPr/>
+          <a:bodyPr>
+            <a:noAutofit/>
+          </a:bodyPr>
           <a:lstStyle/>
+          <a:p>
+            <a:pPr marL="0" indent="0">
+              <a:lnSpc>
+                <a:spcPct val="150000"/>
+              </a:lnSpc>
+              <a:spcBef>
+                <a:spcPts val="0"/>
+              </a:spcBef>
+              <a:buNone/>
+            </a:pPr>
+            <a:r>
+              <a:rPr lang="en-US" altLang="zh-CN" sz="2400" dirty="0"/>
+              <a:t>Python</a:t>
+            </a:r>
+            <a:r>
+              <a:rPr lang="zh-CN" altLang="en-US" sz="2400" dirty="0"/>
+              <a:t>对</a:t>
+            </a:r>
+            <a:r>
+              <a:rPr lang="en-US" altLang="zh-CN" sz="2400" dirty="0"/>
+              <a:t>SMTP</a:t>
+            </a:r>
+            <a:r>
+              <a:rPr lang="zh-CN" altLang="en-US" sz="2400" dirty="0"/>
+              <a:t>支持有</a:t>
+            </a:r>
+            <a:r>
+              <a:rPr lang="en-US" altLang="zh-CN" sz="2400" dirty="0" err="1"/>
+              <a:t>smtplib</a:t>
+            </a:r>
+            <a:r>
+              <a:rPr lang="zh-CN" altLang="en-US" sz="2400" dirty="0"/>
+              <a:t>和</a:t>
+            </a:r>
+            <a:r>
+              <a:rPr lang="en-US" altLang="zh-CN" sz="2400" dirty="0"/>
+              <a:t>email</a:t>
+            </a:r>
+            <a:r>
+              <a:rPr lang="zh-CN" altLang="en-US" sz="2400" dirty="0"/>
+              <a:t>两个模块，</a:t>
+            </a:r>
+            <a:r>
+              <a:rPr lang="en-US" altLang="zh-CN" sz="2400" dirty="0"/>
+              <a:t>email</a:t>
+            </a:r>
+            <a:r>
+              <a:rPr lang="zh-CN" altLang="en-US" sz="2400" dirty="0"/>
+              <a:t>负责构造邮件，</a:t>
+            </a:r>
+            <a:r>
+              <a:rPr lang="en-US" altLang="zh-CN" sz="2400" dirty="0" err="1"/>
+              <a:t>smtplib</a:t>
+            </a:r>
+            <a:r>
+              <a:rPr lang="zh-CN" altLang="en-US" sz="2400" dirty="0"/>
+              <a:t>负责发送</a:t>
+            </a:r>
+            <a:r>
+              <a:rPr lang="zh-CN" altLang="en-US" sz="2400" dirty="0" smtClean="0"/>
+              <a:t>邮件。</a:t>
+            </a:r>
+            <a:endParaRPr lang="en-US" altLang="zh-CN" sz="2400" dirty="0" smtClean="0"/>
+          </a:p>
           <a:p>
             <a:pPr marL="457200" indent="-457200">
               <a:lnSpc>
@@ -25865,30 +26456,22 @@
               <a:buAutoNum type="arabicPeriod"/>
             </a:pPr>
             <a:r>
-              <a:rPr lang="zh-CN" altLang="en-US" sz="2400" dirty="0" smtClean="0">
-                <a:latin typeface="微软雅黑" panose="020B0503020204020204" pitchFamily="34" charset="-122"/>
-              </a:rPr>
+              <a:rPr lang="zh-CN" altLang="en-US" sz="2400" dirty="0" smtClean="0"/>
               <a:t>发送</a:t>
             </a:r>
             <a:r>
-              <a:rPr lang="en-US" altLang="zh-CN" sz="2400" dirty="0" smtClean="0">
-                <a:latin typeface="微软雅黑" panose="020B0503020204020204" pitchFamily="34" charset="-122"/>
-              </a:rPr>
+              <a:rPr lang="en-US" altLang="zh-CN" sz="2400" dirty="0" smtClean="0"/>
               <a:t>HTML</a:t>
             </a:r>
             <a:r>
-              <a:rPr lang="zh-CN" altLang="en-US" sz="2400" dirty="0" smtClean="0">
-                <a:latin typeface="微软雅黑" panose="020B0503020204020204" pitchFamily="34" charset="-122"/>
-              </a:rPr>
+              <a:rPr lang="zh-CN" altLang="en-US" sz="2400" dirty="0" smtClean="0"/>
               <a:t>格式的邮件 </a:t>
             </a:r>
             <a:r>
               <a:rPr lang="en-US" altLang="zh-CN" sz="2400" dirty="0"/>
               <a:t>send_mail1.py</a:t>
             </a:r>
-            <a:endParaRPr lang="en-US" altLang="zh-CN" sz="2400" dirty="0" smtClean="0">
-              <a:latin typeface="微软雅黑" panose="020B0503020204020204" pitchFamily="34" charset="-122"/>
-            </a:endParaRPr>
+            <a:endParaRPr lang="en-US" altLang="zh-CN" sz="2400" dirty="0" smtClean="0"/>
           </a:p>
           <a:p>
             <a:pPr marL="457200" indent="-457200">
@@ -25902,18 +26485,14 @@
               <a:buAutoNum type="arabicPeriod"/>
             </a:pPr>
             <a:r>
-              <a:rPr lang="zh-CN" altLang="en-US" sz="2400" dirty="0" smtClean="0">
-                <a:latin typeface="微软雅黑" panose="020B0503020204020204" pitchFamily="34" charset="-122"/>
-              </a:rPr>
+              <a:rPr lang="zh-CN" altLang="en-US" sz="2400" dirty="0" smtClean="0"/>
               <a:t>发送带附件的邮件 </a:t>
             </a:r>
             <a:r>
               <a:rPr lang="en-US" altLang="zh-CN" sz="2400" dirty="0"/>
               <a:t>send_mail2.py</a:t>
             </a:r>
-            <a:endParaRPr lang="en-US" altLang="zh-CN" sz="2400" dirty="0" smtClean="0">
-              <a:latin typeface="微软雅黑" panose="020B0503020204020204" pitchFamily="34" charset="-122"/>
-            </a:endParaRPr>
+            <a:endParaRPr lang="en-US" altLang="zh-CN" sz="2400" dirty="0" smtClean="0"/>
           </a:p>
           <a:p>
             <a:pPr marL="457200" indent="-457200">
@@ -25927,18 +26506,14 @@
               <a:buAutoNum type="arabicPeriod"/>
             </a:pPr>
             <a:r>
-              <a:rPr lang="zh-CN" altLang="en-US" sz="2400" dirty="0" smtClean="0">
-                <a:latin typeface="微软雅黑" panose="020B0503020204020204" pitchFamily="34" charset="-122"/>
-              </a:rPr>
+              <a:rPr lang="zh-CN" altLang="en-US" sz="2400" dirty="0" smtClean="0"/>
               <a:t>查找最新的测试报告 </a:t>
             </a:r>
             <a:r>
               <a:rPr lang="en-US" altLang="zh-CN" sz="2400" dirty="0"/>
               <a:t>find_file.py</a:t>
             </a:r>
-            <a:endParaRPr lang="en-US" altLang="zh-CN" sz="2400" dirty="0" smtClean="0">
-              <a:latin typeface="微软雅黑" panose="020B0503020204020204" pitchFamily="34" charset="-122"/>
-            </a:endParaRPr>
+            <a:endParaRPr lang="en-US" altLang="zh-CN" sz="2400" dirty="0" smtClean="0"/>
           </a:p>
           <a:p>
             <a:pPr marL="457200" indent="-457200">
@@ -25952,18 +26527,14 @@
               <a:buAutoNum type="arabicPeriod"/>
             </a:pPr>
             <a:r>
-              <a:rPr lang="zh-CN" altLang="en-US" sz="2400" dirty="0" smtClean="0">
-                <a:latin typeface="微软雅黑" panose="020B0503020204020204" pitchFamily="34" charset="-122"/>
-              </a:rPr>
+              <a:rPr lang="zh-CN" altLang="en-US" sz="2400" dirty="0" smtClean="0"/>
               <a:t>整合自动发送邮件的功能 </a:t>
             </a:r>
             <a:r>
               <a:rPr lang="en-US" altLang="zh-CN" sz="2400" dirty="0"/>
               <a:t>run_all_test_sendmail.py</a:t>
             </a:r>
-            <a:endParaRPr lang="zh-CN" altLang="en-US" sz="2400" dirty="0">
-              <a:latin typeface="微软雅黑" panose="020B0503020204020204" pitchFamily="34" charset="-122"/>
-            </a:endParaRPr>
+            <a:endParaRPr lang="zh-CN" altLang="en-US" sz="2400" dirty="0"/>
           </a:p>
         </p:txBody>
       </p:sp>
@@ -25979,9 +26550,7 @@
         </p:nvSpPr>
         <p:spPr/>
         <p:txBody>
-          <a:bodyPr>
-            <a:normAutofit fontScale="90000"/>
-          </a:bodyPr>
+          <a:bodyPr/>
           <a:lstStyle/>
           <a:p>
             <a:r>
@@ -26013,7 +26582,504 @@
 </p:sld>
 </file>
 
-<file path=ppt/slides/slide54.xml><?xml version="1.0" encoding="utf-8"?>
+<file path=ppt/slides/slide55.xml><?xml version="1.0" encoding="utf-8"?>
+<p:sld xmlns:a="http://schemas.openxmlformats.org/drawingml/2006/main" xmlns:r="http://schemas.openxmlformats.org/officeDocument/2006/relationships" xmlns:p="http://schemas.openxmlformats.org/presentationml/2006/main">
+  <p:cSld>
+    <p:spTree>
+      <p:nvGrpSpPr>
+        <p:cNvPr id="1" name=""/>
+        <p:cNvGrpSpPr/>
+        <p:nvPr/>
+      </p:nvGrpSpPr>
+      <p:grpSpPr>
+        <a:xfrm>
+          <a:off x="0" y="0"/>
+          <a:ext cx="0" cy="0"/>
+          <a:chOff x="0" y="0"/>
+          <a:chExt cx="0" cy="0"/>
+        </a:xfrm>
+      </p:grpSpPr>
+      <p:sp>
+        <p:nvSpPr>
+          <p:cNvPr id="2" name="标题 1"/>
+          <p:cNvSpPr>
+            <a:spLocks noGrp="1"/>
+          </p:cNvSpPr>
+          <p:nvPr>
+            <p:ph type="title"/>
+          </p:nvPr>
+        </p:nvSpPr>
+        <p:spPr/>
+        <p:txBody>
+          <a:bodyPr/>
+          <a:lstStyle/>
+          <a:p>
+            <a:r>
+              <a:rPr lang="zh-CN" altLang="en-US" dirty="0" smtClean="0"/>
+              <a:t>实现邮件发送的功能</a:t>
+            </a:r>
+            <a:endParaRPr lang="zh-CN" altLang="en-US" dirty="0"/>
+          </a:p>
+        </p:txBody>
+      </p:sp>
+      <p:pic>
+        <p:nvPicPr>
+          <p:cNvPr id="2050" name="Picture 2"/>
+          <p:cNvPicPr>
+            <a:picLocks noChangeAspect="1" noChangeArrowheads="1"/>
+          </p:cNvPicPr>
+          <p:nvPr/>
+        </p:nvPicPr>
+        <p:blipFill>
+          <a:blip r:embed="rId3">
+            <a:extLst>
+              <a:ext uri="{28A0092B-C50C-407E-A947-70E740481C1C}">
+                <a14:useLocalDpi xmlns:a14="http://schemas.microsoft.com/office/drawing/2010/main" val="0"/>
+              </a:ext>
+            </a:extLst>
+          </a:blip>
+          <a:srcRect/>
+          <a:stretch>
+            <a:fillRect/>
+          </a:stretch>
+        </p:blipFill>
+        <p:spPr bwMode="auto">
+          <a:xfrm>
+            <a:off x="683568" y="908720"/>
+            <a:ext cx="6336704" cy="5820592"/>
+          </a:xfrm>
+          <a:prstGeom prst="rect">
+            <a:avLst/>
+          </a:prstGeom>
+          <a:noFill/>
+          <a:ln>
+            <a:noFill/>
+          </a:ln>
+          <a:effectLst/>
+          <a:extLst>
+            <a:ext uri="{909E8E84-426E-40DD-AFC4-6F175D3DCCD1}">
+              <a14:hiddenFill xmlns:a14="http://schemas.microsoft.com/office/drawing/2010/main">
+                <a:solidFill>
+                  <a:schemeClr val="accent1"/>
+                </a:solidFill>
+              </a14:hiddenFill>
+            </a:ext>
+            <a:ext uri="{91240B29-F687-4F45-9708-019B960494DF}">
+              <a14:hiddenLine xmlns:a14="http://schemas.microsoft.com/office/drawing/2010/main" w="9525">
+                <a:solidFill>
+                  <a:schemeClr val="tx1"/>
+                </a:solidFill>
+                <a:miter lim="800000"/>
+                <a:headEnd/>
+                <a:tailEnd/>
+              </a14:hiddenLine>
+            </a:ext>
+            <a:ext uri="{AF507438-7753-43E0-B8FC-AC1667EBCBE1}">
+              <a14:hiddenEffects xmlns:a14="http://schemas.microsoft.com/office/drawing/2010/main">
+                <a:effectLst>
+                  <a:outerShdw dist="35921" dir="2700000" algn="ctr" rotWithShape="0">
+                    <a:schemeClr val="bg2"/>
+                  </a:outerShdw>
+                </a:effectLst>
+              </a14:hiddenEffects>
+            </a:ext>
+          </a:extLst>
+        </p:spPr>
+      </p:pic>
+    </p:spTree>
+    <p:extLst>
+      <p:ext uri="{BB962C8B-B14F-4D97-AF65-F5344CB8AC3E}">
+        <p14:creationId xmlns:p14="http://schemas.microsoft.com/office/powerpoint/2010/main" val="423497251"/>
+      </p:ext>
+    </p:extLst>
+  </p:cSld>
+  <p:clrMapOvr>
+    <a:masterClrMapping/>
+  </p:clrMapOvr>
+  <mc:AlternateContent xmlns:mc="http://schemas.openxmlformats.org/markup-compatibility/2006" xmlns:p14="http://schemas.microsoft.com/office/powerpoint/2010/main">
+    <mc:Choice Requires="p14">
+      <p:transition spd="slow" p14:dur="2000"/>
+    </mc:Choice>
+    <mc:Fallback xmlns="">
+      <p:transition spd="slow"/>
+    </mc:Fallback>
+  </mc:AlternateContent>
+</p:sld>
+</file>
+
+<file path=ppt/slides/slide56.xml><?xml version="1.0" encoding="utf-8"?>
+<p:sld xmlns:a="http://schemas.openxmlformats.org/drawingml/2006/main" xmlns:r="http://schemas.openxmlformats.org/officeDocument/2006/relationships" xmlns:p="http://schemas.openxmlformats.org/presentationml/2006/main">
+  <p:cSld>
+    <p:spTree>
+      <p:nvGrpSpPr>
+        <p:cNvPr id="1" name=""/>
+        <p:cNvGrpSpPr/>
+        <p:nvPr/>
+      </p:nvGrpSpPr>
+      <p:grpSpPr>
+        <a:xfrm>
+          <a:off x="0" y="0"/>
+          <a:ext cx="0" cy="0"/>
+          <a:chOff x="0" y="0"/>
+          <a:chExt cx="0" cy="0"/>
+        </a:xfrm>
+      </p:grpSpPr>
+      <p:sp>
+        <p:nvSpPr>
+          <p:cNvPr id="5" name="标题 4"/>
+          <p:cNvSpPr>
+            <a:spLocks noGrp="1"/>
+          </p:cNvSpPr>
+          <p:nvPr>
+            <p:ph type="title"/>
+          </p:nvPr>
+        </p:nvSpPr>
+        <p:spPr/>
+        <p:txBody>
+          <a:bodyPr/>
+          <a:lstStyle/>
+          <a:p>
+            <a:r>
+              <a:rPr lang="zh-CN" altLang="en-US" dirty="0"/>
+              <a:t>实现邮件发送的</a:t>
+            </a:r>
+            <a:r>
+              <a:rPr lang="zh-CN" altLang="en-US" dirty="0" smtClean="0"/>
+              <a:t>功能（附件）</a:t>
+            </a:r>
+            <a:endParaRPr lang="zh-CN" altLang="en-US" dirty="0"/>
+          </a:p>
+        </p:txBody>
+      </p:sp>
+      <p:pic>
+        <p:nvPicPr>
+          <p:cNvPr id="3074" name="Picture 2"/>
+          <p:cNvPicPr>
+            <a:picLocks noChangeAspect="1" noChangeArrowheads="1"/>
+          </p:cNvPicPr>
+          <p:nvPr/>
+        </p:nvPicPr>
+        <p:blipFill rotWithShape="1">
+          <a:blip r:embed="rId2">
+            <a:extLst>
+              <a:ext uri="{28A0092B-C50C-407E-A947-70E740481C1C}">
+                <a14:useLocalDpi xmlns:a14="http://schemas.microsoft.com/office/drawing/2010/main" val="0"/>
+              </a:ext>
+            </a:extLst>
+          </a:blip>
+          <a:srcRect r="3731"/>
+          <a:stretch/>
+        </p:blipFill>
+        <p:spPr bwMode="auto">
+          <a:xfrm>
+            <a:off x="179513" y="1409328"/>
+            <a:ext cx="8964488" cy="3875881"/>
+          </a:xfrm>
+          <a:prstGeom prst="rect">
+            <a:avLst/>
+          </a:prstGeom>
+          <a:noFill/>
+          <a:ln>
+            <a:noFill/>
+          </a:ln>
+          <a:effectLst/>
+          <a:extLst>
+            <a:ext uri="{909E8E84-426E-40DD-AFC4-6F175D3DCCD1}">
+              <a14:hiddenFill xmlns:a14="http://schemas.microsoft.com/office/drawing/2010/main">
+                <a:solidFill>
+                  <a:schemeClr val="accent1"/>
+                </a:solidFill>
+              </a14:hiddenFill>
+            </a:ext>
+            <a:ext uri="{91240B29-F687-4F45-9708-019B960494DF}">
+              <a14:hiddenLine xmlns:a14="http://schemas.microsoft.com/office/drawing/2010/main" w="9525">
+                <a:solidFill>
+                  <a:schemeClr val="tx1"/>
+                </a:solidFill>
+                <a:miter lim="800000"/>
+                <a:headEnd/>
+                <a:tailEnd/>
+              </a14:hiddenLine>
+            </a:ext>
+            <a:ext uri="{AF507438-7753-43E0-B8FC-AC1667EBCBE1}">
+              <a14:hiddenEffects xmlns:a14="http://schemas.microsoft.com/office/drawing/2010/main">
+                <a:effectLst>
+                  <a:outerShdw dist="35921" dir="2700000" algn="ctr" rotWithShape="0">
+                    <a:schemeClr val="bg2"/>
+                  </a:outerShdw>
+                </a:effectLst>
+              </a14:hiddenEffects>
+            </a:ext>
+          </a:extLst>
+        </p:spPr>
+      </p:pic>
+    </p:spTree>
+    <p:extLst>
+      <p:ext uri="{BB962C8B-B14F-4D97-AF65-F5344CB8AC3E}">
+        <p14:creationId xmlns:p14="http://schemas.microsoft.com/office/powerpoint/2010/main" val="1928453825"/>
+      </p:ext>
+    </p:extLst>
+  </p:cSld>
+  <p:clrMapOvr>
+    <a:masterClrMapping/>
+  </p:clrMapOvr>
+</p:sld>
+</file>
+
+<file path=ppt/slides/slide57.xml><?xml version="1.0" encoding="utf-8"?>
+<p:sld xmlns:a="http://schemas.openxmlformats.org/drawingml/2006/main" xmlns:r="http://schemas.openxmlformats.org/officeDocument/2006/relationships" xmlns:p="http://schemas.openxmlformats.org/presentationml/2006/main">
+  <p:cSld>
+    <p:spTree>
+      <p:nvGrpSpPr>
+        <p:cNvPr id="1" name=""/>
+        <p:cNvGrpSpPr/>
+        <p:nvPr/>
+      </p:nvGrpSpPr>
+      <p:grpSpPr>
+        <a:xfrm>
+          <a:off x="0" y="0"/>
+          <a:ext cx="0" cy="0"/>
+          <a:chOff x="0" y="0"/>
+          <a:chExt cx="0" cy="0"/>
+        </a:xfrm>
+      </p:grpSpPr>
+      <p:sp>
+        <p:nvSpPr>
+          <p:cNvPr id="5" name="标题 4"/>
+          <p:cNvSpPr>
+            <a:spLocks noGrp="1"/>
+          </p:cNvSpPr>
+          <p:nvPr>
+            <p:ph type="title"/>
+          </p:nvPr>
+        </p:nvSpPr>
+        <p:spPr/>
+        <p:txBody>
+          <a:bodyPr/>
+          <a:lstStyle/>
+          <a:p>
+            <a:pPr marL="457200" indent="-457200">
+              <a:lnSpc>
+                <a:spcPct val="150000"/>
+              </a:lnSpc>
+              <a:spcBef>
+                <a:spcPts val="0"/>
+              </a:spcBef>
+            </a:pPr>
+            <a:r>
+              <a:rPr lang="zh-CN" altLang="en-US" dirty="0"/>
+              <a:t>查找最新的测试报告 </a:t>
+            </a:r>
+            <a:r>
+              <a:rPr lang="en-US" altLang="zh-CN" dirty="0"/>
+              <a:t>find_file.py</a:t>
+            </a:r>
+          </a:p>
+        </p:txBody>
+      </p:sp>
+      <p:pic>
+        <p:nvPicPr>
+          <p:cNvPr id="3075" name="Picture 3"/>
+          <p:cNvPicPr>
+            <a:picLocks noChangeAspect="1" noChangeArrowheads="1"/>
+          </p:cNvPicPr>
+          <p:nvPr/>
+        </p:nvPicPr>
+        <p:blipFill>
+          <a:blip r:embed="rId2">
+            <a:extLst>
+              <a:ext uri="{28A0092B-C50C-407E-A947-70E740481C1C}">
+                <a14:useLocalDpi xmlns:a14="http://schemas.microsoft.com/office/drawing/2010/main" val="0"/>
+              </a:ext>
+            </a:extLst>
+          </a:blip>
+          <a:srcRect/>
+          <a:stretch>
+            <a:fillRect/>
+          </a:stretch>
+        </p:blipFill>
+        <p:spPr bwMode="auto">
+          <a:xfrm>
+            <a:off x="323528" y="1700808"/>
+            <a:ext cx="8334345" cy="3024336"/>
+          </a:xfrm>
+          <a:prstGeom prst="rect">
+            <a:avLst/>
+          </a:prstGeom>
+          <a:noFill/>
+          <a:ln>
+            <a:noFill/>
+          </a:ln>
+          <a:effectLst/>
+          <a:extLst>
+            <a:ext uri="{909E8E84-426E-40DD-AFC4-6F175D3DCCD1}">
+              <a14:hiddenFill xmlns:a14="http://schemas.microsoft.com/office/drawing/2010/main">
+                <a:solidFill>
+                  <a:schemeClr val="accent1"/>
+                </a:solidFill>
+              </a14:hiddenFill>
+            </a:ext>
+            <a:ext uri="{91240B29-F687-4F45-9708-019B960494DF}">
+              <a14:hiddenLine xmlns:a14="http://schemas.microsoft.com/office/drawing/2010/main" w="9525">
+                <a:solidFill>
+                  <a:schemeClr val="tx1"/>
+                </a:solidFill>
+                <a:miter lim="800000"/>
+                <a:headEnd/>
+                <a:tailEnd/>
+              </a14:hiddenLine>
+            </a:ext>
+            <a:ext uri="{AF507438-7753-43E0-B8FC-AC1667EBCBE1}">
+              <a14:hiddenEffects xmlns:a14="http://schemas.microsoft.com/office/drawing/2010/main">
+                <a:effectLst>
+                  <a:outerShdw dist="35921" dir="2700000" algn="ctr" rotWithShape="0">
+                    <a:schemeClr val="bg2"/>
+                  </a:outerShdw>
+                </a:effectLst>
+              </a14:hiddenEffects>
+            </a:ext>
+          </a:extLst>
+        </p:spPr>
+      </p:pic>
+    </p:spTree>
+    <p:extLst>
+      <p:ext uri="{BB962C8B-B14F-4D97-AF65-F5344CB8AC3E}">
+        <p14:creationId xmlns:p14="http://schemas.microsoft.com/office/powerpoint/2010/main" val="129833600"/>
+      </p:ext>
+    </p:extLst>
+  </p:cSld>
+  <p:clrMapOvr>
+    <a:masterClrMapping/>
+  </p:clrMapOvr>
+</p:sld>
+</file>
+
+<file path=ppt/slides/slide58.xml><?xml version="1.0" encoding="utf-8"?>
+<p:sld xmlns:a="http://schemas.openxmlformats.org/drawingml/2006/main" xmlns:r="http://schemas.openxmlformats.org/officeDocument/2006/relationships" xmlns:p="http://schemas.openxmlformats.org/presentationml/2006/main">
+  <p:cSld>
+    <p:spTree>
+      <p:nvGrpSpPr>
+        <p:cNvPr id="1" name=""/>
+        <p:cNvGrpSpPr/>
+        <p:nvPr/>
+      </p:nvGrpSpPr>
+      <p:grpSpPr>
+        <a:xfrm>
+          <a:off x="0" y="0"/>
+          <a:ext cx="0" cy="0"/>
+          <a:chOff x="0" y="0"/>
+          <a:chExt cx="0" cy="0"/>
+        </a:xfrm>
+      </p:grpSpPr>
+      <p:sp>
+        <p:nvSpPr>
+          <p:cNvPr id="5" name="标题 4"/>
+          <p:cNvSpPr>
+            <a:spLocks noGrp="1"/>
+          </p:cNvSpPr>
+          <p:nvPr>
+            <p:ph type="title"/>
+          </p:nvPr>
+        </p:nvSpPr>
+        <p:spPr/>
+        <p:txBody>
+          <a:bodyPr/>
+          <a:lstStyle/>
+          <a:p>
+            <a:pPr marL="457200" indent="-457200">
+              <a:lnSpc>
+                <a:spcPct val="150000"/>
+              </a:lnSpc>
+              <a:spcBef>
+                <a:spcPts val="0"/>
+              </a:spcBef>
+            </a:pPr>
+            <a:r>
+              <a:rPr lang="zh-CN" altLang="en-US" dirty="0"/>
+              <a:t>整合自动发送邮件的功能 </a:t>
+            </a:r>
+            <a:endParaRPr lang="en-US" altLang="zh-CN" dirty="0"/>
+          </a:p>
+        </p:txBody>
+      </p:sp>
+      <p:pic>
+        <p:nvPicPr>
+          <p:cNvPr id="4098" name="Picture 2"/>
+          <p:cNvPicPr>
+            <a:picLocks noChangeAspect="1" noChangeArrowheads="1"/>
+          </p:cNvPicPr>
+          <p:nvPr/>
+        </p:nvPicPr>
+        <p:blipFill>
+          <a:blip r:embed="rId2">
+            <a:extLst>
+              <a:ext uri="{28A0092B-C50C-407E-A947-70E740481C1C}">
+                <a14:useLocalDpi xmlns:a14="http://schemas.microsoft.com/office/drawing/2010/main" val="0"/>
+              </a:ext>
+            </a:extLst>
+          </a:blip>
+          <a:srcRect/>
+          <a:stretch>
+            <a:fillRect/>
+          </a:stretch>
+        </p:blipFill>
+        <p:spPr bwMode="auto">
+          <a:xfrm>
+            <a:off x="119063" y="1847850"/>
+            <a:ext cx="8904287" cy="3162300"/>
+          </a:xfrm>
+          <a:prstGeom prst="rect">
+            <a:avLst/>
+          </a:prstGeom>
+          <a:noFill/>
+          <a:ln>
+            <a:noFill/>
+          </a:ln>
+          <a:effectLst/>
+          <a:extLst>
+            <a:ext uri="{909E8E84-426E-40DD-AFC4-6F175D3DCCD1}">
+              <a14:hiddenFill xmlns:a14="http://schemas.microsoft.com/office/drawing/2010/main">
+                <a:solidFill>
+                  <a:schemeClr val="accent1"/>
+                </a:solidFill>
+              </a14:hiddenFill>
+            </a:ext>
+            <a:ext uri="{91240B29-F687-4F45-9708-019B960494DF}">
+              <a14:hiddenLine xmlns:a14="http://schemas.microsoft.com/office/drawing/2010/main" w="9525">
+                <a:solidFill>
+                  <a:schemeClr val="tx1"/>
+                </a:solidFill>
+                <a:miter lim="800000"/>
+                <a:headEnd/>
+                <a:tailEnd/>
+              </a14:hiddenLine>
+            </a:ext>
+            <a:ext uri="{AF507438-7753-43E0-B8FC-AC1667EBCBE1}">
+              <a14:hiddenEffects xmlns:a14="http://schemas.microsoft.com/office/drawing/2010/main">
+                <a:effectLst>
+                  <a:outerShdw dist="35921" dir="2700000" algn="ctr" rotWithShape="0">
+                    <a:schemeClr val="bg2"/>
+                  </a:outerShdw>
+                </a:effectLst>
+              </a14:hiddenEffects>
+            </a:ext>
+          </a:extLst>
+        </p:spPr>
+      </p:pic>
+    </p:spTree>
+    <p:extLst>
+      <p:ext uri="{BB962C8B-B14F-4D97-AF65-F5344CB8AC3E}">
+        <p14:creationId xmlns:p14="http://schemas.microsoft.com/office/powerpoint/2010/main" val="831290550"/>
+      </p:ext>
+    </p:extLst>
+  </p:cSld>
+  <p:clrMapOvr>
+    <a:masterClrMapping/>
+  </p:clrMapOvr>
+</p:sld>
+</file>
+
+<file path=ppt/slides/slide59.xml><?xml version="1.0" encoding="utf-8"?>
 <p:sld xmlns:a="http://schemas.openxmlformats.org/drawingml/2006/main" xmlns:r="http://schemas.openxmlformats.org/officeDocument/2006/relationships" xmlns:p="http://schemas.openxmlformats.org/presentationml/2006/main">
   <p:cSld>
     <p:spTree>
@@ -26209,9 +27275,7 @@
         </p:nvSpPr>
         <p:spPr/>
         <p:txBody>
-          <a:bodyPr>
-            <a:normAutofit fontScale="90000"/>
-          </a:bodyPr>
+          <a:bodyPr/>
           <a:lstStyle/>
           <a:p>
             <a:r>
@@ -26250,7 +27314,163 @@
 </p:sld>
 </file>
 
-<file path=ppt/slides/slide55.xml><?xml version="1.0" encoding="utf-8"?>
+<file path=ppt/slides/slide6.xml><?xml version="1.0" encoding="utf-8"?>
+<p:sld xmlns:a="http://schemas.openxmlformats.org/drawingml/2006/main" xmlns:r="http://schemas.openxmlformats.org/officeDocument/2006/relationships" xmlns:p="http://schemas.openxmlformats.org/presentationml/2006/main">
+  <p:cSld>
+    <p:spTree>
+      <p:nvGrpSpPr>
+        <p:cNvPr id="1" name=""/>
+        <p:cNvGrpSpPr/>
+        <p:nvPr/>
+      </p:nvGrpSpPr>
+      <p:grpSpPr>
+        <a:xfrm>
+          <a:off x="0" y="0"/>
+          <a:ext cx="0" cy="0"/>
+          <a:chOff x="0" y="0"/>
+          <a:chExt cx="0" cy="0"/>
+        </a:xfrm>
+      </p:grpSpPr>
+      <p:sp>
+        <p:nvSpPr>
+          <p:cNvPr id="2" name="标题 1"/>
+          <p:cNvSpPr>
+            <a:spLocks noGrp="1"/>
+          </p:cNvSpPr>
+          <p:nvPr>
+            <p:ph type="title"/>
+          </p:nvPr>
+        </p:nvSpPr>
+        <p:spPr/>
+        <p:txBody>
+          <a:bodyPr/>
+          <a:lstStyle/>
+          <a:p>
+            <a:r>
+              <a:rPr lang="zh-CN" altLang="en-US" dirty="0" smtClean="0"/>
+              <a:t>在</a:t>
+            </a:r>
+            <a:r>
+              <a:rPr lang="en-US" altLang="zh-CN" dirty="0" smtClean="0"/>
+              <a:t>Windows</a:t>
+            </a:r>
+            <a:r>
+              <a:rPr lang="zh-CN" altLang="en-US" dirty="0" smtClean="0"/>
+              <a:t>上安装</a:t>
+            </a:r>
+            <a:r>
+              <a:rPr lang="en-US" altLang="zh-CN" dirty="0" smtClean="0"/>
+              <a:t>Python</a:t>
+            </a:r>
+            <a:endParaRPr lang="zh-CN" altLang="en-US" dirty="0"/>
+          </a:p>
+        </p:txBody>
+      </p:sp>
+      <p:sp>
+        <p:nvSpPr>
+          <p:cNvPr id="4" name="TextBox 3"/>
+          <p:cNvSpPr txBox="1"/>
+          <p:nvPr/>
+        </p:nvSpPr>
+        <p:spPr>
+          <a:xfrm>
+            <a:off x="6273659" y="1947575"/>
+            <a:ext cx="2870341" cy="646331"/>
+          </a:xfrm>
+          <a:prstGeom prst="rect">
+            <a:avLst/>
+          </a:prstGeom>
+          <a:noFill/>
+        </p:spPr>
+        <p:txBody>
+          <a:bodyPr wrap="square" rtlCol="0">
+            <a:spAutoFit/>
+          </a:bodyPr>
+          <a:lstStyle/>
+          <a:p>
+            <a:r>
+              <a:rPr lang="zh-CN" altLang="en-US" dirty="0">
+                <a:latin typeface="微软雅黑" panose="020B0503020204020204" pitchFamily="34" charset="-122"/>
+                <a:ea typeface="微软雅黑" panose="020B0503020204020204" pitchFamily="34" charset="-122"/>
+              </a:rPr>
+              <a:t>在环境变量中手动添加</a:t>
+            </a:r>
+            <a:r>
+              <a:rPr lang="en-US" altLang="zh-CN" dirty="0" smtClean="0">
+                <a:latin typeface="微软雅黑" panose="020B0503020204020204" pitchFamily="34" charset="-122"/>
+                <a:ea typeface="微软雅黑" panose="020B0503020204020204" pitchFamily="34" charset="-122"/>
+              </a:rPr>
+              <a:t>python</a:t>
+            </a:r>
+            <a:endParaRPr lang="zh-CN" altLang="en-US" dirty="0">
+              <a:latin typeface="隶书" pitchFamily="49" charset="-122"/>
+              <a:ea typeface="隶书" pitchFamily="49" charset="-122"/>
+            </a:endParaRPr>
+          </a:p>
+        </p:txBody>
+      </p:sp>
+      <p:pic>
+        <p:nvPicPr>
+          <p:cNvPr id="1025" name="Picture 1" descr="C:\Users\Orlando.Leo\AppData\Roaming\Tencent\Users\2757284811\QQ\WinTemp\RichOle\L2411G902`{(7V{5K3TJQ{6.png"/>
+          <p:cNvPicPr>
+            <a:picLocks noChangeAspect="1" noChangeArrowheads="1"/>
+          </p:cNvPicPr>
+          <p:nvPr/>
+        </p:nvPicPr>
+        <p:blipFill>
+          <a:blip r:embed="rId3">
+            <a:extLst>
+              <a:ext uri="{28A0092B-C50C-407E-A947-70E740481C1C}">
+                <a14:useLocalDpi xmlns:a14="http://schemas.microsoft.com/office/drawing/2010/main" val="0"/>
+              </a:ext>
+            </a:extLst>
+          </a:blip>
+          <a:srcRect/>
+          <a:stretch>
+            <a:fillRect/>
+          </a:stretch>
+        </p:blipFill>
+        <p:spPr bwMode="auto">
+          <a:xfrm>
+            <a:off x="1142405" y="1507096"/>
+            <a:ext cx="4957818" cy="4416737"/>
+          </a:xfrm>
+          <a:prstGeom prst="rect">
+            <a:avLst/>
+          </a:prstGeom>
+          <a:noFill/>
+          <a:extLst>
+            <a:ext uri="{909E8E84-426E-40DD-AFC4-6F175D3DCCD1}">
+              <a14:hiddenFill xmlns:a14="http://schemas.microsoft.com/office/drawing/2010/main">
+                <a:solidFill>
+                  <a:srgbClr val="FFFFFF"/>
+                </a:solidFill>
+              </a14:hiddenFill>
+            </a:ext>
+          </a:extLst>
+        </p:spPr>
+      </p:pic>
+    </p:spTree>
+    <p:extLst>
+      <p:ext uri="{BB962C8B-B14F-4D97-AF65-F5344CB8AC3E}">
+        <p14:creationId xmlns:p14="http://schemas.microsoft.com/office/powerpoint/2010/main" val="1069713959"/>
+      </p:ext>
+    </p:extLst>
+  </p:cSld>
+  <p:clrMapOvr>
+    <a:masterClrMapping/>
+  </p:clrMapOvr>
+  <p:timing>
+    <p:tnLst>
+      <p:par>
+        <p:cTn id="1" dur="indefinite" restart="never" nodeType="tmRoot"/>
+      </p:par>
+    </p:tnLst>
+  </p:timing>
+</p:sld>
+</file>
+
+<file path=ppt/slides/slide60.xml><?xml version="1.0" encoding="utf-8"?>
 <p:sld xmlns:a="http://schemas.openxmlformats.org/drawingml/2006/main" xmlns:r="http://schemas.openxmlformats.org/officeDocument/2006/relationships" xmlns:p="http://schemas.openxmlformats.org/presentationml/2006/main">
   <p:cSld>
     <p:spTree>
@@ -26279,8 +27499,8 @@
         </p:nvSpPr>
         <p:spPr>
           <a:xfrm>
-            <a:off x="323528" y="627534"/>
-            <a:ext cx="8460630" cy="3755572"/>
+            <a:off x="323528" y="836712"/>
+            <a:ext cx="8460630" cy="5007429"/>
           </a:xfrm>
         </p:spPr>
         <p:txBody>
@@ -26293,8 +27513,9 @@
               <a:buNone/>
             </a:pPr>
             <a:r>
-              <a:rPr lang="zh-CN" altLang="en-US" sz="2400" dirty="0">
-                <a:latin typeface="微软雅黑" panose="020B0503020204020204" pitchFamily="34" charset="-122"/>
+              <a:rPr lang="zh-CN" altLang="en-US" dirty="0">
+                <a:latin typeface="+mn-ea"/>
+                <a:ea typeface="+mn-ea"/>
               </a:rPr>
               <a:t>代码在随着进一步新增测试用例的情况会有以下几个问题：</a:t>
             </a:r>
@@ -26305,20 +27526,23 @@
               <a:buAutoNum type="arabicPeriod"/>
             </a:pPr>
             <a:r>
-              <a:rPr lang="zh-CN" altLang="en-US" sz="2000" dirty="0">
-                <a:latin typeface="微软雅黑" panose="020B0503020204020204" pitchFamily="34" charset="-122"/>
+              <a:rPr lang="zh-CN" altLang="en-US" sz="2400" dirty="0">
+                <a:latin typeface="+mn-ea"/>
+                <a:ea typeface="+mn-ea"/>
               </a:rPr>
               <a:t>易读性，一连串的</a:t>
             </a:r>
             <a:r>
-              <a:rPr lang="en-US" altLang="zh-CN" sz="2000" dirty="0">
-                <a:latin typeface="微软雅黑" panose="020B0503020204020204" pitchFamily="34" charset="-122"/>
+              <a:rPr lang="en-US" altLang="zh-CN" sz="2400" dirty="0">
+                <a:latin typeface="+mn-ea"/>
+                <a:ea typeface="+mn-ea"/>
               </a:rPr>
               <a:t>find element</a:t>
             </a:r>
             <a:r>
-              <a:rPr lang="zh-CN" altLang="en-US" sz="2000" dirty="0">
-                <a:latin typeface="微软雅黑" panose="020B0503020204020204" pitchFamily="34" charset="-122"/>
+              <a:rPr lang="zh-CN" altLang="en-US" sz="2400" dirty="0">
+                <a:latin typeface="+mn-ea"/>
+                <a:ea typeface="+mn-ea"/>
               </a:rPr>
               <a:t>会显得杂乱无章</a:t>
             </a:r>
@@ -26329,8 +27553,9 @@
               <a:buAutoNum type="arabicPeriod"/>
             </a:pPr>
             <a:r>
-              <a:rPr lang="zh-CN" altLang="en-US" sz="2000" dirty="0">
-                <a:latin typeface="微软雅黑" panose="020B0503020204020204" pitchFamily="34" charset="-122"/>
+              <a:rPr lang="zh-CN" altLang="en-US" sz="2400" dirty="0">
+                <a:latin typeface="+mn-ea"/>
+                <a:ea typeface="+mn-ea"/>
               </a:rPr>
               <a:t>可扩展不好：用例孤立，难以扩展</a:t>
             </a:r>
@@ -26341,8 +27566,9 @@
               <a:buAutoNum type="arabicPeriod"/>
             </a:pPr>
             <a:r>
-              <a:rPr lang="zh-CN" altLang="en-US" sz="2000" dirty="0">
-                <a:latin typeface="微软雅黑" panose="020B0503020204020204" pitchFamily="34" charset="-122"/>
+              <a:rPr lang="zh-CN" altLang="en-US" sz="2400" dirty="0">
+                <a:latin typeface="+mn-ea"/>
+                <a:ea typeface="+mn-ea"/>
               </a:rPr>
               <a:t>可复用性：无公共方法，很那复用</a:t>
             </a:r>
@@ -26353,8 +27579,9 @@
               <a:buAutoNum type="arabicPeriod"/>
             </a:pPr>
             <a:r>
-              <a:rPr lang="zh-CN" altLang="en-US" sz="2000" dirty="0">
-                <a:latin typeface="微软雅黑" panose="020B0503020204020204" pitchFamily="34" charset="-122"/>
+              <a:rPr lang="zh-CN" altLang="en-US" sz="2400" dirty="0">
+                <a:latin typeface="+mn-ea"/>
+                <a:ea typeface="+mn-ea"/>
               </a:rPr>
               <a:t>可维护性：一旦页面元素变化，需要维护修改大量的用例</a:t>
             </a:r>
@@ -26376,9 +27603,7 @@
         </p:nvSpPr>
         <p:spPr/>
         <p:txBody>
-          <a:bodyPr>
-            <a:normAutofit fontScale="90000"/>
-          </a:bodyPr>
+          <a:bodyPr/>
           <a:lstStyle/>
           <a:p>
             <a:r>
@@ -26415,8 +27640,8 @@
         </p:blipFill>
         <p:spPr>
           <a:xfrm>
-            <a:off x="2483768" y="2247714"/>
-            <a:ext cx="4914900" cy="2448521"/>
+            <a:off x="2915816" y="3587194"/>
+            <a:ext cx="4914900" cy="3264694"/>
           </a:xfrm>
           <a:prstGeom prst="rect">
             <a:avLst/>
@@ -26443,7 +27668,7 @@
 </p:sld>
 </file>
 
-<file path=ppt/slides/slide56.xml><?xml version="1.0" encoding="utf-8"?>
+<file path=ppt/slides/slide61.xml><?xml version="1.0" encoding="utf-8"?>
 <p:sld xmlns:a="http://schemas.openxmlformats.org/drawingml/2006/main" xmlns:r="http://schemas.openxmlformats.org/officeDocument/2006/relationships" xmlns:p="http://schemas.openxmlformats.org/presentationml/2006/main">
   <p:cSld>
     <p:spTree>
@@ -26472,8 +27697,8 @@
         </p:nvSpPr>
         <p:spPr>
           <a:xfrm>
-            <a:off x="395536" y="789553"/>
-            <a:ext cx="8229600" cy="3394472"/>
+            <a:off x="395536" y="1052736"/>
+            <a:ext cx="8229600" cy="4525963"/>
           </a:xfrm>
         </p:spPr>
         <p:txBody>
@@ -26484,14 +27709,23 @@
               <a:buNone/>
             </a:pPr>
             <a:r>
+              <a:rPr lang="en-US" altLang="zh-CN" smtClean="0">
+                <a:latin typeface="+mn-ea"/>
+                <a:ea typeface="+mn-ea"/>
+              </a:rPr>
+              <a:t>   Page </a:t>
+            </a:r>
+            <a:r>
               <a:rPr lang="en-US" altLang="zh-CN" dirty="0">
-                <a:latin typeface="微软雅黑" panose="020B0503020204020204" pitchFamily="34" charset="-122"/>
-              </a:rPr>
-              <a:t>Page Object</a:t>
+                <a:latin typeface="+mn-ea"/>
+                <a:ea typeface="+mn-ea"/>
+              </a:rPr>
+              <a:t>Object</a:t>
             </a:r>
             <a:r>
               <a:rPr lang="zh-CN" altLang="en-US" dirty="0">
-                <a:latin typeface="微软雅黑" panose="020B0503020204020204" pitchFamily="34" charset="-122"/>
+                <a:latin typeface="+mn-ea"/>
+                <a:ea typeface="+mn-ea"/>
               </a:rPr>
               <a:t>模式是一种自动化测试设计模式，将页面定位和业务操作分开，分离测试对象（元素对象）和测试脚本（用例脚本），提高用例的可维护性。</a:t>
             </a:r>
@@ -26513,9 +27747,7 @@
         </p:nvSpPr>
         <p:spPr/>
         <p:txBody>
-          <a:bodyPr>
-            <a:normAutofit fontScale="90000"/>
-          </a:bodyPr>
+          <a:bodyPr/>
           <a:lstStyle/>
           <a:p>
             <a:r>
@@ -26548,8 +27780,8 @@
         </p:blipFill>
         <p:spPr>
           <a:xfrm>
-            <a:off x="1691680" y="2139702"/>
-            <a:ext cx="4757738" cy="1950244"/>
+            <a:off x="1691680" y="2852936"/>
+            <a:ext cx="4757738" cy="2600325"/>
           </a:xfrm>
           <a:prstGeom prst="rect">
             <a:avLst/>
@@ -26576,7 +27808,7 @@
 </p:sld>
 </file>
 
-<file path=ppt/slides/slide57.xml><?xml version="1.0" encoding="utf-8"?>
+<file path=ppt/slides/slide62.xml><?xml version="1.0" encoding="utf-8"?>
 <p:sld xmlns:a="http://schemas.openxmlformats.org/drawingml/2006/main" xmlns:r="http://schemas.openxmlformats.org/officeDocument/2006/relationships" xmlns:p="http://schemas.openxmlformats.org/presentationml/2006/main">
   <p:cSld>
     <p:spTree>
@@ -26605,9 +27837,7 @@
         </p:nvSpPr>
         <p:spPr/>
         <p:txBody>
-          <a:bodyPr>
-            <a:normAutofit fontScale="90000"/>
-          </a:bodyPr>
+          <a:bodyPr/>
           <a:lstStyle/>
           <a:p>
             <a:r>
@@ -26641,8 +27871,8 @@
         </p:blipFill>
         <p:spPr bwMode="auto">
           <a:xfrm>
-            <a:off x="323528" y="826004"/>
-            <a:ext cx="4933950" cy="3514725"/>
+            <a:off x="323528" y="1101339"/>
+            <a:ext cx="4933950" cy="4686300"/>
           </a:xfrm>
           <a:prstGeom prst="rect">
             <a:avLst/>
@@ -26710,7 +27940,7 @@
 </p:sld>
 </file>
 
-<file path=ppt/slides/slide58.xml><?xml version="1.0" encoding="utf-8"?>
+<file path=ppt/slides/slide63.xml><?xml version="1.0" encoding="utf-8"?>
 <p:sld xmlns:a="http://schemas.openxmlformats.org/drawingml/2006/main" xmlns:r="http://schemas.openxmlformats.org/officeDocument/2006/relationships" xmlns:p="http://schemas.openxmlformats.org/presentationml/2006/main">
   <p:cSld>
     <p:spTree>
@@ -26826,9 +28056,7 @@
         </p:nvSpPr>
         <p:spPr/>
         <p:txBody>
-          <a:bodyPr>
-            <a:normAutofit fontScale="90000"/>
-          </a:bodyPr>
+          <a:bodyPr/>
           <a:lstStyle/>
           <a:p>
             <a:r>
@@ -26852,7 +28080,7 @@
 </p:sld>
 </file>
 
-<file path=ppt/slides/slide59.xml><?xml version="1.0" encoding="utf-8"?>
+<file path=ppt/slides/slide64.xml><?xml version="1.0" encoding="utf-8"?>
 <p:sld xmlns:a="http://schemas.openxmlformats.org/drawingml/2006/main" xmlns:r="http://schemas.openxmlformats.org/officeDocument/2006/relationships" xmlns:p="http://schemas.openxmlformats.org/presentationml/2006/main">
   <p:cSld>
     <p:spTree>
@@ -26881,9 +28109,7 @@
         </p:nvSpPr>
         <p:spPr/>
         <p:txBody>
-          <a:bodyPr>
-            <a:normAutofit fontScale="90000"/>
-          </a:bodyPr>
+          <a:bodyPr/>
           <a:lstStyle/>
           <a:p>
             <a:r>
@@ -26917,8 +28143,8 @@
         </p:blipFill>
         <p:spPr bwMode="auto">
           <a:xfrm>
-            <a:off x="1400175" y="628650"/>
-            <a:ext cx="6343650" cy="3886200"/>
+            <a:off x="395536" y="1268760"/>
+            <a:ext cx="6343650" cy="5181600"/>
           </a:xfrm>
           <a:prstGeom prst="rect">
             <a:avLst/>
@@ -26986,165 +28212,7 @@
 </p:sld>
 </file>
 
-<file path=ppt/slides/slide6.xml><?xml version="1.0" encoding="utf-8"?>
-<p:sld xmlns:a="http://schemas.openxmlformats.org/drawingml/2006/main" xmlns:r="http://schemas.openxmlformats.org/officeDocument/2006/relationships" xmlns:p="http://schemas.openxmlformats.org/presentationml/2006/main">
-  <p:cSld>
-    <p:spTree>
-      <p:nvGrpSpPr>
-        <p:cNvPr id="1" name=""/>
-        <p:cNvGrpSpPr/>
-        <p:nvPr/>
-      </p:nvGrpSpPr>
-      <p:grpSpPr>
-        <a:xfrm>
-          <a:off x="0" y="0"/>
-          <a:ext cx="0" cy="0"/>
-          <a:chOff x="0" y="0"/>
-          <a:chExt cx="0" cy="0"/>
-        </a:xfrm>
-      </p:grpSpPr>
-      <p:sp>
-        <p:nvSpPr>
-          <p:cNvPr id="2" name="标题 1"/>
-          <p:cNvSpPr>
-            <a:spLocks noGrp="1"/>
-          </p:cNvSpPr>
-          <p:nvPr>
-            <p:ph type="title"/>
-          </p:nvPr>
-        </p:nvSpPr>
-        <p:spPr/>
-        <p:txBody>
-          <a:bodyPr>
-            <a:normAutofit fontScale="90000"/>
-          </a:bodyPr>
-          <a:lstStyle/>
-          <a:p>
-            <a:r>
-              <a:rPr lang="zh-CN" altLang="en-US" dirty="0" smtClean="0"/>
-              <a:t>在</a:t>
-            </a:r>
-            <a:r>
-              <a:rPr lang="en-US" altLang="zh-CN" dirty="0" smtClean="0"/>
-              <a:t>Windows</a:t>
-            </a:r>
-            <a:r>
-              <a:rPr lang="zh-CN" altLang="en-US" dirty="0" smtClean="0"/>
-              <a:t>上安装</a:t>
-            </a:r>
-            <a:r>
-              <a:rPr lang="en-US" altLang="zh-CN" dirty="0" smtClean="0"/>
-              <a:t>Python</a:t>
-            </a:r>
-            <a:endParaRPr lang="zh-CN" altLang="en-US" dirty="0"/>
-          </a:p>
-        </p:txBody>
-      </p:sp>
-      <p:sp>
-        <p:nvSpPr>
-          <p:cNvPr id="4" name="TextBox 3"/>
-          <p:cNvSpPr txBox="1"/>
-          <p:nvPr/>
-        </p:nvSpPr>
-        <p:spPr>
-          <a:xfrm>
-            <a:off x="6273660" y="1460682"/>
-            <a:ext cx="2870341" cy="646331"/>
-          </a:xfrm>
-          <a:prstGeom prst="rect">
-            <a:avLst/>
-          </a:prstGeom>
-          <a:noFill/>
-        </p:spPr>
-        <p:txBody>
-          <a:bodyPr wrap="square" rtlCol="0">
-            <a:spAutoFit/>
-          </a:bodyPr>
-          <a:lstStyle/>
-          <a:p>
-            <a:r>
-              <a:rPr lang="zh-CN" altLang="en-US" dirty="0">
-                <a:latin typeface="微软雅黑" panose="020B0503020204020204" pitchFamily="34" charset="-122"/>
-                <a:ea typeface="微软雅黑" panose="020B0503020204020204" pitchFamily="34" charset="-122"/>
-              </a:rPr>
-              <a:t>在环境变量中手动添加</a:t>
-            </a:r>
-            <a:r>
-              <a:rPr lang="en-US" altLang="zh-CN" dirty="0" smtClean="0">
-                <a:latin typeface="微软雅黑" panose="020B0503020204020204" pitchFamily="34" charset="-122"/>
-                <a:ea typeface="微软雅黑" panose="020B0503020204020204" pitchFamily="34" charset="-122"/>
-              </a:rPr>
-              <a:t>python</a:t>
-            </a:r>
-            <a:endParaRPr lang="zh-CN" altLang="en-US" dirty="0">
-              <a:latin typeface="隶书" pitchFamily="49" charset="-122"/>
-              <a:ea typeface="隶书" pitchFamily="49" charset="-122"/>
-            </a:endParaRPr>
-          </a:p>
-        </p:txBody>
-      </p:sp>
-      <p:pic>
-        <p:nvPicPr>
-          <p:cNvPr id="1025" name="Picture 1" descr="C:\Users\Orlando.Leo\AppData\Roaming\Tencent\Users\2757284811\QQ\WinTemp\RichOle\L2411G902`{(7V{5K3TJQ{6.png"/>
-          <p:cNvPicPr>
-            <a:picLocks noChangeAspect="1" noChangeArrowheads="1"/>
-          </p:cNvPicPr>
-          <p:nvPr/>
-        </p:nvPicPr>
-        <p:blipFill>
-          <a:blip r:embed="rId3">
-            <a:extLst>
-              <a:ext uri="{28A0092B-C50C-407E-A947-70E740481C1C}">
-                <a14:useLocalDpi xmlns:a14="http://schemas.microsoft.com/office/drawing/2010/main" val="0"/>
-              </a:ext>
-            </a:extLst>
-          </a:blip>
-          <a:srcRect/>
-          <a:stretch>
-            <a:fillRect/>
-          </a:stretch>
-        </p:blipFill>
-        <p:spPr bwMode="auto">
-          <a:xfrm>
-            <a:off x="1142405" y="1130322"/>
-            <a:ext cx="4957818" cy="3312553"/>
-          </a:xfrm>
-          <a:prstGeom prst="rect">
-            <a:avLst/>
-          </a:prstGeom>
-          <a:noFill/>
-          <a:extLst>
-            <a:ext uri="{909E8E84-426E-40DD-AFC4-6F175D3DCCD1}">
-              <a14:hiddenFill xmlns:a14="http://schemas.microsoft.com/office/drawing/2010/main">
-                <a:solidFill>
-                  <a:srgbClr val="FFFFFF"/>
-                </a:solidFill>
-              </a14:hiddenFill>
-            </a:ext>
-          </a:extLst>
-        </p:spPr>
-      </p:pic>
-    </p:spTree>
-    <p:extLst>
-      <p:ext uri="{BB962C8B-B14F-4D97-AF65-F5344CB8AC3E}">
-        <p14:creationId xmlns:p14="http://schemas.microsoft.com/office/powerpoint/2010/main" val="1069713959"/>
-      </p:ext>
-    </p:extLst>
-  </p:cSld>
-  <p:clrMapOvr>
-    <a:masterClrMapping/>
-  </p:clrMapOvr>
-  <p:timing>
-    <p:tnLst>
-      <p:par>
-        <p:cTn id="1" dur="indefinite" restart="never" nodeType="tmRoot"/>
-      </p:par>
-    </p:tnLst>
-  </p:timing>
-</p:sld>
-</file>
-
-<file path=ppt/slides/slide60.xml><?xml version="1.0" encoding="utf-8"?>
+<file path=ppt/slides/slide65.xml><?xml version="1.0" encoding="utf-8"?>
 <p:sld xmlns:a="http://schemas.openxmlformats.org/drawingml/2006/main" xmlns:r="http://schemas.openxmlformats.org/officeDocument/2006/relationships" xmlns:p="http://schemas.openxmlformats.org/presentationml/2006/main">
   <p:cSld>
     <p:spTree>
@@ -27199,9 +28267,7 @@
         </p:nvSpPr>
         <p:spPr/>
         <p:txBody>
-          <a:bodyPr>
-            <a:normAutofit fontScale="90000"/>
-          </a:bodyPr>
+          <a:bodyPr/>
           <a:lstStyle/>
           <a:p>
             <a:r>
@@ -27235,8 +28301,8 @@
         </p:blipFill>
         <p:spPr bwMode="auto">
           <a:xfrm>
-            <a:off x="1070682" y="2733768"/>
-            <a:ext cx="7370763" cy="1014413"/>
+            <a:off x="261080" y="4005064"/>
+            <a:ext cx="7370763" cy="1352550"/>
           </a:xfrm>
           <a:prstGeom prst="rect">
             <a:avLst/>
@@ -27299,8 +28365,8 @@
         </p:blipFill>
         <p:spPr bwMode="auto">
           <a:xfrm>
-            <a:off x="683568" y="897564"/>
-            <a:ext cx="8144991" cy="1315915"/>
+            <a:off x="683568" y="1196751"/>
+            <a:ext cx="8144991" cy="1754553"/>
           </a:xfrm>
           <a:prstGeom prst="rect">
             <a:avLst/>
@@ -27350,13 +28416,6 @@
   <p:clrMapOvr>
     <a:masterClrMapping/>
   </p:clrMapOvr>
-  <p:timing>
-    <p:tnLst>
-      <p:par>
-        <p:cTn id="1" dur="indefinite" restart="never" nodeType="tmRoot"/>
-      </p:par>
-    </p:tnLst>
-  </p:timing>
 </p:sld>
 </file>
 
@@ -27389,8 +28448,8 @@
         </p:nvSpPr>
         <p:spPr>
           <a:xfrm>
-            <a:off x="323528" y="789553"/>
-            <a:ext cx="8229600" cy="3394472"/>
+            <a:off x="323528" y="1052736"/>
+            <a:ext cx="8229600" cy="4525963"/>
           </a:xfrm>
         </p:spPr>
         <p:txBody>
@@ -27613,7 +28672,7 @@
         <p:spPr/>
         <p:txBody>
           <a:bodyPr>
-            <a:normAutofit fontScale="90000"/>
+            <a:normAutofit/>
           </a:bodyPr>
           <a:lstStyle/>
           <a:p>
@@ -27647,8 +28706,8 @@
         </p:blipFill>
         <p:spPr>
           <a:xfrm>
-            <a:off x="1979712" y="3481377"/>
-            <a:ext cx="5883070" cy="1662123"/>
+            <a:off x="1691680" y="4077072"/>
+            <a:ext cx="5883070" cy="2216164"/>
           </a:xfrm>
           <a:prstGeom prst="rect">
             <a:avLst/>
@@ -27705,7 +28764,7 @@
         <p:spPr/>
         <p:txBody>
           <a:bodyPr>
-            <a:normAutofit fontScale="90000"/>
+            <a:normAutofit/>
           </a:bodyPr>
           <a:lstStyle/>
           <a:p>
@@ -27729,7 +28788,7 @@
         </p:nvSpPr>
         <p:spPr>
           <a:xfrm>
-            <a:off x="401876" y="1545636"/>
+            <a:off x="401876" y="2060848"/>
             <a:ext cx="9663026" cy="369332"/>
           </a:xfrm>
           <a:prstGeom prst="rect">
@@ -27777,8 +28836,8 @@
         </p:blipFill>
         <p:spPr bwMode="auto">
           <a:xfrm>
-            <a:off x="1685925" y="2207029"/>
-            <a:ext cx="5772150" cy="2518287"/>
+            <a:off x="1685925" y="2942705"/>
+            <a:ext cx="5772150" cy="3357716"/>
           </a:xfrm>
           <a:prstGeom prst="rect">
             <a:avLst/>
@@ -27841,8 +28900,8 @@
         </p:blipFill>
         <p:spPr bwMode="auto">
           <a:xfrm>
-            <a:off x="683568" y="735546"/>
-            <a:ext cx="5324475" cy="584355"/>
+            <a:off x="683568" y="980728"/>
+            <a:ext cx="5324475" cy="779140"/>
           </a:xfrm>
           <a:prstGeom prst="rect">
             <a:avLst/>
@@ -27932,7 +28991,7 @@
         <p:spPr/>
         <p:txBody>
           <a:bodyPr>
-            <a:normAutofit fontScale="90000"/>
+            <a:normAutofit/>
           </a:bodyPr>
           <a:lstStyle/>
           <a:p>
@@ -27956,7 +29015,7 @@
         </p:nvSpPr>
         <p:spPr>
           <a:xfrm>
-            <a:off x="251520" y="789552"/>
+            <a:off x="251520" y="1052736"/>
             <a:ext cx="8280920" cy="3416320"/>
           </a:xfrm>
           <a:prstGeom prst="rect">
@@ -28625,7 +29684,7 @@
         <a:sysClr val="windowText" lastClr="000000"/>
       </a:dk1>
       <a:lt1>
-        <a:sysClr val="window" lastClr="CCE8CF"/>
+        <a:sysClr val="window" lastClr="FFFFFF"/>
       </a:lt1>
       <a:dk2>
         <a:srgbClr val="1F497D"/>
@@ -28908,7 +29967,7 @@
         <a:sysClr val="windowText" lastClr="000000"/>
       </a:dk1>
       <a:lt1>
-        <a:sysClr val="window" lastClr="CCE8CF"/>
+        <a:sysClr val="window" lastClr="FFFFFF"/>
       </a:lt1>
       <a:dk2>
         <a:srgbClr val="1F497D"/>
